--- a/docs/_documents/Application architecture.pptx
+++ b/docs/_documents/Application architecture.pptx
@@ -260,7 +260,7 @@
           <a:p>
             <a:fld id="{9D2743A8-FFB9-41BC-AF05-F9F1905D857A}" type="datetimeFigureOut">
               <a:rPr lang="fr-FR" smtClean="0"/>
-              <a:t>21/02/2022</a:t>
+              <a:t>01/08/2022</a:t>
             </a:fld>
             <a:endParaRPr lang="fr-FR"/>
           </a:p>
@@ -458,7 +458,7 @@
           <a:p>
             <a:fld id="{9D2743A8-FFB9-41BC-AF05-F9F1905D857A}" type="datetimeFigureOut">
               <a:rPr lang="fr-FR" smtClean="0"/>
-              <a:t>21/02/2022</a:t>
+              <a:t>01/08/2022</a:t>
             </a:fld>
             <a:endParaRPr lang="fr-FR"/>
           </a:p>
@@ -666,7 +666,7 @@
           <a:p>
             <a:fld id="{9D2743A8-FFB9-41BC-AF05-F9F1905D857A}" type="datetimeFigureOut">
               <a:rPr lang="fr-FR" smtClean="0"/>
-              <a:t>21/02/2022</a:t>
+              <a:t>01/08/2022</a:t>
             </a:fld>
             <a:endParaRPr lang="fr-FR"/>
           </a:p>
@@ -864,7 +864,7 @@
           <a:p>
             <a:fld id="{9D2743A8-FFB9-41BC-AF05-F9F1905D857A}" type="datetimeFigureOut">
               <a:rPr lang="fr-FR" smtClean="0"/>
-              <a:t>21/02/2022</a:t>
+              <a:t>01/08/2022</a:t>
             </a:fld>
             <a:endParaRPr lang="fr-FR"/>
           </a:p>
@@ -1139,7 +1139,7 @@
           <a:p>
             <a:fld id="{9D2743A8-FFB9-41BC-AF05-F9F1905D857A}" type="datetimeFigureOut">
               <a:rPr lang="fr-FR" smtClean="0"/>
-              <a:t>21/02/2022</a:t>
+              <a:t>01/08/2022</a:t>
             </a:fld>
             <a:endParaRPr lang="fr-FR"/>
           </a:p>
@@ -1404,7 +1404,7 @@
           <a:p>
             <a:fld id="{9D2743A8-FFB9-41BC-AF05-F9F1905D857A}" type="datetimeFigureOut">
               <a:rPr lang="fr-FR" smtClean="0"/>
-              <a:t>21/02/2022</a:t>
+              <a:t>01/08/2022</a:t>
             </a:fld>
             <a:endParaRPr lang="fr-FR"/>
           </a:p>
@@ -1816,7 +1816,7 @@
           <a:p>
             <a:fld id="{9D2743A8-FFB9-41BC-AF05-F9F1905D857A}" type="datetimeFigureOut">
               <a:rPr lang="fr-FR" smtClean="0"/>
-              <a:t>21/02/2022</a:t>
+              <a:t>01/08/2022</a:t>
             </a:fld>
             <a:endParaRPr lang="fr-FR"/>
           </a:p>
@@ -1957,7 +1957,7 @@
           <a:p>
             <a:fld id="{9D2743A8-FFB9-41BC-AF05-F9F1905D857A}" type="datetimeFigureOut">
               <a:rPr lang="fr-FR" smtClean="0"/>
-              <a:t>21/02/2022</a:t>
+              <a:t>01/08/2022</a:t>
             </a:fld>
             <a:endParaRPr lang="fr-FR"/>
           </a:p>
@@ -2070,7 +2070,7 @@
           <a:p>
             <a:fld id="{9D2743A8-FFB9-41BC-AF05-F9F1905D857A}" type="datetimeFigureOut">
               <a:rPr lang="fr-FR" smtClean="0"/>
-              <a:t>21/02/2022</a:t>
+              <a:t>01/08/2022</a:t>
             </a:fld>
             <a:endParaRPr lang="fr-FR"/>
           </a:p>
@@ -2381,7 +2381,7 @@
           <a:p>
             <a:fld id="{9D2743A8-FFB9-41BC-AF05-F9F1905D857A}" type="datetimeFigureOut">
               <a:rPr lang="fr-FR" smtClean="0"/>
-              <a:t>21/02/2022</a:t>
+              <a:t>01/08/2022</a:t>
             </a:fld>
             <a:endParaRPr lang="fr-FR"/>
           </a:p>
@@ -2669,7 +2669,7 @@
           <a:p>
             <a:fld id="{9D2743A8-FFB9-41BC-AF05-F9F1905D857A}" type="datetimeFigureOut">
               <a:rPr lang="fr-FR" smtClean="0"/>
-              <a:t>21/02/2022</a:t>
+              <a:t>01/08/2022</a:t>
             </a:fld>
             <a:endParaRPr lang="fr-FR"/>
           </a:p>
@@ -2910,7 +2910,7 @@
           <a:p>
             <a:fld id="{9D2743A8-FFB9-41BC-AF05-F9F1905D857A}" type="datetimeFigureOut">
               <a:rPr lang="fr-FR" smtClean="0"/>
-              <a:t>21/02/2022</a:t>
+              <a:t>01/08/2022</a:t>
             </a:fld>
             <a:endParaRPr lang="fr-FR"/>
           </a:p>
@@ -5595,6 +5595,2151 @@
           <a:chExt cx="0" cy="0"/>
         </a:xfrm>
       </p:grpSpPr>
+      <p:grpSp>
+        <p:nvGrpSpPr>
+          <p:cNvPr id="63" name="Groupe 62">
+            <a:extLst>
+              <a:ext uri="{FF2B5EF4-FFF2-40B4-BE49-F238E27FC236}">
+                <a16:creationId xmlns:a16="http://schemas.microsoft.com/office/drawing/2014/main" id="{800AC1BF-E83A-629A-C44B-A50BEB4F4D60}"/>
+              </a:ext>
+            </a:extLst>
+          </p:cNvPr>
+          <p:cNvGrpSpPr/>
+          <p:nvPr/>
+        </p:nvGrpSpPr>
+        <p:grpSpPr>
+          <a:xfrm>
+            <a:off x="4742657" y="742077"/>
+            <a:ext cx="2668355" cy="1069311"/>
+            <a:chOff x="4106924" y="646278"/>
+            <a:chExt cx="2668355" cy="1069311"/>
+          </a:xfrm>
+        </p:grpSpPr>
+        <p:sp>
+          <p:nvSpPr>
+            <p:cNvPr id="2" name="Rectangle 1">
+              <a:extLst>
+                <a:ext uri="{FF2B5EF4-FFF2-40B4-BE49-F238E27FC236}">
+                  <a16:creationId xmlns:a16="http://schemas.microsoft.com/office/drawing/2014/main" id="{70D2229A-4A44-8C99-AF4E-B06D89B253E9}"/>
+                </a:ext>
+              </a:extLst>
+            </p:cNvPr>
+            <p:cNvSpPr/>
+            <p:nvPr/>
+          </p:nvSpPr>
+          <p:spPr>
+            <a:xfrm>
+              <a:off x="4106924" y="646279"/>
+              <a:ext cx="2668355" cy="396000"/>
+            </a:xfrm>
+            <a:prstGeom prst="rect">
+              <a:avLst/>
+            </a:prstGeom>
+            <a:effectLst>
+              <a:softEdge rad="31750"/>
+            </a:effectLst>
+          </p:spPr>
+          <p:style>
+            <a:lnRef idx="2">
+              <a:schemeClr val="accent1">
+                <a:shade val="50000"/>
+              </a:schemeClr>
+            </a:lnRef>
+            <a:fillRef idx="1">
+              <a:schemeClr val="accent1"/>
+            </a:fillRef>
+            <a:effectRef idx="0">
+              <a:schemeClr val="accent1"/>
+            </a:effectRef>
+            <a:fontRef idx="minor">
+              <a:schemeClr val="lt1"/>
+            </a:fontRef>
+          </p:style>
+          <p:txBody>
+            <a:bodyPr rtlCol="0" anchor="ctr"/>
+            <a:lstStyle/>
+            <a:p>
+              <a:pPr algn="ctr"/>
+              <a:r>
+                <a:rPr lang="fr-FR" dirty="0"/>
+                <a:t>API Gateway</a:t>
+              </a:r>
+            </a:p>
+          </p:txBody>
+        </p:sp>
+        <p:sp>
+          <p:nvSpPr>
+            <p:cNvPr id="3" name="Rectangle 2">
+              <a:extLst>
+                <a:ext uri="{FF2B5EF4-FFF2-40B4-BE49-F238E27FC236}">
+                  <a16:creationId xmlns:a16="http://schemas.microsoft.com/office/drawing/2014/main" id="{388EC706-58B5-E82F-FABA-4C844A093E64}"/>
+                </a:ext>
+              </a:extLst>
+            </p:cNvPr>
+            <p:cNvSpPr/>
+            <p:nvPr/>
+          </p:nvSpPr>
+          <p:spPr>
+            <a:xfrm>
+              <a:off x="4106924" y="646278"/>
+              <a:ext cx="2668355" cy="1069311"/>
+            </a:xfrm>
+            <a:prstGeom prst="rect">
+              <a:avLst/>
+            </a:prstGeom>
+            <a:noFill/>
+            <a:ln w="28575">
+              <a:solidFill>
+                <a:schemeClr val="accent1"/>
+              </a:solidFill>
+              <a:prstDash val="sysDash"/>
+            </a:ln>
+          </p:spPr>
+          <p:style>
+            <a:lnRef idx="2">
+              <a:schemeClr val="accent1">
+                <a:shade val="50000"/>
+              </a:schemeClr>
+            </a:lnRef>
+            <a:fillRef idx="1">
+              <a:schemeClr val="accent1"/>
+            </a:fillRef>
+            <a:effectRef idx="0">
+              <a:schemeClr val="accent1"/>
+            </a:effectRef>
+            <a:fontRef idx="minor">
+              <a:schemeClr val="lt1"/>
+            </a:fontRef>
+          </p:style>
+          <p:txBody>
+            <a:bodyPr rtlCol="0" anchor="ctr"/>
+            <a:lstStyle/>
+            <a:p>
+              <a:pPr algn="ctr"/>
+              <a:endParaRPr lang="fr-FR"/>
+            </a:p>
+          </p:txBody>
+        </p:sp>
+        <p:sp>
+          <p:nvSpPr>
+            <p:cNvPr id="12" name="Rectangle : coins arrondis 11">
+              <a:extLst>
+                <a:ext uri="{FF2B5EF4-FFF2-40B4-BE49-F238E27FC236}">
+                  <a16:creationId xmlns:a16="http://schemas.microsoft.com/office/drawing/2014/main" id="{3A5F0E98-3FF4-70C8-9F0F-987987CFD583}"/>
+                </a:ext>
+              </a:extLst>
+            </p:cNvPr>
+            <p:cNvSpPr/>
+            <p:nvPr/>
+          </p:nvSpPr>
+          <p:spPr>
+            <a:xfrm>
+              <a:off x="4236096" y="1129802"/>
+              <a:ext cx="1440000" cy="390525"/>
+            </a:xfrm>
+            <a:prstGeom prst="roundRect">
+              <a:avLst/>
+            </a:prstGeom>
+            <a:gradFill flip="none" rotWithShape="1">
+              <a:gsLst>
+                <a:gs pos="0">
+                  <a:schemeClr val="accent5">
+                    <a:lumMod val="67000"/>
+                  </a:schemeClr>
+                </a:gs>
+                <a:gs pos="48000">
+                  <a:schemeClr val="accent5">
+                    <a:lumMod val="97000"/>
+                    <a:lumOff val="3000"/>
+                  </a:schemeClr>
+                </a:gs>
+                <a:gs pos="100000">
+                  <a:schemeClr val="accent5">
+                    <a:lumMod val="60000"/>
+                    <a:lumOff val="40000"/>
+                  </a:schemeClr>
+                </a:gs>
+              </a:gsLst>
+              <a:lin ang="16200000" scaled="1"/>
+              <a:tileRect/>
+            </a:gradFill>
+            <a:ln>
+              <a:noFill/>
+            </a:ln>
+          </p:spPr>
+          <p:style>
+            <a:lnRef idx="0">
+              <a:scrgbClr r="0" g="0" b="0"/>
+            </a:lnRef>
+            <a:fillRef idx="0">
+              <a:scrgbClr r="0" g="0" b="0"/>
+            </a:fillRef>
+            <a:effectRef idx="0">
+              <a:scrgbClr r="0" g="0" b="0"/>
+            </a:effectRef>
+            <a:fontRef idx="minor">
+              <a:schemeClr val="lt1"/>
+            </a:fontRef>
+          </p:style>
+          <p:txBody>
+            <a:bodyPr rtlCol="0" anchor="ctr"/>
+            <a:lstStyle/>
+            <a:p>
+              <a:pPr algn="ctr"/>
+              <a:r>
+                <a:rPr lang="fr-FR" sz="1200" dirty="0" err="1"/>
+                <a:t>GrapQL</a:t>
+              </a:r>
+              <a:r>
+                <a:rPr lang="fr-FR" sz="1200" dirty="0"/>
+                <a:t> </a:t>
+              </a:r>
+              <a:r>
+                <a:rPr lang="fr-FR" sz="1200" dirty="0" err="1"/>
+                <a:t>Federation</a:t>
+              </a:r>
+              <a:endParaRPr lang="fr-FR" sz="1200" dirty="0"/>
+            </a:p>
+          </p:txBody>
+        </p:sp>
+        <p:pic>
+          <p:nvPicPr>
+            <p:cNvPr id="1026" name="Picture 2" descr="GraphQL logo, brand guidelines and assets">
+              <a:extLst>
+                <a:ext uri="{FF2B5EF4-FFF2-40B4-BE49-F238E27FC236}">
+                  <a16:creationId xmlns:a16="http://schemas.microsoft.com/office/drawing/2014/main" id="{513A4E1B-DDE3-E629-AFCC-8D18722951B5}"/>
+                </a:ext>
+              </a:extLst>
+            </p:cNvPr>
+            <p:cNvPicPr>
+              <a:picLocks noChangeAspect="1" noChangeArrowheads="1"/>
+            </p:cNvPicPr>
+            <p:nvPr/>
+          </p:nvPicPr>
+          <p:blipFill>
+            <a:blip r:embed="rId2">
+              <a:extLst>
+                <a:ext uri="{28A0092B-C50C-407E-A947-70E740481C1C}">
+                  <a14:useLocalDpi xmlns:a14="http://schemas.microsoft.com/office/drawing/2010/main" val="0"/>
+                </a:ext>
+              </a:extLst>
+            </a:blip>
+            <a:srcRect/>
+            <a:stretch>
+              <a:fillRect/>
+            </a:stretch>
+          </p:blipFill>
+          <p:spPr bwMode="auto">
+            <a:xfrm>
+              <a:off x="5676096" y="1097510"/>
+              <a:ext cx="505369" cy="554962"/>
+            </a:xfrm>
+            <a:prstGeom prst="rect">
+              <a:avLst/>
+            </a:prstGeom>
+            <a:noFill/>
+            <a:extLst>
+              <a:ext uri="{909E8E84-426E-40DD-AFC4-6F175D3DCCD1}">
+                <a14:hiddenFill xmlns:a14="http://schemas.microsoft.com/office/drawing/2010/main">
+                  <a:solidFill>
+                    <a:srgbClr val="FFFFFF"/>
+                  </a:solidFill>
+                </a14:hiddenFill>
+              </a:ext>
+            </a:extLst>
+          </p:spPr>
+        </p:pic>
+        <p:pic>
+          <p:nvPicPr>
+            <p:cNvPr id="1028" name="Picture 4" descr="Microsoft .NET — Wikipédia">
+              <a:extLst>
+                <a:ext uri="{FF2B5EF4-FFF2-40B4-BE49-F238E27FC236}">
+                  <a16:creationId xmlns:a16="http://schemas.microsoft.com/office/drawing/2014/main" id="{AF520185-5718-7FD0-7215-222667ED587D}"/>
+                </a:ext>
+              </a:extLst>
+            </p:cNvPr>
+            <p:cNvPicPr>
+              <a:picLocks noChangeAspect="1" noChangeArrowheads="1"/>
+            </p:cNvPicPr>
+            <p:nvPr/>
+          </p:nvPicPr>
+          <p:blipFill>
+            <a:blip r:embed="rId3">
+              <a:extLst>
+                <a:ext uri="{28A0092B-C50C-407E-A947-70E740481C1C}">
+                  <a14:useLocalDpi xmlns:a14="http://schemas.microsoft.com/office/drawing/2010/main" val="0"/>
+                </a:ext>
+              </a:extLst>
+            </a:blip>
+            <a:srcRect/>
+            <a:stretch>
+              <a:fillRect/>
+            </a:stretch>
+          </p:blipFill>
+          <p:spPr bwMode="auto">
+            <a:xfrm>
+              <a:off x="6258079" y="1106057"/>
+              <a:ext cx="438013" cy="438013"/>
+            </a:xfrm>
+            <a:prstGeom prst="rect">
+              <a:avLst/>
+            </a:prstGeom>
+            <a:noFill/>
+            <a:extLst>
+              <a:ext uri="{909E8E84-426E-40DD-AFC4-6F175D3DCCD1}">
+                <a14:hiddenFill xmlns:a14="http://schemas.microsoft.com/office/drawing/2010/main">
+                  <a:solidFill>
+                    <a:srgbClr val="FFFFFF"/>
+                  </a:solidFill>
+                </a14:hiddenFill>
+              </a:ext>
+            </a:extLst>
+          </p:spPr>
+        </p:pic>
+      </p:grpSp>
+      <p:grpSp>
+        <p:nvGrpSpPr>
+          <p:cNvPr id="59" name="Groupe 58">
+            <a:extLst>
+              <a:ext uri="{FF2B5EF4-FFF2-40B4-BE49-F238E27FC236}">
+                <a16:creationId xmlns:a16="http://schemas.microsoft.com/office/drawing/2014/main" id="{D5D558F1-2574-8991-3A46-9DF45F6EB872}"/>
+              </a:ext>
+            </a:extLst>
+          </p:cNvPr>
+          <p:cNvGrpSpPr/>
+          <p:nvPr/>
+        </p:nvGrpSpPr>
+        <p:grpSpPr>
+          <a:xfrm>
+            <a:off x="201943" y="2479432"/>
+            <a:ext cx="2668355" cy="1069311"/>
+            <a:chOff x="201943" y="2479432"/>
+            <a:chExt cx="2668355" cy="1069311"/>
+          </a:xfrm>
+        </p:grpSpPr>
+        <p:sp>
+          <p:nvSpPr>
+            <p:cNvPr id="28" name="Rectangle 27">
+              <a:extLst>
+                <a:ext uri="{FF2B5EF4-FFF2-40B4-BE49-F238E27FC236}">
+                  <a16:creationId xmlns:a16="http://schemas.microsoft.com/office/drawing/2014/main" id="{3BFF0F3C-D01D-D374-7D71-6EF305B69999}"/>
+                </a:ext>
+              </a:extLst>
+            </p:cNvPr>
+            <p:cNvSpPr/>
+            <p:nvPr/>
+          </p:nvSpPr>
+          <p:spPr>
+            <a:xfrm>
+              <a:off x="201943" y="2479433"/>
+              <a:ext cx="2668355" cy="396000"/>
+            </a:xfrm>
+            <a:prstGeom prst="rect">
+              <a:avLst/>
+            </a:prstGeom>
+            <a:effectLst>
+              <a:softEdge rad="31750"/>
+            </a:effectLst>
+          </p:spPr>
+          <p:style>
+            <a:lnRef idx="2">
+              <a:schemeClr val="accent1">
+                <a:shade val="50000"/>
+              </a:schemeClr>
+            </a:lnRef>
+            <a:fillRef idx="1">
+              <a:schemeClr val="accent1"/>
+            </a:fillRef>
+            <a:effectRef idx="0">
+              <a:schemeClr val="accent1"/>
+            </a:effectRef>
+            <a:fontRef idx="minor">
+              <a:schemeClr val="lt1"/>
+            </a:fontRef>
+          </p:style>
+          <p:txBody>
+            <a:bodyPr rtlCol="0" anchor="ctr"/>
+            <a:lstStyle/>
+            <a:p>
+              <a:pPr algn="ctr"/>
+              <a:r>
+                <a:rPr lang="fr-FR" dirty="0" err="1"/>
+                <a:t>Devices</a:t>
+              </a:r>
+              <a:r>
+                <a:rPr lang="fr-FR" dirty="0"/>
+                <a:t> Domain</a:t>
+              </a:r>
+            </a:p>
+          </p:txBody>
+        </p:sp>
+        <p:sp>
+          <p:nvSpPr>
+            <p:cNvPr id="29" name="Rectangle 28">
+              <a:extLst>
+                <a:ext uri="{FF2B5EF4-FFF2-40B4-BE49-F238E27FC236}">
+                  <a16:creationId xmlns:a16="http://schemas.microsoft.com/office/drawing/2014/main" id="{6D66BA92-2728-35E3-3FF7-02EAC9662DC1}"/>
+                </a:ext>
+              </a:extLst>
+            </p:cNvPr>
+            <p:cNvSpPr/>
+            <p:nvPr/>
+          </p:nvSpPr>
+          <p:spPr>
+            <a:xfrm>
+              <a:off x="201943" y="2479432"/>
+              <a:ext cx="2668355" cy="1069311"/>
+            </a:xfrm>
+            <a:prstGeom prst="rect">
+              <a:avLst/>
+            </a:prstGeom>
+            <a:noFill/>
+            <a:ln w="28575">
+              <a:solidFill>
+                <a:schemeClr val="accent1"/>
+              </a:solidFill>
+              <a:prstDash val="sysDash"/>
+            </a:ln>
+          </p:spPr>
+          <p:style>
+            <a:lnRef idx="2">
+              <a:schemeClr val="accent1">
+                <a:shade val="50000"/>
+              </a:schemeClr>
+            </a:lnRef>
+            <a:fillRef idx="1">
+              <a:schemeClr val="accent1"/>
+            </a:fillRef>
+            <a:effectRef idx="0">
+              <a:schemeClr val="accent1"/>
+            </a:effectRef>
+            <a:fontRef idx="minor">
+              <a:schemeClr val="lt1"/>
+            </a:fontRef>
+          </p:style>
+          <p:txBody>
+            <a:bodyPr rtlCol="0" anchor="ctr"/>
+            <a:lstStyle/>
+            <a:p>
+              <a:pPr algn="ctr"/>
+              <a:endParaRPr lang="fr-FR"/>
+            </a:p>
+          </p:txBody>
+        </p:sp>
+        <p:sp>
+          <p:nvSpPr>
+            <p:cNvPr id="30" name="Rectangle : coins arrondis 29">
+              <a:extLst>
+                <a:ext uri="{FF2B5EF4-FFF2-40B4-BE49-F238E27FC236}">
+                  <a16:creationId xmlns:a16="http://schemas.microsoft.com/office/drawing/2014/main" id="{0099C4EB-A498-052D-8F9B-FC67C2B37A92}"/>
+                </a:ext>
+              </a:extLst>
+            </p:cNvPr>
+            <p:cNvSpPr/>
+            <p:nvPr/>
+          </p:nvSpPr>
+          <p:spPr>
+            <a:xfrm>
+              <a:off x="331115" y="2962956"/>
+              <a:ext cx="1440000" cy="390525"/>
+            </a:xfrm>
+            <a:prstGeom prst="roundRect">
+              <a:avLst/>
+            </a:prstGeom>
+            <a:gradFill flip="none" rotWithShape="1">
+              <a:gsLst>
+                <a:gs pos="0">
+                  <a:schemeClr val="accent5">
+                    <a:lumMod val="67000"/>
+                  </a:schemeClr>
+                </a:gs>
+                <a:gs pos="48000">
+                  <a:schemeClr val="accent5">
+                    <a:lumMod val="97000"/>
+                    <a:lumOff val="3000"/>
+                  </a:schemeClr>
+                </a:gs>
+                <a:gs pos="100000">
+                  <a:schemeClr val="accent5">
+                    <a:lumMod val="60000"/>
+                    <a:lumOff val="40000"/>
+                  </a:schemeClr>
+                </a:gs>
+              </a:gsLst>
+              <a:lin ang="16200000" scaled="1"/>
+              <a:tileRect/>
+            </a:gradFill>
+            <a:ln>
+              <a:noFill/>
+            </a:ln>
+          </p:spPr>
+          <p:style>
+            <a:lnRef idx="0">
+              <a:scrgbClr r="0" g="0" b="0"/>
+            </a:lnRef>
+            <a:fillRef idx="0">
+              <a:scrgbClr r="0" g="0" b="0"/>
+            </a:fillRef>
+            <a:effectRef idx="0">
+              <a:scrgbClr r="0" g="0" b="0"/>
+            </a:effectRef>
+            <a:fontRef idx="minor">
+              <a:schemeClr val="lt1"/>
+            </a:fontRef>
+          </p:style>
+          <p:txBody>
+            <a:bodyPr rtlCol="0" anchor="ctr"/>
+            <a:lstStyle/>
+            <a:p>
+              <a:pPr algn="ctr"/>
+              <a:r>
+                <a:rPr lang="fr-FR" sz="1200" dirty="0" err="1"/>
+                <a:t>GrapQL</a:t>
+              </a:r>
+              <a:r>
+                <a:rPr lang="fr-FR" sz="1200" dirty="0"/>
+                <a:t> API</a:t>
+              </a:r>
+            </a:p>
+          </p:txBody>
+        </p:sp>
+        <p:pic>
+          <p:nvPicPr>
+            <p:cNvPr id="31" name="Picture 2" descr="GraphQL logo, brand guidelines and assets">
+              <a:extLst>
+                <a:ext uri="{FF2B5EF4-FFF2-40B4-BE49-F238E27FC236}">
+                  <a16:creationId xmlns:a16="http://schemas.microsoft.com/office/drawing/2014/main" id="{07C1B04C-DA3D-2FF1-575E-5D8782DD8607}"/>
+                </a:ext>
+              </a:extLst>
+            </p:cNvPr>
+            <p:cNvPicPr>
+              <a:picLocks noChangeAspect="1" noChangeArrowheads="1"/>
+            </p:cNvPicPr>
+            <p:nvPr/>
+          </p:nvPicPr>
+          <p:blipFill>
+            <a:blip r:embed="rId2">
+              <a:extLst>
+                <a:ext uri="{28A0092B-C50C-407E-A947-70E740481C1C}">
+                  <a14:useLocalDpi xmlns:a14="http://schemas.microsoft.com/office/drawing/2010/main" val="0"/>
+                </a:ext>
+              </a:extLst>
+            </a:blip>
+            <a:srcRect/>
+            <a:stretch>
+              <a:fillRect/>
+            </a:stretch>
+          </p:blipFill>
+          <p:spPr bwMode="auto">
+            <a:xfrm>
+              <a:off x="1771115" y="2930664"/>
+              <a:ext cx="505369" cy="554962"/>
+            </a:xfrm>
+            <a:prstGeom prst="rect">
+              <a:avLst/>
+            </a:prstGeom>
+            <a:noFill/>
+            <a:extLst>
+              <a:ext uri="{909E8E84-426E-40DD-AFC4-6F175D3DCCD1}">
+                <a14:hiddenFill xmlns:a14="http://schemas.microsoft.com/office/drawing/2010/main">
+                  <a:solidFill>
+                    <a:srgbClr val="FFFFFF"/>
+                  </a:solidFill>
+                </a14:hiddenFill>
+              </a:ext>
+            </a:extLst>
+          </p:spPr>
+        </p:pic>
+        <p:pic>
+          <p:nvPicPr>
+            <p:cNvPr id="32" name="Picture 4" descr="Microsoft .NET — Wikipédia">
+              <a:extLst>
+                <a:ext uri="{FF2B5EF4-FFF2-40B4-BE49-F238E27FC236}">
+                  <a16:creationId xmlns:a16="http://schemas.microsoft.com/office/drawing/2014/main" id="{E032A006-B559-2DE7-6883-5657A380D28A}"/>
+                </a:ext>
+              </a:extLst>
+            </p:cNvPr>
+            <p:cNvPicPr>
+              <a:picLocks noChangeAspect="1" noChangeArrowheads="1"/>
+            </p:cNvPicPr>
+            <p:nvPr/>
+          </p:nvPicPr>
+          <p:blipFill>
+            <a:blip r:embed="rId3">
+              <a:extLst>
+                <a:ext uri="{28A0092B-C50C-407E-A947-70E740481C1C}">
+                  <a14:useLocalDpi xmlns:a14="http://schemas.microsoft.com/office/drawing/2010/main" val="0"/>
+                </a:ext>
+              </a:extLst>
+            </a:blip>
+            <a:srcRect/>
+            <a:stretch>
+              <a:fillRect/>
+            </a:stretch>
+          </p:blipFill>
+          <p:spPr bwMode="auto">
+            <a:xfrm>
+              <a:off x="2353098" y="2939211"/>
+              <a:ext cx="438013" cy="438013"/>
+            </a:xfrm>
+            <a:prstGeom prst="rect">
+              <a:avLst/>
+            </a:prstGeom>
+            <a:noFill/>
+            <a:extLst>
+              <a:ext uri="{909E8E84-426E-40DD-AFC4-6F175D3DCCD1}">
+                <a14:hiddenFill xmlns:a14="http://schemas.microsoft.com/office/drawing/2010/main">
+                  <a:solidFill>
+                    <a:srgbClr val="FFFFFF"/>
+                  </a:solidFill>
+                </a14:hiddenFill>
+              </a:ext>
+            </a:extLst>
+          </p:spPr>
+        </p:pic>
+      </p:grpSp>
+      <p:grpSp>
+        <p:nvGrpSpPr>
+          <p:cNvPr id="60" name="Groupe 59">
+            <a:extLst>
+              <a:ext uri="{FF2B5EF4-FFF2-40B4-BE49-F238E27FC236}">
+                <a16:creationId xmlns:a16="http://schemas.microsoft.com/office/drawing/2014/main" id="{84F9B834-C321-4262-53E9-9305E7E06164}"/>
+              </a:ext>
+            </a:extLst>
+          </p:cNvPr>
+          <p:cNvGrpSpPr/>
+          <p:nvPr/>
+        </p:nvGrpSpPr>
+        <p:grpSpPr>
+          <a:xfrm>
+            <a:off x="3237622" y="2491177"/>
+            <a:ext cx="2668355" cy="1069311"/>
+            <a:chOff x="3185568" y="2491177"/>
+            <a:chExt cx="2668355" cy="1069311"/>
+          </a:xfrm>
+        </p:grpSpPr>
+        <p:sp>
+          <p:nvSpPr>
+            <p:cNvPr id="33" name="Rectangle 32">
+              <a:extLst>
+                <a:ext uri="{FF2B5EF4-FFF2-40B4-BE49-F238E27FC236}">
+                  <a16:creationId xmlns:a16="http://schemas.microsoft.com/office/drawing/2014/main" id="{1FE92BFD-9DF9-1498-9C52-8219BEFBA708}"/>
+                </a:ext>
+              </a:extLst>
+            </p:cNvPr>
+            <p:cNvSpPr/>
+            <p:nvPr/>
+          </p:nvSpPr>
+          <p:spPr>
+            <a:xfrm>
+              <a:off x="3185568" y="2491178"/>
+              <a:ext cx="2668355" cy="396000"/>
+            </a:xfrm>
+            <a:prstGeom prst="rect">
+              <a:avLst/>
+            </a:prstGeom>
+            <a:effectLst>
+              <a:softEdge rad="31750"/>
+            </a:effectLst>
+          </p:spPr>
+          <p:style>
+            <a:lnRef idx="2">
+              <a:schemeClr val="accent1">
+                <a:shade val="50000"/>
+              </a:schemeClr>
+            </a:lnRef>
+            <a:fillRef idx="1">
+              <a:schemeClr val="accent1"/>
+            </a:fillRef>
+            <a:effectRef idx="0">
+              <a:schemeClr val="accent1"/>
+            </a:effectRef>
+            <a:fontRef idx="minor">
+              <a:schemeClr val="lt1"/>
+            </a:fontRef>
+          </p:style>
+          <p:txBody>
+            <a:bodyPr rtlCol="0" anchor="ctr"/>
+            <a:lstStyle/>
+            <a:p>
+              <a:pPr algn="ctr"/>
+              <a:r>
+                <a:rPr lang="fr-FR" dirty="0" err="1"/>
+                <a:t>Users</a:t>
+              </a:r>
+              <a:r>
+                <a:rPr lang="fr-FR" dirty="0"/>
+                <a:t> Domain</a:t>
+              </a:r>
+            </a:p>
+          </p:txBody>
+        </p:sp>
+        <p:sp>
+          <p:nvSpPr>
+            <p:cNvPr id="34" name="Rectangle 33">
+              <a:extLst>
+                <a:ext uri="{FF2B5EF4-FFF2-40B4-BE49-F238E27FC236}">
+                  <a16:creationId xmlns:a16="http://schemas.microsoft.com/office/drawing/2014/main" id="{0294C4D2-3EB0-C077-419B-9C510973F804}"/>
+                </a:ext>
+              </a:extLst>
+            </p:cNvPr>
+            <p:cNvSpPr/>
+            <p:nvPr/>
+          </p:nvSpPr>
+          <p:spPr>
+            <a:xfrm>
+              <a:off x="3185568" y="2491177"/>
+              <a:ext cx="2668355" cy="1069311"/>
+            </a:xfrm>
+            <a:prstGeom prst="rect">
+              <a:avLst/>
+            </a:prstGeom>
+            <a:noFill/>
+            <a:ln w="28575">
+              <a:solidFill>
+                <a:schemeClr val="accent1"/>
+              </a:solidFill>
+              <a:prstDash val="sysDash"/>
+            </a:ln>
+          </p:spPr>
+          <p:style>
+            <a:lnRef idx="2">
+              <a:schemeClr val="accent1">
+                <a:shade val="50000"/>
+              </a:schemeClr>
+            </a:lnRef>
+            <a:fillRef idx="1">
+              <a:schemeClr val="accent1"/>
+            </a:fillRef>
+            <a:effectRef idx="0">
+              <a:schemeClr val="accent1"/>
+            </a:effectRef>
+            <a:fontRef idx="minor">
+              <a:schemeClr val="lt1"/>
+            </a:fontRef>
+          </p:style>
+          <p:txBody>
+            <a:bodyPr rtlCol="0" anchor="ctr"/>
+            <a:lstStyle/>
+            <a:p>
+              <a:pPr algn="ctr"/>
+              <a:endParaRPr lang="fr-FR"/>
+            </a:p>
+          </p:txBody>
+        </p:sp>
+        <p:sp>
+          <p:nvSpPr>
+            <p:cNvPr id="35" name="Rectangle : coins arrondis 34">
+              <a:extLst>
+                <a:ext uri="{FF2B5EF4-FFF2-40B4-BE49-F238E27FC236}">
+                  <a16:creationId xmlns:a16="http://schemas.microsoft.com/office/drawing/2014/main" id="{392579D3-1B70-0893-EFD6-D9F044A322E4}"/>
+                </a:ext>
+              </a:extLst>
+            </p:cNvPr>
+            <p:cNvSpPr/>
+            <p:nvPr/>
+          </p:nvSpPr>
+          <p:spPr>
+            <a:xfrm>
+              <a:off x="3314740" y="2974701"/>
+              <a:ext cx="1440000" cy="390525"/>
+            </a:xfrm>
+            <a:prstGeom prst="roundRect">
+              <a:avLst/>
+            </a:prstGeom>
+            <a:gradFill flip="none" rotWithShape="1">
+              <a:gsLst>
+                <a:gs pos="0">
+                  <a:schemeClr val="accent5">
+                    <a:lumMod val="67000"/>
+                  </a:schemeClr>
+                </a:gs>
+                <a:gs pos="48000">
+                  <a:schemeClr val="accent5">
+                    <a:lumMod val="97000"/>
+                    <a:lumOff val="3000"/>
+                  </a:schemeClr>
+                </a:gs>
+                <a:gs pos="100000">
+                  <a:schemeClr val="accent5">
+                    <a:lumMod val="60000"/>
+                    <a:lumOff val="40000"/>
+                  </a:schemeClr>
+                </a:gs>
+              </a:gsLst>
+              <a:lin ang="16200000" scaled="1"/>
+              <a:tileRect/>
+            </a:gradFill>
+            <a:ln>
+              <a:noFill/>
+            </a:ln>
+          </p:spPr>
+          <p:style>
+            <a:lnRef idx="0">
+              <a:scrgbClr r="0" g="0" b="0"/>
+            </a:lnRef>
+            <a:fillRef idx="0">
+              <a:scrgbClr r="0" g="0" b="0"/>
+            </a:fillRef>
+            <a:effectRef idx="0">
+              <a:scrgbClr r="0" g="0" b="0"/>
+            </a:effectRef>
+            <a:fontRef idx="minor">
+              <a:schemeClr val="lt1"/>
+            </a:fontRef>
+          </p:style>
+          <p:txBody>
+            <a:bodyPr rtlCol="0" anchor="ctr"/>
+            <a:lstStyle/>
+            <a:p>
+              <a:pPr algn="ctr"/>
+              <a:r>
+                <a:rPr lang="fr-FR" sz="1200" dirty="0" err="1"/>
+                <a:t>GrapQL</a:t>
+              </a:r>
+              <a:r>
+                <a:rPr lang="fr-FR" sz="1200" dirty="0"/>
+                <a:t> API</a:t>
+              </a:r>
+            </a:p>
+          </p:txBody>
+        </p:sp>
+        <p:pic>
+          <p:nvPicPr>
+            <p:cNvPr id="36" name="Picture 2" descr="GraphQL logo, brand guidelines and assets">
+              <a:extLst>
+                <a:ext uri="{FF2B5EF4-FFF2-40B4-BE49-F238E27FC236}">
+                  <a16:creationId xmlns:a16="http://schemas.microsoft.com/office/drawing/2014/main" id="{7629E871-78A0-EFD7-2B11-1B8768714CE9}"/>
+                </a:ext>
+              </a:extLst>
+            </p:cNvPr>
+            <p:cNvPicPr>
+              <a:picLocks noChangeAspect="1" noChangeArrowheads="1"/>
+            </p:cNvPicPr>
+            <p:nvPr/>
+          </p:nvPicPr>
+          <p:blipFill>
+            <a:blip r:embed="rId2">
+              <a:extLst>
+                <a:ext uri="{28A0092B-C50C-407E-A947-70E740481C1C}">
+                  <a14:useLocalDpi xmlns:a14="http://schemas.microsoft.com/office/drawing/2010/main" val="0"/>
+                </a:ext>
+              </a:extLst>
+            </a:blip>
+            <a:srcRect/>
+            <a:stretch>
+              <a:fillRect/>
+            </a:stretch>
+          </p:blipFill>
+          <p:spPr bwMode="auto">
+            <a:xfrm>
+              <a:off x="4754740" y="2942409"/>
+              <a:ext cx="505369" cy="554962"/>
+            </a:xfrm>
+            <a:prstGeom prst="rect">
+              <a:avLst/>
+            </a:prstGeom>
+            <a:noFill/>
+            <a:extLst>
+              <a:ext uri="{909E8E84-426E-40DD-AFC4-6F175D3DCCD1}">
+                <a14:hiddenFill xmlns:a14="http://schemas.microsoft.com/office/drawing/2010/main">
+                  <a:solidFill>
+                    <a:srgbClr val="FFFFFF"/>
+                  </a:solidFill>
+                </a14:hiddenFill>
+              </a:ext>
+            </a:extLst>
+          </p:spPr>
+        </p:pic>
+        <p:pic>
+          <p:nvPicPr>
+            <p:cNvPr id="37" name="Picture 4" descr="Microsoft .NET — Wikipédia">
+              <a:extLst>
+                <a:ext uri="{FF2B5EF4-FFF2-40B4-BE49-F238E27FC236}">
+                  <a16:creationId xmlns:a16="http://schemas.microsoft.com/office/drawing/2014/main" id="{9ACC37BE-0734-E23B-61D3-9C7E6AC1F86B}"/>
+                </a:ext>
+              </a:extLst>
+            </p:cNvPr>
+            <p:cNvPicPr>
+              <a:picLocks noChangeAspect="1" noChangeArrowheads="1"/>
+            </p:cNvPicPr>
+            <p:nvPr/>
+          </p:nvPicPr>
+          <p:blipFill>
+            <a:blip r:embed="rId3">
+              <a:extLst>
+                <a:ext uri="{28A0092B-C50C-407E-A947-70E740481C1C}">
+                  <a14:useLocalDpi xmlns:a14="http://schemas.microsoft.com/office/drawing/2010/main" val="0"/>
+                </a:ext>
+              </a:extLst>
+            </a:blip>
+            <a:srcRect/>
+            <a:stretch>
+              <a:fillRect/>
+            </a:stretch>
+          </p:blipFill>
+          <p:spPr bwMode="auto">
+            <a:xfrm>
+              <a:off x="5336723" y="2950956"/>
+              <a:ext cx="438013" cy="438013"/>
+            </a:xfrm>
+            <a:prstGeom prst="rect">
+              <a:avLst/>
+            </a:prstGeom>
+            <a:noFill/>
+            <a:extLst>
+              <a:ext uri="{909E8E84-426E-40DD-AFC4-6F175D3DCCD1}">
+                <a14:hiddenFill xmlns:a14="http://schemas.microsoft.com/office/drawing/2010/main">
+                  <a:solidFill>
+                    <a:srgbClr val="FFFFFF"/>
+                  </a:solidFill>
+                </a14:hiddenFill>
+              </a:ext>
+            </a:extLst>
+          </p:spPr>
+        </p:pic>
+      </p:grpSp>
+      <p:cxnSp>
+        <p:nvCxnSpPr>
+          <p:cNvPr id="38" name="Connecteur : en angle 37">
+            <a:extLst>
+              <a:ext uri="{FF2B5EF4-FFF2-40B4-BE49-F238E27FC236}">
+                <a16:creationId xmlns:a16="http://schemas.microsoft.com/office/drawing/2014/main" id="{55B0E15F-243F-6EFE-D455-517CA477F480}"/>
+              </a:ext>
+            </a:extLst>
+          </p:cNvPr>
+          <p:cNvCxnSpPr>
+            <a:cxnSpLocks/>
+            <a:stCxn id="3" idx="2"/>
+            <a:endCxn id="29" idx="0"/>
+          </p:cNvCxnSpPr>
+          <p:nvPr/>
+        </p:nvCxnSpPr>
+        <p:spPr>
+          <a:xfrm rot="5400000">
+            <a:off x="3472456" y="-124947"/>
+            <a:ext cx="668044" cy="4540714"/>
+          </a:xfrm>
+          <a:prstGeom prst="bentConnector3">
+            <a:avLst>
+              <a:gd name="adj1" fmla="val 50000"/>
+            </a:avLst>
+          </a:prstGeom>
+          <a:ln w="38100">
+            <a:solidFill>
+              <a:schemeClr val="bg1">
+                <a:lumMod val="50000"/>
+              </a:schemeClr>
+            </a:solidFill>
+            <a:prstDash val="sysDash"/>
+            <a:tailEnd type="triangle"/>
+          </a:ln>
+        </p:spPr>
+        <p:style>
+          <a:lnRef idx="1">
+            <a:schemeClr val="accent1"/>
+          </a:lnRef>
+          <a:fillRef idx="0">
+            <a:schemeClr val="accent1"/>
+          </a:fillRef>
+          <a:effectRef idx="0">
+            <a:schemeClr val="accent1"/>
+          </a:effectRef>
+          <a:fontRef idx="minor">
+            <a:schemeClr val="tx1"/>
+          </a:fontRef>
+        </p:style>
+      </p:cxnSp>
+      <p:grpSp>
+        <p:nvGrpSpPr>
+          <p:cNvPr id="61" name="Groupe 60">
+            <a:extLst>
+              <a:ext uri="{FF2B5EF4-FFF2-40B4-BE49-F238E27FC236}">
+                <a16:creationId xmlns:a16="http://schemas.microsoft.com/office/drawing/2014/main" id="{B03F44FB-C0B4-57ED-FC25-F64ED26B41A3}"/>
+              </a:ext>
+            </a:extLst>
+          </p:cNvPr>
+          <p:cNvGrpSpPr/>
+          <p:nvPr/>
+        </p:nvGrpSpPr>
+        <p:grpSpPr>
+          <a:xfrm>
+            <a:off x="6273301" y="2491177"/>
+            <a:ext cx="2668355" cy="1069311"/>
+            <a:chOff x="6256266" y="2491177"/>
+            <a:chExt cx="2668355" cy="1069311"/>
+          </a:xfrm>
+        </p:grpSpPr>
+        <p:sp>
+          <p:nvSpPr>
+            <p:cNvPr id="39" name="Rectangle 38">
+              <a:extLst>
+                <a:ext uri="{FF2B5EF4-FFF2-40B4-BE49-F238E27FC236}">
+                  <a16:creationId xmlns:a16="http://schemas.microsoft.com/office/drawing/2014/main" id="{3487E0C0-97C0-666D-F6F4-9531FEDCA561}"/>
+                </a:ext>
+              </a:extLst>
+            </p:cNvPr>
+            <p:cNvSpPr/>
+            <p:nvPr/>
+          </p:nvSpPr>
+          <p:spPr>
+            <a:xfrm>
+              <a:off x="6256266" y="2491178"/>
+              <a:ext cx="2668355" cy="396000"/>
+            </a:xfrm>
+            <a:prstGeom prst="rect">
+              <a:avLst/>
+            </a:prstGeom>
+            <a:effectLst>
+              <a:softEdge rad="31750"/>
+            </a:effectLst>
+          </p:spPr>
+          <p:style>
+            <a:lnRef idx="2">
+              <a:schemeClr val="accent1">
+                <a:shade val="50000"/>
+              </a:schemeClr>
+            </a:lnRef>
+            <a:fillRef idx="1">
+              <a:schemeClr val="accent1"/>
+            </a:fillRef>
+            <a:effectRef idx="0">
+              <a:schemeClr val="accent1"/>
+            </a:effectRef>
+            <a:fontRef idx="minor">
+              <a:schemeClr val="lt1"/>
+            </a:fontRef>
+          </p:style>
+          <p:txBody>
+            <a:bodyPr rtlCol="0" anchor="ctr"/>
+            <a:lstStyle/>
+            <a:p>
+              <a:pPr algn="ctr"/>
+              <a:r>
+                <a:rPr lang="fr-FR" dirty="0"/>
+                <a:t>Networks Domain</a:t>
+              </a:r>
+            </a:p>
+          </p:txBody>
+        </p:sp>
+        <p:sp>
+          <p:nvSpPr>
+            <p:cNvPr id="40" name="Rectangle 39">
+              <a:extLst>
+                <a:ext uri="{FF2B5EF4-FFF2-40B4-BE49-F238E27FC236}">
+                  <a16:creationId xmlns:a16="http://schemas.microsoft.com/office/drawing/2014/main" id="{4598B4C1-C608-C4A1-2927-2759B58ACEE1}"/>
+                </a:ext>
+              </a:extLst>
+            </p:cNvPr>
+            <p:cNvSpPr/>
+            <p:nvPr/>
+          </p:nvSpPr>
+          <p:spPr>
+            <a:xfrm>
+              <a:off x="6256266" y="2491177"/>
+              <a:ext cx="2668355" cy="1069311"/>
+            </a:xfrm>
+            <a:prstGeom prst="rect">
+              <a:avLst/>
+            </a:prstGeom>
+            <a:noFill/>
+            <a:ln w="28575">
+              <a:solidFill>
+                <a:schemeClr val="accent1"/>
+              </a:solidFill>
+              <a:prstDash val="sysDash"/>
+            </a:ln>
+          </p:spPr>
+          <p:style>
+            <a:lnRef idx="2">
+              <a:schemeClr val="accent1">
+                <a:shade val="50000"/>
+              </a:schemeClr>
+            </a:lnRef>
+            <a:fillRef idx="1">
+              <a:schemeClr val="accent1"/>
+            </a:fillRef>
+            <a:effectRef idx="0">
+              <a:schemeClr val="accent1"/>
+            </a:effectRef>
+            <a:fontRef idx="minor">
+              <a:schemeClr val="lt1"/>
+            </a:fontRef>
+          </p:style>
+          <p:txBody>
+            <a:bodyPr rtlCol="0" anchor="ctr"/>
+            <a:lstStyle/>
+            <a:p>
+              <a:pPr algn="ctr"/>
+              <a:endParaRPr lang="fr-FR"/>
+            </a:p>
+          </p:txBody>
+        </p:sp>
+        <p:sp>
+          <p:nvSpPr>
+            <p:cNvPr id="41" name="Rectangle : coins arrondis 40">
+              <a:extLst>
+                <a:ext uri="{FF2B5EF4-FFF2-40B4-BE49-F238E27FC236}">
+                  <a16:creationId xmlns:a16="http://schemas.microsoft.com/office/drawing/2014/main" id="{BC2CBDF6-57E0-7D43-C090-0610E34C62FD}"/>
+                </a:ext>
+              </a:extLst>
+            </p:cNvPr>
+            <p:cNvSpPr/>
+            <p:nvPr/>
+          </p:nvSpPr>
+          <p:spPr>
+            <a:xfrm>
+              <a:off x="6385438" y="2974701"/>
+              <a:ext cx="1440000" cy="390525"/>
+            </a:xfrm>
+            <a:prstGeom prst="roundRect">
+              <a:avLst/>
+            </a:prstGeom>
+            <a:gradFill flip="none" rotWithShape="1">
+              <a:gsLst>
+                <a:gs pos="0">
+                  <a:schemeClr val="accent5">
+                    <a:lumMod val="67000"/>
+                  </a:schemeClr>
+                </a:gs>
+                <a:gs pos="48000">
+                  <a:schemeClr val="accent5">
+                    <a:lumMod val="97000"/>
+                    <a:lumOff val="3000"/>
+                  </a:schemeClr>
+                </a:gs>
+                <a:gs pos="100000">
+                  <a:schemeClr val="accent5">
+                    <a:lumMod val="60000"/>
+                    <a:lumOff val="40000"/>
+                  </a:schemeClr>
+                </a:gs>
+              </a:gsLst>
+              <a:lin ang="16200000" scaled="1"/>
+              <a:tileRect/>
+            </a:gradFill>
+            <a:ln>
+              <a:noFill/>
+            </a:ln>
+          </p:spPr>
+          <p:style>
+            <a:lnRef idx="0">
+              <a:scrgbClr r="0" g="0" b="0"/>
+            </a:lnRef>
+            <a:fillRef idx="0">
+              <a:scrgbClr r="0" g="0" b="0"/>
+            </a:fillRef>
+            <a:effectRef idx="0">
+              <a:scrgbClr r="0" g="0" b="0"/>
+            </a:effectRef>
+            <a:fontRef idx="minor">
+              <a:schemeClr val="lt1"/>
+            </a:fontRef>
+          </p:style>
+          <p:txBody>
+            <a:bodyPr rtlCol="0" anchor="ctr"/>
+            <a:lstStyle/>
+            <a:p>
+              <a:pPr algn="ctr"/>
+              <a:r>
+                <a:rPr lang="fr-FR" sz="1200" dirty="0" err="1"/>
+                <a:t>GrapQL</a:t>
+              </a:r>
+              <a:r>
+                <a:rPr lang="fr-FR" sz="1200" dirty="0"/>
+                <a:t> API</a:t>
+              </a:r>
+            </a:p>
+          </p:txBody>
+        </p:sp>
+        <p:pic>
+          <p:nvPicPr>
+            <p:cNvPr id="42" name="Picture 2" descr="GraphQL logo, brand guidelines and assets">
+              <a:extLst>
+                <a:ext uri="{FF2B5EF4-FFF2-40B4-BE49-F238E27FC236}">
+                  <a16:creationId xmlns:a16="http://schemas.microsoft.com/office/drawing/2014/main" id="{3FF8E452-FD03-5067-4404-6997C1441A93}"/>
+                </a:ext>
+              </a:extLst>
+            </p:cNvPr>
+            <p:cNvPicPr>
+              <a:picLocks noChangeAspect="1" noChangeArrowheads="1"/>
+            </p:cNvPicPr>
+            <p:nvPr/>
+          </p:nvPicPr>
+          <p:blipFill>
+            <a:blip r:embed="rId2">
+              <a:extLst>
+                <a:ext uri="{28A0092B-C50C-407E-A947-70E740481C1C}">
+                  <a14:useLocalDpi xmlns:a14="http://schemas.microsoft.com/office/drawing/2010/main" val="0"/>
+                </a:ext>
+              </a:extLst>
+            </a:blip>
+            <a:srcRect/>
+            <a:stretch>
+              <a:fillRect/>
+            </a:stretch>
+          </p:blipFill>
+          <p:spPr bwMode="auto">
+            <a:xfrm>
+              <a:off x="7825438" y="2942409"/>
+              <a:ext cx="505369" cy="554962"/>
+            </a:xfrm>
+            <a:prstGeom prst="rect">
+              <a:avLst/>
+            </a:prstGeom>
+            <a:noFill/>
+            <a:extLst>
+              <a:ext uri="{909E8E84-426E-40DD-AFC4-6F175D3DCCD1}">
+                <a14:hiddenFill xmlns:a14="http://schemas.microsoft.com/office/drawing/2010/main">
+                  <a:solidFill>
+                    <a:srgbClr val="FFFFFF"/>
+                  </a:solidFill>
+                </a14:hiddenFill>
+              </a:ext>
+            </a:extLst>
+          </p:spPr>
+        </p:pic>
+        <p:pic>
+          <p:nvPicPr>
+            <p:cNvPr id="43" name="Picture 4" descr="Microsoft .NET — Wikipédia">
+              <a:extLst>
+                <a:ext uri="{FF2B5EF4-FFF2-40B4-BE49-F238E27FC236}">
+                  <a16:creationId xmlns:a16="http://schemas.microsoft.com/office/drawing/2014/main" id="{3D5A6B39-EF65-E4F4-AE6D-ED6F7065C306}"/>
+                </a:ext>
+              </a:extLst>
+            </p:cNvPr>
+            <p:cNvPicPr>
+              <a:picLocks noChangeAspect="1" noChangeArrowheads="1"/>
+            </p:cNvPicPr>
+            <p:nvPr/>
+          </p:nvPicPr>
+          <p:blipFill>
+            <a:blip r:embed="rId3">
+              <a:extLst>
+                <a:ext uri="{28A0092B-C50C-407E-A947-70E740481C1C}">
+                  <a14:useLocalDpi xmlns:a14="http://schemas.microsoft.com/office/drawing/2010/main" val="0"/>
+                </a:ext>
+              </a:extLst>
+            </a:blip>
+            <a:srcRect/>
+            <a:stretch>
+              <a:fillRect/>
+            </a:stretch>
+          </p:blipFill>
+          <p:spPr bwMode="auto">
+            <a:xfrm>
+              <a:off x="8407421" y="2950956"/>
+              <a:ext cx="438013" cy="438013"/>
+            </a:xfrm>
+            <a:prstGeom prst="rect">
+              <a:avLst/>
+            </a:prstGeom>
+            <a:noFill/>
+            <a:extLst>
+              <a:ext uri="{909E8E84-426E-40DD-AFC4-6F175D3DCCD1}">
+                <a14:hiddenFill xmlns:a14="http://schemas.microsoft.com/office/drawing/2010/main">
+                  <a:solidFill>
+                    <a:srgbClr val="FFFFFF"/>
+                  </a:solidFill>
+                </a14:hiddenFill>
+              </a:ext>
+            </a:extLst>
+          </p:spPr>
+        </p:pic>
+      </p:grpSp>
+      <p:grpSp>
+        <p:nvGrpSpPr>
+          <p:cNvPr id="62" name="Groupe 61">
+            <a:extLst>
+              <a:ext uri="{FF2B5EF4-FFF2-40B4-BE49-F238E27FC236}">
+                <a16:creationId xmlns:a16="http://schemas.microsoft.com/office/drawing/2014/main" id="{76C1E10E-806B-1DBD-5627-8F94AE0213DB}"/>
+              </a:ext>
+            </a:extLst>
+          </p:cNvPr>
+          <p:cNvGrpSpPr/>
+          <p:nvPr/>
+        </p:nvGrpSpPr>
+        <p:grpSpPr>
+          <a:xfrm>
+            <a:off x="9308979" y="2479432"/>
+            <a:ext cx="2668355" cy="1069311"/>
+            <a:chOff x="9308979" y="2479432"/>
+            <a:chExt cx="2668355" cy="1069311"/>
+          </a:xfrm>
+        </p:grpSpPr>
+        <p:sp>
+          <p:nvSpPr>
+            <p:cNvPr id="44" name="Rectangle 43">
+              <a:extLst>
+                <a:ext uri="{FF2B5EF4-FFF2-40B4-BE49-F238E27FC236}">
+                  <a16:creationId xmlns:a16="http://schemas.microsoft.com/office/drawing/2014/main" id="{13F7B54C-58EB-9878-6607-A2BCC4887950}"/>
+                </a:ext>
+              </a:extLst>
+            </p:cNvPr>
+            <p:cNvSpPr/>
+            <p:nvPr/>
+          </p:nvSpPr>
+          <p:spPr>
+            <a:xfrm>
+              <a:off x="9308979" y="2479432"/>
+              <a:ext cx="2668355" cy="396000"/>
+            </a:xfrm>
+            <a:prstGeom prst="rect">
+              <a:avLst/>
+            </a:prstGeom>
+            <a:effectLst>
+              <a:softEdge rad="31750"/>
+            </a:effectLst>
+          </p:spPr>
+          <p:style>
+            <a:lnRef idx="2">
+              <a:schemeClr val="accent1">
+                <a:shade val="50000"/>
+              </a:schemeClr>
+            </a:lnRef>
+            <a:fillRef idx="1">
+              <a:schemeClr val="accent1"/>
+            </a:fillRef>
+            <a:effectRef idx="0">
+              <a:schemeClr val="accent1"/>
+            </a:effectRef>
+            <a:fontRef idx="minor">
+              <a:schemeClr val="lt1"/>
+            </a:fontRef>
+          </p:style>
+          <p:txBody>
+            <a:bodyPr rtlCol="0" anchor="ctr"/>
+            <a:lstStyle/>
+            <a:p>
+              <a:pPr algn="ctr"/>
+              <a:r>
+                <a:rPr lang="fr-FR" dirty="0"/>
+                <a:t>Configuration API</a:t>
+              </a:r>
+            </a:p>
+          </p:txBody>
+        </p:sp>
+        <p:sp>
+          <p:nvSpPr>
+            <p:cNvPr id="45" name="Rectangle 44">
+              <a:extLst>
+                <a:ext uri="{FF2B5EF4-FFF2-40B4-BE49-F238E27FC236}">
+                  <a16:creationId xmlns:a16="http://schemas.microsoft.com/office/drawing/2014/main" id="{CF7688F7-B8CC-68B8-9BBB-3F48C5ED443F}"/>
+                </a:ext>
+              </a:extLst>
+            </p:cNvPr>
+            <p:cNvSpPr/>
+            <p:nvPr/>
+          </p:nvSpPr>
+          <p:spPr>
+            <a:xfrm>
+              <a:off x="9308979" y="2479432"/>
+              <a:ext cx="2668355" cy="1069311"/>
+            </a:xfrm>
+            <a:prstGeom prst="rect">
+              <a:avLst/>
+            </a:prstGeom>
+            <a:noFill/>
+            <a:ln w="28575">
+              <a:solidFill>
+                <a:schemeClr val="accent1"/>
+              </a:solidFill>
+              <a:prstDash val="sysDash"/>
+            </a:ln>
+          </p:spPr>
+          <p:style>
+            <a:lnRef idx="2">
+              <a:schemeClr val="accent1">
+                <a:shade val="50000"/>
+              </a:schemeClr>
+            </a:lnRef>
+            <a:fillRef idx="1">
+              <a:schemeClr val="accent1"/>
+            </a:fillRef>
+            <a:effectRef idx="0">
+              <a:schemeClr val="accent1"/>
+            </a:effectRef>
+            <a:fontRef idx="minor">
+              <a:schemeClr val="lt1"/>
+            </a:fontRef>
+          </p:style>
+          <p:txBody>
+            <a:bodyPr rtlCol="0" anchor="ctr"/>
+            <a:lstStyle/>
+            <a:p>
+              <a:pPr algn="ctr"/>
+              <a:endParaRPr lang="fr-FR"/>
+            </a:p>
+          </p:txBody>
+        </p:sp>
+        <p:sp>
+          <p:nvSpPr>
+            <p:cNvPr id="46" name="Rectangle : coins arrondis 45">
+              <a:extLst>
+                <a:ext uri="{FF2B5EF4-FFF2-40B4-BE49-F238E27FC236}">
+                  <a16:creationId xmlns:a16="http://schemas.microsoft.com/office/drawing/2014/main" id="{64EC7534-1339-D522-5F41-8F4C22602F34}"/>
+                </a:ext>
+              </a:extLst>
+            </p:cNvPr>
+            <p:cNvSpPr/>
+            <p:nvPr/>
+          </p:nvSpPr>
+          <p:spPr>
+            <a:xfrm>
+              <a:off x="9438151" y="2962956"/>
+              <a:ext cx="1440000" cy="390525"/>
+            </a:xfrm>
+            <a:prstGeom prst="roundRect">
+              <a:avLst/>
+            </a:prstGeom>
+            <a:gradFill flip="none" rotWithShape="1">
+              <a:gsLst>
+                <a:gs pos="0">
+                  <a:schemeClr val="accent5">
+                    <a:lumMod val="67000"/>
+                  </a:schemeClr>
+                </a:gs>
+                <a:gs pos="48000">
+                  <a:schemeClr val="accent5">
+                    <a:lumMod val="97000"/>
+                    <a:lumOff val="3000"/>
+                  </a:schemeClr>
+                </a:gs>
+                <a:gs pos="100000">
+                  <a:schemeClr val="accent5">
+                    <a:lumMod val="60000"/>
+                    <a:lumOff val="40000"/>
+                  </a:schemeClr>
+                </a:gs>
+              </a:gsLst>
+              <a:lin ang="16200000" scaled="1"/>
+              <a:tileRect/>
+            </a:gradFill>
+            <a:ln>
+              <a:noFill/>
+            </a:ln>
+          </p:spPr>
+          <p:style>
+            <a:lnRef idx="0">
+              <a:scrgbClr r="0" g="0" b="0"/>
+            </a:lnRef>
+            <a:fillRef idx="0">
+              <a:scrgbClr r="0" g="0" b="0"/>
+            </a:fillRef>
+            <a:effectRef idx="0">
+              <a:scrgbClr r="0" g="0" b="0"/>
+            </a:effectRef>
+            <a:fontRef idx="minor">
+              <a:schemeClr val="lt1"/>
+            </a:fontRef>
+          </p:style>
+          <p:txBody>
+            <a:bodyPr rtlCol="0" anchor="ctr"/>
+            <a:lstStyle/>
+            <a:p>
+              <a:pPr algn="ctr"/>
+              <a:r>
+                <a:rPr lang="fr-FR" sz="1200" dirty="0" err="1"/>
+                <a:t>GrapQL</a:t>
+              </a:r>
+              <a:r>
+                <a:rPr lang="fr-FR" sz="1200" dirty="0"/>
+                <a:t> API</a:t>
+              </a:r>
+            </a:p>
+          </p:txBody>
+        </p:sp>
+        <p:pic>
+          <p:nvPicPr>
+            <p:cNvPr id="47" name="Picture 2" descr="GraphQL logo, brand guidelines and assets">
+              <a:extLst>
+                <a:ext uri="{FF2B5EF4-FFF2-40B4-BE49-F238E27FC236}">
+                  <a16:creationId xmlns:a16="http://schemas.microsoft.com/office/drawing/2014/main" id="{8FF8847B-7AA6-0E84-8B8A-2A3ECFF0843E}"/>
+                </a:ext>
+              </a:extLst>
+            </p:cNvPr>
+            <p:cNvPicPr>
+              <a:picLocks noChangeAspect="1" noChangeArrowheads="1"/>
+            </p:cNvPicPr>
+            <p:nvPr/>
+          </p:nvPicPr>
+          <p:blipFill>
+            <a:blip r:embed="rId2">
+              <a:extLst>
+                <a:ext uri="{28A0092B-C50C-407E-A947-70E740481C1C}">
+                  <a14:useLocalDpi xmlns:a14="http://schemas.microsoft.com/office/drawing/2010/main" val="0"/>
+                </a:ext>
+              </a:extLst>
+            </a:blip>
+            <a:srcRect/>
+            <a:stretch>
+              <a:fillRect/>
+            </a:stretch>
+          </p:blipFill>
+          <p:spPr bwMode="auto">
+            <a:xfrm>
+              <a:off x="10878151" y="2930664"/>
+              <a:ext cx="505369" cy="554962"/>
+            </a:xfrm>
+            <a:prstGeom prst="rect">
+              <a:avLst/>
+            </a:prstGeom>
+            <a:noFill/>
+            <a:extLst>
+              <a:ext uri="{909E8E84-426E-40DD-AFC4-6F175D3DCCD1}">
+                <a14:hiddenFill xmlns:a14="http://schemas.microsoft.com/office/drawing/2010/main">
+                  <a:solidFill>
+                    <a:srgbClr val="FFFFFF"/>
+                  </a:solidFill>
+                </a14:hiddenFill>
+              </a:ext>
+            </a:extLst>
+          </p:spPr>
+        </p:pic>
+        <p:pic>
+          <p:nvPicPr>
+            <p:cNvPr id="48" name="Picture 4" descr="Microsoft .NET — Wikipédia">
+              <a:extLst>
+                <a:ext uri="{FF2B5EF4-FFF2-40B4-BE49-F238E27FC236}">
+                  <a16:creationId xmlns:a16="http://schemas.microsoft.com/office/drawing/2014/main" id="{67E4DF99-1438-8E9C-47A3-F2517AE346B3}"/>
+                </a:ext>
+              </a:extLst>
+            </p:cNvPr>
+            <p:cNvPicPr>
+              <a:picLocks noChangeAspect="1" noChangeArrowheads="1"/>
+            </p:cNvPicPr>
+            <p:nvPr/>
+          </p:nvPicPr>
+          <p:blipFill>
+            <a:blip r:embed="rId3">
+              <a:extLst>
+                <a:ext uri="{28A0092B-C50C-407E-A947-70E740481C1C}">
+                  <a14:useLocalDpi xmlns:a14="http://schemas.microsoft.com/office/drawing/2010/main" val="0"/>
+                </a:ext>
+              </a:extLst>
+            </a:blip>
+            <a:srcRect/>
+            <a:stretch>
+              <a:fillRect/>
+            </a:stretch>
+          </p:blipFill>
+          <p:spPr bwMode="auto">
+            <a:xfrm>
+              <a:off x="11460134" y="2939211"/>
+              <a:ext cx="438013" cy="438013"/>
+            </a:xfrm>
+            <a:prstGeom prst="rect">
+              <a:avLst/>
+            </a:prstGeom>
+            <a:noFill/>
+            <a:extLst>
+              <a:ext uri="{909E8E84-426E-40DD-AFC4-6F175D3DCCD1}">
+                <a14:hiddenFill xmlns:a14="http://schemas.microsoft.com/office/drawing/2010/main">
+                  <a:solidFill>
+                    <a:srgbClr val="FFFFFF"/>
+                  </a:solidFill>
+                </a14:hiddenFill>
+              </a:ext>
+            </a:extLst>
+          </p:spPr>
+        </p:pic>
+      </p:grpSp>
+      <p:cxnSp>
+        <p:nvCxnSpPr>
+          <p:cNvPr id="51" name="Connecteur : en angle 50">
+            <a:extLst>
+              <a:ext uri="{FF2B5EF4-FFF2-40B4-BE49-F238E27FC236}">
+                <a16:creationId xmlns:a16="http://schemas.microsoft.com/office/drawing/2014/main" id="{4E7428C3-F2ED-CCA2-0C71-34A661B06A83}"/>
+              </a:ext>
+            </a:extLst>
+          </p:cNvPr>
+          <p:cNvCxnSpPr>
+            <a:cxnSpLocks/>
+            <a:stCxn id="3" idx="2"/>
+            <a:endCxn id="34" idx="0"/>
+          </p:cNvCxnSpPr>
+          <p:nvPr/>
+        </p:nvCxnSpPr>
+        <p:spPr>
+          <a:xfrm rot="5400000">
+            <a:off x="4984424" y="1398765"/>
+            <a:ext cx="679789" cy="1505035"/>
+          </a:xfrm>
+          <a:prstGeom prst="bentConnector3">
+            <a:avLst>
+              <a:gd name="adj1" fmla="val 50000"/>
+            </a:avLst>
+          </a:prstGeom>
+          <a:ln w="38100">
+            <a:solidFill>
+              <a:schemeClr val="bg1">
+                <a:lumMod val="50000"/>
+              </a:schemeClr>
+            </a:solidFill>
+            <a:prstDash val="sysDash"/>
+            <a:tailEnd type="triangle"/>
+          </a:ln>
+        </p:spPr>
+        <p:style>
+          <a:lnRef idx="1">
+            <a:schemeClr val="accent1"/>
+          </a:lnRef>
+          <a:fillRef idx="0">
+            <a:schemeClr val="accent1"/>
+          </a:fillRef>
+          <a:effectRef idx="0">
+            <a:schemeClr val="accent1"/>
+          </a:effectRef>
+          <a:fontRef idx="minor">
+            <a:schemeClr val="tx1"/>
+          </a:fontRef>
+        </p:style>
+      </p:cxnSp>
+      <p:cxnSp>
+        <p:nvCxnSpPr>
+          <p:cNvPr id="54" name="Connecteur : en angle 53">
+            <a:extLst>
+              <a:ext uri="{FF2B5EF4-FFF2-40B4-BE49-F238E27FC236}">
+                <a16:creationId xmlns:a16="http://schemas.microsoft.com/office/drawing/2014/main" id="{B879791D-E3FD-0F87-DF73-014B86B2F873}"/>
+              </a:ext>
+            </a:extLst>
+          </p:cNvPr>
+          <p:cNvCxnSpPr>
+            <a:cxnSpLocks/>
+            <a:stCxn id="3" idx="2"/>
+            <a:endCxn id="40" idx="0"/>
+          </p:cNvCxnSpPr>
+          <p:nvPr/>
+        </p:nvCxnSpPr>
+        <p:spPr>
+          <a:xfrm rot="16200000" flipH="1">
+            <a:off x="6502263" y="1385960"/>
+            <a:ext cx="679789" cy="1530644"/>
+          </a:xfrm>
+          <a:prstGeom prst="bentConnector3">
+            <a:avLst>
+              <a:gd name="adj1" fmla="val 50000"/>
+            </a:avLst>
+          </a:prstGeom>
+          <a:ln w="38100">
+            <a:solidFill>
+              <a:schemeClr val="bg1">
+                <a:lumMod val="50000"/>
+              </a:schemeClr>
+            </a:solidFill>
+            <a:prstDash val="sysDash"/>
+            <a:tailEnd type="triangle"/>
+          </a:ln>
+        </p:spPr>
+        <p:style>
+          <a:lnRef idx="1">
+            <a:schemeClr val="accent1"/>
+          </a:lnRef>
+          <a:fillRef idx="0">
+            <a:schemeClr val="accent1"/>
+          </a:fillRef>
+          <a:effectRef idx="0">
+            <a:schemeClr val="accent1"/>
+          </a:effectRef>
+          <a:fontRef idx="minor">
+            <a:schemeClr val="tx1"/>
+          </a:fontRef>
+        </p:style>
+      </p:cxnSp>
+      <p:cxnSp>
+        <p:nvCxnSpPr>
+          <p:cNvPr id="57" name="Connecteur : en angle 56">
+            <a:extLst>
+              <a:ext uri="{FF2B5EF4-FFF2-40B4-BE49-F238E27FC236}">
+                <a16:creationId xmlns:a16="http://schemas.microsoft.com/office/drawing/2014/main" id="{8F123262-FF41-0CE1-DAB6-D8E2E7DE2FC6}"/>
+              </a:ext>
+            </a:extLst>
+          </p:cNvPr>
+          <p:cNvCxnSpPr>
+            <a:cxnSpLocks/>
+            <a:stCxn id="3" idx="2"/>
+            <a:endCxn id="45" idx="0"/>
+          </p:cNvCxnSpPr>
+          <p:nvPr/>
+        </p:nvCxnSpPr>
+        <p:spPr>
+          <a:xfrm rot="16200000" flipH="1">
+            <a:off x="8025974" y="-137751"/>
+            <a:ext cx="668044" cy="4566322"/>
+          </a:xfrm>
+          <a:prstGeom prst="bentConnector3">
+            <a:avLst>
+              <a:gd name="adj1" fmla="val 50000"/>
+            </a:avLst>
+          </a:prstGeom>
+          <a:ln w="38100">
+            <a:solidFill>
+              <a:schemeClr val="bg1">
+                <a:lumMod val="50000"/>
+              </a:schemeClr>
+            </a:solidFill>
+            <a:prstDash val="sysDash"/>
+            <a:tailEnd type="triangle"/>
+          </a:ln>
+        </p:spPr>
+        <p:style>
+          <a:lnRef idx="1">
+            <a:schemeClr val="accent1"/>
+          </a:lnRef>
+          <a:fillRef idx="0">
+            <a:schemeClr val="accent1"/>
+          </a:fillRef>
+          <a:effectRef idx="0">
+            <a:schemeClr val="accent1"/>
+          </a:effectRef>
+          <a:fontRef idx="minor">
+            <a:schemeClr val="tx1"/>
+          </a:fontRef>
+        </p:style>
+      </p:cxnSp>
+      <p:sp>
+        <p:nvSpPr>
+          <p:cNvPr id="69" name="ZoneTexte 68">
+            <a:extLst>
+              <a:ext uri="{FF2B5EF4-FFF2-40B4-BE49-F238E27FC236}">
+                <a16:creationId xmlns:a16="http://schemas.microsoft.com/office/drawing/2014/main" id="{14FAC36D-6B8D-DAC3-48C4-0B47926F358D}"/>
+              </a:ext>
+            </a:extLst>
+          </p:cNvPr>
+          <p:cNvSpPr txBox="1"/>
+          <p:nvPr/>
+        </p:nvSpPr>
+        <p:spPr>
+          <a:xfrm>
+            <a:off x="1256877" y="5159618"/>
+            <a:ext cx="869918" cy="461665"/>
+          </a:xfrm>
+          <a:prstGeom prst="rect">
+            <a:avLst/>
+          </a:prstGeom>
+          <a:noFill/>
+        </p:spPr>
+        <p:txBody>
+          <a:bodyPr wrap="none" rtlCol="0">
+            <a:spAutoFit/>
+          </a:bodyPr>
+          <a:lstStyle/>
+          <a:p>
+            <a:r>
+              <a:rPr lang="fr-FR" sz="1200" b="1" dirty="0">
+                <a:solidFill>
+                  <a:srgbClr val="7F7F7F"/>
+                </a:solidFill>
+              </a:rPr>
+              <a:t>Streaming</a:t>
+            </a:r>
+          </a:p>
+          <a:p>
+            <a:r>
+              <a:rPr lang="fr-FR" sz="1200" b="1" dirty="0" err="1">
+                <a:solidFill>
+                  <a:srgbClr val="7F7F7F"/>
+                </a:solidFill>
+              </a:rPr>
+              <a:t>replication</a:t>
+            </a:r>
+            <a:endParaRPr lang="fr-FR" sz="1200" b="1" dirty="0">
+              <a:solidFill>
+                <a:srgbClr val="7F7F7F"/>
+              </a:solidFill>
+            </a:endParaRPr>
+          </a:p>
+        </p:txBody>
+      </p:sp>
+      <p:sp>
+        <p:nvSpPr>
+          <p:cNvPr id="74" name="Organigramme : Disque magnétique 73">
+            <a:extLst>
+              <a:ext uri="{FF2B5EF4-FFF2-40B4-BE49-F238E27FC236}">
+                <a16:creationId xmlns:a16="http://schemas.microsoft.com/office/drawing/2014/main" id="{58F0D5BC-E6C6-AB8F-4ECC-1D18D623F2C5}"/>
+              </a:ext>
+            </a:extLst>
+          </p:cNvPr>
+          <p:cNvSpPr/>
+          <p:nvPr/>
+        </p:nvSpPr>
+        <p:spPr>
+          <a:xfrm>
+            <a:off x="898715" y="4724413"/>
+            <a:ext cx="674374" cy="433896"/>
+          </a:xfrm>
+          <a:prstGeom prst="flowChartMagneticDisk">
+            <a:avLst/>
+          </a:prstGeom>
+          <a:ln/>
+        </p:spPr>
+        <p:style>
+          <a:lnRef idx="1">
+            <a:schemeClr val="accent6"/>
+          </a:lnRef>
+          <a:fillRef idx="3">
+            <a:schemeClr val="accent6"/>
+          </a:fillRef>
+          <a:effectRef idx="2">
+            <a:schemeClr val="accent6"/>
+          </a:effectRef>
+          <a:fontRef idx="minor">
+            <a:schemeClr val="lt1"/>
+          </a:fontRef>
+        </p:style>
+        <p:txBody>
+          <a:bodyPr rtlCol="0" anchor="ctr"/>
+          <a:lstStyle/>
+          <a:p>
+            <a:pPr algn="ctr"/>
+            <a:r>
+              <a:rPr lang="fr-FR" sz="1200" dirty="0" err="1"/>
+              <a:t>Devices</a:t>
+            </a:r>
+            <a:endParaRPr lang="fr-FR" sz="1200" dirty="0"/>
+          </a:p>
+        </p:txBody>
+      </p:sp>
+      <p:sp>
+        <p:nvSpPr>
+          <p:cNvPr id="79" name="Rectangle 78">
+            <a:extLst>
+              <a:ext uri="{FF2B5EF4-FFF2-40B4-BE49-F238E27FC236}">
+                <a16:creationId xmlns:a16="http://schemas.microsoft.com/office/drawing/2014/main" id="{83A1D2B4-CEF2-7528-7917-09BD8E397AE3}"/>
+              </a:ext>
+            </a:extLst>
+          </p:cNvPr>
+          <p:cNvSpPr/>
+          <p:nvPr/>
+        </p:nvSpPr>
+        <p:spPr>
+          <a:xfrm>
+            <a:off x="825487" y="4246365"/>
+            <a:ext cx="1256270" cy="1924794"/>
+          </a:xfrm>
+          <a:prstGeom prst="rect">
+            <a:avLst/>
+          </a:prstGeom>
+          <a:noFill/>
+          <a:ln w="28575">
+            <a:solidFill>
+              <a:srgbClr val="70B243"/>
+            </a:solidFill>
+            <a:prstDash val="sysDash"/>
+          </a:ln>
+        </p:spPr>
+        <p:style>
+          <a:lnRef idx="2">
+            <a:schemeClr val="accent1">
+              <a:shade val="50000"/>
+            </a:schemeClr>
+          </a:lnRef>
+          <a:fillRef idx="1">
+            <a:schemeClr val="accent1"/>
+          </a:fillRef>
+          <a:effectRef idx="0">
+            <a:schemeClr val="accent1"/>
+          </a:effectRef>
+          <a:fontRef idx="minor">
+            <a:schemeClr val="lt1"/>
+          </a:fontRef>
+        </p:style>
+        <p:txBody>
+          <a:bodyPr rtlCol="0" anchor="ctr"/>
+          <a:lstStyle/>
+          <a:p>
+            <a:pPr algn="ctr"/>
+            <a:endParaRPr lang="fr-FR"/>
+          </a:p>
+        </p:txBody>
+      </p:sp>
+      <p:sp>
+        <p:nvSpPr>
+          <p:cNvPr id="80" name="Rectangle 79">
+            <a:extLst>
+              <a:ext uri="{FF2B5EF4-FFF2-40B4-BE49-F238E27FC236}">
+                <a16:creationId xmlns:a16="http://schemas.microsoft.com/office/drawing/2014/main" id="{D2DE80E0-DC50-B09E-978B-7EDF894E02FA}"/>
+              </a:ext>
+            </a:extLst>
+          </p:cNvPr>
+          <p:cNvSpPr/>
+          <p:nvPr/>
+        </p:nvSpPr>
+        <p:spPr>
+          <a:xfrm>
+            <a:off x="842904" y="4266236"/>
+            <a:ext cx="1224000" cy="396000"/>
+          </a:xfrm>
+          <a:prstGeom prst="rect">
+            <a:avLst/>
+          </a:prstGeom>
+          <a:ln/>
+        </p:spPr>
+        <p:style>
+          <a:lnRef idx="1">
+            <a:schemeClr val="accent6"/>
+          </a:lnRef>
+          <a:fillRef idx="3">
+            <a:schemeClr val="accent6"/>
+          </a:fillRef>
+          <a:effectRef idx="2">
+            <a:schemeClr val="accent6"/>
+          </a:effectRef>
+          <a:fontRef idx="minor">
+            <a:schemeClr val="lt1"/>
+          </a:fontRef>
+        </p:style>
+        <p:txBody>
+          <a:bodyPr rtlCol="0" anchor="ctr"/>
+          <a:lstStyle/>
+          <a:p>
+            <a:pPr algn="ctr"/>
+            <a:r>
+              <a:rPr lang="fr-FR" dirty="0" err="1"/>
+              <a:t>Databases</a:t>
+            </a:r>
+            <a:endParaRPr lang="fr-FR" dirty="0"/>
+          </a:p>
+        </p:txBody>
+      </p:sp>
+      <p:pic>
+        <p:nvPicPr>
+          <p:cNvPr id="81" name="Picture 6" descr="Supervision POSTGRESQL - Découvrez tous nos modèles de services - ServiceNav">
+            <a:extLst>
+              <a:ext uri="{FF2B5EF4-FFF2-40B4-BE49-F238E27FC236}">
+                <a16:creationId xmlns:a16="http://schemas.microsoft.com/office/drawing/2014/main" id="{99FADA0C-D2C4-26B5-3579-016A186CBE70}"/>
+              </a:ext>
+            </a:extLst>
+          </p:cNvPr>
+          <p:cNvPicPr>
+            <a:picLocks noChangeAspect="1" noChangeArrowheads="1"/>
+          </p:cNvPicPr>
+          <p:nvPr/>
+        </p:nvPicPr>
+        <p:blipFill>
+          <a:blip r:embed="rId4">
+            <a:extLst>
+              <a:ext uri="{28A0092B-C50C-407E-A947-70E740481C1C}">
+                <a14:useLocalDpi xmlns:a14="http://schemas.microsoft.com/office/drawing/2010/main" val="0"/>
+              </a:ext>
+            </a:extLst>
+          </a:blip>
+          <a:srcRect/>
+          <a:stretch>
+            <a:fillRect/>
+          </a:stretch>
+        </p:blipFill>
+        <p:spPr bwMode="auto">
+          <a:xfrm>
+            <a:off x="1629423" y="4762309"/>
+            <a:ext cx="396000" cy="396000"/>
+          </a:xfrm>
+          <a:prstGeom prst="rect">
+            <a:avLst/>
+          </a:prstGeom>
+          <a:noFill/>
+          <a:extLst>
+            <a:ext uri="{909E8E84-426E-40DD-AFC4-6F175D3DCCD1}">
+              <a14:hiddenFill xmlns:a14="http://schemas.microsoft.com/office/drawing/2010/main">
+                <a:solidFill>
+                  <a:srgbClr val="FFFFFF"/>
+                </a:solidFill>
+              </a14:hiddenFill>
+            </a:ext>
+          </a:extLst>
+        </p:spPr>
+      </p:pic>
+      <p:cxnSp>
+        <p:nvCxnSpPr>
+          <p:cNvPr id="82" name="Connecteur droit avec flèche 81">
+            <a:extLst>
+              <a:ext uri="{FF2B5EF4-FFF2-40B4-BE49-F238E27FC236}">
+                <a16:creationId xmlns:a16="http://schemas.microsoft.com/office/drawing/2014/main" id="{76D564B8-40E2-BADB-4BF3-11B8CA54DAD8}"/>
+              </a:ext>
+            </a:extLst>
+          </p:cNvPr>
+          <p:cNvCxnSpPr>
+            <a:cxnSpLocks/>
+            <a:stCxn id="74" idx="3"/>
+            <a:endCxn id="84" idx="1"/>
+          </p:cNvCxnSpPr>
+          <p:nvPr/>
+        </p:nvCxnSpPr>
+        <p:spPr>
+          <a:xfrm>
+            <a:off x="1235902" y="5158309"/>
+            <a:ext cx="0" cy="482881"/>
+          </a:xfrm>
+          <a:prstGeom prst="straightConnector1">
+            <a:avLst/>
+          </a:prstGeom>
+          <a:ln w="38100">
+            <a:solidFill>
+              <a:srgbClr val="7F7F7F"/>
+            </a:solidFill>
+            <a:prstDash val="sysDash"/>
+            <a:headEnd type="triangle" w="med" len="med"/>
+            <a:tailEnd type="triangle" w="med" len="med"/>
+          </a:ln>
+        </p:spPr>
+        <p:style>
+          <a:lnRef idx="1">
+            <a:schemeClr val="accent1"/>
+          </a:lnRef>
+          <a:fillRef idx="0">
+            <a:schemeClr val="accent1"/>
+          </a:fillRef>
+          <a:effectRef idx="0">
+            <a:schemeClr val="accent1"/>
+          </a:effectRef>
+          <a:fontRef idx="minor">
+            <a:schemeClr val="tx1"/>
+          </a:fontRef>
+        </p:style>
+      </p:cxnSp>
+      <p:sp>
+        <p:nvSpPr>
+          <p:cNvPr id="84" name="Organigramme : Disque magnétique 83">
+            <a:extLst>
+              <a:ext uri="{FF2B5EF4-FFF2-40B4-BE49-F238E27FC236}">
+                <a16:creationId xmlns:a16="http://schemas.microsoft.com/office/drawing/2014/main" id="{74F4A1FA-B05F-C921-68C1-08C8F320C8ED}"/>
+              </a:ext>
+            </a:extLst>
+          </p:cNvPr>
+          <p:cNvSpPr/>
+          <p:nvPr/>
+        </p:nvSpPr>
+        <p:spPr>
+          <a:xfrm>
+            <a:off x="898715" y="5641190"/>
+            <a:ext cx="674374" cy="433896"/>
+          </a:xfrm>
+          <a:prstGeom prst="flowChartMagneticDisk">
+            <a:avLst/>
+          </a:prstGeom>
+          <a:ln/>
+        </p:spPr>
+        <p:style>
+          <a:lnRef idx="1">
+            <a:schemeClr val="accent6"/>
+          </a:lnRef>
+          <a:fillRef idx="3">
+            <a:schemeClr val="accent6"/>
+          </a:fillRef>
+          <a:effectRef idx="2">
+            <a:schemeClr val="accent6"/>
+          </a:effectRef>
+          <a:fontRef idx="minor">
+            <a:schemeClr val="lt1"/>
+          </a:fontRef>
+        </p:style>
+        <p:txBody>
+          <a:bodyPr rtlCol="0" anchor="ctr"/>
+          <a:lstStyle/>
+          <a:p>
+            <a:pPr algn="ctr"/>
+            <a:r>
+              <a:rPr lang="fr-FR" sz="1200" dirty="0" err="1"/>
+              <a:t>Devices</a:t>
+            </a:r>
+            <a:endParaRPr lang="fr-FR" sz="1200" dirty="0"/>
+          </a:p>
+        </p:txBody>
+      </p:sp>
+      <p:pic>
+        <p:nvPicPr>
+          <p:cNvPr id="1032" name="Picture 8" descr="gRPC">
+            <a:extLst>
+              <a:ext uri="{FF2B5EF4-FFF2-40B4-BE49-F238E27FC236}">
+                <a16:creationId xmlns:a16="http://schemas.microsoft.com/office/drawing/2014/main" id="{A430330E-F4A8-3C42-59F2-BCEF5E5C125A}"/>
+              </a:ext>
+            </a:extLst>
+          </p:cNvPr>
+          <p:cNvPicPr>
+            <a:picLocks noChangeAspect="1" noChangeArrowheads="1"/>
+          </p:cNvPicPr>
+          <p:nvPr/>
+        </p:nvPicPr>
+        <p:blipFill>
+          <a:blip r:embed="rId5">
+            <a:extLst>
+              <a:ext uri="{28A0092B-C50C-407E-A947-70E740481C1C}">
+                <a14:useLocalDpi xmlns:a14="http://schemas.microsoft.com/office/drawing/2010/main" val="0"/>
+              </a:ext>
+            </a:extLst>
+          </a:blip>
+          <a:srcRect/>
+          <a:stretch>
+            <a:fillRect/>
+          </a:stretch>
+        </p:blipFill>
+        <p:spPr bwMode="auto">
+          <a:xfrm>
+            <a:off x="2427261" y="3808405"/>
+            <a:ext cx="363850" cy="363850"/>
+          </a:xfrm>
+          <a:prstGeom prst="rect">
+            <a:avLst/>
+          </a:prstGeom>
+          <a:noFill/>
+          <a:extLst>
+            <a:ext uri="{909E8E84-426E-40DD-AFC4-6F175D3DCCD1}">
+              <a14:hiddenFill xmlns:a14="http://schemas.microsoft.com/office/drawing/2010/main">
+                <a:solidFill>
+                  <a:srgbClr val="FFFFFF"/>
+                </a:solidFill>
+              </a14:hiddenFill>
+            </a:ext>
+          </a:extLst>
+        </p:spPr>
+      </p:pic>
+      <p:pic>
+        <p:nvPicPr>
+          <p:cNvPr id="1034" name="Picture 10" descr="RabbitMQ: tous les articles sur ce sujet, page 1">
+            <a:extLst>
+              <a:ext uri="{FF2B5EF4-FFF2-40B4-BE49-F238E27FC236}">
+                <a16:creationId xmlns:a16="http://schemas.microsoft.com/office/drawing/2014/main" id="{5CF37716-D483-8472-CFF6-F06B318221CF}"/>
+              </a:ext>
+            </a:extLst>
+          </p:cNvPr>
+          <p:cNvPicPr>
+            <a:picLocks noChangeAspect="1" noChangeArrowheads="1"/>
+          </p:cNvPicPr>
+          <p:nvPr/>
+        </p:nvPicPr>
+        <p:blipFill>
+          <a:blip r:embed="rId6">
+            <a:extLst>
+              <a:ext uri="{28A0092B-C50C-407E-A947-70E740481C1C}">
+                <a14:useLocalDpi xmlns:a14="http://schemas.microsoft.com/office/drawing/2010/main" val="0"/>
+              </a:ext>
+            </a:extLst>
+          </a:blip>
+          <a:srcRect/>
+          <a:stretch>
+            <a:fillRect/>
+          </a:stretch>
+        </p:blipFill>
+        <p:spPr bwMode="auto">
+          <a:xfrm>
+            <a:off x="3366794" y="4671570"/>
+            <a:ext cx="537192" cy="537192"/>
+          </a:xfrm>
+          <a:prstGeom prst="rect">
+            <a:avLst/>
+          </a:prstGeom>
+          <a:noFill/>
+          <a:extLst>
+            <a:ext uri="{909E8E84-426E-40DD-AFC4-6F175D3DCCD1}">
+              <a14:hiddenFill xmlns:a14="http://schemas.microsoft.com/office/drawing/2010/main">
+                <a:solidFill>
+                  <a:srgbClr val="FFFFFF"/>
+                </a:solidFill>
+              </a14:hiddenFill>
+            </a:ext>
+          </a:extLst>
+        </p:spPr>
+      </p:pic>
     </p:spTree>
     <p:extLst>
       <p:ext uri="{BB962C8B-B14F-4D97-AF65-F5344CB8AC3E}">

--- a/docs/_documents/Application architecture.pptx
+++ b/docs/_documents/Application architecture.pptx
@@ -9,6 +9,7 @@
     <p:sldId id="262" r:id="rId3"/>
     <p:sldId id="263" r:id="rId4"/>
     <p:sldId id="264" r:id="rId5"/>
+    <p:sldId id="265" r:id="rId6"/>
   </p:sldIdLst>
   <p:sldSz cx="12192000" cy="6858000"/>
   <p:notesSz cx="6858000" cy="9144000"/>
@@ -262,7 +263,7 @@
           <a:p>
             <a:fld id="{9D2743A8-FFB9-41BC-AF05-F9F1905D857A}" type="datetimeFigureOut">
               <a:rPr lang="fr-FR" smtClean="0"/>
-              <a:t>04/09/2022</a:t>
+              <a:t>16/09/2022</a:t>
             </a:fld>
             <a:endParaRPr lang="fr-FR"/>
           </a:p>
@@ -460,7 +461,7 @@
           <a:p>
             <a:fld id="{9D2743A8-FFB9-41BC-AF05-F9F1905D857A}" type="datetimeFigureOut">
               <a:rPr lang="fr-FR" smtClean="0"/>
-              <a:t>04/09/2022</a:t>
+              <a:t>16/09/2022</a:t>
             </a:fld>
             <a:endParaRPr lang="fr-FR"/>
           </a:p>
@@ -668,7 +669,7 @@
           <a:p>
             <a:fld id="{9D2743A8-FFB9-41BC-AF05-F9F1905D857A}" type="datetimeFigureOut">
               <a:rPr lang="fr-FR" smtClean="0"/>
-              <a:t>04/09/2022</a:t>
+              <a:t>16/09/2022</a:t>
             </a:fld>
             <a:endParaRPr lang="fr-FR"/>
           </a:p>
@@ -866,7 +867,7 @@
           <a:p>
             <a:fld id="{9D2743A8-FFB9-41BC-AF05-F9F1905D857A}" type="datetimeFigureOut">
               <a:rPr lang="fr-FR" smtClean="0"/>
-              <a:t>04/09/2022</a:t>
+              <a:t>16/09/2022</a:t>
             </a:fld>
             <a:endParaRPr lang="fr-FR"/>
           </a:p>
@@ -1141,7 +1142,7 @@
           <a:p>
             <a:fld id="{9D2743A8-FFB9-41BC-AF05-F9F1905D857A}" type="datetimeFigureOut">
               <a:rPr lang="fr-FR" smtClean="0"/>
-              <a:t>04/09/2022</a:t>
+              <a:t>16/09/2022</a:t>
             </a:fld>
             <a:endParaRPr lang="fr-FR"/>
           </a:p>
@@ -1406,7 +1407,7 @@
           <a:p>
             <a:fld id="{9D2743A8-FFB9-41BC-AF05-F9F1905D857A}" type="datetimeFigureOut">
               <a:rPr lang="fr-FR" smtClean="0"/>
-              <a:t>04/09/2022</a:t>
+              <a:t>16/09/2022</a:t>
             </a:fld>
             <a:endParaRPr lang="fr-FR"/>
           </a:p>
@@ -1818,7 +1819,7 @@
           <a:p>
             <a:fld id="{9D2743A8-FFB9-41BC-AF05-F9F1905D857A}" type="datetimeFigureOut">
               <a:rPr lang="fr-FR" smtClean="0"/>
-              <a:t>04/09/2022</a:t>
+              <a:t>16/09/2022</a:t>
             </a:fld>
             <a:endParaRPr lang="fr-FR"/>
           </a:p>
@@ -1959,7 +1960,7 @@
           <a:p>
             <a:fld id="{9D2743A8-FFB9-41BC-AF05-F9F1905D857A}" type="datetimeFigureOut">
               <a:rPr lang="fr-FR" smtClean="0"/>
-              <a:t>04/09/2022</a:t>
+              <a:t>16/09/2022</a:t>
             </a:fld>
             <a:endParaRPr lang="fr-FR"/>
           </a:p>
@@ -2072,7 +2073,7 @@
           <a:p>
             <a:fld id="{9D2743A8-FFB9-41BC-AF05-F9F1905D857A}" type="datetimeFigureOut">
               <a:rPr lang="fr-FR" smtClean="0"/>
-              <a:t>04/09/2022</a:t>
+              <a:t>16/09/2022</a:t>
             </a:fld>
             <a:endParaRPr lang="fr-FR"/>
           </a:p>
@@ -2383,7 +2384,7 @@
           <a:p>
             <a:fld id="{9D2743A8-FFB9-41BC-AF05-F9F1905D857A}" type="datetimeFigureOut">
               <a:rPr lang="fr-FR" smtClean="0"/>
-              <a:t>04/09/2022</a:t>
+              <a:t>16/09/2022</a:t>
             </a:fld>
             <a:endParaRPr lang="fr-FR"/>
           </a:p>
@@ -2671,7 +2672,7 @@
           <a:p>
             <a:fld id="{9D2743A8-FFB9-41BC-AF05-F9F1905D857A}" type="datetimeFigureOut">
               <a:rPr lang="fr-FR" smtClean="0"/>
-              <a:t>04/09/2022</a:t>
+              <a:t>16/09/2022</a:t>
             </a:fld>
             <a:endParaRPr lang="fr-FR"/>
           </a:p>
@@ -2912,7 +2913,7 @@
           <a:p>
             <a:fld id="{9D2743A8-FFB9-41BC-AF05-F9F1905D857A}" type="datetimeFigureOut">
               <a:rPr lang="fr-FR" smtClean="0"/>
-              <a:t>04/09/2022</a:t>
+              <a:t>16/09/2022</a:t>
             </a:fld>
             <a:endParaRPr lang="fr-FR"/>
           </a:p>
@@ -20708,6 +20709,8016 @@
 </p:sld>
 </file>
 
+<file path=ppt/slides/slide5.xml><?xml version="1.0" encoding="utf-8"?>
+<p:sld xmlns:a="http://schemas.openxmlformats.org/drawingml/2006/main" xmlns:r="http://schemas.openxmlformats.org/officeDocument/2006/relationships" xmlns:p="http://schemas.openxmlformats.org/presentationml/2006/main">
+  <p:cSld>
+    <p:spTree>
+      <p:nvGrpSpPr>
+        <p:cNvPr id="1" name=""/>
+        <p:cNvGrpSpPr/>
+        <p:nvPr/>
+      </p:nvGrpSpPr>
+      <p:grpSpPr>
+        <a:xfrm>
+          <a:off x="0" y="0"/>
+          <a:ext cx="0" cy="0"/>
+          <a:chOff x="0" y="0"/>
+          <a:chExt cx="0" cy="0"/>
+        </a:xfrm>
+      </p:grpSpPr>
+      <p:grpSp>
+        <p:nvGrpSpPr>
+          <p:cNvPr id="266" name="Groupe 265">
+            <a:extLst>
+              <a:ext uri="{FF2B5EF4-FFF2-40B4-BE49-F238E27FC236}">
+                <a16:creationId xmlns:a16="http://schemas.microsoft.com/office/drawing/2014/main" id="{C5D5E31F-CD53-9F51-E2AF-A3E2FB672E37}"/>
+              </a:ext>
+            </a:extLst>
+          </p:cNvPr>
+          <p:cNvGrpSpPr/>
+          <p:nvPr/>
+        </p:nvGrpSpPr>
+        <p:grpSpPr>
+          <a:xfrm>
+            <a:off x="3278748" y="5725682"/>
+            <a:ext cx="1375539" cy="706979"/>
+            <a:chOff x="4143253" y="4608851"/>
+            <a:chExt cx="1375539" cy="706979"/>
+          </a:xfrm>
+        </p:grpSpPr>
+        <p:pic>
+          <p:nvPicPr>
+            <p:cNvPr id="265" name="Image 264">
+              <a:extLst>
+                <a:ext uri="{FF2B5EF4-FFF2-40B4-BE49-F238E27FC236}">
+                  <a16:creationId xmlns:a16="http://schemas.microsoft.com/office/drawing/2014/main" id="{7B90C08B-46CD-1D2D-0739-444D222501A6}"/>
+                </a:ext>
+              </a:extLst>
+            </p:cNvPr>
+            <p:cNvPicPr>
+              <a:picLocks noChangeAspect="1"/>
+            </p:cNvPicPr>
+            <p:nvPr/>
+          </p:nvPicPr>
+          <p:blipFill>
+            <a:blip r:embed="rId2">
+              <a:extLst>
+                <a:ext uri="{28A0092B-C50C-407E-A947-70E740481C1C}">
+                  <a14:useLocalDpi xmlns:a14="http://schemas.microsoft.com/office/drawing/2010/main" val="0"/>
+                </a:ext>
+              </a:extLst>
+            </a:blip>
+            <a:stretch>
+              <a:fillRect/>
+            </a:stretch>
+          </p:blipFill>
+          <p:spPr>
+            <a:xfrm>
+              <a:off x="5028020" y="4902221"/>
+              <a:ext cx="403583" cy="403583"/>
+            </a:xfrm>
+            <a:prstGeom prst="rect">
+              <a:avLst/>
+            </a:prstGeom>
+          </p:spPr>
+        </p:pic>
+        <p:sp>
+          <p:nvSpPr>
+            <p:cNvPr id="263" name="Rectangle : coins arrondis 262">
+              <a:extLst>
+                <a:ext uri="{FF2B5EF4-FFF2-40B4-BE49-F238E27FC236}">
+                  <a16:creationId xmlns:a16="http://schemas.microsoft.com/office/drawing/2014/main" id="{B6F675EA-624D-5DC8-C5C8-4CAFFEA80B46}"/>
+                </a:ext>
+              </a:extLst>
+            </p:cNvPr>
+            <p:cNvSpPr/>
+            <p:nvPr/>
+          </p:nvSpPr>
+          <p:spPr>
+            <a:xfrm>
+              <a:off x="4150792" y="4608851"/>
+              <a:ext cx="1368000" cy="706979"/>
+            </a:xfrm>
+            <a:prstGeom prst="roundRect">
+              <a:avLst/>
+            </a:prstGeom>
+            <a:solidFill>
+              <a:schemeClr val="accent3">
+                <a:alpha val="27000"/>
+              </a:schemeClr>
+            </a:solidFill>
+            <a:ln>
+              <a:noFill/>
+            </a:ln>
+          </p:spPr>
+          <p:style>
+            <a:lnRef idx="0">
+              <a:scrgbClr r="0" g="0" b="0"/>
+            </a:lnRef>
+            <a:fillRef idx="0">
+              <a:scrgbClr r="0" g="0" b="0"/>
+            </a:fillRef>
+            <a:effectRef idx="0">
+              <a:scrgbClr r="0" g="0" b="0"/>
+            </a:effectRef>
+            <a:fontRef idx="minor">
+              <a:schemeClr val="lt1"/>
+            </a:fontRef>
+          </p:style>
+          <p:txBody>
+            <a:bodyPr rtlCol="0" anchor="ctr"/>
+            <a:lstStyle/>
+            <a:p>
+              <a:pPr algn="ctr"/>
+              <a:endParaRPr lang="fr-FR"/>
+            </a:p>
+          </p:txBody>
+        </p:sp>
+        <p:sp>
+          <p:nvSpPr>
+            <p:cNvPr id="261" name="ZoneTexte 260">
+              <a:extLst>
+                <a:ext uri="{FF2B5EF4-FFF2-40B4-BE49-F238E27FC236}">
+                  <a16:creationId xmlns:a16="http://schemas.microsoft.com/office/drawing/2014/main" id="{1FA09D93-ED5E-D85C-93B2-465859BBF0FD}"/>
+                </a:ext>
+              </a:extLst>
+            </p:cNvPr>
+            <p:cNvSpPr txBox="1"/>
+            <p:nvPr/>
+          </p:nvSpPr>
+          <p:spPr>
+            <a:xfrm>
+              <a:off x="4143253" y="4618335"/>
+              <a:ext cx="1368000" cy="230832"/>
+            </a:xfrm>
+            <a:prstGeom prst="rect">
+              <a:avLst/>
+            </a:prstGeom>
+            <a:noFill/>
+          </p:spPr>
+          <p:txBody>
+            <a:bodyPr wrap="square" rtlCol="0">
+              <a:spAutoFit/>
+            </a:bodyPr>
+            <a:lstStyle/>
+            <a:p>
+              <a:pPr algn="ctr"/>
+              <a:r>
+                <a:rPr lang="fr-FR" sz="900" b="1" dirty="0"/>
+                <a:t>Web </a:t>
+              </a:r>
+              <a:r>
+                <a:rPr lang="fr-FR" sz="900" b="1" dirty="0" err="1"/>
+                <a:t>status</a:t>
+              </a:r>
+              <a:endParaRPr lang="fr-FR" sz="900" b="1" dirty="0"/>
+            </a:p>
+          </p:txBody>
+        </p:sp>
+        <p:sp>
+          <p:nvSpPr>
+            <p:cNvPr id="262" name="ZoneTexte 261">
+              <a:extLst>
+                <a:ext uri="{FF2B5EF4-FFF2-40B4-BE49-F238E27FC236}">
+                  <a16:creationId xmlns:a16="http://schemas.microsoft.com/office/drawing/2014/main" id="{53B87EA9-094C-D90F-0459-8C05286A2A2E}"/>
+                </a:ext>
+              </a:extLst>
+            </p:cNvPr>
+            <p:cNvSpPr txBox="1"/>
+            <p:nvPr/>
+          </p:nvSpPr>
+          <p:spPr>
+            <a:xfrm>
+              <a:off x="4209928" y="4824768"/>
+              <a:ext cx="1057276" cy="338554"/>
+            </a:xfrm>
+            <a:prstGeom prst="rect">
+              <a:avLst/>
+            </a:prstGeom>
+            <a:noFill/>
+          </p:spPr>
+          <p:txBody>
+            <a:bodyPr wrap="square" rtlCol="0">
+              <a:spAutoFit/>
+            </a:bodyPr>
+            <a:lstStyle/>
+            <a:p>
+              <a:r>
+                <a:rPr lang="fr-FR" sz="800" dirty="0" err="1"/>
+                <a:t>Health</a:t>
+              </a:r>
+              <a:r>
+                <a:rPr lang="fr-FR" sz="800" dirty="0"/>
+                <a:t> check </a:t>
+              </a:r>
+            </a:p>
+            <a:p>
+              <a:r>
+                <a:rPr lang="fr-FR" sz="800" dirty="0" err="1"/>
+                <a:t>status</a:t>
+              </a:r>
+              <a:endParaRPr lang="fr-FR" sz="800" dirty="0"/>
+            </a:p>
+          </p:txBody>
+        </p:sp>
+      </p:grpSp>
+      <p:sp>
+        <p:nvSpPr>
+          <p:cNvPr id="2" name="Rectangle 1">
+            <a:extLst>
+              <a:ext uri="{FF2B5EF4-FFF2-40B4-BE49-F238E27FC236}">
+                <a16:creationId xmlns:a16="http://schemas.microsoft.com/office/drawing/2014/main" id="{C5B7B9DC-B99C-0A59-EABA-BF882B628F67}"/>
+              </a:ext>
+            </a:extLst>
+          </p:cNvPr>
+          <p:cNvSpPr/>
+          <p:nvPr/>
+        </p:nvSpPr>
+        <p:spPr>
+          <a:xfrm>
+            <a:off x="130629" y="128137"/>
+            <a:ext cx="1619794" cy="6640338"/>
+          </a:xfrm>
+          <a:prstGeom prst="rect">
+            <a:avLst/>
+          </a:prstGeom>
+          <a:noFill/>
+          <a:ln w="28575">
+            <a:prstDash val="dash"/>
+          </a:ln>
+        </p:spPr>
+        <p:style>
+          <a:lnRef idx="2">
+            <a:schemeClr val="accent1">
+              <a:shade val="50000"/>
+            </a:schemeClr>
+          </a:lnRef>
+          <a:fillRef idx="1">
+            <a:schemeClr val="accent1"/>
+          </a:fillRef>
+          <a:effectRef idx="0">
+            <a:schemeClr val="accent1"/>
+          </a:effectRef>
+          <a:fontRef idx="minor">
+            <a:schemeClr val="lt1"/>
+          </a:fontRef>
+        </p:style>
+        <p:txBody>
+          <a:bodyPr rtlCol="0" anchor="ctr"/>
+          <a:lstStyle/>
+          <a:p>
+            <a:pPr algn="ctr"/>
+            <a:endParaRPr lang="fr-FR"/>
+          </a:p>
+        </p:txBody>
+      </p:sp>
+      <p:sp>
+        <p:nvSpPr>
+          <p:cNvPr id="6" name="ZoneTexte 5">
+            <a:extLst>
+              <a:ext uri="{FF2B5EF4-FFF2-40B4-BE49-F238E27FC236}">
+                <a16:creationId xmlns:a16="http://schemas.microsoft.com/office/drawing/2014/main" id="{E7384309-0363-F225-EBC9-DCB8EDE7AC93}"/>
+              </a:ext>
+            </a:extLst>
+          </p:cNvPr>
+          <p:cNvSpPr txBox="1"/>
+          <p:nvPr/>
+        </p:nvSpPr>
+        <p:spPr>
+          <a:xfrm>
+            <a:off x="130629" y="128137"/>
+            <a:ext cx="1619793" cy="276999"/>
+          </a:xfrm>
+          <a:prstGeom prst="rect">
+            <a:avLst/>
+          </a:prstGeom>
+          <a:noFill/>
+        </p:spPr>
+        <p:txBody>
+          <a:bodyPr wrap="square" rtlCol="0">
+            <a:spAutoFit/>
+          </a:bodyPr>
+          <a:lstStyle/>
+          <a:p>
+            <a:pPr algn="ctr"/>
+            <a:r>
+              <a:rPr lang="fr-FR" sz="1200" b="1" dirty="0">
+                <a:solidFill>
+                  <a:srgbClr val="2F528F"/>
+                </a:solidFill>
+              </a:rPr>
+              <a:t>Client apps</a:t>
+            </a:r>
+          </a:p>
+        </p:txBody>
+      </p:sp>
+      <p:pic>
+        <p:nvPicPr>
+          <p:cNvPr id="12" name="Image 11">
+            <a:extLst>
+              <a:ext uri="{FF2B5EF4-FFF2-40B4-BE49-F238E27FC236}">
+                <a16:creationId xmlns:a16="http://schemas.microsoft.com/office/drawing/2014/main" id="{2AC1D2C2-BE1D-E88C-7F04-03C0D43E2A91}"/>
+              </a:ext>
+            </a:extLst>
+          </p:cNvPr>
+          <p:cNvPicPr>
+            <a:picLocks noChangeAspect="1"/>
+          </p:cNvPicPr>
+          <p:nvPr/>
+        </p:nvPicPr>
+        <p:blipFill>
+          <a:blip r:embed="rId3">
+            <a:extLst>
+              <a:ext uri="{28A0092B-C50C-407E-A947-70E740481C1C}">
+                <a14:useLocalDpi xmlns:a14="http://schemas.microsoft.com/office/drawing/2010/main" val="0"/>
+              </a:ext>
+            </a:extLst>
+          </a:blip>
+          <a:stretch>
+            <a:fillRect/>
+          </a:stretch>
+        </p:blipFill>
+        <p:spPr>
+          <a:xfrm>
+            <a:off x="2280316" y="437178"/>
+            <a:ext cx="600075" cy="375047"/>
+          </a:xfrm>
+          <a:prstGeom prst="rect">
+            <a:avLst/>
+          </a:prstGeom>
+        </p:spPr>
+      </p:pic>
+      <p:grpSp>
+        <p:nvGrpSpPr>
+          <p:cNvPr id="18" name="Groupe 17">
+            <a:extLst>
+              <a:ext uri="{FF2B5EF4-FFF2-40B4-BE49-F238E27FC236}">
+                <a16:creationId xmlns:a16="http://schemas.microsoft.com/office/drawing/2014/main" id="{CF3A0939-8488-2637-311D-AC1380E98646}"/>
+              </a:ext>
+            </a:extLst>
+          </p:cNvPr>
+          <p:cNvGrpSpPr/>
+          <p:nvPr/>
+        </p:nvGrpSpPr>
+        <p:grpSpPr>
+          <a:xfrm>
+            <a:off x="296824" y="536603"/>
+            <a:ext cx="1249301" cy="923108"/>
+            <a:chOff x="3819088" y="1306286"/>
+            <a:chExt cx="1249301" cy="923108"/>
+          </a:xfrm>
+        </p:grpSpPr>
+        <p:sp>
+          <p:nvSpPr>
+            <p:cNvPr id="3" name="Rectangle : coins arrondis 2">
+              <a:extLst>
+                <a:ext uri="{FF2B5EF4-FFF2-40B4-BE49-F238E27FC236}">
+                  <a16:creationId xmlns:a16="http://schemas.microsoft.com/office/drawing/2014/main" id="{0DD1406E-036C-A94A-E07B-E5BD08C5917C}"/>
+                </a:ext>
+              </a:extLst>
+            </p:cNvPr>
+            <p:cNvSpPr/>
+            <p:nvPr/>
+          </p:nvSpPr>
+          <p:spPr>
+            <a:xfrm>
+              <a:off x="3857897" y="1306286"/>
+              <a:ext cx="1210492" cy="923108"/>
+            </a:xfrm>
+            <a:prstGeom prst="roundRect">
+              <a:avLst/>
+            </a:prstGeom>
+            <a:solidFill>
+              <a:schemeClr val="accent3">
+                <a:alpha val="27000"/>
+              </a:schemeClr>
+            </a:solidFill>
+            <a:ln>
+              <a:noFill/>
+            </a:ln>
+          </p:spPr>
+          <p:style>
+            <a:lnRef idx="0">
+              <a:scrgbClr r="0" g="0" b="0"/>
+            </a:lnRef>
+            <a:fillRef idx="0">
+              <a:scrgbClr r="0" g="0" b="0"/>
+            </a:fillRef>
+            <a:effectRef idx="0">
+              <a:scrgbClr r="0" g="0" b="0"/>
+            </a:effectRef>
+            <a:fontRef idx="minor">
+              <a:schemeClr val="lt1"/>
+            </a:fontRef>
+          </p:style>
+          <p:txBody>
+            <a:bodyPr rtlCol="0" anchor="ctr"/>
+            <a:lstStyle/>
+            <a:p>
+              <a:pPr algn="ctr"/>
+              <a:endParaRPr lang="fr-FR"/>
+            </a:p>
+          </p:txBody>
+        </p:sp>
+        <p:sp>
+          <p:nvSpPr>
+            <p:cNvPr id="4" name="ZoneTexte 3">
+              <a:extLst>
+                <a:ext uri="{FF2B5EF4-FFF2-40B4-BE49-F238E27FC236}">
+                  <a16:creationId xmlns:a16="http://schemas.microsoft.com/office/drawing/2014/main" id="{2298C876-CBD0-9652-4A91-A124B87A192C}"/>
+                </a:ext>
+              </a:extLst>
+            </p:cNvPr>
+            <p:cNvSpPr txBox="1"/>
+            <p:nvPr/>
+          </p:nvSpPr>
+          <p:spPr>
+            <a:xfrm>
+              <a:off x="3857897" y="1306286"/>
+              <a:ext cx="1210491" cy="276999"/>
+            </a:xfrm>
+            <a:prstGeom prst="rect">
+              <a:avLst/>
+            </a:prstGeom>
+            <a:noFill/>
+          </p:spPr>
+          <p:txBody>
+            <a:bodyPr wrap="square" rtlCol="0">
+              <a:spAutoFit/>
+            </a:bodyPr>
+            <a:lstStyle/>
+            <a:p>
+              <a:pPr algn="ctr"/>
+              <a:r>
+                <a:rPr lang="fr-FR" sz="1200" b="1" dirty="0"/>
+                <a:t>Ansible </a:t>
+              </a:r>
+            </a:p>
+          </p:txBody>
+        </p:sp>
+        <p:pic>
+          <p:nvPicPr>
+            <p:cNvPr id="10" name="Image 9">
+              <a:extLst>
+                <a:ext uri="{FF2B5EF4-FFF2-40B4-BE49-F238E27FC236}">
+                  <a16:creationId xmlns:a16="http://schemas.microsoft.com/office/drawing/2014/main" id="{0251401B-D0DE-A26C-8D05-F6485240EA55}"/>
+                </a:ext>
+              </a:extLst>
+            </p:cNvPr>
+            <p:cNvPicPr>
+              <a:picLocks noChangeAspect="1"/>
+            </p:cNvPicPr>
+            <p:nvPr/>
+          </p:nvPicPr>
+          <p:blipFill>
+            <a:blip r:embed="rId4">
+              <a:extLst>
+                <a:ext uri="{28A0092B-C50C-407E-A947-70E740481C1C}">
+                  <a14:useLocalDpi xmlns:a14="http://schemas.microsoft.com/office/drawing/2010/main" val="0"/>
+                </a:ext>
+              </a:extLst>
+            </a:blip>
+            <a:stretch>
+              <a:fillRect/>
+            </a:stretch>
+          </p:blipFill>
+          <p:spPr>
+            <a:xfrm>
+              <a:off x="4572000" y="1767840"/>
+              <a:ext cx="342900" cy="342900"/>
+            </a:xfrm>
+            <a:prstGeom prst="rect">
+              <a:avLst/>
+            </a:prstGeom>
+          </p:spPr>
+        </p:pic>
+        <p:sp>
+          <p:nvSpPr>
+            <p:cNvPr id="15" name="ZoneTexte 14">
+              <a:extLst>
+                <a:ext uri="{FF2B5EF4-FFF2-40B4-BE49-F238E27FC236}">
+                  <a16:creationId xmlns:a16="http://schemas.microsoft.com/office/drawing/2014/main" id="{D5F34F1D-7349-170F-E995-804188530758}"/>
+                </a:ext>
+              </a:extLst>
+            </p:cNvPr>
+            <p:cNvSpPr txBox="1"/>
+            <p:nvPr/>
+          </p:nvSpPr>
+          <p:spPr>
+            <a:xfrm>
+              <a:off x="3819088" y="1583285"/>
+              <a:ext cx="1057276" cy="553998"/>
+            </a:xfrm>
+            <a:prstGeom prst="rect">
+              <a:avLst/>
+            </a:prstGeom>
+            <a:noFill/>
+          </p:spPr>
+          <p:txBody>
+            <a:bodyPr wrap="square" rtlCol="0">
+              <a:spAutoFit/>
+            </a:bodyPr>
+            <a:lstStyle/>
+            <a:p>
+              <a:r>
+                <a:rPr lang="fr-FR" sz="1000" dirty="0"/>
+                <a:t>Inventory plugin</a:t>
+              </a:r>
+            </a:p>
+            <a:p>
+              <a:r>
+                <a:rPr lang="fr-FR" sz="1000" dirty="0"/>
+                <a:t>Modules</a:t>
+              </a:r>
+            </a:p>
+            <a:p>
+              <a:r>
+                <a:rPr lang="fr-FR" sz="1000" dirty="0" err="1"/>
+                <a:t>CallBacks</a:t>
+              </a:r>
+              <a:endParaRPr lang="fr-FR" sz="1000" dirty="0"/>
+            </a:p>
+          </p:txBody>
+        </p:sp>
+      </p:grpSp>
+      <p:grpSp>
+        <p:nvGrpSpPr>
+          <p:cNvPr id="29" name="Groupe 28">
+            <a:extLst>
+              <a:ext uri="{FF2B5EF4-FFF2-40B4-BE49-F238E27FC236}">
+                <a16:creationId xmlns:a16="http://schemas.microsoft.com/office/drawing/2014/main" id="{B171810C-8038-DAC3-9313-CBEAB6329251}"/>
+              </a:ext>
+            </a:extLst>
+          </p:cNvPr>
+          <p:cNvGrpSpPr/>
+          <p:nvPr/>
+        </p:nvGrpSpPr>
+        <p:grpSpPr>
+          <a:xfrm>
+            <a:off x="316228" y="3478281"/>
+            <a:ext cx="1218031" cy="923108"/>
+            <a:chOff x="4877969" y="3425420"/>
+            <a:chExt cx="1218031" cy="923108"/>
+          </a:xfrm>
+        </p:grpSpPr>
+        <p:sp>
+          <p:nvSpPr>
+            <p:cNvPr id="23" name="Rectangle : coins arrondis 22">
+              <a:extLst>
+                <a:ext uri="{FF2B5EF4-FFF2-40B4-BE49-F238E27FC236}">
+                  <a16:creationId xmlns:a16="http://schemas.microsoft.com/office/drawing/2014/main" id="{2D208F3C-E4E7-F450-BA57-05828BA50435}"/>
+                </a:ext>
+              </a:extLst>
+            </p:cNvPr>
+            <p:cNvSpPr/>
+            <p:nvPr/>
+          </p:nvSpPr>
+          <p:spPr>
+            <a:xfrm>
+              <a:off x="4885508" y="3425420"/>
+              <a:ext cx="1210492" cy="923108"/>
+            </a:xfrm>
+            <a:prstGeom prst="roundRect">
+              <a:avLst/>
+            </a:prstGeom>
+            <a:solidFill>
+              <a:schemeClr val="accent3">
+                <a:alpha val="27000"/>
+              </a:schemeClr>
+            </a:solidFill>
+            <a:ln>
+              <a:noFill/>
+            </a:ln>
+          </p:spPr>
+          <p:style>
+            <a:lnRef idx="0">
+              <a:scrgbClr r="0" g="0" b="0"/>
+            </a:lnRef>
+            <a:fillRef idx="0">
+              <a:scrgbClr r="0" g="0" b="0"/>
+            </a:fillRef>
+            <a:effectRef idx="0">
+              <a:scrgbClr r="0" g="0" b="0"/>
+            </a:effectRef>
+            <a:fontRef idx="minor">
+              <a:schemeClr val="lt1"/>
+            </a:fontRef>
+          </p:style>
+          <p:txBody>
+            <a:bodyPr rtlCol="0" anchor="ctr"/>
+            <a:lstStyle/>
+            <a:p>
+              <a:pPr algn="ctr"/>
+              <a:endParaRPr lang="fr-FR"/>
+            </a:p>
+          </p:txBody>
+        </p:sp>
+        <p:sp>
+          <p:nvSpPr>
+            <p:cNvPr id="24" name="ZoneTexte 23">
+              <a:extLst>
+                <a:ext uri="{FF2B5EF4-FFF2-40B4-BE49-F238E27FC236}">
+                  <a16:creationId xmlns:a16="http://schemas.microsoft.com/office/drawing/2014/main" id="{984D301C-88A8-939C-F4D4-392C3A07FC0A}"/>
+                </a:ext>
+              </a:extLst>
+            </p:cNvPr>
+            <p:cNvSpPr txBox="1"/>
+            <p:nvPr/>
+          </p:nvSpPr>
+          <p:spPr>
+            <a:xfrm>
+              <a:off x="4877969" y="3434904"/>
+              <a:ext cx="1210491" cy="276999"/>
+            </a:xfrm>
+            <a:prstGeom prst="rect">
+              <a:avLst/>
+            </a:prstGeom>
+            <a:noFill/>
+          </p:spPr>
+          <p:txBody>
+            <a:bodyPr wrap="square" rtlCol="0">
+              <a:spAutoFit/>
+            </a:bodyPr>
+            <a:lstStyle/>
+            <a:p>
+              <a:pPr algn="ctr"/>
+              <a:r>
+                <a:rPr lang="fr-FR" sz="1200" b="1" dirty="0" err="1"/>
+                <a:t>Sharepoint</a:t>
+              </a:r>
+              <a:r>
+                <a:rPr lang="fr-FR" sz="1200" b="1" dirty="0"/>
+                <a:t> </a:t>
+              </a:r>
+              <a:r>
+                <a:rPr lang="fr-FR" sz="1200" b="1" dirty="0" err="1"/>
+                <a:t>lists</a:t>
+              </a:r>
+              <a:endParaRPr lang="fr-FR" sz="1200" b="1" dirty="0"/>
+            </a:p>
+          </p:txBody>
+        </p:sp>
+        <p:pic>
+          <p:nvPicPr>
+            <p:cNvPr id="26" name="Image 25">
+              <a:extLst>
+                <a:ext uri="{FF2B5EF4-FFF2-40B4-BE49-F238E27FC236}">
+                  <a16:creationId xmlns:a16="http://schemas.microsoft.com/office/drawing/2014/main" id="{C6D32680-4CEB-8B61-13EB-064A1A09478C}"/>
+                </a:ext>
+              </a:extLst>
+            </p:cNvPr>
+            <p:cNvPicPr>
+              <a:picLocks noChangeAspect="1"/>
+            </p:cNvPicPr>
+            <p:nvPr/>
+          </p:nvPicPr>
+          <p:blipFill>
+            <a:blip r:embed="rId5">
+              <a:extLst>
+                <a:ext uri="{28A0092B-C50C-407E-A947-70E740481C1C}">
+                  <a14:useLocalDpi xmlns:a14="http://schemas.microsoft.com/office/drawing/2010/main" val="0"/>
+                </a:ext>
+              </a:extLst>
+            </a:blip>
+            <a:stretch>
+              <a:fillRect/>
+            </a:stretch>
+          </p:blipFill>
+          <p:spPr>
+            <a:xfrm>
+              <a:off x="5713413" y="3783299"/>
+              <a:ext cx="375047" cy="375047"/>
+            </a:xfrm>
+            <a:prstGeom prst="rect">
+              <a:avLst/>
+            </a:prstGeom>
+          </p:spPr>
+        </p:pic>
+        <p:sp>
+          <p:nvSpPr>
+            <p:cNvPr id="28" name="ZoneTexte 27">
+              <a:extLst>
+                <a:ext uri="{FF2B5EF4-FFF2-40B4-BE49-F238E27FC236}">
+                  <a16:creationId xmlns:a16="http://schemas.microsoft.com/office/drawing/2014/main" id="{70C3726F-4B6D-D21B-9360-19475BE59820}"/>
+                </a:ext>
+              </a:extLst>
+            </p:cNvPr>
+            <p:cNvSpPr txBox="1"/>
+            <p:nvPr/>
+          </p:nvSpPr>
+          <p:spPr>
+            <a:xfrm>
+              <a:off x="4885508" y="3721387"/>
+              <a:ext cx="1057276" cy="246221"/>
+            </a:xfrm>
+            <a:prstGeom prst="rect">
+              <a:avLst/>
+            </a:prstGeom>
+            <a:noFill/>
+          </p:spPr>
+          <p:txBody>
+            <a:bodyPr wrap="square" rtlCol="0">
+              <a:spAutoFit/>
+            </a:bodyPr>
+            <a:lstStyle/>
+            <a:p>
+              <a:r>
+                <a:rPr lang="fr-FR" sz="1000" dirty="0" err="1"/>
+                <a:t>Devices</a:t>
+              </a:r>
+              <a:r>
+                <a:rPr lang="fr-FR" sz="1000" dirty="0"/>
+                <a:t> </a:t>
+              </a:r>
+              <a:r>
+                <a:rPr lang="fr-FR" sz="1000" dirty="0" err="1"/>
+                <a:t>list</a:t>
+              </a:r>
+              <a:endParaRPr lang="fr-FR" sz="1000" dirty="0"/>
+            </a:p>
+          </p:txBody>
+        </p:sp>
+      </p:grpSp>
+      <p:sp>
+        <p:nvSpPr>
+          <p:cNvPr id="31" name="Rectangle 30">
+            <a:extLst>
+              <a:ext uri="{FF2B5EF4-FFF2-40B4-BE49-F238E27FC236}">
+                <a16:creationId xmlns:a16="http://schemas.microsoft.com/office/drawing/2014/main" id="{E1DD44CC-BBEB-5A6F-DE22-C4746FAF0B24}"/>
+              </a:ext>
+            </a:extLst>
+          </p:cNvPr>
+          <p:cNvSpPr/>
+          <p:nvPr/>
+        </p:nvSpPr>
+        <p:spPr>
+          <a:xfrm>
+            <a:off x="1970238" y="128137"/>
+            <a:ext cx="7193285" cy="6640338"/>
+          </a:xfrm>
+          <a:prstGeom prst="rect">
+            <a:avLst/>
+          </a:prstGeom>
+          <a:noFill/>
+          <a:ln w="28575">
+            <a:prstDash val="dash"/>
+          </a:ln>
+        </p:spPr>
+        <p:style>
+          <a:lnRef idx="2">
+            <a:schemeClr val="accent1">
+              <a:shade val="50000"/>
+            </a:schemeClr>
+          </a:lnRef>
+          <a:fillRef idx="1">
+            <a:schemeClr val="accent1"/>
+          </a:fillRef>
+          <a:effectRef idx="0">
+            <a:schemeClr val="accent1"/>
+          </a:effectRef>
+          <a:fontRef idx="minor">
+            <a:schemeClr val="lt1"/>
+          </a:fontRef>
+        </p:style>
+        <p:txBody>
+          <a:bodyPr rtlCol="0" anchor="ctr"/>
+          <a:lstStyle/>
+          <a:p>
+            <a:pPr algn="ctr"/>
+            <a:endParaRPr lang="fr-FR"/>
+          </a:p>
+        </p:txBody>
+      </p:sp>
+      <p:cxnSp>
+        <p:nvCxnSpPr>
+          <p:cNvPr id="47" name="Connecteur droit avec flèche 46">
+            <a:extLst>
+              <a:ext uri="{FF2B5EF4-FFF2-40B4-BE49-F238E27FC236}">
+                <a16:creationId xmlns:a16="http://schemas.microsoft.com/office/drawing/2014/main" id="{A51D0E51-6CAF-B4B4-6AA7-30677FEF979D}"/>
+              </a:ext>
+            </a:extLst>
+          </p:cNvPr>
+          <p:cNvCxnSpPr>
+            <a:cxnSpLocks/>
+            <a:stCxn id="45" idx="3"/>
+            <a:endCxn id="38" idx="1"/>
+          </p:cNvCxnSpPr>
+          <p:nvPr/>
+        </p:nvCxnSpPr>
+        <p:spPr>
+          <a:xfrm>
+            <a:off x="2500433" y="2979636"/>
+            <a:ext cx="269569" cy="4365"/>
+          </a:xfrm>
+          <a:prstGeom prst="straightConnector1">
+            <a:avLst/>
+          </a:prstGeom>
+          <a:ln>
+            <a:tailEnd type="triangle"/>
+          </a:ln>
+        </p:spPr>
+        <p:style>
+          <a:lnRef idx="1">
+            <a:schemeClr val="accent1"/>
+          </a:lnRef>
+          <a:fillRef idx="0">
+            <a:schemeClr val="accent1"/>
+          </a:fillRef>
+          <a:effectRef idx="0">
+            <a:schemeClr val="accent1"/>
+          </a:effectRef>
+          <a:fontRef idx="minor">
+            <a:schemeClr val="tx1"/>
+          </a:fontRef>
+        </p:style>
+      </p:cxnSp>
+      <p:cxnSp>
+        <p:nvCxnSpPr>
+          <p:cNvPr id="54" name="Connecteur : en angle 53">
+            <a:extLst>
+              <a:ext uri="{FF2B5EF4-FFF2-40B4-BE49-F238E27FC236}">
+                <a16:creationId xmlns:a16="http://schemas.microsoft.com/office/drawing/2014/main" id="{C0055CA9-CCB6-8497-9B20-84B4BDC4B308}"/>
+              </a:ext>
+            </a:extLst>
+          </p:cNvPr>
+          <p:cNvCxnSpPr>
+            <a:cxnSpLocks/>
+            <a:stCxn id="26" idx="3"/>
+            <a:endCxn id="59" idx="1"/>
+          </p:cNvCxnSpPr>
+          <p:nvPr/>
+        </p:nvCxnSpPr>
+        <p:spPr>
+          <a:xfrm flipV="1">
+            <a:off x="1526719" y="3231261"/>
+            <a:ext cx="885734" cy="792423"/>
+          </a:xfrm>
+          <a:prstGeom prst="bentConnector3">
+            <a:avLst>
+              <a:gd name="adj1" fmla="val 50000"/>
+            </a:avLst>
+          </a:prstGeom>
+          <a:ln>
+            <a:solidFill>
+              <a:schemeClr val="bg1">
+                <a:lumMod val="50000"/>
+              </a:schemeClr>
+            </a:solidFill>
+            <a:tailEnd type="triangle"/>
+          </a:ln>
+        </p:spPr>
+        <p:style>
+          <a:lnRef idx="1">
+            <a:schemeClr val="accent1"/>
+          </a:lnRef>
+          <a:fillRef idx="0">
+            <a:schemeClr val="accent1"/>
+          </a:fillRef>
+          <a:effectRef idx="0">
+            <a:schemeClr val="accent1"/>
+          </a:effectRef>
+          <a:fontRef idx="minor">
+            <a:schemeClr val="tx1"/>
+          </a:fontRef>
+        </p:style>
+      </p:cxnSp>
+      <p:grpSp>
+        <p:nvGrpSpPr>
+          <p:cNvPr id="363" name="Groupe 362">
+            <a:extLst>
+              <a:ext uri="{FF2B5EF4-FFF2-40B4-BE49-F238E27FC236}">
+                <a16:creationId xmlns:a16="http://schemas.microsoft.com/office/drawing/2014/main" id="{9AA44454-6109-20A6-52F8-EC98BE7C4B67}"/>
+              </a:ext>
+            </a:extLst>
+          </p:cNvPr>
+          <p:cNvGrpSpPr/>
+          <p:nvPr/>
+        </p:nvGrpSpPr>
+        <p:grpSpPr>
+          <a:xfrm>
+            <a:off x="2412453" y="2645444"/>
+            <a:ext cx="87980" cy="654687"/>
+            <a:chOff x="3336378" y="2645444"/>
+            <a:chExt cx="87980" cy="654687"/>
+          </a:xfrm>
+        </p:grpSpPr>
+        <p:grpSp>
+          <p:nvGrpSpPr>
+            <p:cNvPr id="52" name="Groupe 51">
+              <a:extLst>
+                <a:ext uri="{FF2B5EF4-FFF2-40B4-BE49-F238E27FC236}">
+                  <a16:creationId xmlns:a16="http://schemas.microsoft.com/office/drawing/2014/main" id="{DE6EE99D-6683-92B0-D012-434342F555D1}"/>
+                </a:ext>
+              </a:extLst>
+            </p:cNvPr>
+            <p:cNvGrpSpPr/>
+            <p:nvPr/>
+          </p:nvGrpSpPr>
+          <p:grpSpPr>
+            <a:xfrm>
+              <a:off x="3337003" y="2645444"/>
+              <a:ext cx="87355" cy="654687"/>
+              <a:chOff x="5200650" y="2086226"/>
+              <a:chExt cx="87355" cy="654687"/>
+            </a:xfrm>
+          </p:grpSpPr>
+          <p:cxnSp>
+            <p:nvCxnSpPr>
+              <p:cNvPr id="44" name="Connecteur droit 43">
+                <a:extLst>
+                  <a:ext uri="{FF2B5EF4-FFF2-40B4-BE49-F238E27FC236}">
+                    <a16:creationId xmlns:a16="http://schemas.microsoft.com/office/drawing/2014/main" id="{E43965FF-7AFA-AB42-7F75-CE9F3CB2239D}"/>
+                  </a:ext>
+                </a:extLst>
+              </p:cNvPr>
+              <p:cNvCxnSpPr/>
+              <p:nvPr/>
+            </p:nvCxnSpPr>
+            <p:spPr>
+              <a:xfrm>
+                <a:off x="5248275" y="2086226"/>
+                <a:ext cx="0" cy="654687"/>
+              </a:xfrm>
+              <a:prstGeom prst="line">
+                <a:avLst/>
+              </a:prstGeom>
+              <a:ln w="38100">
+                <a:solidFill>
+                  <a:schemeClr val="tx1"/>
+                </a:solidFill>
+              </a:ln>
+            </p:spPr>
+            <p:style>
+              <a:lnRef idx="1">
+                <a:schemeClr val="accent1"/>
+              </a:lnRef>
+              <a:fillRef idx="0">
+                <a:schemeClr val="accent1"/>
+              </a:fillRef>
+              <a:effectRef idx="0">
+                <a:schemeClr val="accent1"/>
+              </a:effectRef>
+              <a:fontRef idx="minor">
+                <a:schemeClr val="tx1"/>
+              </a:fontRef>
+            </p:style>
+          </p:cxnSp>
+          <p:sp>
+            <p:nvSpPr>
+              <p:cNvPr id="45" name="Rectangle 44">
+                <a:extLst>
+                  <a:ext uri="{FF2B5EF4-FFF2-40B4-BE49-F238E27FC236}">
+                    <a16:creationId xmlns:a16="http://schemas.microsoft.com/office/drawing/2014/main" id="{B189E554-4D86-815C-E4AA-429C4C332812}"/>
+                  </a:ext>
+                </a:extLst>
+              </p:cNvPr>
+              <p:cNvSpPr/>
+              <p:nvPr/>
+            </p:nvSpPr>
+            <p:spPr>
+              <a:xfrm>
+                <a:off x="5200650" y="2373860"/>
+                <a:ext cx="87355" cy="93115"/>
+              </a:xfrm>
+              <a:prstGeom prst="rect">
+                <a:avLst/>
+              </a:prstGeom>
+              <a:noFill/>
+              <a:ln>
+                <a:noFill/>
+              </a:ln>
+            </p:spPr>
+            <p:style>
+              <a:lnRef idx="2">
+                <a:schemeClr val="accent1">
+                  <a:shade val="50000"/>
+                </a:schemeClr>
+              </a:lnRef>
+              <a:fillRef idx="1">
+                <a:schemeClr val="accent1"/>
+              </a:fillRef>
+              <a:effectRef idx="0">
+                <a:schemeClr val="accent1"/>
+              </a:effectRef>
+              <a:fontRef idx="minor">
+                <a:schemeClr val="lt1"/>
+              </a:fontRef>
+            </p:style>
+            <p:txBody>
+              <a:bodyPr rtlCol="0" anchor="ctr"/>
+              <a:lstStyle/>
+              <a:p>
+                <a:pPr algn="ctr"/>
+                <a:endParaRPr lang="fr-FR"/>
+              </a:p>
+            </p:txBody>
+          </p:sp>
+        </p:grpSp>
+        <p:sp>
+          <p:nvSpPr>
+            <p:cNvPr id="56" name="Rectangle 55">
+              <a:extLst>
+                <a:ext uri="{FF2B5EF4-FFF2-40B4-BE49-F238E27FC236}">
+                  <a16:creationId xmlns:a16="http://schemas.microsoft.com/office/drawing/2014/main" id="{093E05F2-99B8-9524-C6C2-1B4651BEDD94}"/>
+                </a:ext>
+              </a:extLst>
+            </p:cNvPr>
+            <p:cNvSpPr/>
+            <p:nvPr/>
+          </p:nvSpPr>
+          <p:spPr>
+            <a:xfrm>
+              <a:off x="3336378" y="2762307"/>
+              <a:ext cx="87355" cy="93115"/>
+            </a:xfrm>
+            <a:prstGeom prst="rect">
+              <a:avLst/>
+            </a:prstGeom>
+            <a:noFill/>
+            <a:ln>
+              <a:noFill/>
+            </a:ln>
+          </p:spPr>
+          <p:style>
+            <a:lnRef idx="2">
+              <a:schemeClr val="accent1">
+                <a:shade val="50000"/>
+              </a:schemeClr>
+            </a:lnRef>
+            <a:fillRef idx="1">
+              <a:schemeClr val="accent1"/>
+            </a:fillRef>
+            <a:effectRef idx="0">
+              <a:schemeClr val="accent1"/>
+            </a:effectRef>
+            <a:fontRef idx="minor">
+              <a:schemeClr val="lt1"/>
+            </a:fontRef>
+          </p:style>
+          <p:txBody>
+            <a:bodyPr rtlCol="0" anchor="ctr"/>
+            <a:lstStyle/>
+            <a:p>
+              <a:pPr algn="ctr"/>
+              <a:endParaRPr lang="fr-FR"/>
+            </a:p>
+          </p:txBody>
+        </p:sp>
+        <p:sp>
+          <p:nvSpPr>
+            <p:cNvPr id="59" name="Rectangle 58">
+              <a:extLst>
+                <a:ext uri="{FF2B5EF4-FFF2-40B4-BE49-F238E27FC236}">
+                  <a16:creationId xmlns:a16="http://schemas.microsoft.com/office/drawing/2014/main" id="{8CC1421E-78E0-E0E4-3AC9-DD1A2E75491C}"/>
+                </a:ext>
+              </a:extLst>
+            </p:cNvPr>
+            <p:cNvSpPr/>
+            <p:nvPr/>
+          </p:nvSpPr>
+          <p:spPr>
+            <a:xfrm>
+              <a:off x="3336378" y="3184703"/>
+              <a:ext cx="87355" cy="93115"/>
+            </a:xfrm>
+            <a:prstGeom prst="rect">
+              <a:avLst/>
+            </a:prstGeom>
+            <a:noFill/>
+            <a:ln>
+              <a:noFill/>
+            </a:ln>
+          </p:spPr>
+          <p:style>
+            <a:lnRef idx="2">
+              <a:schemeClr val="accent1">
+                <a:shade val="50000"/>
+              </a:schemeClr>
+            </a:lnRef>
+            <a:fillRef idx="1">
+              <a:schemeClr val="accent1"/>
+            </a:fillRef>
+            <a:effectRef idx="0">
+              <a:schemeClr val="accent1"/>
+            </a:effectRef>
+            <a:fontRef idx="minor">
+              <a:schemeClr val="lt1"/>
+            </a:fontRef>
+          </p:style>
+          <p:txBody>
+            <a:bodyPr rtlCol="0" anchor="ctr"/>
+            <a:lstStyle/>
+            <a:p>
+              <a:pPr algn="ctr"/>
+              <a:endParaRPr lang="fr-FR"/>
+            </a:p>
+          </p:txBody>
+        </p:sp>
+      </p:grpSp>
+      <p:cxnSp>
+        <p:nvCxnSpPr>
+          <p:cNvPr id="63" name="Connecteur : en angle 62">
+            <a:extLst>
+              <a:ext uri="{FF2B5EF4-FFF2-40B4-BE49-F238E27FC236}">
+                <a16:creationId xmlns:a16="http://schemas.microsoft.com/office/drawing/2014/main" id="{7F091BAC-E1A0-9D5C-7530-F2023BF47A4C}"/>
+              </a:ext>
+            </a:extLst>
+          </p:cNvPr>
+          <p:cNvCxnSpPr>
+            <a:stCxn id="17" idx="3"/>
+            <a:endCxn id="56" idx="1"/>
+          </p:cNvCxnSpPr>
+          <p:nvPr/>
+        </p:nvCxnSpPr>
+        <p:spPr>
+          <a:xfrm>
+            <a:off x="1530490" y="2468996"/>
+            <a:ext cx="881963" cy="339869"/>
+          </a:xfrm>
+          <a:prstGeom prst="bentConnector3">
+            <a:avLst/>
+          </a:prstGeom>
+          <a:ln>
+            <a:solidFill>
+              <a:schemeClr val="bg1">
+                <a:lumMod val="50000"/>
+              </a:schemeClr>
+            </a:solidFill>
+            <a:tailEnd type="triangle"/>
+          </a:ln>
+        </p:spPr>
+        <p:style>
+          <a:lnRef idx="1">
+            <a:schemeClr val="accent1"/>
+          </a:lnRef>
+          <a:fillRef idx="0">
+            <a:schemeClr val="accent1"/>
+          </a:fillRef>
+          <a:effectRef idx="0">
+            <a:schemeClr val="accent1"/>
+          </a:effectRef>
+          <a:fontRef idx="minor">
+            <a:schemeClr val="tx1"/>
+          </a:fontRef>
+        </p:style>
+      </p:cxnSp>
+      <p:grpSp>
+        <p:nvGrpSpPr>
+          <p:cNvPr id="7" name="Groupe 6">
+            <a:extLst>
+              <a:ext uri="{FF2B5EF4-FFF2-40B4-BE49-F238E27FC236}">
+                <a16:creationId xmlns:a16="http://schemas.microsoft.com/office/drawing/2014/main" id="{1F1370A6-C487-1DAC-D642-001EF7114C07}"/>
+              </a:ext>
+            </a:extLst>
+          </p:cNvPr>
+          <p:cNvGrpSpPr/>
+          <p:nvPr/>
+        </p:nvGrpSpPr>
+        <p:grpSpPr>
+          <a:xfrm>
+            <a:off x="4977323" y="461483"/>
+            <a:ext cx="1377490" cy="613555"/>
+            <a:chOff x="6458597" y="417938"/>
+            <a:chExt cx="1377490" cy="613555"/>
+          </a:xfrm>
+        </p:grpSpPr>
+        <p:sp>
+          <p:nvSpPr>
+            <p:cNvPr id="79" name="Rectangle : coins arrondis 78">
+              <a:extLst>
+                <a:ext uri="{FF2B5EF4-FFF2-40B4-BE49-F238E27FC236}">
+                  <a16:creationId xmlns:a16="http://schemas.microsoft.com/office/drawing/2014/main" id="{C77DF705-7A3E-35D4-56FA-8DBDFDD38278}"/>
+                </a:ext>
+              </a:extLst>
+            </p:cNvPr>
+            <p:cNvSpPr/>
+            <p:nvPr/>
+          </p:nvSpPr>
+          <p:spPr>
+            <a:xfrm>
+              <a:off x="6468087" y="417938"/>
+              <a:ext cx="1368000" cy="613555"/>
+            </a:xfrm>
+            <a:prstGeom prst="roundRect">
+              <a:avLst/>
+            </a:prstGeom>
+            <a:solidFill>
+              <a:schemeClr val="accent3">
+                <a:alpha val="27000"/>
+              </a:schemeClr>
+            </a:solidFill>
+            <a:ln>
+              <a:noFill/>
+            </a:ln>
+          </p:spPr>
+          <p:style>
+            <a:lnRef idx="0">
+              <a:scrgbClr r="0" g="0" b="0"/>
+            </a:lnRef>
+            <a:fillRef idx="0">
+              <a:scrgbClr r="0" g="0" b="0"/>
+            </a:fillRef>
+            <a:effectRef idx="0">
+              <a:scrgbClr r="0" g="0" b="0"/>
+            </a:effectRef>
+            <a:fontRef idx="minor">
+              <a:schemeClr val="lt1"/>
+            </a:fontRef>
+          </p:style>
+          <p:txBody>
+            <a:bodyPr rtlCol="0" anchor="ctr"/>
+            <a:lstStyle/>
+            <a:p>
+              <a:pPr algn="ctr"/>
+              <a:endParaRPr lang="fr-FR"/>
+            </a:p>
+          </p:txBody>
+        </p:sp>
+        <p:sp>
+          <p:nvSpPr>
+            <p:cNvPr id="80" name="ZoneTexte 79">
+              <a:extLst>
+                <a:ext uri="{FF2B5EF4-FFF2-40B4-BE49-F238E27FC236}">
+                  <a16:creationId xmlns:a16="http://schemas.microsoft.com/office/drawing/2014/main" id="{4447980B-E85D-5A5F-320A-E88ADE277E52}"/>
+                </a:ext>
+              </a:extLst>
+            </p:cNvPr>
+            <p:cNvSpPr txBox="1"/>
+            <p:nvPr/>
+          </p:nvSpPr>
+          <p:spPr>
+            <a:xfrm>
+              <a:off x="6458597" y="427422"/>
+              <a:ext cx="1334157" cy="230832"/>
+            </a:xfrm>
+            <a:prstGeom prst="rect">
+              <a:avLst/>
+            </a:prstGeom>
+            <a:noFill/>
+          </p:spPr>
+          <p:txBody>
+            <a:bodyPr wrap="square" rtlCol="0">
+              <a:spAutoFit/>
+            </a:bodyPr>
+            <a:lstStyle/>
+            <a:p>
+              <a:pPr algn="ctr"/>
+              <a:r>
+                <a:rPr lang="fr-FR" sz="900" b="1" dirty="0" err="1"/>
+                <a:t>Authorization</a:t>
+              </a:r>
+              <a:r>
+                <a:rPr lang="fr-FR" sz="900" b="1" dirty="0"/>
+                <a:t> API</a:t>
+              </a:r>
+            </a:p>
+          </p:txBody>
+        </p:sp>
+        <p:sp>
+          <p:nvSpPr>
+            <p:cNvPr id="78" name="ZoneTexte 77">
+              <a:extLst>
+                <a:ext uri="{FF2B5EF4-FFF2-40B4-BE49-F238E27FC236}">
+                  <a16:creationId xmlns:a16="http://schemas.microsoft.com/office/drawing/2014/main" id="{BA79C348-5F55-81CB-E7A4-191CE959B7DC}"/>
+                </a:ext>
+              </a:extLst>
+            </p:cNvPr>
+            <p:cNvSpPr txBox="1"/>
+            <p:nvPr/>
+          </p:nvSpPr>
+          <p:spPr>
+            <a:xfrm>
+              <a:off x="6514590" y="556210"/>
+              <a:ext cx="1161783" cy="461665"/>
+            </a:xfrm>
+            <a:prstGeom prst="rect">
+              <a:avLst/>
+            </a:prstGeom>
+            <a:noFill/>
+          </p:spPr>
+          <p:txBody>
+            <a:bodyPr wrap="square" rtlCol="0">
+              <a:spAutoFit/>
+            </a:bodyPr>
+            <a:lstStyle/>
+            <a:p>
+              <a:r>
+                <a:rPr lang="fr-FR" sz="800" dirty="0"/>
+                <a:t>SSO</a:t>
+              </a:r>
+            </a:p>
+            <a:p>
+              <a:r>
+                <a:rPr lang="fr-FR" sz="800" dirty="0"/>
+                <a:t>Domain </a:t>
+              </a:r>
+              <a:r>
+                <a:rPr lang="fr-FR" sz="800" dirty="0" err="1"/>
+                <a:t>Account</a:t>
+              </a:r>
+              <a:r>
+                <a:rPr lang="fr-FR" sz="800" dirty="0"/>
+                <a:t>  </a:t>
+              </a:r>
+            </a:p>
+            <a:p>
+              <a:r>
+                <a:rPr lang="fr-FR" sz="800" dirty="0" err="1"/>
+                <a:t>Bearer</a:t>
+              </a:r>
+              <a:r>
+                <a:rPr lang="fr-FR" sz="800" dirty="0"/>
+                <a:t> </a:t>
+              </a:r>
+              <a:r>
+                <a:rPr lang="fr-FR" sz="800" dirty="0" err="1"/>
+                <a:t>Token</a:t>
+              </a:r>
+              <a:endParaRPr lang="fr-FR" sz="800" dirty="0"/>
+            </a:p>
+          </p:txBody>
+        </p:sp>
+      </p:grpSp>
+      <p:grpSp>
+        <p:nvGrpSpPr>
+          <p:cNvPr id="364" name="Groupe 363">
+            <a:extLst>
+              <a:ext uri="{FF2B5EF4-FFF2-40B4-BE49-F238E27FC236}">
+                <a16:creationId xmlns:a16="http://schemas.microsoft.com/office/drawing/2014/main" id="{59CE8233-CB17-B18D-A4B9-9FCF2751DCF5}"/>
+              </a:ext>
+            </a:extLst>
+          </p:cNvPr>
+          <p:cNvGrpSpPr/>
+          <p:nvPr/>
+        </p:nvGrpSpPr>
+        <p:grpSpPr>
+          <a:xfrm>
+            <a:off x="4391939" y="461772"/>
+            <a:ext cx="89272" cy="654687"/>
+            <a:chOff x="5315864" y="461772"/>
+            <a:chExt cx="89272" cy="654687"/>
+          </a:xfrm>
+        </p:grpSpPr>
+        <p:grpSp>
+          <p:nvGrpSpPr>
+            <p:cNvPr id="85" name="Groupe 84">
+              <a:extLst>
+                <a:ext uri="{FF2B5EF4-FFF2-40B4-BE49-F238E27FC236}">
+                  <a16:creationId xmlns:a16="http://schemas.microsoft.com/office/drawing/2014/main" id="{D694F129-DA90-A079-BF46-D656F34005DC}"/>
+                </a:ext>
+              </a:extLst>
+            </p:cNvPr>
+            <p:cNvGrpSpPr/>
+            <p:nvPr/>
+          </p:nvGrpSpPr>
+          <p:grpSpPr>
+            <a:xfrm>
+              <a:off x="5315864" y="461772"/>
+              <a:ext cx="87355" cy="654687"/>
+              <a:chOff x="5198733" y="2052103"/>
+              <a:chExt cx="87355" cy="654687"/>
+            </a:xfrm>
+          </p:grpSpPr>
+          <p:cxnSp>
+            <p:nvCxnSpPr>
+              <p:cNvPr id="86" name="Connecteur droit 85">
+                <a:extLst>
+                  <a:ext uri="{FF2B5EF4-FFF2-40B4-BE49-F238E27FC236}">
+                    <a16:creationId xmlns:a16="http://schemas.microsoft.com/office/drawing/2014/main" id="{4BD66E67-3B86-F1E1-B091-6AEBA399B0C8}"/>
+                  </a:ext>
+                </a:extLst>
+              </p:cNvPr>
+              <p:cNvCxnSpPr/>
+              <p:nvPr/>
+            </p:nvCxnSpPr>
+            <p:spPr>
+              <a:xfrm>
+                <a:off x="5244328" y="2052103"/>
+                <a:ext cx="0" cy="654687"/>
+              </a:xfrm>
+              <a:prstGeom prst="line">
+                <a:avLst/>
+              </a:prstGeom>
+              <a:ln w="38100">
+                <a:solidFill>
+                  <a:schemeClr val="tx1"/>
+                </a:solidFill>
+              </a:ln>
+            </p:spPr>
+            <p:style>
+              <a:lnRef idx="1">
+                <a:schemeClr val="accent1"/>
+              </a:lnRef>
+              <a:fillRef idx="0">
+                <a:schemeClr val="accent1"/>
+              </a:fillRef>
+              <a:effectRef idx="0">
+                <a:schemeClr val="accent1"/>
+              </a:effectRef>
+              <a:fontRef idx="minor">
+                <a:schemeClr val="tx1"/>
+              </a:fontRef>
+            </p:style>
+          </p:cxnSp>
+          <p:sp>
+            <p:nvSpPr>
+              <p:cNvPr id="87" name="Rectangle 86">
+                <a:extLst>
+                  <a:ext uri="{FF2B5EF4-FFF2-40B4-BE49-F238E27FC236}">
+                    <a16:creationId xmlns:a16="http://schemas.microsoft.com/office/drawing/2014/main" id="{3712CCB5-8031-8916-0E55-314F58142136}"/>
+                  </a:ext>
+                </a:extLst>
+              </p:cNvPr>
+              <p:cNvSpPr/>
+              <p:nvPr/>
+            </p:nvSpPr>
+            <p:spPr>
+              <a:xfrm>
+                <a:off x="5198733" y="2359626"/>
+                <a:ext cx="87355" cy="93115"/>
+              </a:xfrm>
+              <a:prstGeom prst="rect">
+                <a:avLst/>
+              </a:prstGeom>
+              <a:noFill/>
+              <a:ln>
+                <a:noFill/>
+              </a:ln>
+            </p:spPr>
+            <p:style>
+              <a:lnRef idx="2">
+                <a:schemeClr val="accent1">
+                  <a:shade val="50000"/>
+                </a:schemeClr>
+              </a:lnRef>
+              <a:fillRef idx="1">
+                <a:schemeClr val="accent1"/>
+              </a:fillRef>
+              <a:effectRef idx="0">
+                <a:schemeClr val="accent1"/>
+              </a:effectRef>
+              <a:fontRef idx="minor">
+                <a:schemeClr val="lt1"/>
+              </a:fontRef>
+            </p:style>
+            <p:txBody>
+              <a:bodyPr rtlCol="0" anchor="ctr"/>
+              <a:lstStyle/>
+              <a:p>
+                <a:pPr algn="ctr"/>
+                <a:endParaRPr lang="fr-FR"/>
+              </a:p>
+            </p:txBody>
+          </p:sp>
+        </p:grpSp>
+        <p:sp>
+          <p:nvSpPr>
+            <p:cNvPr id="88" name="Rectangle 87">
+              <a:extLst>
+                <a:ext uri="{FF2B5EF4-FFF2-40B4-BE49-F238E27FC236}">
+                  <a16:creationId xmlns:a16="http://schemas.microsoft.com/office/drawing/2014/main" id="{F3E00E92-9BFB-2628-FCFD-7D6CADEFF4BF}"/>
+                </a:ext>
+              </a:extLst>
+            </p:cNvPr>
+            <p:cNvSpPr/>
+            <p:nvPr/>
+          </p:nvSpPr>
+          <p:spPr>
+            <a:xfrm>
+              <a:off x="5317781" y="594096"/>
+              <a:ext cx="87355" cy="93115"/>
+            </a:xfrm>
+            <a:prstGeom prst="rect">
+              <a:avLst/>
+            </a:prstGeom>
+            <a:noFill/>
+            <a:ln>
+              <a:noFill/>
+            </a:ln>
+          </p:spPr>
+          <p:style>
+            <a:lnRef idx="2">
+              <a:schemeClr val="accent1">
+                <a:shade val="50000"/>
+              </a:schemeClr>
+            </a:lnRef>
+            <a:fillRef idx="1">
+              <a:schemeClr val="accent1"/>
+            </a:fillRef>
+            <a:effectRef idx="0">
+              <a:schemeClr val="accent1"/>
+            </a:effectRef>
+            <a:fontRef idx="minor">
+              <a:schemeClr val="lt1"/>
+            </a:fontRef>
+          </p:style>
+          <p:txBody>
+            <a:bodyPr rtlCol="0" anchor="ctr"/>
+            <a:lstStyle/>
+            <a:p>
+              <a:pPr algn="ctr"/>
+              <a:endParaRPr lang="fr-FR"/>
+            </a:p>
+          </p:txBody>
+        </p:sp>
+        <p:sp>
+          <p:nvSpPr>
+            <p:cNvPr id="89" name="Rectangle 88">
+              <a:extLst>
+                <a:ext uri="{FF2B5EF4-FFF2-40B4-BE49-F238E27FC236}">
+                  <a16:creationId xmlns:a16="http://schemas.microsoft.com/office/drawing/2014/main" id="{F6450DC0-F1A4-DE01-1F70-30F5F6C19DCA}"/>
+                </a:ext>
+              </a:extLst>
+            </p:cNvPr>
+            <p:cNvSpPr/>
+            <p:nvPr/>
+          </p:nvSpPr>
+          <p:spPr>
+            <a:xfrm>
+              <a:off x="5317781" y="1016492"/>
+              <a:ext cx="87355" cy="93115"/>
+            </a:xfrm>
+            <a:prstGeom prst="rect">
+              <a:avLst/>
+            </a:prstGeom>
+            <a:noFill/>
+            <a:ln>
+              <a:noFill/>
+            </a:ln>
+          </p:spPr>
+          <p:style>
+            <a:lnRef idx="2">
+              <a:schemeClr val="accent1">
+                <a:shade val="50000"/>
+              </a:schemeClr>
+            </a:lnRef>
+            <a:fillRef idx="1">
+              <a:schemeClr val="accent1"/>
+            </a:fillRef>
+            <a:effectRef idx="0">
+              <a:schemeClr val="accent1"/>
+            </a:effectRef>
+            <a:fontRef idx="minor">
+              <a:schemeClr val="lt1"/>
+            </a:fontRef>
+          </p:style>
+          <p:txBody>
+            <a:bodyPr rtlCol="0" anchor="ctr"/>
+            <a:lstStyle/>
+            <a:p>
+              <a:pPr algn="ctr"/>
+              <a:endParaRPr lang="fr-FR"/>
+            </a:p>
+          </p:txBody>
+        </p:sp>
+      </p:grpSp>
+      <p:cxnSp>
+        <p:nvCxnSpPr>
+          <p:cNvPr id="91" name="Connecteur droit avec flèche 90">
+            <a:extLst>
+              <a:ext uri="{FF2B5EF4-FFF2-40B4-BE49-F238E27FC236}">
+                <a16:creationId xmlns:a16="http://schemas.microsoft.com/office/drawing/2014/main" id="{65BD892C-426B-0B54-6FE8-D04F5669B1A5}"/>
+              </a:ext>
+            </a:extLst>
+          </p:cNvPr>
+          <p:cNvCxnSpPr>
+            <a:cxnSpLocks/>
+            <a:stCxn id="87" idx="0"/>
+            <a:endCxn id="79" idx="1"/>
+          </p:cNvCxnSpPr>
+          <p:nvPr/>
+        </p:nvCxnSpPr>
+        <p:spPr>
+          <a:xfrm flipV="1">
+            <a:off x="4435617" y="768261"/>
+            <a:ext cx="551196" cy="1034"/>
+          </a:xfrm>
+          <a:prstGeom prst="straightConnector1">
+            <a:avLst/>
+          </a:prstGeom>
+          <a:ln>
+            <a:solidFill>
+              <a:schemeClr val="bg1">
+                <a:lumMod val="50000"/>
+              </a:schemeClr>
+            </a:solidFill>
+            <a:tailEnd type="triangle"/>
+          </a:ln>
+        </p:spPr>
+        <p:style>
+          <a:lnRef idx="1">
+            <a:schemeClr val="accent1"/>
+          </a:lnRef>
+          <a:fillRef idx="0">
+            <a:schemeClr val="accent1"/>
+          </a:fillRef>
+          <a:effectRef idx="0">
+            <a:schemeClr val="accent1"/>
+          </a:effectRef>
+          <a:fontRef idx="minor">
+            <a:schemeClr val="tx1"/>
+          </a:fontRef>
+        </p:style>
+      </p:cxnSp>
+      <p:cxnSp>
+        <p:nvCxnSpPr>
+          <p:cNvPr id="96" name="Connecteur droit avec flèche 95">
+            <a:extLst>
+              <a:ext uri="{FF2B5EF4-FFF2-40B4-BE49-F238E27FC236}">
+                <a16:creationId xmlns:a16="http://schemas.microsoft.com/office/drawing/2014/main" id="{67377063-961E-F3F5-DD3E-C989D53D750D}"/>
+              </a:ext>
+            </a:extLst>
+          </p:cNvPr>
+          <p:cNvCxnSpPr>
+            <a:cxnSpLocks/>
+            <a:endCxn id="88" idx="1"/>
+          </p:cNvCxnSpPr>
+          <p:nvPr/>
+        </p:nvCxnSpPr>
+        <p:spPr>
+          <a:xfrm>
+            <a:off x="3907339" y="640654"/>
+            <a:ext cx="486517" cy="0"/>
+          </a:xfrm>
+          <a:prstGeom prst="straightConnector1">
+            <a:avLst/>
+          </a:prstGeom>
+          <a:ln>
+            <a:solidFill>
+              <a:schemeClr val="bg1">
+                <a:lumMod val="50000"/>
+              </a:schemeClr>
+            </a:solidFill>
+            <a:tailEnd type="triangle"/>
+          </a:ln>
+        </p:spPr>
+        <p:style>
+          <a:lnRef idx="1">
+            <a:schemeClr val="accent1"/>
+          </a:lnRef>
+          <a:fillRef idx="0">
+            <a:schemeClr val="accent1"/>
+          </a:fillRef>
+          <a:effectRef idx="0">
+            <a:schemeClr val="accent1"/>
+          </a:effectRef>
+          <a:fontRef idx="minor">
+            <a:schemeClr val="tx1"/>
+          </a:fontRef>
+        </p:style>
+      </p:cxnSp>
+      <p:cxnSp>
+        <p:nvCxnSpPr>
+          <p:cNvPr id="98" name="Connecteur droit avec flèche 97">
+            <a:extLst>
+              <a:ext uri="{FF2B5EF4-FFF2-40B4-BE49-F238E27FC236}">
+                <a16:creationId xmlns:a16="http://schemas.microsoft.com/office/drawing/2014/main" id="{589AFA25-B579-77C3-3F64-DBDC62CC4C10}"/>
+              </a:ext>
+            </a:extLst>
+          </p:cNvPr>
+          <p:cNvCxnSpPr>
+            <a:cxnSpLocks/>
+            <a:endCxn id="89" idx="1"/>
+          </p:cNvCxnSpPr>
+          <p:nvPr/>
+        </p:nvCxnSpPr>
+        <p:spPr>
+          <a:xfrm>
+            <a:off x="3907339" y="1063050"/>
+            <a:ext cx="486517" cy="0"/>
+          </a:xfrm>
+          <a:prstGeom prst="straightConnector1">
+            <a:avLst/>
+          </a:prstGeom>
+          <a:ln>
+            <a:solidFill>
+              <a:schemeClr val="bg1">
+                <a:lumMod val="50000"/>
+              </a:schemeClr>
+            </a:solidFill>
+            <a:tailEnd type="triangle"/>
+          </a:ln>
+        </p:spPr>
+        <p:style>
+          <a:lnRef idx="1">
+            <a:schemeClr val="accent1"/>
+          </a:lnRef>
+          <a:fillRef idx="0">
+            <a:schemeClr val="accent1"/>
+          </a:fillRef>
+          <a:effectRef idx="0">
+            <a:schemeClr val="accent1"/>
+          </a:effectRef>
+          <a:fontRef idx="minor">
+            <a:schemeClr val="tx1"/>
+          </a:fontRef>
+        </p:style>
+      </p:cxnSp>
+      <p:cxnSp>
+        <p:nvCxnSpPr>
+          <p:cNvPr id="155" name="Connecteur droit avec flèche 154">
+            <a:extLst>
+              <a:ext uri="{FF2B5EF4-FFF2-40B4-BE49-F238E27FC236}">
+                <a16:creationId xmlns:a16="http://schemas.microsoft.com/office/drawing/2014/main" id="{A07F97AC-D321-975C-D9E2-3431C2B691FD}"/>
+              </a:ext>
+            </a:extLst>
+          </p:cNvPr>
+          <p:cNvCxnSpPr>
+            <a:cxnSpLocks/>
+            <a:endCxn id="109" idx="1"/>
+          </p:cNvCxnSpPr>
+          <p:nvPr/>
+        </p:nvCxnSpPr>
+        <p:spPr>
+          <a:xfrm>
+            <a:off x="4413850" y="1585738"/>
+            <a:ext cx="536704" cy="0"/>
+          </a:xfrm>
+          <a:prstGeom prst="straightConnector1">
+            <a:avLst/>
+          </a:prstGeom>
+          <a:ln>
+            <a:solidFill>
+              <a:schemeClr val="bg1">
+                <a:lumMod val="50000"/>
+              </a:schemeClr>
+            </a:solidFill>
+            <a:tailEnd type="triangle"/>
+          </a:ln>
+        </p:spPr>
+        <p:style>
+          <a:lnRef idx="1">
+            <a:schemeClr val="accent1"/>
+          </a:lnRef>
+          <a:fillRef idx="0">
+            <a:schemeClr val="accent1"/>
+          </a:fillRef>
+          <a:effectRef idx="0">
+            <a:schemeClr val="accent1"/>
+          </a:effectRef>
+          <a:fontRef idx="minor">
+            <a:schemeClr val="tx1"/>
+          </a:fontRef>
+        </p:style>
+      </p:cxnSp>
+      <p:cxnSp>
+        <p:nvCxnSpPr>
+          <p:cNvPr id="160" name="Connecteur droit avec flèche 159">
+            <a:extLst>
+              <a:ext uri="{FF2B5EF4-FFF2-40B4-BE49-F238E27FC236}">
+                <a16:creationId xmlns:a16="http://schemas.microsoft.com/office/drawing/2014/main" id="{560DC30E-3D7A-F36B-99E6-B90C81FE834A}"/>
+              </a:ext>
+            </a:extLst>
+          </p:cNvPr>
+          <p:cNvCxnSpPr>
+            <a:cxnSpLocks/>
+            <a:endCxn id="127" idx="1"/>
+          </p:cNvCxnSpPr>
+          <p:nvPr/>
+        </p:nvCxnSpPr>
+        <p:spPr>
+          <a:xfrm>
+            <a:off x="4413850" y="2237483"/>
+            <a:ext cx="588792" cy="0"/>
+          </a:xfrm>
+          <a:prstGeom prst="straightConnector1">
+            <a:avLst/>
+          </a:prstGeom>
+          <a:ln>
+            <a:solidFill>
+              <a:schemeClr val="bg1">
+                <a:lumMod val="50000"/>
+              </a:schemeClr>
+            </a:solidFill>
+            <a:tailEnd type="triangle"/>
+          </a:ln>
+        </p:spPr>
+        <p:style>
+          <a:lnRef idx="1">
+            <a:schemeClr val="accent1"/>
+          </a:lnRef>
+          <a:fillRef idx="0">
+            <a:schemeClr val="accent1"/>
+          </a:fillRef>
+          <a:effectRef idx="0">
+            <a:schemeClr val="accent1"/>
+          </a:effectRef>
+          <a:fontRef idx="minor">
+            <a:schemeClr val="tx1"/>
+          </a:fontRef>
+        </p:style>
+      </p:cxnSp>
+      <p:cxnSp>
+        <p:nvCxnSpPr>
+          <p:cNvPr id="162" name="Connecteur droit avec flèche 161">
+            <a:extLst>
+              <a:ext uri="{FF2B5EF4-FFF2-40B4-BE49-F238E27FC236}">
+                <a16:creationId xmlns:a16="http://schemas.microsoft.com/office/drawing/2014/main" id="{7D52927D-CF35-1AB7-8EB3-D40707F29AC9}"/>
+              </a:ext>
+            </a:extLst>
+          </p:cNvPr>
+          <p:cNvCxnSpPr>
+            <a:cxnSpLocks/>
+            <a:endCxn id="120" idx="1"/>
+          </p:cNvCxnSpPr>
+          <p:nvPr/>
+        </p:nvCxnSpPr>
+        <p:spPr>
+          <a:xfrm>
+            <a:off x="4413850" y="3088711"/>
+            <a:ext cx="544818" cy="0"/>
+          </a:xfrm>
+          <a:prstGeom prst="straightConnector1">
+            <a:avLst/>
+          </a:prstGeom>
+          <a:ln>
+            <a:solidFill>
+              <a:schemeClr val="bg1">
+                <a:lumMod val="50000"/>
+              </a:schemeClr>
+            </a:solidFill>
+            <a:tailEnd type="triangle"/>
+          </a:ln>
+        </p:spPr>
+        <p:style>
+          <a:lnRef idx="1">
+            <a:schemeClr val="accent1"/>
+          </a:lnRef>
+          <a:fillRef idx="0">
+            <a:schemeClr val="accent1"/>
+          </a:fillRef>
+          <a:effectRef idx="0">
+            <a:schemeClr val="accent1"/>
+          </a:effectRef>
+          <a:fontRef idx="minor">
+            <a:schemeClr val="tx1"/>
+          </a:fontRef>
+        </p:style>
+      </p:cxnSp>
+      <p:grpSp>
+        <p:nvGrpSpPr>
+          <p:cNvPr id="83" name="Groupe 82">
+            <a:extLst>
+              <a:ext uri="{FF2B5EF4-FFF2-40B4-BE49-F238E27FC236}">
+                <a16:creationId xmlns:a16="http://schemas.microsoft.com/office/drawing/2014/main" id="{398D186F-6DBD-41C9-D7F8-D75B8BBA3A87}"/>
+              </a:ext>
+            </a:extLst>
+          </p:cNvPr>
+          <p:cNvGrpSpPr/>
+          <p:nvPr/>
+        </p:nvGrpSpPr>
+        <p:grpSpPr>
+          <a:xfrm>
+            <a:off x="288529" y="4949120"/>
+            <a:ext cx="1218031" cy="923108"/>
+            <a:chOff x="917179" y="4949120"/>
+            <a:chExt cx="1218031" cy="923108"/>
+          </a:xfrm>
+        </p:grpSpPr>
+        <p:pic>
+          <p:nvPicPr>
+            <p:cNvPr id="68" name="Image 67">
+              <a:extLst>
+                <a:ext uri="{FF2B5EF4-FFF2-40B4-BE49-F238E27FC236}">
+                  <a16:creationId xmlns:a16="http://schemas.microsoft.com/office/drawing/2014/main" id="{12A89A8B-AC8F-D60B-9A79-B41F940FA819}"/>
+                </a:ext>
+              </a:extLst>
+            </p:cNvPr>
+            <p:cNvPicPr>
+              <a:picLocks noChangeAspect="1"/>
+            </p:cNvPicPr>
+            <p:nvPr/>
+          </p:nvPicPr>
+          <p:blipFill>
+            <a:blip r:embed="rId2">
+              <a:extLst>
+                <a:ext uri="{28A0092B-C50C-407E-A947-70E740481C1C}">
+                  <a14:useLocalDpi xmlns:a14="http://schemas.microsoft.com/office/drawing/2010/main" val="0"/>
+                </a:ext>
+              </a:extLst>
+            </a:blip>
+            <a:stretch>
+              <a:fillRect/>
+            </a:stretch>
+          </p:blipFill>
+          <p:spPr>
+            <a:xfrm>
+              <a:off x="1725075" y="5405858"/>
+              <a:ext cx="359774" cy="359774"/>
+            </a:xfrm>
+            <a:prstGeom prst="rect">
+              <a:avLst/>
+            </a:prstGeom>
+          </p:spPr>
+        </p:pic>
+        <p:sp>
+          <p:nvSpPr>
+            <p:cNvPr id="194" name="Rectangle : coins arrondis 193">
+              <a:extLst>
+                <a:ext uri="{FF2B5EF4-FFF2-40B4-BE49-F238E27FC236}">
+                  <a16:creationId xmlns:a16="http://schemas.microsoft.com/office/drawing/2014/main" id="{48FBD4FD-1035-1CCE-3165-244AAAC63AB0}"/>
+                </a:ext>
+              </a:extLst>
+            </p:cNvPr>
+            <p:cNvSpPr/>
+            <p:nvPr/>
+          </p:nvSpPr>
+          <p:spPr>
+            <a:xfrm>
+              <a:off x="924718" y="4949120"/>
+              <a:ext cx="1210492" cy="923108"/>
+            </a:xfrm>
+            <a:prstGeom prst="roundRect">
+              <a:avLst/>
+            </a:prstGeom>
+            <a:solidFill>
+              <a:schemeClr val="accent3">
+                <a:alpha val="27000"/>
+              </a:schemeClr>
+            </a:solidFill>
+            <a:ln>
+              <a:noFill/>
+            </a:ln>
+          </p:spPr>
+          <p:style>
+            <a:lnRef idx="0">
+              <a:scrgbClr r="0" g="0" b="0"/>
+            </a:lnRef>
+            <a:fillRef idx="0">
+              <a:scrgbClr r="0" g="0" b="0"/>
+            </a:fillRef>
+            <a:effectRef idx="0">
+              <a:scrgbClr r="0" g="0" b="0"/>
+            </a:effectRef>
+            <a:fontRef idx="minor">
+              <a:schemeClr val="lt1"/>
+            </a:fontRef>
+          </p:style>
+          <p:txBody>
+            <a:bodyPr rtlCol="0" anchor="ctr"/>
+            <a:lstStyle/>
+            <a:p>
+              <a:pPr algn="ctr"/>
+              <a:endParaRPr lang="fr-FR"/>
+            </a:p>
+          </p:txBody>
+        </p:sp>
+        <p:sp>
+          <p:nvSpPr>
+            <p:cNvPr id="195" name="ZoneTexte 194">
+              <a:extLst>
+                <a:ext uri="{FF2B5EF4-FFF2-40B4-BE49-F238E27FC236}">
+                  <a16:creationId xmlns:a16="http://schemas.microsoft.com/office/drawing/2014/main" id="{80384823-6DED-F421-66E3-E5387209B191}"/>
+                </a:ext>
+              </a:extLst>
+            </p:cNvPr>
+            <p:cNvSpPr txBox="1"/>
+            <p:nvPr/>
+          </p:nvSpPr>
+          <p:spPr>
+            <a:xfrm>
+              <a:off x="917179" y="4958604"/>
+              <a:ext cx="1210491" cy="276999"/>
+            </a:xfrm>
+            <a:prstGeom prst="rect">
+              <a:avLst/>
+            </a:prstGeom>
+            <a:noFill/>
+          </p:spPr>
+          <p:txBody>
+            <a:bodyPr wrap="square" rtlCol="0">
+              <a:spAutoFit/>
+            </a:bodyPr>
+            <a:lstStyle/>
+            <a:p>
+              <a:pPr algn="ctr"/>
+              <a:r>
+                <a:rPr lang="fr-FR" sz="1200" b="1" dirty="0"/>
+                <a:t>Monitoring</a:t>
+              </a:r>
+            </a:p>
+          </p:txBody>
+        </p:sp>
+        <p:sp>
+          <p:nvSpPr>
+            <p:cNvPr id="197" name="ZoneTexte 196">
+              <a:extLst>
+                <a:ext uri="{FF2B5EF4-FFF2-40B4-BE49-F238E27FC236}">
+                  <a16:creationId xmlns:a16="http://schemas.microsoft.com/office/drawing/2014/main" id="{682BF66F-8077-6FEB-9AA9-93294EA5DA7D}"/>
+                </a:ext>
+              </a:extLst>
+            </p:cNvPr>
+            <p:cNvSpPr txBox="1"/>
+            <p:nvPr/>
+          </p:nvSpPr>
+          <p:spPr>
+            <a:xfrm>
+              <a:off x="924718" y="5245087"/>
+              <a:ext cx="1057276" cy="246221"/>
+            </a:xfrm>
+            <a:prstGeom prst="rect">
+              <a:avLst/>
+            </a:prstGeom>
+            <a:noFill/>
+          </p:spPr>
+          <p:txBody>
+            <a:bodyPr wrap="square" rtlCol="0">
+              <a:spAutoFit/>
+            </a:bodyPr>
+            <a:lstStyle/>
+            <a:p>
+              <a:r>
+                <a:rPr lang="fr-FR" sz="1000" dirty="0" err="1"/>
+                <a:t>Health</a:t>
+              </a:r>
+              <a:r>
+                <a:rPr lang="fr-FR" sz="1000" dirty="0"/>
+                <a:t> checks</a:t>
+              </a:r>
+            </a:p>
+          </p:txBody>
+        </p:sp>
+      </p:grpSp>
+      <p:cxnSp>
+        <p:nvCxnSpPr>
+          <p:cNvPr id="249" name="Connecteur : en angle 248">
+            <a:extLst>
+              <a:ext uri="{FF2B5EF4-FFF2-40B4-BE49-F238E27FC236}">
+                <a16:creationId xmlns:a16="http://schemas.microsoft.com/office/drawing/2014/main" id="{F5DE8E1B-9E50-E0FA-2110-E6E0CBC65A73}"/>
+              </a:ext>
+            </a:extLst>
+          </p:cNvPr>
+          <p:cNvCxnSpPr>
+            <a:cxnSpLocks/>
+            <a:stCxn id="124" idx="3"/>
+            <a:endCxn id="106" idx="3"/>
+          </p:cNvCxnSpPr>
+          <p:nvPr/>
+        </p:nvCxnSpPr>
+        <p:spPr>
+          <a:xfrm flipH="1" flipV="1">
+            <a:off x="11095205" y="3435700"/>
+            <a:ext cx="36491" cy="681776"/>
+          </a:xfrm>
+          <a:prstGeom prst="bentConnector3">
+            <a:avLst>
+              <a:gd name="adj1" fmla="val -626456"/>
+            </a:avLst>
+          </a:prstGeom>
+          <a:ln>
+            <a:solidFill>
+              <a:schemeClr val="bg1">
+                <a:lumMod val="50000"/>
+              </a:schemeClr>
+            </a:solidFill>
+            <a:tailEnd type="triangle"/>
+          </a:ln>
+        </p:spPr>
+        <p:style>
+          <a:lnRef idx="1">
+            <a:schemeClr val="accent1"/>
+          </a:lnRef>
+          <a:fillRef idx="0">
+            <a:schemeClr val="accent1"/>
+          </a:fillRef>
+          <a:effectRef idx="0">
+            <a:schemeClr val="accent1"/>
+          </a:effectRef>
+          <a:fontRef idx="minor">
+            <a:schemeClr val="tx1"/>
+          </a:fontRef>
+        </p:style>
+      </p:cxnSp>
+      <p:cxnSp>
+        <p:nvCxnSpPr>
+          <p:cNvPr id="251" name="Connecteur : en angle 250">
+            <a:extLst>
+              <a:ext uri="{FF2B5EF4-FFF2-40B4-BE49-F238E27FC236}">
+                <a16:creationId xmlns:a16="http://schemas.microsoft.com/office/drawing/2014/main" id="{EB779808-AD7B-816A-E31F-D7BB7243A155}"/>
+              </a:ext>
+            </a:extLst>
+          </p:cNvPr>
+          <p:cNvCxnSpPr>
+            <a:cxnSpLocks/>
+            <a:stCxn id="124" idx="3"/>
+            <a:endCxn id="104" idx="3"/>
+          </p:cNvCxnSpPr>
+          <p:nvPr/>
+        </p:nvCxnSpPr>
+        <p:spPr>
+          <a:xfrm flipH="1" flipV="1">
+            <a:off x="11095205" y="2065474"/>
+            <a:ext cx="36491" cy="2052002"/>
+          </a:xfrm>
+          <a:prstGeom prst="bentConnector3">
+            <a:avLst>
+              <a:gd name="adj1" fmla="val -626456"/>
+            </a:avLst>
+          </a:prstGeom>
+          <a:ln>
+            <a:solidFill>
+              <a:schemeClr val="bg1">
+                <a:lumMod val="50000"/>
+              </a:schemeClr>
+            </a:solidFill>
+            <a:tailEnd type="triangle"/>
+          </a:ln>
+        </p:spPr>
+        <p:style>
+          <a:lnRef idx="1">
+            <a:schemeClr val="accent1"/>
+          </a:lnRef>
+          <a:fillRef idx="0">
+            <a:schemeClr val="accent1"/>
+          </a:fillRef>
+          <a:effectRef idx="0">
+            <a:schemeClr val="accent1"/>
+          </a:effectRef>
+          <a:fontRef idx="minor">
+            <a:schemeClr val="tx1"/>
+          </a:fontRef>
+        </p:style>
+      </p:cxnSp>
+      <p:cxnSp>
+        <p:nvCxnSpPr>
+          <p:cNvPr id="253" name="Connecteur : en angle 252">
+            <a:extLst>
+              <a:ext uri="{FF2B5EF4-FFF2-40B4-BE49-F238E27FC236}">
+                <a16:creationId xmlns:a16="http://schemas.microsoft.com/office/drawing/2014/main" id="{36FE3AEE-6F1D-060A-36A4-C9DCD723A14B}"/>
+              </a:ext>
+            </a:extLst>
+          </p:cNvPr>
+          <p:cNvCxnSpPr>
+            <a:cxnSpLocks/>
+            <a:stCxn id="124" idx="3"/>
+            <a:endCxn id="32" idx="3"/>
+          </p:cNvCxnSpPr>
+          <p:nvPr/>
+        </p:nvCxnSpPr>
+        <p:spPr>
+          <a:xfrm flipH="1" flipV="1">
+            <a:off x="11087408" y="1390375"/>
+            <a:ext cx="44288" cy="2727101"/>
+          </a:xfrm>
+          <a:prstGeom prst="bentConnector3">
+            <a:avLst>
+              <a:gd name="adj1" fmla="val -516167"/>
+            </a:avLst>
+          </a:prstGeom>
+          <a:ln>
+            <a:solidFill>
+              <a:schemeClr val="bg1">
+                <a:lumMod val="50000"/>
+              </a:schemeClr>
+            </a:solidFill>
+            <a:tailEnd type="triangle"/>
+          </a:ln>
+        </p:spPr>
+        <p:style>
+          <a:lnRef idx="1">
+            <a:schemeClr val="accent1"/>
+          </a:lnRef>
+          <a:fillRef idx="0">
+            <a:schemeClr val="accent1"/>
+          </a:fillRef>
+          <a:effectRef idx="0">
+            <a:schemeClr val="accent1"/>
+          </a:effectRef>
+          <a:fontRef idx="minor">
+            <a:schemeClr val="tx1"/>
+          </a:fontRef>
+        </p:style>
+      </p:cxnSp>
+      <p:cxnSp>
+        <p:nvCxnSpPr>
+          <p:cNvPr id="255" name="Connecteur : en angle 254">
+            <a:extLst>
+              <a:ext uri="{FF2B5EF4-FFF2-40B4-BE49-F238E27FC236}">
+                <a16:creationId xmlns:a16="http://schemas.microsoft.com/office/drawing/2014/main" id="{BB4F5D97-E7D9-3C54-12E2-8F00674C8D88}"/>
+              </a:ext>
+            </a:extLst>
+          </p:cNvPr>
+          <p:cNvCxnSpPr>
+            <a:cxnSpLocks/>
+            <a:stCxn id="124" idx="3"/>
+            <a:endCxn id="117" idx="3"/>
+          </p:cNvCxnSpPr>
+          <p:nvPr/>
+        </p:nvCxnSpPr>
+        <p:spPr>
+          <a:xfrm flipH="1" flipV="1">
+            <a:off x="11093161" y="681406"/>
+            <a:ext cx="38535" cy="3436070"/>
+          </a:xfrm>
+          <a:prstGeom prst="bentConnector3">
+            <a:avLst>
+              <a:gd name="adj1" fmla="val -593227"/>
+            </a:avLst>
+          </a:prstGeom>
+          <a:ln>
+            <a:tailEnd type="triangle"/>
+          </a:ln>
+        </p:spPr>
+        <p:style>
+          <a:lnRef idx="1">
+            <a:schemeClr val="accent1"/>
+          </a:lnRef>
+          <a:fillRef idx="0">
+            <a:schemeClr val="accent1"/>
+          </a:fillRef>
+          <a:effectRef idx="0">
+            <a:schemeClr val="accent1"/>
+          </a:effectRef>
+          <a:fontRef idx="minor">
+            <a:schemeClr val="tx1"/>
+          </a:fontRef>
+        </p:style>
+      </p:cxnSp>
+      <p:grpSp>
+        <p:nvGrpSpPr>
+          <p:cNvPr id="8" name="Groupe 7">
+            <a:extLst>
+              <a:ext uri="{FF2B5EF4-FFF2-40B4-BE49-F238E27FC236}">
+                <a16:creationId xmlns:a16="http://schemas.microsoft.com/office/drawing/2014/main" id="{6D25E5E9-34BD-7015-3097-87AB4A9DD5B3}"/>
+              </a:ext>
+            </a:extLst>
+          </p:cNvPr>
+          <p:cNvGrpSpPr/>
+          <p:nvPr/>
+        </p:nvGrpSpPr>
+        <p:grpSpPr>
+          <a:xfrm>
+            <a:off x="4958668" y="2696432"/>
+            <a:ext cx="1442386" cy="642938"/>
+            <a:chOff x="6360596" y="1932378"/>
+            <a:chExt cx="1442386" cy="642938"/>
+          </a:xfrm>
+        </p:grpSpPr>
+        <p:pic>
+          <p:nvPicPr>
+            <p:cNvPr id="118" name="Picture 2" descr="GraphQL logo, brand guidelines and assets">
+              <a:extLst>
+                <a:ext uri="{FF2B5EF4-FFF2-40B4-BE49-F238E27FC236}">
+                  <a16:creationId xmlns:a16="http://schemas.microsoft.com/office/drawing/2014/main" id="{6B25AF2C-C826-2365-51C1-863E275D6E95}"/>
+                </a:ext>
+              </a:extLst>
+            </p:cNvPr>
+            <p:cNvPicPr>
+              <a:picLocks noChangeAspect="1" noChangeArrowheads="1"/>
+            </p:cNvPicPr>
+            <p:nvPr/>
+          </p:nvPicPr>
+          <p:blipFill>
+            <a:blip r:embed="rId6">
+              <a:extLst>
+                <a:ext uri="{28A0092B-C50C-407E-A947-70E740481C1C}">
+                  <a14:useLocalDpi xmlns:a14="http://schemas.microsoft.com/office/drawing/2010/main" val="0"/>
+                </a:ext>
+              </a:extLst>
+            </a:blip>
+            <a:srcRect/>
+            <a:stretch>
+              <a:fillRect/>
+            </a:stretch>
+          </p:blipFill>
+          <p:spPr bwMode="auto">
+            <a:xfrm>
+              <a:off x="7364415" y="2129460"/>
+              <a:ext cx="352175" cy="386735"/>
+            </a:xfrm>
+            <a:prstGeom prst="rect">
+              <a:avLst/>
+            </a:prstGeom>
+            <a:noFill/>
+            <a:extLst>
+              <a:ext uri="{909E8E84-426E-40DD-AFC4-6F175D3DCCD1}">
+                <a14:hiddenFill xmlns:a14="http://schemas.microsoft.com/office/drawing/2010/main">
+                  <a:solidFill>
+                    <a:srgbClr val="FFFFFF"/>
+                  </a:solidFill>
+                </a14:hiddenFill>
+              </a:ext>
+            </a:extLst>
+          </p:spPr>
+        </p:pic>
+        <p:sp>
+          <p:nvSpPr>
+            <p:cNvPr id="122" name="ZoneTexte 121">
+              <a:extLst>
+                <a:ext uri="{FF2B5EF4-FFF2-40B4-BE49-F238E27FC236}">
+                  <a16:creationId xmlns:a16="http://schemas.microsoft.com/office/drawing/2014/main" id="{83EDBE4A-E437-6C83-9A5C-C6D55BCB103A}"/>
+                </a:ext>
+              </a:extLst>
+            </p:cNvPr>
+            <p:cNvSpPr txBox="1"/>
+            <p:nvPr/>
+          </p:nvSpPr>
+          <p:spPr>
+            <a:xfrm>
+              <a:off x="6390715" y="1951348"/>
+              <a:ext cx="1327332" cy="230832"/>
+            </a:xfrm>
+            <a:prstGeom prst="rect">
+              <a:avLst/>
+            </a:prstGeom>
+            <a:noFill/>
+          </p:spPr>
+          <p:txBody>
+            <a:bodyPr wrap="square" rtlCol="0">
+              <a:spAutoFit/>
+            </a:bodyPr>
+            <a:lstStyle>
+              <a:defPPr>
+                <a:defRPr lang="fr-FR"/>
+              </a:defPPr>
+              <a:lvl1pPr algn="ctr">
+                <a:defRPr sz="1000" b="1">
+                  <a:solidFill>
+                    <a:schemeClr val="bg1">
+                      <a:lumMod val="50000"/>
+                    </a:schemeClr>
+                  </a:solidFill>
+                </a:defRPr>
+              </a:lvl1pPr>
+            </a:lstStyle>
+            <a:p>
+              <a:r>
+                <a:rPr lang="fr-FR" sz="900" dirty="0">
+                  <a:solidFill>
+                    <a:schemeClr val="tx1"/>
+                  </a:solidFill>
+                </a:rPr>
+                <a:t>Networks API</a:t>
+              </a:r>
+            </a:p>
+          </p:txBody>
+        </p:sp>
+        <p:sp>
+          <p:nvSpPr>
+            <p:cNvPr id="120" name="ZoneTexte 119">
+              <a:extLst>
+                <a:ext uri="{FF2B5EF4-FFF2-40B4-BE49-F238E27FC236}">
+                  <a16:creationId xmlns:a16="http://schemas.microsoft.com/office/drawing/2014/main" id="{3FA922EC-2F24-2D11-0B86-9FB46E785918}"/>
+                </a:ext>
+              </a:extLst>
+            </p:cNvPr>
+            <p:cNvSpPr txBox="1"/>
+            <p:nvPr/>
+          </p:nvSpPr>
+          <p:spPr>
+            <a:xfrm>
+              <a:off x="6360596" y="2093824"/>
+              <a:ext cx="1124835" cy="461665"/>
+            </a:xfrm>
+            <a:prstGeom prst="rect">
+              <a:avLst/>
+            </a:prstGeom>
+            <a:noFill/>
+          </p:spPr>
+          <p:txBody>
+            <a:bodyPr wrap="square" rtlCol="0">
+              <a:spAutoFit/>
+            </a:bodyPr>
+            <a:lstStyle/>
+            <a:p>
+              <a:r>
+                <a:rPr lang="fr-FR" sz="800" dirty="0"/>
+                <a:t>IPAM </a:t>
+              </a:r>
+            </a:p>
+            <a:p>
+              <a:r>
+                <a:rPr lang="fr-FR" sz="800" dirty="0"/>
+                <a:t>Firewall </a:t>
+              </a:r>
+              <a:r>
+                <a:rPr lang="fr-FR" sz="800" dirty="0" err="1"/>
+                <a:t>rules</a:t>
+              </a:r>
+              <a:endParaRPr lang="fr-FR" sz="800" dirty="0"/>
+            </a:p>
+            <a:p>
+              <a:r>
+                <a:rPr lang="fr-FR" sz="800" dirty="0"/>
+                <a:t>Firewall </a:t>
+              </a:r>
+              <a:r>
+                <a:rPr lang="fr-FR" sz="800" dirty="0" err="1"/>
+                <a:t>objects</a:t>
+              </a:r>
+              <a:endParaRPr lang="fr-FR" sz="800" dirty="0"/>
+            </a:p>
+          </p:txBody>
+        </p:sp>
+        <p:sp>
+          <p:nvSpPr>
+            <p:cNvPr id="121" name="Rectangle : coins arrondis 120">
+              <a:extLst>
+                <a:ext uri="{FF2B5EF4-FFF2-40B4-BE49-F238E27FC236}">
+                  <a16:creationId xmlns:a16="http://schemas.microsoft.com/office/drawing/2014/main" id="{32AFE076-AAB1-8F7E-50F6-15AA9E9E826C}"/>
+                </a:ext>
+              </a:extLst>
+            </p:cNvPr>
+            <p:cNvSpPr/>
+            <p:nvPr/>
+          </p:nvSpPr>
+          <p:spPr>
+            <a:xfrm>
+              <a:off x="6398982" y="1932378"/>
+              <a:ext cx="1404000" cy="642938"/>
+            </a:xfrm>
+            <a:prstGeom prst="roundRect">
+              <a:avLst/>
+            </a:prstGeom>
+            <a:solidFill>
+              <a:schemeClr val="accent3">
+                <a:alpha val="27000"/>
+              </a:schemeClr>
+            </a:solidFill>
+            <a:ln>
+              <a:noFill/>
+            </a:ln>
+          </p:spPr>
+          <p:style>
+            <a:lnRef idx="0">
+              <a:scrgbClr r="0" g="0" b="0"/>
+            </a:lnRef>
+            <a:fillRef idx="0">
+              <a:scrgbClr r="0" g="0" b="0"/>
+            </a:fillRef>
+            <a:effectRef idx="0">
+              <a:scrgbClr r="0" g="0" b="0"/>
+            </a:effectRef>
+            <a:fontRef idx="minor">
+              <a:schemeClr val="lt1"/>
+            </a:fontRef>
+          </p:style>
+          <p:txBody>
+            <a:bodyPr rtlCol="0" anchor="ctr"/>
+            <a:lstStyle/>
+            <a:p>
+              <a:pPr algn="ctr"/>
+              <a:endParaRPr lang="fr-FR"/>
+            </a:p>
+          </p:txBody>
+        </p:sp>
+      </p:grpSp>
+      <p:pic>
+        <p:nvPicPr>
+          <p:cNvPr id="107" name="Picture 2" descr="GraphQL logo, brand guidelines and assets">
+            <a:extLst>
+              <a:ext uri="{FF2B5EF4-FFF2-40B4-BE49-F238E27FC236}">
+                <a16:creationId xmlns:a16="http://schemas.microsoft.com/office/drawing/2014/main" id="{D35C2858-69CE-1D4D-4D08-5984AEE275B4}"/>
+              </a:ext>
+            </a:extLst>
+          </p:cNvPr>
+          <p:cNvPicPr>
+            <a:picLocks noChangeAspect="1" noChangeArrowheads="1"/>
+          </p:cNvPicPr>
+          <p:nvPr/>
+        </p:nvPicPr>
+        <p:blipFill>
+          <a:blip r:embed="rId6">
+            <a:extLst>
+              <a:ext uri="{28A0092B-C50C-407E-A947-70E740481C1C}">
+                <a14:useLocalDpi xmlns:a14="http://schemas.microsoft.com/office/drawing/2010/main" val="0"/>
+              </a:ext>
+            </a:extLst>
+          </a:blip>
+          <a:srcRect/>
+          <a:stretch>
+            <a:fillRect/>
+          </a:stretch>
+        </p:blipFill>
+        <p:spPr bwMode="auto">
+          <a:xfrm>
+            <a:off x="5945031" y="1349619"/>
+            <a:ext cx="352175" cy="386735"/>
+          </a:xfrm>
+          <a:prstGeom prst="rect">
+            <a:avLst/>
+          </a:prstGeom>
+          <a:noFill/>
+          <a:extLst>
+            <a:ext uri="{909E8E84-426E-40DD-AFC4-6F175D3DCCD1}">
+              <a14:hiddenFill xmlns:a14="http://schemas.microsoft.com/office/drawing/2010/main">
+                <a:solidFill>
+                  <a:srgbClr val="FFFFFF"/>
+                </a:solidFill>
+              </a14:hiddenFill>
+            </a:ext>
+          </a:extLst>
+        </p:spPr>
+      </p:pic>
+      <p:sp>
+        <p:nvSpPr>
+          <p:cNvPr id="111" name="ZoneTexte 110">
+            <a:extLst>
+              <a:ext uri="{FF2B5EF4-FFF2-40B4-BE49-F238E27FC236}">
+                <a16:creationId xmlns:a16="http://schemas.microsoft.com/office/drawing/2014/main" id="{0BD909E5-F3AC-9C6E-A0FD-8B4B8BF16E2E}"/>
+              </a:ext>
+            </a:extLst>
+          </p:cNvPr>
+          <p:cNvSpPr txBox="1"/>
+          <p:nvPr/>
+        </p:nvSpPr>
+        <p:spPr>
+          <a:xfrm>
+            <a:off x="4950776" y="1194689"/>
+            <a:ext cx="1327332" cy="230832"/>
+          </a:xfrm>
+          <a:prstGeom prst="rect">
+            <a:avLst/>
+          </a:prstGeom>
+          <a:noFill/>
+        </p:spPr>
+        <p:txBody>
+          <a:bodyPr wrap="square" rtlCol="0">
+            <a:spAutoFit/>
+          </a:bodyPr>
+          <a:lstStyle>
+            <a:defPPr>
+              <a:defRPr lang="fr-FR"/>
+            </a:defPPr>
+            <a:lvl1pPr algn="ctr">
+              <a:defRPr sz="1000" b="1">
+                <a:solidFill>
+                  <a:schemeClr val="bg1">
+                    <a:lumMod val="50000"/>
+                  </a:schemeClr>
+                </a:solidFill>
+              </a:defRPr>
+            </a:lvl1pPr>
+          </a:lstStyle>
+          <a:p>
+            <a:r>
+              <a:rPr lang="fr-FR" sz="900" dirty="0" err="1">
+                <a:solidFill>
+                  <a:schemeClr val="tx1"/>
+                </a:solidFill>
+              </a:rPr>
+              <a:t>Devices</a:t>
+            </a:r>
+            <a:r>
+              <a:rPr lang="fr-FR" sz="900" dirty="0">
+                <a:solidFill>
+                  <a:schemeClr val="tx1"/>
+                </a:solidFill>
+              </a:rPr>
+              <a:t> API</a:t>
+            </a:r>
+          </a:p>
+        </p:txBody>
+      </p:sp>
+      <p:sp>
+        <p:nvSpPr>
+          <p:cNvPr id="109" name="ZoneTexte 108">
+            <a:extLst>
+              <a:ext uri="{FF2B5EF4-FFF2-40B4-BE49-F238E27FC236}">
+                <a16:creationId xmlns:a16="http://schemas.microsoft.com/office/drawing/2014/main" id="{5292F96E-F155-42D8-8518-8F361EC708B2}"/>
+              </a:ext>
+            </a:extLst>
+          </p:cNvPr>
+          <p:cNvSpPr txBox="1"/>
+          <p:nvPr/>
+        </p:nvSpPr>
+        <p:spPr>
+          <a:xfrm>
+            <a:off x="4950554" y="1354905"/>
+            <a:ext cx="914760" cy="461665"/>
+          </a:xfrm>
+          <a:prstGeom prst="rect">
+            <a:avLst/>
+          </a:prstGeom>
+          <a:noFill/>
+        </p:spPr>
+        <p:txBody>
+          <a:bodyPr wrap="square" rtlCol="0">
+            <a:spAutoFit/>
+          </a:bodyPr>
+          <a:lstStyle/>
+          <a:p>
+            <a:r>
+              <a:rPr lang="fr-FR" sz="800" dirty="0"/>
+              <a:t>Servers </a:t>
+            </a:r>
+          </a:p>
+          <a:p>
+            <a:r>
+              <a:rPr lang="fr-FR" sz="800" dirty="0"/>
+              <a:t>Firewall</a:t>
+            </a:r>
+          </a:p>
+          <a:p>
+            <a:r>
+              <a:rPr lang="fr-FR" sz="800" dirty="0" err="1"/>
+              <a:t>Generic</a:t>
+            </a:r>
+            <a:endParaRPr lang="fr-FR" sz="800" dirty="0"/>
+          </a:p>
+        </p:txBody>
+      </p:sp>
+      <p:grpSp>
+        <p:nvGrpSpPr>
+          <p:cNvPr id="11" name="Groupe 10">
+            <a:extLst>
+              <a:ext uri="{FF2B5EF4-FFF2-40B4-BE49-F238E27FC236}">
+                <a16:creationId xmlns:a16="http://schemas.microsoft.com/office/drawing/2014/main" id="{03103120-687D-F199-4348-2723EB1AE611}"/>
+              </a:ext>
+            </a:extLst>
+          </p:cNvPr>
+          <p:cNvGrpSpPr/>
+          <p:nvPr/>
+        </p:nvGrpSpPr>
+        <p:grpSpPr>
+          <a:xfrm>
+            <a:off x="4994375" y="1889968"/>
+            <a:ext cx="1376267" cy="720466"/>
+            <a:chOff x="6341167" y="4470208"/>
+            <a:chExt cx="1376267" cy="823329"/>
+          </a:xfrm>
+        </p:grpSpPr>
+        <p:pic>
+          <p:nvPicPr>
+            <p:cNvPr id="126" name="Picture 2" descr="GraphQL logo, brand guidelines and assets">
+              <a:extLst>
+                <a:ext uri="{FF2B5EF4-FFF2-40B4-BE49-F238E27FC236}">
+                  <a16:creationId xmlns:a16="http://schemas.microsoft.com/office/drawing/2014/main" id="{E22A54E7-9806-7957-F068-FF5C2284A81D}"/>
+                </a:ext>
+              </a:extLst>
+            </p:cNvPr>
+            <p:cNvPicPr>
+              <a:picLocks noChangeAspect="1" noChangeArrowheads="1"/>
+            </p:cNvPicPr>
+            <p:nvPr/>
+          </p:nvPicPr>
+          <p:blipFill>
+            <a:blip r:embed="rId6">
+              <a:extLst>
+                <a:ext uri="{28A0092B-C50C-407E-A947-70E740481C1C}">
+                  <a14:useLocalDpi xmlns:a14="http://schemas.microsoft.com/office/drawing/2010/main" val="0"/>
+                </a:ext>
+              </a:extLst>
+            </a:blip>
+            <a:srcRect/>
+            <a:stretch>
+              <a:fillRect/>
+            </a:stretch>
+          </p:blipFill>
+          <p:spPr bwMode="auto">
+            <a:xfrm>
+              <a:off x="7333529" y="4781396"/>
+              <a:ext cx="352175" cy="386735"/>
+            </a:xfrm>
+            <a:prstGeom prst="rect">
+              <a:avLst/>
+            </a:prstGeom>
+            <a:noFill/>
+            <a:extLst>
+              <a:ext uri="{909E8E84-426E-40DD-AFC4-6F175D3DCCD1}">
+                <a14:hiddenFill xmlns:a14="http://schemas.microsoft.com/office/drawing/2010/main">
+                  <a:solidFill>
+                    <a:srgbClr val="FFFFFF"/>
+                  </a:solidFill>
+                </a14:hiddenFill>
+              </a:ext>
+            </a:extLst>
+          </p:spPr>
+        </p:pic>
+        <p:sp>
+          <p:nvSpPr>
+            <p:cNvPr id="127" name="Rectangle : coins arrondis 126">
+              <a:extLst>
+                <a:ext uri="{FF2B5EF4-FFF2-40B4-BE49-F238E27FC236}">
+                  <a16:creationId xmlns:a16="http://schemas.microsoft.com/office/drawing/2014/main" id="{FF694CC4-9DC8-0F25-3A2C-2FB1F7E7BEB0}"/>
+                </a:ext>
+              </a:extLst>
+            </p:cNvPr>
+            <p:cNvSpPr/>
+            <p:nvPr/>
+          </p:nvSpPr>
+          <p:spPr>
+            <a:xfrm>
+              <a:off x="6349434" y="4470208"/>
+              <a:ext cx="1368000" cy="794261"/>
+            </a:xfrm>
+            <a:prstGeom prst="roundRect">
+              <a:avLst/>
+            </a:prstGeom>
+            <a:solidFill>
+              <a:schemeClr val="accent3">
+                <a:alpha val="27000"/>
+              </a:schemeClr>
+            </a:solidFill>
+            <a:ln>
+              <a:noFill/>
+            </a:ln>
+          </p:spPr>
+          <p:style>
+            <a:lnRef idx="0">
+              <a:scrgbClr r="0" g="0" b="0"/>
+            </a:lnRef>
+            <a:fillRef idx="0">
+              <a:scrgbClr r="0" g="0" b="0"/>
+            </a:fillRef>
+            <a:effectRef idx="0">
+              <a:scrgbClr r="0" g="0" b="0"/>
+            </a:effectRef>
+            <a:fontRef idx="minor">
+              <a:schemeClr val="lt1"/>
+            </a:fontRef>
+          </p:style>
+          <p:txBody>
+            <a:bodyPr rtlCol="0" anchor="ctr"/>
+            <a:lstStyle/>
+            <a:p>
+              <a:pPr algn="ctr"/>
+              <a:endParaRPr lang="fr-FR"/>
+            </a:p>
+          </p:txBody>
+        </p:sp>
+        <p:sp>
+          <p:nvSpPr>
+            <p:cNvPr id="128" name="ZoneTexte 127">
+              <a:extLst>
+                <a:ext uri="{FF2B5EF4-FFF2-40B4-BE49-F238E27FC236}">
+                  <a16:creationId xmlns:a16="http://schemas.microsoft.com/office/drawing/2014/main" id="{6C46BA38-7FDC-3110-0210-7992B2296FFB}"/>
+                </a:ext>
+              </a:extLst>
+            </p:cNvPr>
+            <p:cNvSpPr txBox="1"/>
+            <p:nvPr/>
+          </p:nvSpPr>
+          <p:spPr>
+            <a:xfrm>
+              <a:off x="6341167" y="4489178"/>
+              <a:ext cx="1327332" cy="263788"/>
+            </a:xfrm>
+            <a:prstGeom prst="rect">
+              <a:avLst/>
+            </a:prstGeom>
+            <a:noFill/>
+          </p:spPr>
+          <p:txBody>
+            <a:bodyPr wrap="square" rtlCol="0">
+              <a:spAutoFit/>
+            </a:bodyPr>
+            <a:lstStyle>
+              <a:defPPr>
+                <a:defRPr lang="fr-FR"/>
+              </a:defPPr>
+              <a:lvl1pPr algn="ctr">
+                <a:defRPr sz="1000" b="1">
+                  <a:solidFill>
+                    <a:schemeClr val="bg1">
+                      <a:lumMod val="50000"/>
+                    </a:schemeClr>
+                  </a:solidFill>
+                </a:defRPr>
+              </a:lvl1pPr>
+            </a:lstStyle>
+            <a:p>
+              <a:r>
+                <a:rPr lang="fr-FR" sz="900" dirty="0" err="1">
+                  <a:solidFill>
+                    <a:schemeClr val="tx1"/>
+                  </a:solidFill>
+                </a:rPr>
+                <a:t>Users</a:t>
+              </a:r>
+              <a:r>
+                <a:rPr lang="fr-FR" sz="900" dirty="0">
+                  <a:solidFill>
+                    <a:schemeClr val="tx1"/>
+                  </a:solidFill>
+                </a:rPr>
+                <a:t> API</a:t>
+              </a:r>
+            </a:p>
+          </p:txBody>
+        </p:sp>
+        <p:sp>
+          <p:nvSpPr>
+            <p:cNvPr id="129" name="ZoneTexte 128">
+              <a:extLst>
+                <a:ext uri="{FF2B5EF4-FFF2-40B4-BE49-F238E27FC236}">
+                  <a16:creationId xmlns:a16="http://schemas.microsoft.com/office/drawing/2014/main" id="{55CE45D9-22F8-8A67-E9DE-AD4ACFA1D8A8}"/>
+                </a:ext>
+              </a:extLst>
+            </p:cNvPr>
+            <p:cNvSpPr txBox="1"/>
+            <p:nvPr/>
+          </p:nvSpPr>
+          <p:spPr>
+            <a:xfrm>
+              <a:off x="6341298" y="4625272"/>
+              <a:ext cx="1247598" cy="668265"/>
+            </a:xfrm>
+            <a:prstGeom prst="rect">
+              <a:avLst/>
+            </a:prstGeom>
+            <a:noFill/>
+          </p:spPr>
+          <p:txBody>
+            <a:bodyPr wrap="square" rtlCol="0">
+              <a:spAutoFit/>
+            </a:bodyPr>
+            <a:lstStyle/>
+            <a:p>
+              <a:r>
+                <a:rPr lang="fr-FR" sz="800" dirty="0"/>
+                <a:t>Unix </a:t>
+              </a:r>
+              <a:r>
+                <a:rPr lang="fr-FR" sz="800" dirty="0" err="1"/>
+                <a:t>Users</a:t>
+              </a:r>
+              <a:endParaRPr lang="fr-FR" sz="800" dirty="0"/>
+            </a:p>
+            <a:p>
+              <a:r>
+                <a:rPr lang="fr-FR" sz="800" dirty="0"/>
+                <a:t>Service </a:t>
+              </a:r>
+              <a:r>
+                <a:rPr lang="fr-FR" sz="800" dirty="0" err="1"/>
+                <a:t>accounts</a:t>
+              </a:r>
+              <a:endParaRPr lang="fr-FR" sz="800" dirty="0"/>
+            </a:p>
+            <a:p>
+              <a:r>
+                <a:rPr lang="fr-FR" sz="800" dirty="0"/>
+                <a:t>Kerberos SPN</a:t>
+              </a:r>
+            </a:p>
+            <a:p>
+              <a:r>
+                <a:rPr lang="fr-FR" sz="800" dirty="0"/>
+                <a:t>Kerberos </a:t>
+              </a:r>
+              <a:r>
+                <a:rPr lang="fr-FR" sz="800" dirty="0" err="1"/>
+                <a:t>delegation</a:t>
+              </a:r>
+              <a:endParaRPr lang="fr-FR" sz="800" dirty="0"/>
+            </a:p>
+          </p:txBody>
+        </p:sp>
+      </p:grpSp>
+      <p:grpSp>
+        <p:nvGrpSpPr>
+          <p:cNvPr id="5" name="Groupe 4">
+            <a:extLst>
+              <a:ext uri="{FF2B5EF4-FFF2-40B4-BE49-F238E27FC236}">
+                <a16:creationId xmlns:a16="http://schemas.microsoft.com/office/drawing/2014/main" id="{B38C0D07-BA2D-4F6C-1A1F-04DCECE2579F}"/>
+              </a:ext>
+            </a:extLst>
+          </p:cNvPr>
+          <p:cNvGrpSpPr/>
+          <p:nvPr/>
+        </p:nvGrpSpPr>
+        <p:grpSpPr>
+          <a:xfrm>
+            <a:off x="2762463" y="2594008"/>
+            <a:ext cx="1375539" cy="779986"/>
+            <a:chOff x="4330827" y="2634819"/>
+            <a:chExt cx="1375539" cy="779986"/>
+          </a:xfrm>
+        </p:grpSpPr>
+        <p:pic>
+          <p:nvPicPr>
+            <p:cNvPr id="36" name="Picture 2" descr="GraphQL logo, brand guidelines and assets">
+              <a:extLst>
+                <a:ext uri="{FF2B5EF4-FFF2-40B4-BE49-F238E27FC236}">
+                  <a16:creationId xmlns:a16="http://schemas.microsoft.com/office/drawing/2014/main" id="{78417511-41F7-359E-6964-AE011BC1A95E}"/>
+                </a:ext>
+              </a:extLst>
+            </p:cNvPr>
+            <p:cNvPicPr>
+              <a:picLocks noChangeAspect="1" noChangeArrowheads="1"/>
+            </p:cNvPicPr>
+            <p:nvPr/>
+          </p:nvPicPr>
+          <p:blipFill>
+            <a:blip r:embed="rId6">
+              <a:extLst>
+                <a:ext uri="{28A0092B-C50C-407E-A947-70E740481C1C}">
+                  <a14:useLocalDpi xmlns:a14="http://schemas.microsoft.com/office/drawing/2010/main" val="0"/>
+                </a:ext>
+              </a:extLst>
+            </a:blip>
+            <a:srcRect/>
+            <a:stretch>
+              <a:fillRect/>
+            </a:stretch>
+          </p:blipFill>
+          <p:spPr bwMode="auto">
+            <a:xfrm>
+              <a:off x="5222663" y="2949448"/>
+              <a:ext cx="352175" cy="386735"/>
+            </a:xfrm>
+            <a:prstGeom prst="rect">
+              <a:avLst/>
+            </a:prstGeom>
+            <a:noFill/>
+            <a:extLst>
+              <a:ext uri="{909E8E84-426E-40DD-AFC4-6F175D3DCCD1}">
+                <a14:hiddenFill xmlns:a14="http://schemas.microsoft.com/office/drawing/2010/main">
+                  <a:solidFill>
+                    <a:srgbClr val="FFFFFF"/>
+                  </a:solidFill>
+                </a14:hiddenFill>
+              </a:ext>
+            </a:extLst>
+          </p:spPr>
+        </p:pic>
+        <p:sp>
+          <p:nvSpPr>
+            <p:cNvPr id="38" name="Rectangle : coins arrondis 37">
+              <a:extLst>
+                <a:ext uri="{FF2B5EF4-FFF2-40B4-BE49-F238E27FC236}">
+                  <a16:creationId xmlns:a16="http://schemas.microsoft.com/office/drawing/2014/main" id="{C4D0E375-D5A6-CA3A-29D4-168D3651E63B}"/>
+                </a:ext>
+              </a:extLst>
+            </p:cNvPr>
+            <p:cNvSpPr/>
+            <p:nvPr/>
+          </p:nvSpPr>
+          <p:spPr>
+            <a:xfrm>
+              <a:off x="4338366" y="2634819"/>
+              <a:ext cx="1368000" cy="779986"/>
+            </a:xfrm>
+            <a:prstGeom prst="roundRect">
+              <a:avLst/>
+            </a:prstGeom>
+            <a:solidFill>
+              <a:schemeClr val="accent3">
+                <a:alpha val="27000"/>
+              </a:schemeClr>
+            </a:solidFill>
+            <a:ln>
+              <a:noFill/>
+            </a:ln>
+          </p:spPr>
+          <p:style>
+            <a:lnRef idx="0">
+              <a:scrgbClr r="0" g="0" b="0"/>
+            </a:lnRef>
+            <a:fillRef idx="0">
+              <a:scrgbClr r="0" g="0" b="0"/>
+            </a:fillRef>
+            <a:effectRef idx="0">
+              <a:scrgbClr r="0" g="0" b="0"/>
+            </a:effectRef>
+            <a:fontRef idx="minor">
+              <a:schemeClr val="lt1"/>
+            </a:fontRef>
+          </p:style>
+          <p:txBody>
+            <a:bodyPr rtlCol="0" anchor="ctr"/>
+            <a:lstStyle/>
+            <a:p>
+              <a:pPr algn="ctr"/>
+              <a:endParaRPr lang="fr-FR"/>
+            </a:p>
+          </p:txBody>
+        </p:sp>
+        <p:sp>
+          <p:nvSpPr>
+            <p:cNvPr id="39" name="ZoneTexte 38">
+              <a:extLst>
+                <a:ext uri="{FF2B5EF4-FFF2-40B4-BE49-F238E27FC236}">
+                  <a16:creationId xmlns:a16="http://schemas.microsoft.com/office/drawing/2014/main" id="{8DDC0F49-CDD0-D54F-3FA7-924B9B17A364}"/>
+                </a:ext>
+              </a:extLst>
+            </p:cNvPr>
+            <p:cNvSpPr txBox="1"/>
+            <p:nvPr/>
+          </p:nvSpPr>
+          <p:spPr>
+            <a:xfrm>
+              <a:off x="4330827" y="2644303"/>
+              <a:ext cx="1210491" cy="230832"/>
+            </a:xfrm>
+            <a:prstGeom prst="rect">
+              <a:avLst/>
+            </a:prstGeom>
+            <a:noFill/>
+          </p:spPr>
+          <p:txBody>
+            <a:bodyPr wrap="square" rtlCol="0">
+              <a:spAutoFit/>
+            </a:bodyPr>
+            <a:lstStyle/>
+            <a:p>
+              <a:pPr algn="ctr"/>
+              <a:r>
+                <a:rPr lang="fr-FR" sz="900" b="1" dirty="0"/>
+                <a:t>API Gateway</a:t>
+              </a:r>
+            </a:p>
+          </p:txBody>
+        </p:sp>
+        <p:sp>
+          <p:nvSpPr>
+            <p:cNvPr id="41" name="ZoneTexte 40">
+              <a:extLst>
+                <a:ext uri="{FF2B5EF4-FFF2-40B4-BE49-F238E27FC236}">
+                  <a16:creationId xmlns:a16="http://schemas.microsoft.com/office/drawing/2014/main" id="{E724BCB3-01CB-436A-8551-6AD787CACF05}"/>
+                </a:ext>
+              </a:extLst>
+            </p:cNvPr>
+            <p:cNvSpPr txBox="1"/>
+            <p:nvPr/>
+          </p:nvSpPr>
+          <p:spPr>
+            <a:xfrm>
+              <a:off x="4356280" y="2870282"/>
+              <a:ext cx="1057276" cy="338554"/>
+            </a:xfrm>
+            <a:prstGeom prst="rect">
+              <a:avLst/>
+            </a:prstGeom>
+            <a:noFill/>
+          </p:spPr>
+          <p:txBody>
+            <a:bodyPr wrap="square" rtlCol="0">
+              <a:spAutoFit/>
+            </a:bodyPr>
+            <a:lstStyle/>
+            <a:p>
+              <a:r>
+                <a:rPr lang="fr-FR" sz="800" dirty="0" err="1"/>
+                <a:t>Schema</a:t>
+              </a:r>
+              <a:r>
+                <a:rPr lang="fr-FR" sz="800" dirty="0"/>
+                <a:t> </a:t>
+              </a:r>
+            </a:p>
+            <a:p>
+              <a:r>
+                <a:rPr lang="fr-FR" sz="800" dirty="0" err="1"/>
+                <a:t>Federations</a:t>
+              </a:r>
+              <a:endParaRPr lang="fr-FR" sz="800" dirty="0"/>
+            </a:p>
+          </p:txBody>
+        </p:sp>
+      </p:grpSp>
+      <p:cxnSp>
+        <p:nvCxnSpPr>
+          <p:cNvPr id="22" name="Connecteur droit avec flèche 21">
+            <a:extLst>
+              <a:ext uri="{FF2B5EF4-FFF2-40B4-BE49-F238E27FC236}">
+                <a16:creationId xmlns:a16="http://schemas.microsoft.com/office/drawing/2014/main" id="{C9245422-C899-4F2C-3222-51B9D49C7AAD}"/>
+              </a:ext>
+            </a:extLst>
+          </p:cNvPr>
+          <p:cNvCxnSpPr>
+            <a:cxnSpLocks/>
+            <a:stCxn id="110" idx="3"/>
+            <a:endCxn id="165" idx="1"/>
+          </p:cNvCxnSpPr>
+          <p:nvPr/>
+        </p:nvCxnSpPr>
+        <p:spPr>
+          <a:xfrm>
+            <a:off x="6354813" y="1486310"/>
+            <a:ext cx="288405" cy="1895"/>
+          </a:xfrm>
+          <a:prstGeom prst="straightConnector1">
+            <a:avLst/>
+          </a:prstGeom>
+          <a:ln>
+            <a:solidFill>
+              <a:schemeClr val="bg1">
+                <a:lumMod val="50000"/>
+              </a:schemeClr>
+            </a:solidFill>
+            <a:headEnd type="triangle" w="med" len="med"/>
+            <a:tailEnd type="triangle" w="med" len="med"/>
+          </a:ln>
+        </p:spPr>
+        <p:style>
+          <a:lnRef idx="1">
+            <a:schemeClr val="accent1"/>
+          </a:lnRef>
+          <a:fillRef idx="0">
+            <a:schemeClr val="accent1"/>
+          </a:fillRef>
+          <a:effectRef idx="0">
+            <a:schemeClr val="accent1"/>
+          </a:effectRef>
+          <a:fontRef idx="minor">
+            <a:schemeClr val="tx1"/>
+          </a:fontRef>
+        </p:style>
+      </p:cxnSp>
+      <p:cxnSp>
+        <p:nvCxnSpPr>
+          <p:cNvPr id="27" name="Connecteur droit avec flèche 26">
+            <a:extLst>
+              <a:ext uri="{FF2B5EF4-FFF2-40B4-BE49-F238E27FC236}">
+                <a16:creationId xmlns:a16="http://schemas.microsoft.com/office/drawing/2014/main" id="{38BF4E53-3D89-0D70-5E46-50F39D506D40}"/>
+              </a:ext>
+            </a:extLst>
+          </p:cNvPr>
+          <p:cNvCxnSpPr>
+            <a:cxnSpLocks/>
+            <a:stCxn id="127" idx="3"/>
+          </p:cNvCxnSpPr>
+          <p:nvPr/>
+        </p:nvCxnSpPr>
+        <p:spPr>
+          <a:xfrm>
+            <a:off x="6370642" y="2237483"/>
+            <a:ext cx="318551" cy="70622"/>
+          </a:xfrm>
+          <a:prstGeom prst="straightConnector1">
+            <a:avLst/>
+          </a:prstGeom>
+          <a:ln>
+            <a:solidFill>
+              <a:schemeClr val="bg1">
+                <a:lumMod val="50000"/>
+              </a:schemeClr>
+            </a:solidFill>
+            <a:headEnd type="triangle" w="med" len="med"/>
+            <a:tailEnd type="triangle" w="med" len="med"/>
+          </a:ln>
+        </p:spPr>
+        <p:style>
+          <a:lnRef idx="1">
+            <a:schemeClr val="accent1"/>
+          </a:lnRef>
+          <a:fillRef idx="0">
+            <a:schemeClr val="accent1"/>
+          </a:fillRef>
+          <a:effectRef idx="0">
+            <a:schemeClr val="accent1"/>
+          </a:effectRef>
+          <a:fontRef idx="minor">
+            <a:schemeClr val="tx1"/>
+          </a:fontRef>
+        </p:style>
+      </p:cxnSp>
+      <p:cxnSp>
+        <p:nvCxnSpPr>
+          <p:cNvPr id="30" name="Connecteur droit avec flèche 29">
+            <a:extLst>
+              <a:ext uri="{FF2B5EF4-FFF2-40B4-BE49-F238E27FC236}">
+                <a16:creationId xmlns:a16="http://schemas.microsoft.com/office/drawing/2014/main" id="{2544B2A1-F9AE-C73D-FF0A-24BBA92E19C4}"/>
+              </a:ext>
+            </a:extLst>
+          </p:cNvPr>
+          <p:cNvCxnSpPr>
+            <a:cxnSpLocks/>
+            <a:stCxn id="121" idx="3"/>
+          </p:cNvCxnSpPr>
+          <p:nvPr/>
+        </p:nvCxnSpPr>
+        <p:spPr>
+          <a:xfrm flipV="1">
+            <a:off x="6401054" y="2783903"/>
+            <a:ext cx="269156" cy="233998"/>
+          </a:xfrm>
+          <a:prstGeom prst="straightConnector1">
+            <a:avLst/>
+          </a:prstGeom>
+          <a:ln>
+            <a:solidFill>
+              <a:schemeClr val="bg1">
+                <a:lumMod val="50000"/>
+              </a:schemeClr>
+            </a:solidFill>
+            <a:headEnd type="triangle" w="med" len="med"/>
+            <a:tailEnd type="triangle" w="med" len="med"/>
+          </a:ln>
+        </p:spPr>
+        <p:style>
+          <a:lnRef idx="1">
+            <a:schemeClr val="accent1"/>
+          </a:lnRef>
+          <a:fillRef idx="0">
+            <a:schemeClr val="accent1"/>
+          </a:fillRef>
+          <a:effectRef idx="0">
+            <a:schemeClr val="accent1"/>
+          </a:effectRef>
+          <a:fontRef idx="minor">
+            <a:schemeClr val="tx1"/>
+          </a:fontRef>
+        </p:style>
+      </p:cxnSp>
+      <p:cxnSp>
+        <p:nvCxnSpPr>
+          <p:cNvPr id="238" name="Connecteur droit avec flèche 237">
+            <a:extLst>
+              <a:ext uri="{FF2B5EF4-FFF2-40B4-BE49-F238E27FC236}">
+                <a16:creationId xmlns:a16="http://schemas.microsoft.com/office/drawing/2014/main" id="{53ECBA98-F13B-3F09-147B-D41DB308979E}"/>
+              </a:ext>
+            </a:extLst>
+          </p:cNvPr>
+          <p:cNvCxnSpPr>
+            <a:cxnSpLocks/>
+            <a:stCxn id="38" idx="3"/>
+            <a:endCxn id="151" idx="1"/>
+          </p:cNvCxnSpPr>
+          <p:nvPr/>
+        </p:nvCxnSpPr>
+        <p:spPr>
+          <a:xfrm flipV="1">
+            <a:off x="4138002" y="2972787"/>
+            <a:ext cx="270194" cy="11214"/>
+          </a:xfrm>
+          <a:prstGeom prst="straightConnector1">
+            <a:avLst/>
+          </a:prstGeom>
+          <a:ln>
+            <a:tailEnd type="triangle"/>
+          </a:ln>
+        </p:spPr>
+        <p:style>
+          <a:lnRef idx="1">
+            <a:schemeClr val="accent1"/>
+          </a:lnRef>
+          <a:fillRef idx="0">
+            <a:schemeClr val="accent1"/>
+          </a:fillRef>
+          <a:effectRef idx="0">
+            <a:schemeClr val="accent1"/>
+          </a:effectRef>
+          <a:fontRef idx="minor">
+            <a:schemeClr val="tx1"/>
+          </a:fontRef>
+        </p:style>
+      </p:cxnSp>
+      <p:grpSp>
+        <p:nvGrpSpPr>
+          <p:cNvPr id="248" name="Groupe 247">
+            <a:extLst>
+              <a:ext uri="{FF2B5EF4-FFF2-40B4-BE49-F238E27FC236}">
+                <a16:creationId xmlns:a16="http://schemas.microsoft.com/office/drawing/2014/main" id="{816FE495-EB29-D080-BC1D-AAF673BC93DE}"/>
+              </a:ext>
+            </a:extLst>
+          </p:cNvPr>
+          <p:cNvGrpSpPr/>
+          <p:nvPr/>
+        </p:nvGrpSpPr>
+        <p:grpSpPr>
+          <a:xfrm>
+            <a:off x="4975266" y="4257320"/>
+            <a:ext cx="1341607" cy="604395"/>
+            <a:chOff x="8900373" y="5686309"/>
+            <a:chExt cx="1341607" cy="699795"/>
+          </a:xfrm>
+        </p:grpSpPr>
+        <p:sp>
+          <p:nvSpPr>
+            <p:cNvPr id="188" name="Rectangle : coins arrondis 187">
+              <a:extLst>
+                <a:ext uri="{FF2B5EF4-FFF2-40B4-BE49-F238E27FC236}">
+                  <a16:creationId xmlns:a16="http://schemas.microsoft.com/office/drawing/2014/main" id="{18C744C3-963F-3A41-C4DE-F95E5173D485}"/>
+                </a:ext>
+              </a:extLst>
+            </p:cNvPr>
+            <p:cNvSpPr/>
+            <p:nvPr/>
+          </p:nvSpPr>
+          <p:spPr>
+            <a:xfrm>
+              <a:off x="8908642" y="5686309"/>
+              <a:ext cx="1333338" cy="699795"/>
+            </a:xfrm>
+            <a:prstGeom prst="roundRect">
+              <a:avLst/>
+            </a:prstGeom>
+            <a:solidFill>
+              <a:schemeClr val="accent3">
+                <a:alpha val="27000"/>
+              </a:schemeClr>
+            </a:solidFill>
+            <a:ln>
+              <a:noFill/>
+            </a:ln>
+          </p:spPr>
+          <p:style>
+            <a:lnRef idx="0">
+              <a:scrgbClr r="0" g="0" b="0"/>
+            </a:lnRef>
+            <a:fillRef idx="0">
+              <a:scrgbClr r="0" g="0" b="0"/>
+            </a:fillRef>
+            <a:effectRef idx="0">
+              <a:scrgbClr r="0" g="0" b="0"/>
+            </a:effectRef>
+            <a:fontRef idx="minor">
+              <a:schemeClr val="lt1"/>
+            </a:fontRef>
+          </p:style>
+          <p:txBody>
+            <a:bodyPr rtlCol="0" anchor="ctr"/>
+            <a:lstStyle/>
+            <a:p>
+              <a:pPr algn="ctr"/>
+              <a:endParaRPr lang="fr-FR"/>
+            </a:p>
+          </p:txBody>
+        </p:sp>
+        <p:sp>
+          <p:nvSpPr>
+            <p:cNvPr id="189" name="ZoneTexte 188">
+              <a:extLst>
+                <a:ext uri="{FF2B5EF4-FFF2-40B4-BE49-F238E27FC236}">
+                  <a16:creationId xmlns:a16="http://schemas.microsoft.com/office/drawing/2014/main" id="{FCFB430D-1DE5-7549-4EAD-1680391B05E1}"/>
+                </a:ext>
+              </a:extLst>
+            </p:cNvPr>
+            <p:cNvSpPr txBox="1"/>
+            <p:nvPr/>
+          </p:nvSpPr>
+          <p:spPr>
+            <a:xfrm>
+              <a:off x="8900373" y="5705280"/>
+              <a:ext cx="1327332" cy="267267"/>
+            </a:xfrm>
+            <a:prstGeom prst="rect">
+              <a:avLst/>
+            </a:prstGeom>
+            <a:noFill/>
+          </p:spPr>
+          <p:txBody>
+            <a:bodyPr wrap="square" rtlCol="0">
+              <a:spAutoFit/>
+            </a:bodyPr>
+            <a:lstStyle>
+              <a:defPPr>
+                <a:defRPr lang="fr-FR"/>
+              </a:defPPr>
+              <a:lvl1pPr algn="ctr">
+                <a:defRPr sz="1000" b="1">
+                  <a:solidFill>
+                    <a:schemeClr val="bg1">
+                      <a:lumMod val="50000"/>
+                    </a:schemeClr>
+                  </a:solidFill>
+                </a:defRPr>
+              </a:lvl1pPr>
+            </a:lstStyle>
+            <a:p>
+              <a:r>
+                <a:rPr lang="fr-FR" sz="900" dirty="0">
+                  <a:solidFill>
+                    <a:schemeClr val="tx1"/>
+                  </a:solidFill>
+                </a:rPr>
+                <a:t>Provisioning service</a:t>
+              </a:r>
+            </a:p>
+          </p:txBody>
+        </p:sp>
+        <p:sp>
+          <p:nvSpPr>
+            <p:cNvPr id="190" name="ZoneTexte 189">
+              <a:extLst>
+                <a:ext uri="{FF2B5EF4-FFF2-40B4-BE49-F238E27FC236}">
+                  <a16:creationId xmlns:a16="http://schemas.microsoft.com/office/drawing/2014/main" id="{DEC3955A-2DA2-A39E-F54B-FC0B1687FBAD}"/>
+                </a:ext>
+              </a:extLst>
+            </p:cNvPr>
+            <p:cNvSpPr txBox="1"/>
+            <p:nvPr/>
+          </p:nvSpPr>
+          <p:spPr>
+            <a:xfrm>
+              <a:off x="8900503" y="5897360"/>
+              <a:ext cx="1333221" cy="391993"/>
+            </a:xfrm>
+            <a:prstGeom prst="rect">
+              <a:avLst/>
+            </a:prstGeom>
+            <a:noFill/>
+          </p:spPr>
+          <p:txBody>
+            <a:bodyPr wrap="square" rtlCol="0">
+              <a:spAutoFit/>
+            </a:bodyPr>
+            <a:lstStyle/>
+            <a:p>
+              <a:r>
+                <a:rPr lang="fr-FR" sz="800" dirty="0"/>
+                <a:t>Ansible Tower </a:t>
+              </a:r>
+            </a:p>
+            <a:p>
+              <a:r>
+                <a:rPr lang="fr-FR" sz="800" dirty="0"/>
+                <a:t>Interfaces</a:t>
+              </a:r>
+            </a:p>
+          </p:txBody>
+        </p:sp>
+        <p:pic>
+          <p:nvPicPr>
+            <p:cNvPr id="246" name="Image 245">
+              <a:extLst>
+                <a:ext uri="{FF2B5EF4-FFF2-40B4-BE49-F238E27FC236}">
+                  <a16:creationId xmlns:a16="http://schemas.microsoft.com/office/drawing/2014/main" id="{4DF2796C-0DE9-3761-F8F9-29C0589B2BDC}"/>
+                </a:ext>
+              </a:extLst>
+            </p:cNvPr>
+            <p:cNvPicPr>
+              <a:picLocks noChangeAspect="1"/>
+            </p:cNvPicPr>
+            <p:nvPr/>
+          </p:nvPicPr>
+          <p:blipFill>
+            <a:blip r:embed="rId7">
+              <a:extLst>
+                <a:ext uri="{28A0092B-C50C-407E-A947-70E740481C1C}">
+                  <a14:useLocalDpi xmlns:a14="http://schemas.microsoft.com/office/drawing/2010/main" val="0"/>
+                </a:ext>
+              </a:extLst>
+            </a:blip>
+            <a:stretch>
+              <a:fillRect/>
+            </a:stretch>
+          </p:blipFill>
+          <p:spPr>
+            <a:xfrm>
+              <a:off x="9675865" y="5816553"/>
+              <a:ext cx="528576" cy="528576"/>
+            </a:xfrm>
+            <a:prstGeom prst="rect">
+              <a:avLst/>
+            </a:prstGeom>
+          </p:spPr>
+        </p:pic>
+      </p:grpSp>
+      <p:cxnSp>
+        <p:nvCxnSpPr>
+          <p:cNvPr id="250" name="Connecteur droit avec flèche 249">
+            <a:extLst>
+              <a:ext uri="{FF2B5EF4-FFF2-40B4-BE49-F238E27FC236}">
+                <a16:creationId xmlns:a16="http://schemas.microsoft.com/office/drawing/2014/main" id="{2FA2D4A8-AEC1-F309-86D8-7B04EC1150B4}"/>
+              </a:ext>
+            </a:extLst>
+          </p:cNvPr>
+          <p:cNvCxnSpPr>
+            <a:cxnSpLocks/>
+            <a:stCxn id="189" idx="3"/>
+            <a:endCxn id="144" idx="2"/>
+          </p:cNvCxnSpPr>
+          <p:nvPr/>
+        </p:nvCxnSpPr>
+        <p:spPr>
+          <a:xfrm flipV="1">
+            <a:off x="6302598" y="3109458"/>
+            <a:ext cx="637893" cy="1279663"/>
+          </a:xfrm>
+          <a:prstGeom prst="straightConnector1">
+            <a:avLst/>
+          </a:prstGeom>
+          <a:ln>
+            <a:solidFill>
+              <a:schemeClr val="bg1">
+                <a:lumMod val="50000"/>
+              </a:schemeClr>
+            </a:solidFill>
+            <a:headEnd type="triangle" w="med" len="med"/>
+            <a:tailEnd type="triangle" w="med" len="med"/>
+          </a:ln>
+        </p:spPr>
+        <p:style>
+          <a:lnRef idx="1">
+            <a:schemeClr val="accent1"/>
+          </a:lnRef>
+          <a:fillRef idx="0">
+            <a:schemeClr val="accent1"/>
+          </a:fillRef>
+          <a:effectRef idx="0">
+            <a:schemeClr val="accent1"/>
+          </a:effectRef>
+          <a:fontRef idx="minor">
+            <a:schemeClr val="tx1"/>
+          </a:fontRef>
+        </p:style>
+      </p:cxnSp>
+      <p:pic>
+        <p:nvPicPr>
+          <p:cNvPr id="40" name="Image 39">
+            <a:extLst>
+              <a:ext uri="{FF2B5EF4-FFF2-40B4-BE49-F238E27FC236}">
+                <a16:creationId xmlns:a16="http://schemas.microsoft.com/office/drawing/2014/main" id="{890E5DE8-C34C-0911-A13C-6BEDF8B03CE9}"/>
+              </a:ext>
+            </a:extLst>
+          </p:cNvPr>
+          <p:cNvPicPr>
+            <a:picLocks noChangeAspect="1"/>
+          </p:cNvPicPr>
+          <p:nvPr/>
+        </p:nvPicPr>
+        <p:blipFill>
+          <a:blip r:embed="rId8">
+            <a:extLst>
+              <a:ext uri="{28A0092B-C50C-407E-A947-70E740481C1C}">
+                <a14:useLocalDpi xmlns:a14="http://schemas.microsoft.com/office/drawing/2010/main" val="0"/>
+              </a:ext>
+            </a:extLst>
+          </a:blip>
+          <a:stretch>
+            <a:fillRect/>
+          </a:stretch>
+        </p:blipFill>
+        <p:spPr>
+          <a:xfrm>
+            <a:off x="6433012" y="4258782"/>
+            <a:ext cx="243840" cy="243840"/>
+          </a:xfrm>
+          <a:prstGeom prst="rect">
+            <a:avLst/>
+          </a:prstGeom>
+        </p:spPr>
+      </p:pic>
+      <p:cxnSp>
+        <p:nvCxnSpPr>
+          <p:cNvPr id="62" name="Connecteur : en angle 61">
+            <a:extLst>
+              <a:ext uri="{FF2B5EF4-FFF2-40B4-BE49-F238E27FC236}">
+                <a16:creationId xmlns:a16="http://schemas.microsoft.com/office/drawing/2014/main" id="{68CF31A8-BE37-13B4-21E6-A2C45FDDA0E8}"/>
+              </a:ext>
+            </a:extLst>
+          </p:cNvPr>
+          <p:cNvCxnSpPr>
+            <a:cxnSpLocks/>
+            <a:stCxn id="3" idx="3"/>
+            <a:endCxn id="277" idx="1"/>
+          </p:cNvCxnSpPr>
+          <p:nvPr/>
+        </p:nvCxnSpPr>
+        <p:spPr>
+          <a:xfrm>
+            <a:off x="1546125" y="998157"/>
+            <a:ext cx="2843202" cy="508404"/>
+          </a:xfrm>
+          <a:prstGeom prst="bentConnector3">
+            <a:avLst/>
+          </a:prstGeom>
+          <a:ln>
+            <a:solidFill>
+              <a:schemeClr val="bg1">
+                <a:lumMod val="50000"/>
+              </a:schemeClr>
+            </a:solidFill>
+            <a:tailEnd type="triangle"/>
+          </a:ln>
+        </p:spPr>
+        <p:style>
+          <a:lnRef idx="1">
+            <a:schemeClr val="accent1"/>
+          </a:lnRef>
+          <a:fillRef idx="0">
+            <a:schemeClr val="accent1"/>
+          </a:fillRef>
+          <a:effectRef idx="0">
+            <a:schemeClr val="accent1"/>
+          </a:effectRef>
+          <a:fontRef idx="minor">
+            <a:schemeClr val="tx1"/>
+          </a:fontRef>
+        </p:style>
+      </p:cxnSp>
+      <p:grpSp>
+        <p:nvGrpSpPr>
+          <p:cNvPr id="273" name="Groupe 272">
+            <a:extLst>
+              <a:ext uri="{FF2B5EF4-FFF2-40B4-BE49-F238E27FC236}">
+                <a16:creationId xmlns:a16="http://schemas.microsoft.com/office/drawing/2014/main" id="{7E0EA42E-1B7E-71A2-D23B-241D95B241FE}"/>
+              </a:ext>
+            </a:extLst>
+          </p:cNvPr>
+          <p:cNvGrpSpPr/>
+          <p:nvPr/>
+        </p:nvGrpSpPr>
+        <p:grpSpPr>
+          <a:xfrm>
+            <a:off x="7618998" y="3895877"/>
+            <a:ext cx="1383827" cy="1165515"/>
+            <a:chOff x="5002580" y="5365988"/>
+            <a:chExt cx="1383827" cy="1165515"/>
+          </a:xfrm>
+        </p:grpSpPr>
+        <p:pic>
+          <p:nvPicPr>
+            <p:cNvPr id="201" name="Image 200">
+              <a:extLst>
+                <a:ext uri="{FF2B5EF4-FFF2-40B4-BE49-F238E27FC236}">
+                  <a16:creationId xmlns:a16="http://schemas.microsoft.com/office/drawing/2014/main" id="{17E60B2C-C4B5-2D3E-69D1-C2581410C01B}"/>
+                </a:ext>
+              </a:extLst>
+            </p:cNvPr>
+            <p:cNvPicPr>
+              <a:picLocks noChangeAspect="1"/>
+            </p:cNvPicPr>
+            <p:nvPr/>
+          </p:nvPicPr>
+          <p:blipFill>
+            <a:blip r:embed="rId9">
+              <a:extLst>
+                <a:ext uri="{28A0092B-C50C-407E-A947-70E740481C1C}">
+                  <a14:useLocalDpi xmlns:a14="http://schemas.microsoft.com/office/drawing/2010/main" val="0"/>
+                </a:ext>
+              </a:extLst>
+            </a:blip>
+            <a:stretch>
+              <a:fillRect/>
+            </a:stretch>
+          </p:blipFill>
+          <p:spPr>
+            <a:xfrm>
+              <a:off x="5139353" y="5737486"/>
+              <a:ext cx="1012100" cy="794017"/>
+            </a:xfrm>
+            <a:prstGeom prst="rect">
+              <a:avLst/>
+            </a:prstGeom>
+          </p:spPr>
+        </p:pic>
+        <p:pic>
+          <p:nvPicPr>
+            <p:cNvPr id="199" name="Image 198" descr="Une image contenant casserole&#10;&#10;Description générée automatiquement">
+              <a:extLst>
+                <a:ext uri="{FF2B5EF4-FFF2-40B4-BE49-F238E27FC236}">
+                  <a16:creationId xmlns:a16="http://schemas.microsoft.com/office/drawing/2014/main" id="{E34EAC26-AFBA-796B-0715-DEC0C1247474}"/>
+                </a:ext>
+              </a:extLst>
+            </p:cNvPr>
+            <p:cNvPicPr>
+              <a:picLocks noChangeAspect="1"/>
+            </p:cNvPicPr>
+            <p:nvPr/>
+          </p:nvPicPr>
+          <p:blipFill>
+            <a:blip r:embed="rId10">
+              <a:extLst>
+                <a:ext uri="{28A0092B-C50C-407E-A947-70E740481C1C}">
+                  <a14:useLocalDpi xmlns:a14="http://schemas.microsoft.com/office/drawing/2010/main" val="0"/>
+                </a:ext>
+              </a:extLst>
+            </a:blip>
+            <a:stretch>
+              <a:fillRect/>
+            </a:stretch>
+          </p:blipFill>
+          <p:spPr>
+            <a:xfrm>
+              <a:off x="5755454" y="5563157"/>
+              <a:ext cx="630953" cy="509810"/>
+            </a:xfrm>
+            <a:prstGeom prst="rect">
+              <a:avLst/>
+            </a:prstGeom>
+          </p:spPr>
+        </p:pic>
+        <p:sp>
+          <p:nvSpPr>
+            <p:cNvPr id="269" name="Rectangle : coins arrondis 268">
+              <a:extLst>
+                <a:ext uri="{FF2B5EF4-FFF2-40B4-BE49-F238E27FC236}">
+                  <a16:creationId xmlns:a16="http://schemas.microsoft.com/office/drawing/2014/main" id="{637DCAFB-4E17-7E9B-2B76-FCFC7B0409D5}"/>
+                </a:ext>
+              </a:extLst>
+            </p:cNvPr>
+            <p:cNvSpPr/>
+            <p:nvPr/>
+          </p:nvSpPr>
+          <p:spPr>
+            <a:xfrm>
+              <a:off x="5002580" y="5365988"/>
+              <a:ext cx="1368000" cy="923108"/>
+            </a:xfrm>
+            <a:prstGeom prst="roundRect">
+              <a:avLst/>
+            </a:prstGeom>
+            <a:solidFill>
+              <a:schemeClr val="accent3">
+                <a:alpha val="27000"/>
+              </a:schemeClr>
+            </a:solidFill>
+            <a:ln>
+              <a:noFill/>
+            </a:ln>
+          </p:spPr>
+          <p:style>
+            <a:lnRef idx="0">
+              <a:scrgbClr r="0" g="0" b="0"/>
+            </a:lnRef>
+            <a:fillRef idx="0">
+              <a:scrgbClr r="0" g="0" b="0"/>
+            </a:fillRef>
+            <a:effectRef idx="0">
+              <a:scrgbClr r="0" g="0" b="0"/>
+            </a:effectRef>
+            <a:fontRef idx="minor">
+              <a:schemeClr val="lt1"/>
+            </a:fontRef>
+          </p:style>
+          <p:txBody>
+            <a:bodyPr rtlCol="0" anchor="ctr"/>
+            <a:lstStyle/>
+            <a:p>
+              <a:pPr algn="ctr"/>
+              <a:endParaRPr lang="fr-FR"/>
+            </a:p>
+          </p:txBody>
+        </p:sp>
+        <p:sp>
+          <p:nvSpPr>
+            <p:cNvPr id="270" name="ZoneTexte 269">
+              <a:extLst>
+                <a:ext uri="{FF2B5EF4-FFF2-40B4-BE49-F238E27FC236}">
+                  <a16:creationId xmlns:a16="http://schemas.microsoft.com/office/drawing/2014/main" id="{915EFCA2-54FF-45C7-4DA2-09E139DEF6A5}"/>
+                </a:ext>
+              </a:extLst>
+            </p:cNvPr>
+            <p:cNvSpPr txBox="1"/>
+            <p:nvPr/>
+          </p:nvSpPr>
+          <p:spPr>
+            <a:xfrm>
+              <a:off x="5012459" y="5375472"/>
+              <a:ext cx="1368000" cy="246221"/>
+            </a:xfrm>
+            <a:prstGeom prst="rect">
+              <a:avLst/>
+            </a:prstGeom>
+            <a:noFill/>
+          </p:spPr>
+          <p:txBody>
+            <a:bodyPr wrap="square" rtlCol="0">
+              <a:spAutoFit/>
+            </a:bodyPr>
+            <a:lstStyle/>
+            <a:p>
+              <a:pPr algn="ctr"/>
+              <a:r>
+                <a:rPr lang="fr-FR" sz="1000" b="1" dirty="0" err="1"/>
+                <a:t>Logging</a:t>
+              </a:r>
+              <a:r>
+                <a:rPr lang="fr-FR" sz="1000" b="1" dirty="0"/>
+                <a:t> / APM</a:t>
+              </a:r>
+            </a:p>
+          </p:txBody>
+        </p:sp>
+        <p:sp>
+          <p:nvSpPr>
+            <p:cNvPr id="271" name="ZoneTexte 270">
+              <a:extLst>
+                <a:ext uri="{FF2B5EF4-FFF2-40B4-BE49-F238E27FC236}">
+                  <a16:creationId xmlns:a16="http://schemas.microsoft.com/office/drawing/2014/main" id="{DBBBC2BF-E444-F0C0-B9BD-CEC05CB84A2A}"/>
+                </a:ext>
+              </a:extLst>
+            </p:cNvPr>
+            <p:cNvSpPr txBox="1"/>
+            <p:nvPr/>
+          </p:nvSpPr>
+          <p:spPr>
+            <a:xfrm>
+              <a:off x="5012459" y="5648580"/>
+              <a:ext cx="1057276" cy="400110"/>
+            </a:xfrm>
+            <a:prstGeom prst="rect">
+              <a:avLst/>
+            </a:prstGeom>
+            <a:noFill/>
+          </p:spPr>
+          <p:txBody>
+            <a:bodyPr wrap="square" rtlCol="0">
+              <a:spAutoFit/>
+            </a:bodyPr>
+            <a:lstStyle/>
+            <a:p>
+              <a:r>
+                <a:rPr lang="fr-FR" sz="1000" dirty="0"/>
+                <a:t>Logs </a:t>
+              </a:r>
+              <a:r>
+                <a:rPr lang="fr-FR" sz="1000" dirty="0" err="1"/>
+                <a:t>storage</a:t>
+              </a:r>
+              <a:endParaRPr lang="fr-FR" sz="1000" dirty="0"/>
+            </a:p>
+            <a:p>
+              <a:r>
+                <a:rPr lang="fr-FR" sz="1000" dirty="0"/>
+                <a:t>APM</a:t>
+              </a:r>
+            </a:p>
+          </p:txBody>
+        </p:sp>
+      </p:grpSp>
+      <p:cxnSp>
+        <p:nvCxnSpPr>
+          <p:cNvPr id="280" name="Connecteur : en angle 279">
+            <a:extLst>
+              <a:ext uri="{FF2B5EF4-FFF2-40B4-BE49-F238E27FC236}">
+                <a16:creationId xmlns:a16="http://schemas.microsoft.com/office/drawing/2014/main" id="{056CA6F3-7804-267F-0B9B-1FAF59808B3D}"/>
+              </a:ext>
+            </a:extLst>
+          </p:cNvPr>
+          <p:cNvCxnSpPr>
+            <a:cxnSpLocks/>
+            <a:stCxn id="261" idx="0"/>
+            <a:endCxn id="336" idx="1"/>
+          </p:cNvCxnSpPr>
+          <p:nvPr/>
+        </p:nvCxnSpPr>
+        <p:spPr>
+          <a:xfrm rot="5400000" flipH="1" flipV="1">
+            <a:off x="3530258" y="4877664"/>
+            <a:ext cx="1289993" cy="425012"/>
+          </a:xfrm>
+          <a:prstGeom prst="bentConnector2">
+            <a:avLst/>
+          </a:prstGeom>
+          <a:ln>
+            <a:solidFill>
+              <a:schemeClr val="bg1">
+                <a:lumMod val="50000"/>
+              </a:schemeClr>
+            </a:solidFill>
+            <a:tailEnd type="triangle"/>
+          </a:ln>
+        </p:spPr>
+        <p:style>
+          <a:lnRef idx="1">
+            <a:schemeClr val="accent1"/>
+          </a:lnRef>
+          <a:fillRef idx="0">
+            <a:schemeClr val="accent1"/>
+          </a:fillRef>
+          <a:effectRef idx="0">
+            <a:schemeClr val="accent1"/>
+          </a:effectRef>
+          <a:fontRef idx="minor">
+            <a:schemeClr val="tx1"/>
+          </a:fontRef>
+        </p:style>
+      </p:cxnSp>
+      <p:cxnSp>
+        <p:nvCxnSpPr>
+          <p:cNvPr id="282" name="Connecteur : en angle 281">
+            <a:extLst>
+              <a:ext uri="{FF2B5EF4-FFF2-40B4-BE49-F238E27FC236}">
+                <a16:creationId xmlns:a16="http://schemas.microsoft.com/office/drawing/2014/main" id="{035BF0EF-6752-671E-3485-B31F65A328F4}"/>
+              </a:ext>
+            </a:extLst>
+          </p:cNvPr>
+          <p:cNvCxnSpPr>
+            <a:cxnSpLocks/>
+            <a:stCxn id="194" idx="3"/>
+            <a:endCxn id="275" idx="1"/>
+          </p:cNvCxnSpPr>
+          <p:nvPr/>
+        </p:nvCxnSpPr>
+        <p:spPr>
+          <a:xfrm flipV="1">
+            <a:off x="1506560" y="3787861"/>
+            <a:ext cx="2882767" cy="1622813"/>
+          </a:xfrm>
+          <a:prstGeom prst="bentConnector3">
+            <a:avLst>
+              <a:gd name="adj1" fmla="val 50000"/>
+            </a:avLst>
+          </a:prstGeom>
+          <a:ln>
+            <a:solidFill>
+              <a:schemeClr val="bg1">
+                <a:lumMod val="50000"/>
+              </a:schemeClr>
+            </a:solidFill>
+            <a:tailEnd type="triangle"/>
+          </a:ln>
+        </p:spPr>
+        <p:style>
+          <a:lnRef idx="1">
+            <a:schemeClr val="accent1"/>
+          </a:lnRef>
+          <a:fillRef idx="0">
+            <a:schemeClr val="accent1"/>
+          </a:fillRef>
+          <a:effectRef idx="0">
+            <a:schemeClr val="accent1"/>
+          </a:effectRef>
+          <a:fontRef idx="minor">
+            <a:schemeClr val="tx1"/>
+          </a:fontRef>
+        </p:style>
+      </p:cxnSp>
+      <p:grpSp>
+        <p:nvGrpSpPr>
+          <p:cNvPr id="84" name="Groupe 83">
+            <a:extLst>
+              <a:ext uri="{FF2B5EF4-FFF2-40B4-BE49-F238E27FC236}">
+                <a16:creationId xmlns:a16="http://schemas.microsoft.com/office/drawing/2014/main" id="{4C925030-06E4-4339-BF10-14CF253CF6BF}"/>
+              </a:ext>
+            </a:extLst>
+          </p:cNvPr>
+          <p:cNvGrpSpPr/>
+          <p:nvPr/>
+        </p:nvGrpSpPr>
+        <p:grpSpPr>
+          <a:xfrm>
+            <a:off x="262031" y="2007442"/>
+            <a:ext cx="1333626" cy="923108"/>
+            <a:chOff x="890681" y="1644266"/>
+            <a:chExt cx="1333626" cy="923108"/>
+          </a:xfrm>
+        </p:grpSpPr>
+        <p:sp>
+          <p:nvSpPr>
+            <p:cNvPr id="17" name="Rectangle : coins arrondis 16">
+              <a:extLst>
+                <a:ext uri="{FF2B5EF4-FFF2-40B4-BE49-F238E27FC236}">
+                  <a16:creationId xmlns:a16="http://schemas.microsoft.com/office/drawing/2014/main" id="{7FB7837B-05E9-596D-D066-0A66157C1AA8}"/>
+                </a:ext>
+              </a:extLst>
+            </p:cNvPr>
+            <p:cNvSpPr/>
+            <p:nvPr/>
+          </p:nvSpPr>
+          <p:spPr>
+            <a:xfrm>
+              <a:off x="948648" y="1644266"/>
+              <a:ext cx="1210492" cy="923108"/>
+            </a:xfrm>
+            <a:prstGeom prst="roundRect">
+              <a:avLst/>
+            </a:prstGeom>
+            <a:solidFill>
+              <a:schemeClr val="accent3">
+                <a:alpha val="27000"/>
+              </a:schemeClr>
+            </a:solidFill>
+            <a:ln>
+              <a:noFill/>
+            </a:ln>
+          </p:spPr>
+          <p:style>
+            <a:lnRef idx="0">
+              <a:scrgbClr r="0" g="0" b="0"/>
+            </a:lnRef>
+            <a:fillRef idx="0">
+              <a:scrgbClr r="0" g="0" b="0"/>
+            </a:fillRef>
+            <a:effectRef idx="0">
+              <a:scrgbClr r="0" g="0" b="0"/>
+            </a:effectRef>
+            <a:fontRef idx="minor">
+              <a:schemeClr val="lt1"/>
+            </a:fontRef>
+          </p:style>
+          <p:txBody>
+            <a:bodyPr rtlCol="0" anchor="ctr"/>
+            <a:lstStyle/>
+            <a:p>
+              <a:pPr algn="ctr"/>
+              <a:endParaRPr lang="fr-FR"/>
+            </a:p>
+          </p:txBody>
+        </p:sp>
+        <p:sp>
+          <p:nvSpPr>
+            <p:cNvPr id="20" name="ZoneTexte 19">
+              <a:extLst>
+                <a:ext uri="{FF2B5EF4-FFF2-40B4-BE49-F238E27FC236}">
+                  <a16:creationId xmlns:a16="http://schemas.microsoft.com/office/drawing/2014/main" id="{4F9324EA-5E23-7056-483E-B5AB2C136A98}"/>
+                </a:ext>
+              </a:extLst>
+            </p:cNvPr>
+            <p:cNvSpPr txBox="1"/>
+            <p:nvPr/>
+          </p:nvSpPr>
+          <p:spPr>
+            <a:xfrm>
+              <a:off x="890681" y="1653750"/>
+              <a:ext cx="1333626" cy="276999"/>
+            </a:xfrm>
+            <a:prstGeom prst="rect">
+              <a:avLst/>
+            </a:prstGeom>
+            <a:noFill/>
+          </p:spPr>
+          <p:txBody>
+            <a:bodyPr wrap="square" rtlCol="0">
+              <a:spAutoFit/>
+            </a:bodyPr>
+            <a:lstStyle/>
+            <a:p>
+              <a:pPr algn="ctr"/>
+              <a:r>
+                <a:rPr lang="fr-FR" sz="1200" b="1" dirty="0"/>
+                <a:t>Self service portal</a:t>
+              </a:r>
+            </a:p>
+          </p:txBody>
+        </p:sp>
+        <p:pic>
+          <p:nvPicPr>
+            <p:cNvPr id="66" name="Image 65">
+              <a:extLst>
+                <a:ext uri="{FF2B5EF4-FFF2-40B4-BE49-F238E27FC236}">
+                  <a16:creationId xmlns:a16="http://schemas.microsoft.com/office/drawing/2014/main" id="{CD7E8367-3FB0-812F-75C2-770813F75715}"/>
+                </a:ext>
+              </a:extLst>
+            </p:cNvPr>
+            <p:cNvPicPr>
+              <a:picLocks noChangeAspect="1"/>
+            </p:cNvPicPr>
+            <p:nvPr/>
+          </p:nvPicPr>
+          <p:blipFill>
+            <a:blip r:embed="rId11">
+              <a:extLst>
+                <a:ext uri="{28A0092B-C50C-407E-A947-70E740481C1C}">
+                  <a14:useLocalDpi xmlns:a14="http://schemas.microsoft.com/office/drawing/2010/main" val="0"/>
+                </a:ext>
+              </a:extLst>
+            </a:blip>
+            <a:stretch>
+              <a:fillRect/>
+            </a:stretch>
+          </p:blipFill>
+          <p:spPr>
+            <a:xfrm>
+              <a:off x="1168464" y="1829341"/>
+              <a:ext cx="728735" cy="728735"/>
+            </a:xfrm>
+            <a:prstGeom prst="rect">
+              <a:avLst/>
+            </a:prstGeom>
+          </p:spPr>
+        </p:pic>
+      </p:grpSp>
+      <p:sp>
+        <p:nvSpPr>
+          <p:cNvPr id="74" name="ZoneTexte 73">
+            <a:extLst>
+              <a:ext uri="{FF2B5EF4-FFF2-40B4-BE49-F238E27FC236}">
+                <a16:creationId xmlns:a16="http://schemas.microsoft.com/office/drawing/2014/main" id="{61E50403-182C-0DDA-881D-E4E78A898458}"/>
+              </a:ext>
+            </a:extLst>
+          </p:cNvPr>
+          <p:cNvSpPr txBox="1"/>
+          <p:nvPr/>
+        </p:nvSpPr>
+        <p:spPr>
+          <a:xfrm>
+            <a:off x="1922181" y="109043"/>
+            <a:ext cx="4849681" cy="276999"/>
+          </a:xfrm>
+          <a:prstGeom prst="rect">
+            <a:avLst/>
+          </a:prstGeom>
+          <a:noFill/>
+        </p:spPr>
+        <p:txBody>
+          <a:bodyPr wrap="square" rtlCol="0">
+            <a:spAutoFit/>
+          </a:bodyPr>
+          <a:lstStyle/>
+          <a:p>
+            <a:r>
+              <a:rPr lang="fr-FR" sz="1200" b="1" dirty="0"/>
+              <a:t>Infrastructure Management </a:t>
+            </a:r>
+            <a:r>
+              <a:rPr lang="fr-FR" sz="1200" b="1" dirty="0" err="1"/>
+              <a:t>microservices</a:t>
+            </a:r>
+            <a:endParaRPr lang="fr-FR" sz="1200" b="1" dirty="0"/>
+          </a:p>
+        </p:txBody>
+      </p:sp>
+      <p:sp>
+        <p:nvSpPr>
+          <p:cNvPr id="75" name="Rectangle 74">
+            <a:extLst>
+              <a:ext uri="{FF2B5EF4-FFF2-40B4-BE49-F238E27FC236}">
+                <a16:creationId xmlns:a16="http://schemas.microsoft.com/office/drawing/2014/main" id="{81CA626E-FCD0-077C-7C32-8060D4D098F4}"/>
+              </a:ext>
+            </a:extLst>
+          </p:cNvPr>
+          <p:cNvSpPr/>
+          <p:nvPr/>
+        </p:nvSpPr>
+        <p:spPr>
+          <a:xfrm>
+            <a:off x="2288566" y="395525"/>
+            <a:ext cx="5055408" cy="6243399"/>
+          </a:xfrm>
+          <a:prstGeom prst="rect">
+            <a:avLst/>
+          </a:prstGeom>
+          <a:noFill/>
+          <a:ln>
+            <a:solidFill>
+              <a:schemeClr val="bg1">
+                <a:lumMod val="50000"/>
+              </a:schemeClr>
+            </a:solidFill>
+            <a:prstDash val="dash"/>
+          </a:ln>
+        </p:spPr>
+        <p:style>
+          <a:lnRef idx="2">
+            <a:schemeClr val="accent1">
+              <a:shade val="50000"/>
+            </a:schemeClr>
+          </a:lnRef>
+          <a:fillRef idx="1">
+            <a:schemeClr val="accent1"/>
+          </a:fillRef>
+          <a:effectRef idx="0">
+            <a:schemeClr val="accent1"/>
+          </a:effectRef>
+          <a:fontRef idx="minor">
+            <a:schemeClr val="lt1"/>
+          </a:fontRef>
+        </p:style>
+        <p:txBody>
+          <a:bodyPr rtlCol="0" anchor="ctr"/>
+          <a:lstStyle/>
+          <a:p>
+            <a:pPr algn="ctr"/>
+            <a:endParaRPr lang="fr-FR"/>
+          </a:p>
+        </p:txBody>
+      </p:sp>
+      <p:sp>
+        <p:nvSpPr>
+          <p:cNvPr id="93" name="ZoneTexte 92">
+            <a:extLst>
+              <a:ext uri="{FF2B5EF4-FFF2-40B4-BE49-F238E27FC236}">
+                <a16:creationId xmlns:a16="http://schemas.microsoft.com/office/drawing/2014/main" id="{107E1B4B-1507-9C81-EC0D-4CEC3385ECC5}"/>
+              </a:ext>
+            </a:extLst>
+          </p:cNvPr>
+          <p:cNvSpPr txBox="1"/>
+          <p:nvPr/>
+        </p:nvSpPr>
+        <p:spPr>
+          <a:xfrm>
+            <a:off x="9714719" y="128137"/>
+            <a:ext cx="1858970" cy="276999"/>
+          </a:xfrm>
+          <a:prstGeom prst="rect">
+            <a:avLst/>
+          </a:prstGeom>
+          <a:noFill/>
+        </p:spPr>
+        <p:txBody>
+          <a:bodyPr wrap="square" rtlCol="0">
+            <a:spAutoFit/>
+          </a:bodyPr>
+          <a:lstStyle/>
+          <a:p>
+            <a:r>
+              <a:rPr lang="fr-FR" sz="1200" b="1" dirty="0"/>
+              <a:t>Infrastructure On </a:t>
+            </a:r>
+            <a:r>
+              <a:rPr lang="fr-FR" sz="1200" b="1" dirty="0" err="1"/>
+              <a:t>premise</a:t>
+            </a:r>
+            <a:endParaRPr lang="fr-FR" sz="1200" b="1" dirty="0"/>
+          </a:p>
+        </p:txBody>
+      </p:sp>
+      <p:grpSp>
+        <p:nvGrpSpPr>
+          <p:cNvPr id="353" name="Groupe 352">
+            <a:extLst>
+              <a:ext uri="{FF2B5EF4-FFF2-40B4-BE49-F238E27FC236}">
+                <a16:creationId xmlns:a16="http://schemas.microsoft.com/office/drawing/2014/main" id="{6902308A-1B0C-BAE1-80AD-F27511660E92}"/>
+              </a:ext>
+            </a:extLst>
+          </p:cNvPr>
+          <p:cNvGrpSpPr/>
+          <p:nvPr/>
+        </p:nvGrpSpPr>
+        <p:grpSpPr>
+          <a:xfrm>
+            <a:off x="10023569" y="1075038"/>
+            <a:ext cx="1063839" cy="630674"/>
+            <a:chOff x="10023569" y="1140680"/>
+            <a:chExt cx="1063839" cy="630674"/>
+          </a:xfrm>
+        </p:grpSpPr>
+        <p:sp>
+          <p:nvSpPr>
+            <p:cNvPr id="32" name="Rectangle : coins arrondis 31">
+              <a:extLst>
+                <a:ext uri="{FF2B5EF4-FFF2-40B4-BE49-F238E27FC236}">
+                  <a16:creationId xmlns:a16="http://schemas.microsoft.com/office/drawing/2014/main" id="{E7BF8ABE-5B62-D3BD-70AC-060624288393}"/>
+                </a:ext>
+              </a:extLst>
+            </p:cNvPr>
+            <p:cNvSpPr/>
+            <p:nvPr/>
+          </p:nvSpPr>
+          <p:spPr>
+            <a:xfrm>
+              <a:off x="10023569" y="1140680"/>
+              <a:ext cx="1063839" cy="630674"/>
+            </a:xfrm>
+            <a:prstGeom prst="roundRect">
+              <a:avLst/>
+            </a:prstGeom>
+            <a:noFill/>
+            <a:ln>
+              <a:solidFill>
+                <a:schemeClr val="bg1">
+                  <a:lumMod val="50000"/>
+                </a:schemeClr>
+              </a:solidFill>
+              <a:prstDash val="dash"/>
+            </a:ln>
+          </p:spPr>
+          <p:style>
+            <a:lnRef idx="2">
+              <a:schemeClr val="accent1">
+                <a:shade val="50000"/>
+              </a:schemeClr>
+            </a:lnRef>
+            <a:fillRef idx="1">
+              <a:schemeClr val="accent1"/>
+            </a:fillRef>
+            <a:effectRef idx="0">
+              <a:schemeClr val="accent1"/>
+            </a:effectRef>
+            <a:fontRef idx="minor">
+              <a:schemeClr val="lt1"/>
+            </a:fontRef>
+          </p:style>
+          <p:txBody>
+            <a:bodyPr rtlCol="0" anchor="ctr"/>
+            <a:lstStyle/>
+            <a:p>
+              <a:pPr algn="ctr"/>
+              <a:endParaRPr lang="fr-FR"/>
+            </a:p>
+          </p:txBody>
+        </p:sp>
+        <p:sp>
+          <p:nvSpPr>
+            <p:cNvPr id="100" name="ZoneTexte 99">
+              <a:extLst>
+                <a:ext uri="{FF2B5EF4-FFF2-40B4-BE49-F238E27FC236}">
+                  <a16:creationId xmlns:a16="http://schemas.microsoft.com/office/drawing/2014/main" id="{FB531C81-49C8-9ECB-7371-79E5325C2878}"/>
+                </a:ext>
+              </a:extLst>
+            </p:cNvPr>
+            <p:cNvSpPr txBox="1"/>
+            <p:nvPr/>
+          </p:nvSpPr>
+          <p:spPr>
+            <a:xfrm>
+              <a:off x="10026283" y="1241345"/>
+              <a:ext cx="1060872" cy="400110"/>
+            </a:xfrm>
+            <a:prstGeom prst="rect">
+              <a:avLst/>
+            </a:prstGeom>
+            <a:noFill/>
+          </p:spPr>
+          <p:txBody>
+            <a:bodyPr wrap="square" rtlCol="0">
+              <a:spAutoFit/>
+            </a:bodyPr>
+            <a:lstStyle>
+              <a:defPPr>
+                <a:defRPr lang="fr-FR"/>
+              </a:defPPr>
+              <a:lvl1pPr algn="ctr">
+                <a:defRPr sz="1000" b="1">
+                  <a:solidFill>
+                    <a:schemeClr val="bg1">
+                      <a:lumMod val="50000"/>
+                    </a:schemeClr>
+                  </a:solidFill>
+                </a:defRPr>
+              </a:lvl1pPr>
+            </a:lstStyle>
+            <a:p>
+              <a:r>
+                <a:rPr lang="fr-FR" dirty="0" err="1">
+                  <a:solidFill>
+                    <a:schemeClr val="tx1"/>
+                  </a:solidFill>
+                </a:rPr>
+                <a:t>Virtualization</a:t>
+              </a:r>
+              <a:endParaRPr lang="fr-FR" dirty="0">
+                <a:solidFill>
+                  <a:schemeClr val="tx1"/>
+                </a:solidFill>
+              </a:endParaRPr>
+            </a:p>
+            <a:p>
+              <a:r>
+                <a:rPr lang="fr-FR" dirty="0">
+                  <a:solidFill>
+                    <a:schemeClr val="tx1"/>
+                  </a:solidFill>
+                </a:rPr>
+                <a:t>platform</a:t>
+              </a:r>
+            </a:p>
+          </p:txBody>
+        </p:sp>
+      </p:grpSp>
+      <p:grpSp>
+        <p:nvGrpSpPr>
+          <p:cNvPr id="354" name="Groupe 353">
+            <a:extLst>
+              <a:ext uri="{FF2B5EF4-FFF2-40B4-BE49-F238E27FC236}">
+                <a16:creationId xmlns:a16="http://schemas.microsoft.com/office/drawing/2014/main" id="{77453F5C-6A51-584D-B618-B505FCF27EFF}"/>
+              </a:ext>
+            </a:extLst>
+          </p:cNvPr>
+          <p:cNvGrpSpPr/>
+          <p:nvPr/>
+        </p:nvGrpSpPr>
+        <p:grpSpPr>
+          <a:xfrm>
+            <a:off x="10026609" y="1756813"/>
+            <a:ext cx="1068596" cy="630674"/>
+            <a:chOff x="10026609" y="1869781"/>
+            <a:chExt cx="1068596" cy="630674"/>
+          </a:xfrm>
+        </p:grpSpPr>
+        <p:sp>
+          <p:nvSpPr>
+            <p:cNvPr id="102" name="Rectangle : coins arrondis 101">
+              <a:extLst>
+                <a:ext uri="{FF2B5EF4-FFF2-40B4-BE49-F238E27FC236}">
+                  <a16:creationId xmlns:a16="http://schemas.microsoft.com/office/drawing/2014/main" id="{BED682DB-BDCA-24B3-F1B6-072C0DB2C852}"/>
+                </a:ext>
+              </a:extLst>
+            </p:cNvPr>
+            <p:cNvSpPr/>
+            <p:nvPr/>
+          </p:nvSpPr>
+          <p:spPr>
+            <a:xfrm>
+              <a:off x="10026609" y="1869781"/>
+              <a:ext cx="1063839" cy="630674"/>
+            </a:xfrm>
+            <a:prstGeom prst="roundRect">
+              <a:avLst/>
+            </a:prstGeom>
+            <a:noFill/>
+            <a:ln>
+              <a:solidFill>
+                <a:schemeClr val="bg1">
+                  <a:lumMod val="50000"/>
+                </a:schemeClr>
+              </a:solidFill>
+              <a:prstDash val="dash"/>
+            </a:ln>
+          </p:spPr>
+          <p:style>
+            <a:lnRef idx="2">
+              <a:schemeClr val="accent1">
+                <a:shade val="50000"/>
+              </a:schemeClr>
+            </a:lnRef>
+            <a:fillRef idx="1">
+              <a:schemeClr val="accent1"/>
+            </a:fillRef>
+            <a:effectRef idx="0">
+              <a:schemeClr val="accent1"/>
+            </a:effectRef>
+            <a:fontRef idx="minor">
+              <a:schemeClr val="lt1"/>
+            </a:fontRef>
+          </p:style>
+          <p:txBody>
+            <a:bodyPr rtlCol="0" anchor="ctr"/>
+            <a:lstStyle/>
+            <a:p>
+              <a:pPr algn="ctr"/>
+              <a:endParaRPr lang="fr-FR"/>
+            </a:p>
+          </p:txBody>
+        </p:sp>
+        <p:sp>
+          <p:nvSpPr>
+            <p:cNvPr id="104" name="ZoneTexte 103">
+              <a:extLst>
+                <a:ext uri="{FF2B5EF4-FFF2-40B4-BE49-F238E27FC236}">
+                  <a16:creationId xmlns:a16="http://schemas.microsoft.com/office/drawing/2014/main" id="{229D284B-7D3A-FB5E-D86E-1BD2452C32AF}"/>
+                </a:ext>
+              </a:extLst>
+            </p:cNvPr>
+            <p:cNvSpPr txBox="1"/>
+            <p:nvPr/>
+          </p:nvSpPr>
+          <p:spPr>
+            <a:xfrm>
+              <a:off x="10031619" y="1978387"/>
+              <a:ext cx="1063586" cy="400110"/>
+            </a:xfrm>
+            <a:prstGeom prst="rect">
+              <a:avLst/>
+            </a:prstGeom>
+            <a:noFill/>
+          </p:spPr>
+          <p:txBody>
+            <a:bodyPr wrap="square" rtlCol="0">
+              <a:spAutoFit/>
+            </a:bodyPr>
+            <a:lstStyle>
+              <a:defPPr>
+                <a:defRPr lang="fr-FR"/>
+              </a:defPPr>
+              <a:lvl1pPr algn="ctr">
+                <a:defRPr sz="1000" b="1">
+                  <a:solidFill>
+                    <a:schemeClr val="bg1">
+                      <a:lumMod val="50000"/>
+                    </a:schemeClr>
+                  </a:solidFill>
+                </a:defRPr>
+              </a:lvl1pPr>
+            </a:lstStyle>
+            <a:p>
+              <a:r>
+                <a:rPr lang="fr-FR" dirty="0">
+                  <a:solidFill>
+                    <a:schemeClr val="tx1"/>
+                  </a:solidFill>
+                </a:rPr>
+                <a:t>IP </a:t>
+              </a:r>
+              <a:r>
+                <a:rPr lang="fr-FR" dirty="0" err="1">
+                  <a:solidFill>
+                    <a:schemeClr val="tx1"/>
+                  </a:solidFill>
+                </a:rPr>
+                <a:t>Addresses</a:t>
+              </a:r>
+              <a:endParaRPr lang="fr-FR" dirty="0">
+                <a:solidFill>
+                  <a:schemeClr val="tx1"/>
+                </a:solidFill>
+              </a:endParaRPr>
+            </a:p>
+            <a:p>
+              <a:r>
+                <a:rPr lang="fr-FR" dirty="0">
+                  <a:solidFill>
+                    <a:schemeClr val="tx1"/>
+                  </a:solidFill>
+                </a:rPr>
+                <a:t>Management</a:t>
+              </a:r>
+            </a:p>
+          </p:txBody>
+        </p:sp>
+      </p:grpSp>
+      <p:grpSp>
+        <p:nvGrpSpPr>
+          <p:cNvPr id="356" name="Groupe 355">
+            <a:extLst>
+              <a:ext uri="{FF2B5EF4-FFF2-40B4-BE49-F238E27FC236}">
+                <a16:creationId xmlns:a16="http://schemas.microsoft.com/office/drawing/2014/main" id="{32259810-CB5C-06B3-FC1B-37CCDEAA77B0}"/>
+              </a:ext>
+            </a:extLst>
+          </p:cNvPr>
+          <p:cNvGrpSpPr/>
+          <p:nvPr/>
+        </p:nvGrpSpPr>
+        <p:grpSpPr>
+          <a:xfrm>
+            <a:off x="10031366" y="3120363"/>
+            <a:ext cx="1063839" cy="630674"/>
+            <a:chOff x="10031366" y="3098167"/>
+            <a:chExt cx="1063839" cy="630674"/>
+          </a:xfrm>
+        </p:grpSpPr>
+        <p:sp>
+          <p:nvSpPr>
+            <p:cNvPr id="106" name="Rectangle : coins arrondis 105">
+              <a:extLst>
+                <a:ext uri="{FF2B5EF4-FFF2-40B4-BE49-F238E27FC236}">
+                  <a16:creationId xmlns:a16="http://schemas.microsoft.com/office/drawing/2014/main" id="{1CBE3302-9E21-4F2D-1D1A-0C13031B0DFE}"/>
+                </a:ext>
+              </a:extLst>
+            </p:cNvPr>
+            <p:cNvSpPr/>
+            <p:nvPr/>
+          </p:nvSpPr>
+          <p:spPr>
+            <a:xfrm>
+              <a:off x="10031366" y="3098167"/>
+              <a:ext cx="1063839" cy="630674"/>
+            </a:xfrm>
+            <a:prstGeom prst="roundRect">
+              <a:avLst/>
+            </a:prstGeom>
+            <a:noFill/>
+            <a:ln>
+              <a:solidFill>
+                <a:schemeClr val="bg1">
+                  <a:lumMod val="50000"/>
+                </a:schemeClr>
+              </a:solidFill>
+              <a:prstDash val="dash"/>
+            </a:ln>
+          </p:spPr>
+          <p:style>
+            <a:lnRef idx="2">
+              <a:schemeClr val="accent1">
+                <a:shade val="50000"/>
+              </a:schemeClr>
+            </a:lnRef>
+            <a:fillRef idx="1">
+              <a:schemeClr val="accent1"/>
+            </a:fillRef>
+            <a:effectRef idx="0">
+              <a:schemeClr val="accent1"/>
+            </a:effectRef>
+            <a:fontRef idx="minor">
+              <a:schemeClr val="lt1"/>
+            </a:fontRef>
+          </p:style>
+          <p:txBody>
+            <a:bodyPr rtlCol="0" anchor="ctr"/>
+            <a:lstStyle/>
+            <a:p>
+              <a:pPr algn="ctr"/>
+              <a:endParaRPr lang="fr-FR"/>
+            </a:p>
+          </p:txBody>
+        </p:sp>
+        <p:sp>
+          <p:nvSpPr>
+            <p:cNvPr id="113" name="ZoneTexte 112">
+              <a:extLst>
+                <a:ext uri="{FF2B5EF4-FFF2-40B4-BE49-F238E27FC236}">
+                  <a16:creationId xmlns:a16="http://schemas.microsoft.com/office/drawing/2014/main" id="{7FB567CC-0039-33E9-A4F8-2E391ABA9B64}"/>
+                </a:ext>
+              </a:extLst>
+            </p:cNvPr>
+            <p:cNvSpPr txBox="1"/>
+            <p:nvPr/>
+          </p:nvSpPr>
+          <p:spPr>
+            <a:xfrm>
+              <a:off x="10063952" y="3127475"/>
+              <a:ext cx="1007172" cy="553998"/>
+            </a:xfrm>
+            <a:prstGeom prst="rect">
+              <a:avLst/>
+            </a:prstGeom>
+            <a:noFill/>
+          </p:spPr>
+          <p:txBody>
+            <a:bodyPr wrap="square" rtlCol="0">
+              <a:spAutoFit/>
+            </a:bodyPr>
+            <a:lstStyle>
+              <a:defPPr>
+                <a:defRPr lang="fr-FR"/>
+              </a:defPPr>
+              <a:lvl1pPr algn="ctr">
+                <a:defRPr sz="1000" b="1">
+                  <a:solidFill>
+                    <a:schemeClr val="bg1">
+                      <a:lumMod val="50000"/>
+                    </a:schemeClr>
+                  </a:solidFill>
+                </a:defRPr>
+              </a:lvl1pPr>
+            </a:lstStyle>
+            <a:p>
+              <a:r>
+                <a:rPr lang="fr-FR" dirty="0">
+                  <a:solidFill>
+                    <a:schemeClr val="tx1"/>
+                  </a:solidFill>
+                </a:rPr>
+                <a:t>Firewall </a:t>
+              </a:r>
+            </a:p>
+            <a:p>
+              <a:r>
+                <a:rPr lang="fr-FR" dirty="0">
+                  <a:solidFill>
+                    <a:schemeClr val="tx1"/>
+                  </a:solidFill>
+                </a:rPr>
+                <a:t>&amp;</a:t>
+              </a:r>
+            </a:p>
+            <a:p>
+              <a:r>
+                <a:rPr lang="fr-FR" dirty="0">
+                  <a:solidFill>
+                    <a:schemeClr val="tx1"/>
+                  </a:solidFill>
+                </a:rPr>
+                <a:t>Security Tools</a:t>
+              </a:r>
+            </a:p>
+          </p:txBody>
+        </p:sp>
+      </p:grpSp>
+      <p:grpSp>
+        <p:nvGrpSpPr>
+          <p:cNvPr id="352" name="Groupe 351">
+            <a:extLst>
+              <a:ext uri="{FF2B5EF4-FFF2-40B4-BE49-F238E27FC236}">
+                <a16:creationId xmlns:a16="http://schemas.microsoft.com/office/drawing/2014/main" id="{250E26C6-AE29-855E-762B-55FB150D4F2C}"/>
+              </a:ext>
+            </a:extLst>
+          </p:cNvPr>
+          <p:cNvGrpSpPr/>
+          <p:nvPr/>
+        </p:nvGrpSpPr>
+        <p:grpSpPr>
+          <a:xfrm>
+            <a:off x="10029322" y="273559"/>
+            <a:ext cx="1063839" cy="815695"/>
+            <a:chOff x="10029322" y="360649"/>
+            <a:chExt cx="1063839" cy="815695"/>
+          </a:xfrm>
+        </p:grpSpPr>
+        <p:pic>
+          <p:nvPicPr>
+            <p:cNvPr id="72" name="Image 71">
+              <a:extLst>
+                <a:ext uri="{FF2B5EF4-FFF2-40B4-BE49-F238E27FC236}">
+                  <a16:creationId xmlns:a16="http://schemas.microsoft.com/office/drawing/2014/main" id="{91E04BB2-094E-76BF-F64F-7BC1CD045BF7}"/>
+                </a:ext>
+              </a:extLst>
+            </p:cNvPr>
+            <p:cNvPicPr>
+              <a:picLocks noChangeAspect="1"/>
+            </p:cNvPicPr>
+            <p:nvPr/>
+          </p:nvPicPr>
+          <p:blipFill>
+            <a:blip r:embed="rId12">
+              <a:extLst>
+                <a:ext uri="{28A0092B-C50C-407E-A947-70E740481C1C}">
+                  <a14:useLocalDpi xmlns:a14="http://schemas.microsoft.com/office/drawing/2010/main" val="0"/>
+                </a:ext>
+              </a:extLst>
+            </a:blip>
+            <a:stretch>
+              <a:fillRect/>
+            </a:stretch>
+          </p:blipFill>
+          <p:spPr>
+            <a:xfrm>
+              <a:off x="10107024" y="360649"/>
+              <a:ext cx="815695" cy="815695"/>
+            </a:xfrm>
+            <a:prstGeom prst="rect">
+              <a:avLst/>
+            </a:prstGeom>
+          </p:spPr>
+        </p:pic>
+        <p:sp>
+          <p:nvSpPr>
+            <p:cNvPr id="117" name="Rectangle : coins arrondis 116">
+              <a:extLst>
+                <a:ext uri="{FF2B5EF4-FFF2-40B4-BE49-F238E27FC236}">
+                  <a16:creationId xmlns:a16="http://schemas.microsoft.com/office/drawing/2014/main" id="{FFDB9212-4978-1A52-3D47-8507CDA7EEAE}"/>
+                </a:ext>
+              </a:extLst>
+            </p:cNvPr>
+            <p:cNvSpPr/>
+            <p:nvPr/>
+          </p:nvSpPr>
+          <p:spPr>
+            <a:xfrm>
+              <a:off x="10029322" y="453159"/>
+              <a:ext cx="1063839" cy="630674"/>
+            </a:xfrm>
+            <a:prstGeom prst="roundRect">
+              <a:avLst/>
+            </a:prstGeom>
+            <a:noFill/>
+            <a:ln>
+              <a:solidFill>
+                <a:schemeClr val="bg1">
+                  <a:lumMod val="50000"/>
+                </a:schemeClr>
+              </a:solidFill>
+              <a:prstDash val="dash"/>
+            </a:ln>
+          </p:spPr>
+          <p:style>
+            <a:lnRef idx="2">
+              <a:schemeClr val="accent1">
+                <a:shade val="50000"/>
+              </a:schemeClr>
+            </a:lnRef>
+            <a:fillRef idx="1">
+              <a:schemeClr val="accent1"/>
+            </a:fillRef>
+            <a:effectRef idx="0">
+              <a:schemeClr val="accent1"/>
+            </a:effectRef>
+            <a:fontRef idx="minor">
+              <a:schemeClr val="lt1"/>
+            </a:fontRef>
+          </p:style>
+          <p:txBody>
+            <a:bodyPr rtlCol="0" anchor="ctr"/>
+            <a:lstStyle/>
+            <a:p>
+              <a:pPr algn="ctr"/>
+              <a:endParaRPr lang="fr-FR"/>
+            </a:p>
+          </p:txBody>
+        </p:sp>
+      </p:grpSp>
+      <p:grpSp>
+        <p:nvGrpSpPr>
+          <p:cNvPr id="357" name="Groupe 356">
+            <a:extLst>
+              <a:ext uri="{FF2B5EF4-FFF2-40B4-BE49-F238E27FC236}">
+                <a16:creationId xmlns:a16="http://schemas.microsoft.com/office/drawing/2014/main" id="{8B85A8DA-32BB-AC9C-F6C2-566BA67CFA89}"/>
+              </a:ext>
+            </a:extLst>
+          </p:cNvPr>
+          <p:cNvGrpSpPr/>
+          <p:nvPr/>
+        </p:nvGrpSpPr>
+        <p:grpSpPr>
+          <a:xfrm>
+            <a:off x="10067857" y="3802139"/>
+            <a:ext cx="1063839" cy="630674"/>
+            <a:chOff x="10067857" y="3802139"/>
+            <a:chExt cx="1063839" cy="630674"/>
+          </a:xfrm>
+        </p:grpSpPr>
+        <p:pic>
+          <p:nvPicPr>
+            <p:cNvPr id="185" name="Image 184">
+              <a:extLst>
+                <a:ext uri="{FF2B5EF4-FFF2-40B4-BE49-F238E27FC236}">
+                  <a16:creationId xmlns:a16="http://schemas.microsoft.com/office/drawing/2014/main" id="{0ECDD0A0-1DF1-E364-FE0A-A08130BBB263}"/>
+                </a:ext>
+              </a:extLst>
+            </p:cNvPr>
+            <p:cNvPicPr>
+              <a:picLocks noChangeAspect="1"/>
+            </p:cNvPicPr>
+            <p:nvPr/>
+          </p:nvPicPr>
+          <p:blipFill>
+            <a:blip r:embed="rId13">
+              <a:extLst>
+                <a:ext uri="{28A0092B-C50C-407E-A947-70E740481C1C}">
+                  <a14:useLocalDpi xmlns:a14="http://schemas.microsoft.com/office/drawing/2010/main" val="0"/>
+                </a:ext>
+              </a:extLst>
+            </a:blip>
+            <a:stretch>
+              <a:fillRect/>
+            </a:stretch>
+          </p:blipFill>
+          <p:spPr>
+            <a:xfrm>
+              <a:off x="10107024" y="3893628"/>
+              <a:ext cx="940020" cy="426142"/>
+            </a:xfrm>
+            <a:prstGeom prst="rect">
+              <a:avLst/>
+            </a:prstGeom>
+          </p:spPr>
+        </p:pic>
+        <p:sp>
+          <p:nvSpPr>
+            <p:cNvPr id="124" name="Rectangle : coins arrondis 123">
+              <a:extLst>
+                <a:ext uri="{FF2B5EF4-FFF2-40B4-BE49-F238E27FC236}">
+                  <a16:creationId xmlns:a16="http://schemas.microsoft.com/office/drawing/2014/main" id="{AAD6AD8D-C2BD-B2A6-7346-54A6830B7650}"/>
+                </a:ext>
+              </a:extLst>
+            </p:cNvPr>
+            <p:cNvSpPr/>
+            <p:nvPr/>
+          </p:nvSpPr>
+          <p:spPr>
+            <a:xfrm>
+              <a:off x="10067857" y="3802139"/>
+              <a:ext cx="1063839" cy="630674"/>
+            </a:xfrm>
+            <a:prstGeom prst="roundRect">
+              <a:avLst/>
+            </a:prstGeom>
+            <a:noFill/>
+            <a:ln>
+              <a:solidFill>
+                <a:schemeClr val="bg1">
+                  <a:lumMod val="50000"/>
+                </a:schemeClr>
+              </a:solidFill>
+              <a:prstDash val="dash"/>
+            </a:ln>
+          </p:spPr>
+          <p:style>
+            <a:lnRef idx="2">
+              <a:schemeClr val="accent1">
+                <a:shade val="50000"/>
+              </a:schemeClr>
+            </a:lnRef>
+            <a:fillRef idx="1">
+              <a:schemeClr val="accent1"/>
+            </a:fillRef>
+            <a:effectRef idx="0">
+              <a:schemeClr val="accent1"/>
+            </a:effectRef>
+            <a:fontRef idx="minor">
+              <a:schemeClr val="lt1"/>
+            </a:fontRef>
+          </p:style>
+          <p:txBody>
+            <a:bodyPr rtlCol="0" anchor="ctr"/>
+            <a:lstStyle/>
+            <a:p>
+              <a:pPr algn="ctr"/>
+              <a:endParaRPr lang="fr-FR"/>
+            </a:p>
+          </p:txBody>
+        </p:sp>
+      </p:grpSp>
+      <p:sp>
+        <p:nvSpPr>
+          <p:cNvPr id="149" name="Rectangle 148">
+            <a:extLst>
+              <a:ext uri="{FF2B5EF4-FFF2-40B4-BE49-F238E27FC236}">
+                <a16:creationId xmlns:a16="http://schemas.microsoft.com/office/drawing/2014/main" id="{DA306F7D-FB06-B496-7B8C-E85FBCD5D846}"/>
+              </a:ext>
+            </a:extLst>
+          </p:cNvPr>
+          <p:cNvSpPr/>
+          <p:nvPr/>
+        </p:nvSpPr>
+        <p:spPr>
+          <a:xfrm>
+            <a:off x="9723426" y="129816"/>
+            <a:ext cx="1821300" cy="4407349"/>
+          </a:xfrm>
+          <a:prstGeom prst="rect">
+            <a:avLst/>
+          </a:prstGeom>
+          <a:noFill/>
+          <a:ln w="28575">
+            <a:prstDash val="dash"/>
+          </a:ln>
+        </p:spPr>
+        <p:style>
+          <a:lnRef idx="2">
+            <a:schemeClr val="accent1">
+              <a:shade val="50000"/>
+            </a:schemeClr>
+          </a:lnRef>
+          <a:fillRef idx="1">
+            <a:schemeClr val="accent1"/>
+          </a:fillRef>
+          <a:effectRef idx="0">
+            <a:schemeClr val="accent1"/>
+          </a:effectRef>
+          <a:fontRef idx="minor">
+            <a:schemeClr val="lt1"/>
+          </a:fontRef>
+        </p:style>
+        <p:txBody>
+          <a:bodyPr rtlCol="0" anchor="ctr"/>
+          <a:lstStyle/>
+          <a:p>
+            <a:pPr algn="ctr"/>
+            <a:endParaRPr lang="fr-FR"/>
+          </a:p>
+        </p:txBody>
+      </p:sp>
+      <p:cxnSp>
+        <p:nvCxnSpPr>
+          <p:cNvPr id="152" name="Connecteur : en angle 151">
+            <a:extLst>
+              <a:ext uri="{FF2B5EF4-FFF2-40B4-BE49-F238E27FC236}">
+                <a16:creationId xmlns:a16="http://schemas.microsoft.com/office/drawing/2014/main" id="{166B125B-6FB6-55E1-8833-4AE8A37F7D82}"/>
+              </a:ext>
+            </a:extLst>
+          </p:cNvPr>
+          <p:cNvCxnSpPr>
+            <a:cxnSpLocks/>
+            <a:stCxn id="188" idx="3"/>
+            <a:endCxn id="124" idx="1"/>
+          </p:cNvCxnSpPr>
+          <p:nvPr/>
+        </p:nvCxnSpPr>
+        <p:spPr>
+          <a:xfrm flipV="1">
+            <a:off x="6316873" y="4117476"/>
+            <a:ext cx="3750984" cy="442042"/>
+          </a:xfrm>
+          <a:prstGeom prst="bentConnector3">
+            <a:avLst/>
+          </a:prstGeom>
+          <a:ln>
+            <a:solidFill>
+              <a:schemeClr val="bg1">
+                <a:lumMod val="50000"/>
+              </a:schemeClr>
+            </a:solidFill>
+            <a:tailEnd type="triangle"/>
+          </a:ln>
+        </p:spPr>
+        <p:style>
+          <a:lnRef idx="1">
+            <a:schemeClr val="accent1"/>
+          </a:lnRef>
+          <a:fillRef idx="0">
+            <a:schemeClr val="accent1"/>
+          </a:fillRef>
+          <a:effectRef idx="0">
+            <a:schemeClr val="accent1"/>
+          </a:effectRef>
+          <a:fontRef idx="minor">
+            <a:schemeClr val="tx1"/>
+          </a:fontRef>
+        </p:style>
+      </p:cxnSp>
+      <p:sp>
+        <p:nvSpPr>
+          <p:cNvPr id="179" name="Rectangle 178">
+            <a:extLst>
+              <a:ext uri="{FF2B5EF4-FFF2-40B4-BE49-F238E27FC236}">
+                <a16:creationId xmlns:a16="http://schemas.microsoft.com/office/drawing/2014/main" id="{1331C05C-D6ED-1093-AA26-E6997C97A5EB}"/>
+              </a:ext>
+            </a:extLst>
+          </p:cNvPr>
+          <p:cNvSpPr/>
+          <p:nvPr/>
+        </p:nvSpPr>
+        <p:spPr>
+          <a:xfrm>
+            <a:off x="9125242" y="630109"/>
+            <a:ext cx="87355" cy="93115"/>
+          </a:xfrm>
+          <a:prstGeom prst="rect">
+            <a:avLst/>
+          </a:prstGeom>
+          <a:noFill/>
+          <a:ln>
+            <a:noFill/>
+          </a:ln>
+        </p:spPr>
+        <p:style>
+          <a:lnRef idx="2">
+            <a:schemeClr val="accent1">
+              <a:shade val="50000"/>
+            </a:schemeClr>
+          </a:lnRef>
+          <a:fillRef idx="1">
+            <a:schemeClr val="accent1"/>
+          </a:fillRef>
+          <a:effectRef idx="0">
+            <a:schemeClr val="accent1"/>
+          </a:effectRef>
+          <a:fontRef idx="minor">
+            <a:schemeClr val="lt1"/>
+          </a:fontRef>
+        </p:style>
+        <p:txBody>
+          <a:bodyPr rtlCol="0" anchor="ctr"/>
+          <a:lstStyle/>
+          <a:p>
+            <a:pPr algn="ctr"/>
+            <a:endParaRPr lang="fr-FR"/>
+          </a:p>
+        </p:txBody>
+      </p:sp>
+      <p:cxnSp>
+        <p:nvCxnSpPr>
+          <p:cNvPr id="184" name="Connecteur droit avec flèche 183">
+            <a:extLst>
+              <a:ext uri="{FF2B5EF4-FFF2-40B4-BE49-F238E27FC236}">
+                <a16:creationId xmlns:a16="http://schemas.microsoft.com/office/drawing/2014/main" id="{2CE9D096-7AEA-A460-FD2E-9139E66AACE4}"/>
+              </a:ext>
+            </a:extLst>
+          </p:cNvPr>
+          <p:cNvCxnSpPr>
+            <a:cxnSpLocks/>
+            <a:stCxn id="179" idx="3"/>
+            <a:endCxn id="117" idx="1"/>
+          </p:cNvCxnSpPr>
+          <p:nvPr/>
+        </p:nvCxnSpPr>
+        <p:spPr>
+          <a:xfrm>
+            <a:off x="9212597" y="676667"/>
+            <a:ext cx="816725" cy="4739"/>
+          </a:xfrm>
+          <a:prstGeom prst="straightConnector1">
+            <a:avLst/>
+          </a:prstGeom>
+          <a:ln>
+            <a:solidFill>
+              <a:schemeClr val="bg1">
+                <a:lumMod val="50000"/>
+              </a:schemeClr>
+            </a:solidFill>
+            <a:tailEnd type="triangle"/>
+          </a:ln>
+        </p:spPr>
+        <p:style>
+          <a:lnRef idx="1">
+            <a:schemeClr val="accent1"/>
+          </a:lnRef>
+          <a:fillRef idx="0">
+            <a:schemeClr val="accent1"/>
+          </a:fillRef>
+          <a:effectRef idx="0">
+            <a:schemeClr val="accent1"/>
+          </a:effectRef>
+          <a:fontRef idx="minor">
+            <a:schemeClr val="tx1"/>
+          </a:fontRef>
+        </p:style>
+      </p:cxnSp>
+      <p:sp>
+        <p:nvSpPr>
+          <p:cNvPr id="196" name="Rectangle 195">
+            <a:extLst>
+              <a:ext uri="{FF2B5EF4-FFF2-40B4-BE49-F238E27FC236}">
+                <a16:creationId xmlns:a16="http://schemas.microsoft.com/office/drawing/2014/main" id="{7966224C-4513-DCDF-5787-49BFEA289E12}"/>
+              </a:ext>
+            </a:extLst>
+          </p:cNvPr>
+          <p:cNvSpPr/>
+          <p:nvPr/>
+        </p:nvSpPr>
+        <p:spPr>
+          <a:xfrm>
+            <a:off x="9121096" y="1348349"/>
+            <a:ext cx="87355" cy="93115"/>
+          </a:xfrm>
+          <a:prstGeom prst="rect">
+            <a:avLst/>
+          </a:prstGeom>
+          <a:noFill/>
+          <a:ln>
+            <a:noFill/>
+          </a:ln>
+        </p:spPr>
+        <p:style>
+          <a:lnRef idx="2">
+            <a:schemeClr val="accent1">
+              <a:shade val="50000"/>
+            </a:schemeClr>
+          </a:lnRef>
+          <a:fillRef idx="1">
+            <a:schemeClr val="accent1"/>
+          </a:fillRef>
+          <a:effectRef idx="0">
+            <a:schemeClr val="accent1"/>
+          </a:effectRef>
+          <a:fontRef idx="minor">
+            <a:schemeClr val="lt1"/>
+          </a:fontRef>
+        </p:style>
+        <p:txBody>
+          <a:bodyPr rtlCol="0" anchor="ctr"/>
+          <a:lstStyle/>
+          <a:p>
+            <a:pPr algn="ctr"/>
+            <a:endParaRPr lang="fr-FR"/>
+          </a:p>
+        </p:txBody>
+      </p:sp>
+      <p:cxnSp>
+        <p:nvCxnSpPr>
+          <p:cNvPr id="200" name="Connecteur droit avec flèche 199">
+            <a:extLst>
+              <a:ext uri="{FF2B5EF4-FFF2-40B4-BE49-F238E27FC236}">
+                <a16:creationId xmlns:a16="http://schemas.microsoft.com/office/drawing/2014/main" id="{22AADD38-F1D4-A3D8-D0E4-4C3E463F1230}"/>
+              </a:ext>
+            </a:extLst>
+          </p:cNvPr>
+          <p:cNvCxnSpPr>
+            <a:cxnSpLocks/>
+            <a:stCxn id="196" idx="3"/>
+            <a:endCxn id="32" idx="1"/>
+          </p:cNvCxnSpPr>
+          <p:nvPr/>
+        </p:nvCxnSpPr>
+        <p:spPr>
+          <a:xfrm flipV="1">
+            <a:off x="9208451" y="1390375"/>
+            <a:ext cx="815118" cy="4532"/>
+          </a:xfrm>
+          <a:prstGeom prst="straightConnector1">
+            <a:avLst/>
+          </a:prstGeom>
+          <a:ln>
+            <a:solidFill>
+              <a:schemeClr val="bg1">
+                <a:lumMod val="50000"/>
+              </a:schemeClr>
+            </a:solidFill>
+            <a:tailEnd type="triangle"/>
+          </a:ln>
+        </p:spPr>
+        <p:style>
+          <a:lnRef idx="1">
+            <a:schemeClr val="accent1"/>
+          </a:lnRef>
+          <a:fillRef idx="0">
+            <a:schemeClr val="accent1"/>
+          </a:fillRef>
+          <a:effectRef idx="0">
+            <a:schemeClr val="accent1"/>
+          </a:effectRef>
+          <a:fontRef idx="minor">
+            <a:schemeClr val="tx1"/>
+          </a:fontRef>
+        </p:style>
+      </p:cxnSp>
+      <p:sp>
+        <p:nvSpPr>
+          <p:cNvPr id="203" name="Rectangle 202">
+            <a:extLst>
+              <a:ext uri="{FF2B5EF4-FFF2-40B4-BE49-F238E27FC236}">
+                <a16:creationId xmlns:a16="http://schemas.microsoft.com/office/drawing/2014/main" id="{5712BCEF-36B8-53E2-E73A-FC4019BCF3AD}"/>
+              </a:ext>
+            </a:extLst>
+          </p:cNvPr>
+          <p:cNvSpPr/>
+          <p:nvPr/>
+        </p:nvSpPr>
+        <p:spPr>
+          <a:xfrm>
+            <a:off x="9120592" y="2023330"/>
+            <a:ext cx="87355" cy="93115"/>
+          </a:xfrm>
+          <a:prstGeom prst="rect">
+            <a:avLst/>
+          </a:prstGeom>
+          <a:noFill/>
+          <a:ln>
+            <a:noFill/>
+          </a:ln>
+        </p:spPr>
+        <p:style>
+          <a:lnRef idx="2">
+            <a:schemeClr val="accent1">
+              <a:shade val="50000"/>
+            </a:schemeClr>
+          </a:lnRef>
+          <a:fillRef idx="1">
+            <a:schemeClr val="accent1"/>
+          </a:fillRef>
+          <a:effectRef idx="0">
+            <a:schemeClr val="accent1"/>
+          </a:effectRef>
+          <a:fontRef idx="minor">
+            <a:schemeClr val="lt1"/>
+          </a:fontRef>
+        </p:style>
+        <p:txBody>
+          <a:bodyPr rtlCol="0" anchor="ctr"/>
+          <a:lstStyle/>
+          <a:p>
+            <a:pPr algn="ctr"/>
+            <a:endParaRPr lang="fr-FR"/>
+          </a:p>
+        </p:txBody>
+      </p:sp>
+      <p:cxnSp>
+        <p:nvCxnSpPr>
+          <p:cNvPr id="207" name="Connecteur droit avec flèche 206">
+            <a:extLst>
+              <a:ext uri="{FF2B5EF4-FFF2-40B4-BE49-F238E27FC236}">
+                <a16:creationId xmlns:a16="http://schemas.microsoft.com/office/drawing/2014/main" id="{E28B6C24-8019-1F98-76DE-64F4BFE45B03}"/>
+              </a:ext>
+            </a:extLst>
+          </p:cNvPr>
+          <p:cNvCxnSpPr>
+            <a:cxnSpLocks/>
+            <a:stCxn id="203" idx="3"/>
+            <a:endCxn id="102" idx="1"/>
+          </p:cNvCxnSpPr>
+          <p:nvPr/>
+        </p:nvCxnSpPr>
+        <p:spPr>
+          <a:xfrm>
+            <a:off x="9207947" y="2069888"/>
+            <a:ext cx="818662" cy="2262"/>
+          </a:xfrm>
+          <a:prstGeom prst="straightConnector1">
+            <a:avLst/>
+          </a:prstGeom>
+          <a:ln>
+            <a:solidFill>
+              <a:schemeClr val="bg1">
+                <a:lumMod val="50000"/>
+              </a:schemeClr>
+            </a:solidFill>
+            <a:tailEnd type="triangle"/>
+          </a:ln>
+        </p:spPr>
+        <p:style>
+          <a:lnRef idx="1">
+            <a:schemeClr val="accent1"/>
+          </a:lnRef>
+          <a:fillRef idx="0">
+            <a:schemeClr val="accent1"/>
+          </a:fillRef>
+          <a:effectRef idx="0">
+            <a:schemeClr val="accent1"/>
+          </a:effectRef>
+          <a:fontRef idx="minor">
+            <a:schemeClr val="tx1"/>
+          </a:fontRef>
+        </p:style>
+      </p:cxnSp>
+      <p:sp>
+        <p:nvSpPr>
+          <p:cNvPr id="211" name="Rectangle 210">
+            <a:extLst>
+              <a:ext uri="{FF2B5EF4-FFF2-40B4-BE49-F238E27FC236}">
+                <a16:creationId xmlns:a16="http://schemas.microsoft.com/office/drawing/2014/main" id="{3D920301-232D-7E5D-C718-3853701F05AE}"/>
+              </a:ext>
+            </a:extLst>
+          </p:cNvPr>
+          <p:cNvSpPr/>
+          <p:nvPr/>
+        </p:nvSpPr>
+        <p:spPr>
+          <a:xfrm>
+            <a:off x="9123403" y="3393058"/>
+            <a:ext cx="87355" cy="93115"/>
+          </a:xfrm>
+          <a:prstGeom prst="rect">
+            <a:avLst/>
+          </a:prstGeom>
+          <a:noFill/>
+          <a:ln>
+            <a:noFill/>
+          </a:ln>
+        </p:spPr>
+        <p:style>
+          <a:lnRef idx="2">
+            <a:schemeClr val="accent1">
+              <a:shade val="50000"/>
+            </a:schemeClr>
+          </a:lnRef>
+          <a:fillRef idx="1">
+            <a:schemeClr val="accent1"/>
+          </a:fillRef>
+          <a:effectRef idx="0">
+            <a:schemeClr val="accent1"/>
+          </a:effectRef>
+          <a:fontRef idx="minor">
+            <a:schemeClr val="lt1"/>
+          </a:fontRef>
+        </p:style>
+        <p:txBody>
+          <a:bodyPr rtlCol="0" anchor="ctr"/>
+          <a:lstStyle/>
+          <a:p>
+            <a:pPr algn="ctr"/>
+            <a:endParaRPr lang="fr-FR"/>
+          </a:p>
+        </p:txBody>
+      </p:sp>
+      <p:cxnSp>
+        <p:nvCxnSpPr>
+          <p:cNvPr id="216" name="Connecteur droit avec flèche 215">
+            <a:extLst>
+              <a:ext uri="{FF2B5EF4-FFF2-40B4-BE49-F238E27FC236}">
+                <a16:creationId xmlns:a16="http://schemas.microsoft.com/office/drawing/2014/main" id="{2A42EFE2-93A1-0BC2-B995-17474773C7BC}"/>
+              </a:ext>
+            </a:extLst>
+          </p:cNvPr>
+          <p:cNvCxnSpPr>
+            <a:cxnSpLocks/>
+            <a:stCxn id="211" idx="3"/>
+            <a:endCxn id="106" idx="1"/>
+          </p:cNvCxnSpPr>
+          <p:nvPr/>
+        </p:nvCxnSpPr>
+        <p:spPr>
+          <a:xfrm flipV="1">
+            <a:off x="9210758" y="3435700"/>
+            <a:ext cx="820608" cy="3916"/>
+          </a:xfrm>
+          <a:prstGeom prst="straightConnector1">
+            <a:avLst/>
+          </a:prstGeom>
+          <a:ln>
+            <a:solidFill>
+              <a:schemeClr val="bg1">
+                <a:lumMod val="50000"/>
+              </a:schemeClr>
+            </a:solidFill>
+            <a:tailEnd type="triangle"/>
+          </a:ln>
+        </p:spPr>
+        <p:style>
+          <a:lnRef idx="1">
+            <a:schemeClr val="accent1"/>
+          </a:lnRef>
+          <a:fillRef idx="0">
+            <a:schemeClr val="accent1"/>
+          </a:fillRef>
+          <a:effectRef idx="0">
+            <a:schemeClr val="accent1"/>
+          </a:effectRef>
+          <a:fontRef idx="minor">
+            <a:schemeClr val="tx1"/>
+          </a:fontRef>
+        </p:style>
+      </p:cxnSp>
+      <p:pic>
+        <p:nvPicPr>
+          <p:cNvPr id="291" name="Image 290">
+            <a:extLst>
+              <a:ext uri="{FF2B5EF4-FFF2-40B4-BE49-F238E27FC236}">
+                <a16:creationId xmlns:a16="http://schemas.microsoft.com/office/drawing/2014/main" id="{2D0E1AE9-3EC3-4439-05A4-9A20B586341A}"/>
+              </a:ext>
+            </a:extLst>
+          </p:cNvPr>
+          <p:cNvPicPr>
+            <a:picLocks noChangeAspect="1"/>
+          </p:cNvPicPr>
+          <p:nvPr/>
+        </p:nvPicPr>
+        <p:blipFill>
+          <a:blip r:embed="rId14">
+            <a:extLst>
+              <a:ext uri="{28A0092B-C50C-407E-A947-70E740481C1C}">
+                <a14:useLocalDpi xmlns:a14="http://schemas.microsoft.com/office/drawing/2010/main" val="0"/>
+              </a:ext>
+            </a:extLst>
+          </a:blip>
+          <a:stretch>
+            <a:fillRect/>
+          </a:stretch>
+        </p:blipFill>
+        <p:spPr>
+          <a:xfrm>
+            <a:off x="10201105" y="4784888"/>
+            <a:ext cx="769098" cy="769098"/>
+          </a:xfrm>
+          <a:prstGeom prst="rect">
+            <a:avLst/>
+          </a:prstGeom>
+        </p:spPr>
+      </p:pic>
+      <p:pic>
+        <p:nvPicPr>
+          <p:cNvPr id="293" name="Image 292" descr="Une image contenant texte, arts de la table, graphiques vectoriels, assiette&#10;&#10;Description générée automatiquement">
+            <a:extLst>
+              <a:ext uri="{FF2B5EF4-FFF2-40B4-BE49-F238E27FC236}">
+                <a16:creationId xmlns:a16="http://schemas.microsoft.com/office/drawing/2014/main" id="{2A0513F5-557F-BAAE-C221-038913040D7F}"/>
+              </a:ext>
+            </a:extLst>
+          </p:cNvPr>
+          <p:cNvPicPr>
+            <a:picLocks noChangeAspect="1"/>
+          </p:cNvPicPr>
+          <p:nvPr/>
+        </p:nvPicPr>
+        <p:blipFill>
+          <a:blip r:embed="rId15">
+            <a:extLst>
+              <a:ext uri="{28A0092B-C50C-407E-A947-70E740481C1C}">
+                <a14:useLocalDpi xmlns:a14="http://schemas.microsoft.com/office/drawing/2010/main" val="0"/>
+              </a:ext>
+            </a:extLst>
+          </a:blip>
+          <a:stretch>
+            <a:fillRect/>
+          </a:stretch>
+        </p:blipFill>
+        <p:spPr>
+          <a:xfrm>
+            <a:off x="10240051" y="5604291"/>
+            <a:ext cx="728235" cy="435394"/>
+          </a:xfrm>
+          <a:prstGeom prst="rect">
+            <a:avLst/>
+          </a:prstGeom>
+        </p:spPr>
+      </p:pic>
+      <p:pic>
+        <p:nvPicPr>
+          <p:cNvPr id="295" name="Image 294">
+            <a:extLst>
+              <a:ext uri="{FF2B5EF4-FFF2-40B4-BE49-F238E27FC236}">
+                <a16:creationId xmlns:a16="http://schemas.microsoft.com/office/drawing/2014/main" id="{EF94D5F2-F3F3-9E26-963A-DCF14182BE63}"/>
+              </a:ext>
+            </a:extLst>
+          </p:cNvPr>
+          <p:cNvPicPr>
+            <a:picLocks noChangeAspect="1"/>
+          </p:cNvPicPr>
+          <p:nvPr/>
+        </p:nvPicPr>
+        <p:blipFill>
+          <a:blip r:embed="rId16">
+            <a:extLst>
+              <a:ext uri="{28A0092B-C50C-407E-A947-70E740481C1C}">
+                <a14:useLocalDpi xmlns:a14="http://schemas.microsoft.com/office/drawing/2010/main" val="0"/>
+              </a:ext>
+            </a:extLst>
+          </a:blip>
+          <a:stretch>
+            <a:fillRect/>
+          </a:stretch>
+        </p:blipFill>
+        <p:spPr>
+          <a:xfrm>
+            <a:off x="10195279" y="6128101"/>
+            <a:ext cx="974527" cy="610795"/>
+          </a:xfrm>
+          <a:prstGeom prst="rect">
+            <a:avLst/>
+          </a:prstGeom>
+        </p:spPr>
+      </p:pic>
+      <p:sp>
+        <p:nvSpPr>
+          <p:cNvPr id="297" name="Rectangle 296">
+            <a:extLst>
+              <a:ext uri="{FF2B5EF4-FFF2-40B4-BE49-F238E27FC236}">
+                <a16:creationId xmlns:a16="http://schemas.microsoft.com/office/drawing/2014/main" id="{1428D55E-AD70-978A-E09E-8E50EEDA7FD5}"/>
+              </a:ext>
+            </a:extLst>
+          </p:cNvPr>
+          <p:cNvSpPr/>
+          <p:nvPr/>
+        </p:nvSpPr>
+        <p:spPr>
+          <a:xfrm flipV="1">
+            <a:off x="9736486" y="4689565"/>
+            <a:ext cx="1821300" cy="2078910"/>
+          </a:xfrm>
+          <a:prstGeom prst="rect">
+            <a:avLst/>
+          </a:prstGeom>
+          <a:noFill/>
+          <a:ln w="28575">
+            <a:prstDash val="dash"/>
+          </a:ln>
+        </p:spPr>
+        <p:style>
+          <a:lnRef idx="2">
+            <a:schemeClr val="accent1">
+              <a:shade val="50000"/>
+            </a:schemeClr>
+          </a:lnRef>
+          <a:fillRef idx="1">
+            <a:schemeClr val="accent1"/>
+          </a:fillRef>
+          <a:effectRef idx="0">
+            <a:schemeClr val="accent1"/>
+          </a:effectRef>
+          <a:fontRef idx="minor">
+            <a:schemeClr val="lt1"/>
+          </a:fontRef>
+        </p:style>
+        <p:txBody>
+          <a:bodyPr rtlCol="0" anchor="ctr"/>
+          <a:lstStyle/>
+          <a:p>
+            <a:pPr algn="ctr"/>
+            <a:endParaRPr lang="fr-FR"/>
+          </a:p>
+        </p:txBody>
+      </p:sp>
+      <p:sp>
+        <p:nvSpPr>
+          <p:cNvPr id="300" name="ZoneTexte 299">
+            <a:extLst>
+              <a:ext uri="{FF2B5EF4-FFF2-40B4-BE49-F238E27FC236}">
+                <a16:creationId xmlns:a16="http://schemas.microsoft.com/office/drawing/2014/main" id="{E55B5B6C-238D-8B4A-2AFD-41A903C096D2}"/>
+              </a:ext>
+            </a:extLst>
+          </p:cNvPr>
+          <p:cNvSpPr txBox="1"/>
+          <p:nvPr/>
+        </p:nvSpPr>
+        <p:spPr>
+          <a:xfrm>
+            <a:off x="9755350" y="4677826"/>
+            <a:ext cx="1821300" cy="276999"/>
+          </a:xfrm>
+          <a:prstGeom prst="rect">
+            <a:avLst/>
+          </a:prstGeom>
+          <a:noFill/>
+        </p:spPr>
+        <p:txBody>
+          <a:bodyPr wrap="square" rtlCol="0">
+            <a:spAutoFit/>
+          </a:bodyPr>
+          <a:lstStyle/>
+          <a:p>
+            <a:r>
+              <a:rPr lang="fr-FR" sz="1200" b="1" dirty="0"/>
+              <a:t>Cloud Infrastructure</a:t>
+            </a:r>
+          </a:p>
+        </p:txBody>
+      </p:sp>
+      <p:sp>
+        <p:nvSpPr>
+          <p:cNvPr id="302" name="Rectangle 301">
+            <a:extLst>
+              <a:ext uri="{FF2B5EF4-FFF2-40B4-BE49-F238E27FC236}">
+                <a16:creationId xmlns:a16="http://schemas.microsoft.com/office/drawing/2014/main" id="{6DFE9FF6-39E4-11F7-22C8-4FF099852E9C}"/>
+              </a:ext>
+            </a:extLst>
+          </p:cNvPr>
+          <p:cNvSpPr/>
+          <p:nvPr/>
+        </p:nvSpPr>
+        <p:spPr>
+          <a:xfrm>
+            <a:off x="8963551" y="3990351"/>
+            <a:ext cx="87355" cy="93115"/>
+          </a:xfrm>
+          <a:prstGeom prst="rect">
+            <a:avLst/>
+          </a:prstGeom>
+          <a:noFill/>
+          <a:ln>
+            <a:noFill/>
+          </a:ln>
+        </p:spPr>
+        <p:style>
+          <a:lnRef idx="2">
+            <a:schemeClr val="accent1">
+              <a:shade val="50000"/>
+            </a:schemeClr>
+          </a:lnRef>
+          <a:fillRef idx="1">
+            <a:schemeClr val="accent1"/>
+          </a:fillRef>
+          <a:effectRef idx="0">
+            <a:schemeClr val="accent1"/>
+          </a:effectRef>
+          <a:fontRef idx="minor">
+            <a:schemeClr val="lt1"/>
+          </a:fontRef>
+        </p:style>
+        <p:txBody>
+          <a:bodyPr rtlCol="0" anchor="ctr"/>
+          <a:lstStyle/>
+          <a:p>
+            <a:pPr algn="ctr"/>
+            <a:endParaRPr lang="fr-FR"/>
+          </a:p>
+        </p:txBody>
+      </p:sp>
+      <p:sp>
+        <p:nvSpPr>
+          <p:cNvPr id="304" name="Rectangle 303">
+            <a:extLst>
+              <a:ext uri="{FF2B5EF4-FFF2-40B4-BE49-F238E27FC236}">
+                <a16:creationId xmlns:a16="http://schemas.microsoft.com/office/drawing/2014/main" id="{EFD9A0E9-4992-9B37-7E0C-8197A45BE130}"/>
+              </a:ext>
+            </a:extLst>
+          </p:cNvPr>
+          <p:cNvSpPr/>
+          <p:nvPr/>
+        </p:nvSpPr>
+        <p:spPr>
+          <a:xfrm>
+            <a:off x="9706597" y="5791663"/>
+            <a:ext cx="87355" cy="93115"/>
+          </a:xfrm>
+          <a:prstGeom prst="rect">
+            <a:avLst/>
+          </a:prstGeom>
+          <a:noFill/>
+          <a:ln>
+            <a:noFill/>
+          </a:ln>
+        </p:spPr>
+        <p:style>
+          <a:lnRef idx="2">
+            <a:schemeClr val="accent1">
+              <a:shade val="50000"/>
+            </a:schemeClr>
+          </a:lnRef>
+          <a:fillRef idx="1">
+            <a:schemeClr val="accent1"/>
+          </a:fillRef>
+          <a:effectRef idx="0">
+            <a:schemeClr val="accent1"/>
+          </a:effectRef>
+          <a:fontRef idx="minor">
+            <a:schemeClr val="lt1"/>
+          </a:fontRef>
+        </p:style>
+        <p:txBody>
+          <a:bodyPr rtlCol="0" anchor="ctr"/>
+          <a:lstStyle/>
+          <a:p>
+            <a:pPr algn="ctr"/>
+            <a:endParaRPr lang="fr-FR"/>
+          </a:p>
+        </p:txBody>
+      </p:sp>
+      <p:cxnSp>
+        <p:nvCxnSpPr>
+          <p:cNvPr id="306" name="Connecteur droit avec flèche 305">
+            <a:extLst>
+              <a:ext uri="{FF2B5EF4-FFF2-40B4-BE49-F238E27FC236}">
+                <a16:creationId xmlns:a16="http://schemas.microsoft.com/office/drawing/2014/main" id="{FFFFCC42-84DA-D78D-0AE4-CCFA0CAEDF49}"/>
+              </a:ext>
+            </a:extLst>
+          </p:cNvPr>
+          <p:cNvCxnSpPr>
+            <a:cxnSpLocks/>
+            <a:endCxn id="304" idx="1"/>
+          </p:cNvCxnSpPr>
+          <p:nvPr/>
+        </p:nvCxnSpPr>
+        <p:spPr>
+          <a:xfrm>
+            <a:off x="9163523" y="5838221"/>
+            <a:ext cx="543074" cy="0"/>
+          </a:xfrm>
+          <a:prstGeom prst="straightConnector1">
+            <a:avLst/>
+          </a:prstGeom>
+          <a:ln>
+            <a:solidFill>
+              <a:schemeClr val="bg1">
+                <a:lumMod val="50000"/>
+              </a:schemeClr>
+            </a:solidFill>
+            <a:tailEnd type="triangle"/>
+          </a:ln>
+        </p:spPr>
+        <p:style>
+          <a:lnRef idx="1">
+            <a:schemeClr val="accent1"/>
+          </a:lnRef>
+          <a:fillRef idx="0">
+            <a:schemeClr val="accent1"/>
+          </a:fillRef>
+          <a:effectRef idx="0">
+            <a:schemeClr val="accent1"/>
+          </a:effectRef>
+          <a:fontRef idx="minor">
+            <a:schemeClr val="tx1"/>
+          </a:fontRef>
+        </p:style>
+      </p:cxnSp>
+      <p:sp>
+        <p:nvSpPr>
+          <p:cNvPr id="308" name="Rectangle 307">
+            <a:extLst>
+              <a:ext uri="{FF2B5EF4-FFF2-40B4-BE49-F238E27FC236}">
+                <a16:creationId xmlns:a16="http://schemas.microsoft.com/office/drawing/2014/main" id="{B64E5FD4-FBD6-C4FE-1BCC-95CED7BC629F}"/>
+              </a:ext>
+            </a:extLst>
+          </p:cNvPr>
+          <p:cNvSpPr/>
+          <p:nvPr/>
+        </p:nvSpPr>
+        <p:spPr>
+          <a:xfrm>
+            <a:off x="11086667" y="4245485"/>
+            <a:ext cx="87355" cy="93115"/>
+          </a:xfrm>
+          <a:prstGeom prst="rect">
+            <a:avLst/>
+          </a:prstGeom>
+          <a:noFill/>
+          <a:ln>
+            <a:noFill/>
+          </a:ln>
+        </p:spPr>
+        <p:style>
+          <a:lnRef idx="2">
+            <a:schemeClr val="accent1">
+              <a:shade val="50000"/>
+            </a:schemeClr>
+          </a:lnRef>
+          <a:fillRef idx="1">
+            <a:schemeClr val="accent1"/>
+          </a:fillRef>
+          <a:effectRef idx="0">
+            <a:schemeClr val="accent1"/>
+          </a:effectRef>
+          <a:fontRef idx="minor">
+            <a:schemeClr val="lt1"/>
+          </a:fontRef>
+        </p:style>
+        <p:txBody>
+          <a:bodyPr rtlCol="0" anchor="ctr"/>
+          <a:lstStyle/>
+          <a:p>
+            <a:pPr algn="ctr"/>
+            <a:endParaRPr lang="fr-FR"/>
+          </a:p>
+        </p:txBody>
+      </p:sp>
+      <p:cxnSp>
+        <p:nvCxnSpPr>
+          <p:cNvPr id="310" name="Connecteur : en angle 309">
+            <a:extLst>
+              <a:ext uri="{FF2B5EF4-FFF2-40B4-BE49-F238E27FC236}">
+                <a16:creationId xmlns:a16="http://schemas.microsoft.com/office/drawing/2014/main" id="{F581EAF7-21C9-0F9A-E3AD-2E00A2856569}"/>
+              </a:ext>
+            </a:extLst>
+          </p:cNvPr>
+          <p:cNvCxnSpPr>
+            <a:stCxn id="308" idx="3"/>
+            <a:endCxn id="291" idx="3"/>
+          </p:cNvCxnSpPr>
+          <p:nvPr/>
+        </p:nvCxnSpPr>
+        <p:spPr>
+          <a:xfrm flipH="1">
+            <a:off x="10970203" y="4292043"/>
+            <a:ext cx="203819" cy="877394"/>
+          </a:xfrm>
+          <a:prstGeom prst="bentConnector3">
+            <a:avLst>
+              <a:gd name="adj1" fmla="val -99339"/>
+            </a:avLst>
+          </a:prstGeom>
+          <a:ln>
+            <a:solidFill>
+              <a:schemeClr val="bg1">
+                <a:lumMod val="50000"/>
+              </a:schemeClr>
+            </a:solidFill>
+            <a:tailEnd type="triangle"/>
+          </a:ln>
+        </p:spPr>
+        <p:style>
+          <a:lnRef idx="1">
+            <a:schemeClr val="accent1"/>
+          </a:lnRef>
+          <a:fillRef idx="0">
+            <a:schemeClr val="accent1"/>
+          </a:fillRef>
+          <a:effectRef idx="0">
+            <a:schemeClr val="accent1"/>
+          </a:effectRef>
+          <a:fontRef idx="minor">
+            <a:schemeClr val="tx1"/>
+          </a:fontRef>
+        </p:style>
+      </p:cxnSp>
+      <p:cxnSp>
+        <p:nvCxnSpPr>
+          <p:cNvPr id="313" name="Connecteur : en angle 312">
+            <a:extLst>
+              <a:ext uri="{FF2B5EF4-FFF2-40B4-BE49-F238E27FC236}">
+                <a16:creationId xmlns:a16="http://schemas.microsoft.com/office/drawing/2014/main" id="{CA14AB10-E180-A6BD-89F4-C54E23456076}"/>
+              </a:ext>
+            </a:extLst>
+          </p:cNvPr>
+          <p:cNvCxnSpPr>
+            <a:stCxn id="308" idx="3"/>
+            <a:endCxn id="293" idx="3"/>
+          </p:cNvCxnSpPr>
+          <p:nvPr/>
+        </p:nvCxnSpPr>
+        <p:spPr>
+          <a:xfrm flipH="1">
+            <a:off x="10968286" y="4292043"/>
+            <a:ext cx="205736" cy="1529945"/>
+          </a:xfrm>
+          <a:prstGeom prst="bentConnector3">
+            <a:avLst>
+              <a:gd name="adj1" fmla="val -98414"/>
+            </a:avLst>
+          </a:prstGeom>
+          <a:ln>
+            <a:solidFill>
+              <a:schemeClr val="bg1">
+                <a:lumMod val="50000"/>
+              </a:schemeClr>
+            </a:solidFill>
+            <a:tailEnd type="triangle"/>
+          </a:ln>
+        </p:spPr>
+        <p:style>
+          <a:lnRef idx="1">
+            <a:schemeClr val="accent1"/>
+          </a:lnRef>
+          <a:fillRef idx="0">
+            <a:schemeClr val="accent1"/>
+          </a:fillRef>
+          <a:effectRef idx="0">
+            <a:schemeClr val="accent1"/>
+          </a:effectRef>
+          <a:fontRef idx="minor">
+            <a:schemeClr val="tx1"/>
+          </a:fontRef>
+        </p:style>
+      </p:cxnSp>
+      <p:cxnSp>
+        <p:nvCxnSpPr>
+          <p:cNvPr id="316" name="Connecteur : en angle 315">
+            <a:extLst>
+              <a:ext uri="{FF2B5EF4-FFF2-40B4-BE49-F238E27FC236}">
+                <a16:creationId xmlns:a16="http://schemas.microsoft.com/office/drawing/2014/main" id="{B0003E6B-1BB5-9F6D-1F0C-DA0BAB2845E2}"/>
+              </a:ext>
+            </a:extLst>
+          </p:cNvPr>
+          <p:cNvCxnSpPr>
+            <a:stCxn id="308" idx="3"/>
+            <a:endCxn id="295" idx="3"/>
+          </p:cNvCxnSpPr>
+          <p:nvPr/>
+        </p:nvCxnSpPr>
+        <p:spPr>
+          <a:xfrm flipH="1">
+            <a:off x="11169806" y="4292043"/>
+            <a:ext cx="4216" cy="2141456"/>
+          </a:xfrm>
+          <a:prstGeom prst="bentConnector3">
+            <a:avLst>
+              <a:gd name="adj1" fmla="val -4802538"/>
+            </a:avLst>
+          </a:prstGeom>
+          <a:ln>
+            <a:solidFill>
+              <a:schemeClr val="bg1">
+                <a:lumMod val="50000"/>
+              </a:schemeClr>
+            </a:solidFill>
+            <a:tailEnd type="triangle"/>
+          </a:ln>
+        </p:spPr>
+        <p:style>
+          <a:lnRef idx="1">
+            <a:schemeClr val="accent1"/>
+          </a:lnRef>
+          <a:fillRef idx="0">
+            <a:schemeClr val="accent1"/>
+          </a:fillRef>
+          <a:effectRef idx="0">
+            <a:schemeClr val="accent1"/>
+          </a:effectRef>
+          <a:fontRef idx="minor">
+            <a:schemeClr val="tx1"/>
+          </a:fontRef>
+        </p:style>
+      </p:cxnSp>
+      <p:grpSp>
+        <p:nvGrpSpPr>
+          <p:cNvPr id="326" name="Groupe 325">
+            <a:extLst>
+              <a:ext uri="{FF2B5EF4-FFF2-40B4-BE49-F238E27FC236}">
+                <a16:creationId xmlns:a16="http://schemas.microsoft.com/office/drawing/2014/main" id="{D32CE78C-DEB5-4B5B-C59C-013A391590EA}"/>
+              </a:ext>
+            </a:extLst>
+          </p:cNvPr>
+          <p:cNvGrpSpPr/>
+          <p:nvPr/>
+        </p:nvGrpSpPr>
+        <p:grpSpPr>
+          <a:xfrm>
+            <a:off x="4962534" y="3437551"/>
+            <a:ext cx="1442386" cy="621247"/>
+            <a:chOff x="6360596" y="1932377"/>
+            <a:chExt cx="1442386" cy="621247"/>
+          </a:xfrm>
+        </p:grpSpPr>
+        <p:pic>
+          <p:nvPicPr>
+            <p:cNvPr id="327" name="Picture 2" descr="GraphQL logo, brand guidelines and assets">
+              <a:extLst>
+                <a:ext uri="{FF2B5EF4-FFF2-40B4-BE49-F238E27FC236}">
+                  <a16:creationId xmlns:a16="http://schemas.microsoft.com/office/drawing/2014/main" id="{D6E77EF5-5FD8-7E3E-F3F5-76B9EE95A684}"/>
+                </a:ext>
+              </a:extLst>
+            </p:cNvPr>
+            <p:cNvPicPr>
+              <a:picLocks noChangeAspect="1" noChangeArrowheads="1"/>
+            </p:cNvPicPr>
+            <p:nvPr/>
+          </p:nvPicPr>
+          <p:blipFill>
+            <a:blip r:embed="rId6">
+              <a:extLst>
+                <a:ext uri="{28A0092B-C50C-407E-A947-70E740481C1C}">
+                  <a14:useLocalDpi xmlns:a14="http://schemas.microsoft.com/office/drawing/2010/main" val="0"/>
+                </a:ext>
+              </a:extLst>
+            </a:blip>
+            <a:srcRect/>
+            <a:stretch>
+              <a:fillRect/>
+            </a:stretch>
+          </p:blipFill>
+          <p:spPr bwMode="auto">
+            <a:xfrm>
+              <a:off x="7364415" y="2100885"/>
+              <a:ext cx="352175" cy="386735"/>
+            </a:xfrm>
+            <a:prstGeom prst="rect">
+              <a:avLst/>
+            </a:prstGeom>
+            <a:noFill/>
+            <a:extLst>
+              <a:ext uri="{909E8E84-426E-40DD-AFC4-6F175D3DCCD1}">
+                <a14:hiddenFill xmlns:a14="http://schemas.microsoft.com/office/drawing/2010/main">
+                  <a:solidFill>
+                    <a:srgbClr val="FFFFFF"/>
+                  </a:solidFill>
+                </a14:hiddenFill>
+              </a:ext>
+            </a:extLst>
+          </p:spPr>
+        </p:pic>
+        <p:sp>
+          <p:nvSpPr>
+            <p:cNvPr id="329" name="ZoneTexte 328">
+              <a:extLst>
+                <a:ext uri="{FF2B5EF4-FFF2-40B4-BE49-F238E27FC236}">
+                  <a16:creationId xmlns:a16="http://schemas.microsoft.com/office/drawing/2014/main" id="{C52E0FA0-5C4E-3C1D-0E8F-4751551B16FB}"/>
+                </a:ext>
+              </a:extLst>
+            </p:cNvPr>
+            <p:cNvSpPr txBox="1"/>
+            <p:nvPr/>
+          </p:nvSpPr>
+          <p:spPr>
+            <a:xfrm>
+              <a:off x="6390715" y="1951348"/>
+              <a:ext cx="1327332" cy="230832"/>
+            </a:xfrm>
+            <a:prstGeom prst="rect">
+              <a:avLst/>
+            </a:prstGeom>
+            <a:noFill/>
+          </p:spPr>
+          <p:txBody>
+            <a:bodyPr wrap="square" rtlCol="0">
+              <a:spAutoFit/>
+            </a:bodyPr>
+            <a:lstStyle>
+              <a:defPPr>
+                <a:defRPr lang="fr-FR"/>
+              </a:defPPr>
+              <a:lvl1pPr algn="ctr">
+                <a:defRPr sz="1000" b="1">
+                  <a:solidFill>
+                    <a:schemeClr val="bg1">
+                      <a:lumMod val="50000"/>
+                    </a:schemeClr>
+                  </a:solidFill>
+                </a:defRPr>
+              </a:lvl1pPr>
+            </a:lstStyle>
+            <a:p>
+              <a:r>
+                <a:rPr lang="fr-FR" sz="900" dirty="0" err="1">
+                  <a:solidFill>
+                    <a:schemeClr val="tx1"/>
+                  </a:solidFill>
+                </a:rPr>
+                <a:t>Databases</a:t>
+              </a:r>
+              <a:r>
+                <a:rPr lang="fr-FR" sz="900" dirty="0">
+                  <a:solidFill>
+                    <a:schemeClr val="tx1"/>
+                  </a:solidFill>
+                </a:rPr>
+                <a:t> API</a:t>
+              </a:r>
+            </a:p>
+          </p:txBody>
+        </p:sp>
+        <p:sp>
+          <p:nvSpPr>
+            <p:cNvPr id="330" name="ZoneTexte 329">
+              <a:extLst>
+                <a:ext uri="{FF2B5EF4-FFF2-40B4-BE49-F238E27FC236}">
+                  <a16:creationId xmlns:a16="http://schemas.microsoft.com/office/drawing/2014/main" id="{C761B272-CED9-9248-B094-54217D34BD82}"/>
+                </a:ext>
+              </a:extLst>
+            </p:cNvPr>
+            <p:cNvSpPr txBox="1"/>
+            <p:nvPr/>
+          </p:nvSpPr>
+          <p:spPr>
+            <a:xfrm>
+              <a:off x="6360596" y="2128660"/>
+              <a:ext cx="1124835" cy="215444"/>
+            </a:xfrm>
+            <a:prstGeom prst="rect">
+              <a:avLst/>
+            </a:prstGeom>
+            <a:noFill/>
+          </p:spPr>
+          <p:txBody>
+            <a:bodyPr wrap="square" rtlCol="0">
+              <a:spAutoFit/>
+            </a:bodyPr>
+            <a:lstStyle/>
+            <a:p>
+              <a:r>
+                <a:rPr lang="fr-FR" sz="800" dirty="0" err="1"/>
+                <a:t>Databases</a:t>
+              </a:r>
+              <a:endParaRPr lang="fr-FR" sz="800" dirty="0"/>
+            </a:p>
+          </p:txBody>
+        </p:sp>
+        <p:sp>
+          <p:nvSpPr>
+            <p:cNvPr id="328" name="Rectangle : coins arrondis 327">
+              <a:extLst>
+                <a:ext uri="{FF2B5EF4-FFF2-40B4-BE49-F238E27FC236}">
+                  <a16:creationId xmlns:a16="http://schemas.microsoft.com/office/drawing/2014/main" id="{0D69904D-1CE2-22F8-80C3-4C00DDEE880D}"/>
+                </a:ext>
+              </a:extLst>
+            </p:cNvPr>
+            <p:cNvSpPr/>
+            <p:nvPr/>
+          </p:nvSpPr>
+          <p:spPr>
+            <a:xfrm>
+              <a:off x="6398982" y="1932377"/>
+              <a:ext cx="1404000" cy="621247"/>
+            </a:xfrm>
+            <a:prstGeom prst="roundRect">
+              <a:avLst/>
+            </a:prstGeom>
+            <a:solidFill>
+              <a:schemeClr val="accent3">
+                <a:alpha val="27000"/>
+              </a:schemeClr>
+            </a:solidFill>
+            <a:ln>
+              <a:noFill/>
+            </a:ln>
+          </p:spPr>
+          <p:style>
+            <a:lnRef idx="0">
+              <a:scrgbClr r="0" g="0" b="0"/>
+            </a:lnRef>
+            <a:fillRef idx="0">
+              <a:scrgbClr r="0" g="0" b="0"/>
+            </a:fillRef>
+            <a:effectRef idx="0">
+              <a:scrgbClr r="0" g="0" b="0"/>
+            </a:effectRef>
+            <a:fontRef idx="minor">
+              <a:schemeClr val="lt1"/>
+            </a:fontRef>
+          </p:style>
+          <p:txBody>
+            <a:bodyPr rtlCol="0" anchor="ctr"/>
+            <a:lstStyle/>
+            <a:p>
+              <a:pPr algn="ctr"/>
+              <a:endParaRPr lang="fr-FR"/>
+            </a:p>
+          </p:txBody>
+        </p:sp>
+      </p:grpSp>
+      <p:grpSp>
+        <p:nvGrpSpPr>
+          <p:cNvPr id="365" name="Groupe 364">
+            <a:extLst>
+              <a:ext uri="{FF2B5EF4-FFF2-40B4-BE49-F238E27FC236}">
+                <a16:creationId xmlns:a16="http://schemas.microsoft.com/office/drawing/2014/main" id="{98E9E8D6-3726-FB1B-6FE2-E2AC6203D742}"/>
+              </a:ext>
+            </a:extLst>
+          </p:cNvPr>
+          <p:cNvGrpSpPr/>
+          <p:nvPr/>
+        </p:nvGrpSpPr>
+        <p:grpSpPr>
+          <a:xfrm>
+            <a:off x="4385077" y="1335093"/>
+            <a:ext cx="110474" cy="3461441"/>
+            <a:chOff x="5309002" y="1335093"/>
+            <a:chExt cx="110474" cy="3461441"/>
+          </a:xfrm>
+        </p:grpSpPr>
+        <p:cxnSp>
+          <p:nvCxnSpPr>
+            <p:cNvPr id="147" name="Connecteur droit 146">
+              <a:extLst>
+                <a:ext uri="{FF2B5EF4-FFF2-40B4-BE49-F238E27FC236}">
+                  <a16:creationId xmlns:a16="http://schemas.microsoft.com/office/drawing/2014/main" id="{8449B735-0CE3-1129-7C78-BDFA87E31DD5}"/>
+                </a:ext>
+              </a:extLst>
+            </p:cNvPr>
+            <p:cNvCxnSpPr>
+              <a:cxnSpLocks/>
+            </p:cNvCxnSpPr>
+            <p:nvPr/>
+          </p:nvCxnSpPr>
+          <p:spPr>
+            <a:xfrm>
+              <a:off x="5364436" y="1335093"/>
+              <a:ext cx="0" cy="3461441"/>
+            </a:xfrm>
+            <a:prstGeom prst="line">
+              <a:avLst/>
+            </a:prstGeom>
+            <a:ln w="38100">
+              <a:solidFill>
+                <a:schemeClr val="tx1"/>
+              </a:solidFill>
+            </a:ln>
+          </p:spPr>
+          <p:style>
+            <a:lnRef idx="1">
+              <a:schemeClr val="accent1"/>
+            </a:lnRef>
+            <a:fillRef idx="0">
+              <a:schemeClr val="accent1"/>
+            </a:fillRef>
+            <a:effectRef idx="0">
+              <a:schemeClr val="accent1"/>
+            </a:effectRef>
+            <a:fontRef idx="minor">
+              <a:schemeClr val="tx1"/>
+            </a:fontRef>
+          </p:style>
+        </p:cxnSp>
+        <p:sp>
+          <p:nvSpPr>
+            <p:cNvPr id="148" name="Rectangle 147">
+              <a:extLst>
+                <a:ext uri="{FF2B5EF4-FFF2-40B4-BE49-F238E27FC236}">
+                  <a16:creationId xmlns:a16="http://schemas.microsoft.com/office/drawing/2014/main" id="{DBED46B8-B035-43DC-3CA5-64910F28C9DD}"/>
+                </a:ext>
+              </a:extLst>
+            </p:cNvPr>
+            <p:cNvSpPr/>
+            <p:nvPr/>
+          </p:nvSpPr>
+          <p:spPr>
+            <a:xfrm>
+              <a:off x="5313252" y="1727814"/>
+              <a:ext cx="87355" cy="93115"/>
+            </a:xfrm>
+            <a:prstGeom prst="rect">
+              <a:avLst/>
+            </a:prstGeom>
+            <a:noFill/>
+            <a:ln>
+              <a:noFill/>
+            </a:ln>
+          </p:spPr>
+          <p:style>
+            <a:lnRef idx="2">
+              <a:schemeClr val="accent1">
+                <a:shade val="50000"/>
+              </a:schemeClr>
+            </a:lnRef>
+            <a:fillRef idx="1">
+              <a:schemeClr val="accent1"/>
+            </a:fillRef>
+            <a:effectRef idx="0">
+              <a:schemeClr val="accent1"/>
+            </a:effectRef>
+            <a:fontRef idx="minor">
+              <a:schemeClr val="lt1"/>
+            </a:fontRef>
+          </p:style>
+          <p:txBody>
+            <a:bodyPr rtlCol="0" anchor="ctr"/>
+            <a:lstStyle/>
+            <a:p>
+              <a:pPr algn="ctr"/>
+              <a:endParaRPr lang="fr-FR"/>
+            </a:p>
+          </p:txBody>
+        </p:sp>
+        <p:sp>
+          <p:nvSpPr>
+            <p:cNvPr id="151" name="Rectangle 150">
+              <a:extLst>
+                <a:ext uri="{FF2B5EF4-FFF2-40B4-BE49-F238E27FC236}">
+                  <a16:creationId xmlns:a16="http://schemas.microsoft.com/office/drawing/2014/main" id="{4710FC9D-B1AE-5A09-1F9E-6A38D251DF99}"/>
+                </a:ext>
+              </a:extLst>
+            </p:cNvPr>
+            <p:cNvSpPr/>
+            <p:nvPr/>
+          </p:nvSpPr>
+          <p:spPr>
+            <a:xfrm>
+              <a:off x="5332121" y="2926229"/>
+              <a:ext cx="87355" cy="93115"/>
+            </a:xfrm>
+            <a:prstGeom prst="rect">
+              <a:avLst/>
+            </a:prstGeom>
+            <a:noFill/>
+            <a:ln>
+              <a:noFill/>
+            </a:ln>
+          </p:spPr>
+          <p:style>
+            <a:lnRef idx="2">
+              <a:schemeClr val="accent1">
+                <a:shade val="50000"/>
+              </a:schemeClr>
+            </a:lnRef>
+            <a:fillRef idx="1">
+              <a:schemeClr val="accent1"/>
+            </a:fillRef>
+            <a:effectRef idx="0">
+              <a:schemeClr val="accent1"/>
+            </a:effectRef>
+            <a:fontRef idx="minor">
+              <a:schemeClr val="lt1"/>
+            </a:fontRef>
+          </p:style>
+          <p:txBody>
+            <a:bodyPr rtlCol="0" anchor="ctr"/>
+            <a:lstStyle/>
+            <a:p>
+              <a:pPr algn="ctr"/>
+              <a:endParaRPr lang="fr-FR"/>
+            </a:p>
+          </p:txBody>
+        </p:sp>
+        <p:sp>
+          <p:nvSpPr>
+            <p:cNvPr id="153" name="Rectangle 152">
+              <a:extLst>
+                <a:ext uri="{FF2B5EF4-FFF2-40B4-BE49-F238E27FC236}">
+                  <a16:creationId xmlns:a16="http://schemas.microsoft.com/office/drawing/2014/main" id="{33DA4BE0-ABE0-04F4-3662-0D07DD4993B9}"/>
+                </a:ext>
+              </a:extLst>
+            </p:cNvPr>
+            <p:cNvSpPr/>
+            <p:nvPr/>
+          </p:nvSpPr>
+          <p:spPr>
+            <a:xfrm>
+              <a:off x="5313252" y="3450247"/>
+              <a:ext cx="87355" cy="93115"/>
+            </a:xfrm>
+            <a:prstGeom prst="rect">
+              <a:avLst/>
+            </a:prstGeom>
+            <a:noFill/>
+            <a:ln>
+              <a:noFill/>
+            </a:ln>
+          </p:spPr>
+          <p:style>
+            <a:lnRef idx="2">
+              <a:schemeClr val="accent1">
+                <a:shade val="50000"/>
+              </a:schemeClr>
+            </a:lnRef>
+            <a:fillRef idx="1">
+              <a:schemeClr val="accent1"/>
+            </a:fillRef>
+            <a:effectRef idx="0">
+              <a:schemeClr val="accent1"/>
+            </a:effectRef>
+            <a:fontRef idx="minor">
+              <a:schemeClr val="lt1"/>
+            </a:fontRef>
+          </p:style>
+          <p:txBody>
+            <a:bodyPr rtlCol="0" anchor="ctr"/>
+            <a:lstStyle/>
+            <a:p>
+              <a:pPr algn="ctr"/>
+              <a:endParaRPr lang="fr-FR"/>
+            </a:p>
+          </p:txBody>
+        </p:sp>
+        <p:sp>
+          <p:nvSpPr>
+            <p:cNvPr id="275" name="Rectangle 274">
+              <a:extLst>
+                <a:ext uri="{FF2B5EF4-FFF2-40B4-BE49-F238E27FC236}">
+                  <a16:creationId xmlns:a16="http://schemas.microsoft.com/office/drawing/2014/main" id="{F663CEFC-8D8C-4CF2-C451-8F6C3620FCBF}"/>
+                </a:ext>
+              </a:extLst>
+            </p:cNvPr>
+            <p:cNvSpPr/>
+            <p:nvPr/>
+          </p:nvSpPr>
+          <p:spPr>
+            <a:xfrm>
+              <a:off x="5313252" y="3741303"/>
+              <a:ext cx="87355" cy="93115"/>
+            </a:xfrm>
+            <a:prstGeom prst="rect">
+              <a:avLst/>
+            </a:prstGeom>
+            <a:noFill/>
+            <a:ln>
+              <a:noFill/>
+            </a:ln>
+          </p:spPr>
+          <p:style>
+            <a:lnRef idx="2">
+              <a:schemeClr val="accent1">
+                <a:shade val="50000"/>
+              </a:schemeClr>
+            </a:lnRef>
+            <a:fillRef idx="1">
+              <a:schemeClr val="accent1"/>
+            </a:fillRef>
+            <a:effectRef idx="0">
+              <a:schemeClr val="accent1"/>
+            </a:effectRef>
+            <a:fontRef idx="minor">
+              <a:schemeClr val="lt1"/>
+            </a:fontRef>
+          </p:style>
+          <p:txBody>
+            <a:bodyPr rtlCol="0" anchor="ctr"/>
+            <a:lstStyle/>
+            <a:p>
+              <a:pPr algn="ctr"/>
+              <a:endParaRPr lang="fr-FR"/>
+            </a:p>
+          </p:txBody>
+        </p:sp>
+        <p:sp>
+          <p:nvSpPr>
+            <p:cNvPr id="277" name="Rectangle 276">
+              <a:extLst>
+                <a:ext uri="{FF2B5EF4-FFF2-40B4-BE49-F238E27FC236}">
+                  <a16:creationId xmlns:a16="http://schemas.microsoft.com/office/drawing/2014/main" id="{A0F60C06-342F-D9E7-D807-3F39A4ED3187}"/>
+                </a:ext>
+              </a:extLst>
+            </p:cNvPr>
+            <p:cNvSpPr/>
+            <p:nvPr/>
+          </p:nvSpPr>
+          <p:spPr>
+            <a:xfrm>
+              <a:off x="5313252" y="1460003"/>
+              <a:ext cx="87355" cy="93115"/>
+            </a:xfrm>
+            <a:prstGeom prst="rect">
+              <a:avLst/>
+            </a:prstGeom>
+            <a:noFill/>
+            <a:ln>
+              <a:noFill/>
+            </a:ln>
+          </p:spPr>
+          <p:style>
+            <a:lnRef idx="2">
+              <a:schemeClr val="accent1">
+                <a:shade val="50000"/>
+              </a:schemeClr>
+            </a:lnRef>
+            <a:fillRef idx="1">
+              <a:schemeClr val="accent1"/>
+            </a:fillRef>
+            <a:effectRef idx="0">
+              <a:schemeClr val="accent1"/>
+            </a:effectRef>
+            <a:fontRef idx="minor">
+              <a:schemeClr val="lt1"/>
+            </a:fontRef>
+          </p:style>
+          <p:txBody>
+            <a:bodyPr rtlCol="0" anchor="ctr"/>
+            <a:lstStyle/>
+            <a:p>
+              <a:pPr algn="ctr"/>
+              <a:endParaRPr lang="fr-FR"/>
+            </a:p>
+          </p:txBody>
+        </p:sp>
+        <p:sp>
+          <p:nvSpPr>
+            <p:cNvPr id="284" name="Rectangle 283">
+              <a:extLst>
+                <a:ext uri="{FF2B5EF4-FFF2-40B4-BE49-F238E27FC236}">
+                  <a16:creationId xmlns:a16="http://schemas.microsoft.com/office/drawing/2014/main" id="{109D3DC6-4113-8D28-3DED-D29A1410A777}"/>
+                </a:ext>
+              </a:extLst>
+            </p:cNvPr>
+            <p:cNvSpPr/>
+            <p:nvPr/>
+          </p:nvSpPr>
+          <p:spPr>
+            <a:xfrm>
+              <a:off x="5309002" y="4621584"/>
+              <a:ext cx="87355" cy="93115"/>
+            </a:xfrm>
+            <a:prstGeom prst="rect">
+              <a:avLst/>
+            </a:prstGeom>
+            <a:noFill/>
+            <a:ln>
+              <a:noFill/>
+            </a:ln>
+          </p:spPr>
+          <p:style>
+            <a:lnRef idx="2">
+              <a:schemeClr val="accent1">
+                <a:shade val="50000"/>
+              </a:schemeClr>
+            </a:lnRef>
+            <a:fillRef idx="1">
+              <a:schemeClr val="accent1"/>
+            </a:fillRef>
+            <a:effectRef idx="0">
+              <a:schemeClr val="accent1"/>
+            </a:effectRef>
+            <a:fontRef idx="minor">
+              <a:schemeClr val="lt1"/>
+            </a:fontRef>
+          </p:style>
+          <p:txBody>
+            <a:bodyPr rtlCol="0" anchor="ctr"/>
+            <a:lstStyle/>
+            <a:p>
+              <a:pPr algn="ctr"/>
+              <a:endParaRPr lang="fr-FR"/>
+            </a:p>
+          </p:txBody>
+        </p:sp>
+        <p:sp>
+          <p:nvSpPr>
+            <p:cNvPr id="333" name="Rectangle 332">
+              <a:extLst>
+                <a:ext uri="{FF2B5EF4-FFF2-40B4-BE49-F238E27FC236}">
+                  <a16:creationId xmlns:a16="http://schemas.microsoft.com/office/drawing/2014/main" id="{41E4B3C6-3346-7E9F-02C5-6D4124B44BDC}"/>
+                </a:ext>
+              </a:extLst>
+            </p:cNvPr>
+            <p:cNvSpPr/>
+            <p:nvPr/>
+          </p:nvSpPr>
+          <p:spPr>
+            <a:xfrm>
+              <a:off x="5309002" y="2523099"/>
+              <a:ext cx="87355" cy="93115"/>
+            </a:xfrm>
+            <a:prstGeom prst="rect">
+              <a:avLst/>
+            </a:prstGeom>
+            <a:noFill/>
+            <a:ln>
+              <a:noFill/>
+            </a:ln>
+          </p:spPr>
+          <p:style>
+            <a:lnRef idx="2">
+              <a:schemeClr val="accent1">
+                <a:shade val="50000"/>
+              </a:schemeClr>
+            </a:lnRef>
+            <a:fillRef idx="1">
+              <a:schemeClr val="accent1"/>
+            </a:fillRef>
+            <a:effectRef idx="0">
+              <a:schemeClr val="accent1"/>
+            </a:effectRef>
+            <a:fontRef idx="minor">
+              <a:schemeClr val="lt1"/>
+            </a:fontRef>
+          </p:style>
+          <p:txBody>
+            <a:bodyPr rtlCol="0" anchor="ctr"/>
+            <a:lstStyle/>
+            <a:p>
+              <a:pPr algn="ctr"/>
+              <a:endParaRPr lang="fr-FR"/>
+            </a:p>
+          </p:txBody>
+        </p:sp>
+        <p:sp>
+          <p:nvSpPr>
+            <p:cNvPr id="336" name="Rectangle 335">
+              <a:extLst>
+                <a:ext uri="{FF2B5EF4-FFF2-40B4-BE49-F238E27FC236}">
+                  <a16:creationId xmlns:a16="http://schemas.microsoft.com/office/drawing/2014/main" id="{61738144-214C-2A1F-F31D-5699DF3395CB}"/>
+                </a:ext>
+              </a:extLst>
+            </p:cNvPr>
+            <p:cNvSpPr/>
+            <p:nvPr/>
+          </p:nvSpPr>
+          <p:spPr>
+            <a:xfrm>
+              <a:off x="5311685" y="4398615"/>
+              <a:ext cx="87355" cy="93115"/>
+            </a:xfrm>
+            <a:prstGeom prst="rect">
+              <a:avLst/>
+            </a:prstGeom>
+            <a:noFill/>
+            <a:ln>
+              <a:noFill/>
+            </a:ln>
+          </p:spPr>
+          <p:style>
+            <a:lnRef idx="2">
+              <a:schemeClr val="accent1">
+                <a:shade val="50000"/>
+              </a:schemeClr>
+            </a:lnRef>
+            <a:fillRef idx="1">
+              <a:schemeClr val="accent1"/>
+            </a:fillRef>
+            <a:effectRef idx="0">
+              <a:schemeClr val="accent1"/>
+            </a:effectRef>
+            <a:fontRef idx="minor">
+              <a:schemeClr val="lt1"/>
+            </a:fontRef>
+          </p:style>
+          <p:txBody>
+            <a:bodyPr rtlCol="0" anchor="ctr"/>
+            <a:lstStyle/>
+            <a:p>
+              <a:pPr algn="ctr"/>
+              <a:endParaRPr lang="fr-FR"/>
+            </a:p>
+          </p:txBody>
+        </p:sp>
+      </p:grpSp>
+      <p:cxnSp>
+        <p:nvCxnSpPr>
+          <p:cNvPr id="338" name="Connecteur droit avec flèche 337">
+            <a:extLst>
+              <a:ext uri="{FF2B5EF4-FFF2-40B4-BE49-F238E27FC236}">
+                <a16:creationId xmlns:a16="http://schemas.microsoft.com/office/drawing/2014/main" id="{4B748FD2-D24B-88D3-0CAB-21A26D59EBAB}"/>
+              </a:ext>
+            </a:extLst>
+          </p:cNvPr>
+          <p:cNvCxnSpPr>
+            <a:cxnSpLocks/>
+            <a:stCxn id="275" idx="0"/>
+            <a:endCxn id="328" idx="1"/>
+          </p:cNvCxnSpPr>
+          <p:nvPr/>
+        </p:nvCxnSpPr>
+        <p:spPr>
+          <a:xfrm>
+            <a:off x="4433005" y="3741303"/>
+            <a:ext cx="567915" cy="6872"/>
+          </a:xfrm>
+          <a:prstGeom prst="straightConnector1">
+            <a:avLst/>
+          </a:prstGeom>
+          <a:ln>
+            <a:solidFill>
+              <a:schemeClr val="bg1">
+                <a:lumMod val="50000"/>
+              </a:schemeClr>
+            </a:solidFill>
+            <a:tailEnd type="triangle"/>
+          </a:ln>
+        </p:spPr>
+        <p:style>
+          <a:lnRef idx="1">
+            <a:schemeClr val="accent1"/>
+          </a:lnRef>
+          <a:fillRef idx="0">
+            <a:schemeClr val="accent1"/>
+          </a:fillRef>
+          <a:effectRef idx="0">
+            <a:schemeClr val="accent1"/>
+          </a:effectRef>
+          <a:fontRef idx="minor">
+            <a:schemeClr val="tx1"/>
+          </a:fontRef>
+        </p:style>
+      </p:cxnSp>
+      <p:grpSp>
+        <p:nvGrpSpPr>
+          <p:cNvPr id="366" name="Groupe 365">
+            <a:extLst>
+              <a:ext uri="{FF2B5EF4-FFF2-40B4-BE49-F238E27FC236}">
+                <a16:creationId xmlns:a16="http://schemas.microsoft.com/office/drawing/2014/main" id="{B1A2DDAC-BB47-3544-5EEA-B86BD4B141C7}"/>
+              </a:ext>
+            </a:extLst>
+          </p:cNvPr>
+          <p:cNvGrpSpPr/>
+          <p:nvPr/>
+        </p:nvGrpSpPr>
+        <p:grpSpPr>
+          <a:xfrm>
+            <a:off x="6628529" y="1051179"/>
+            <a:ext cx="590275" cy="2726208"/>
+            <a:chOff x="7714379" y="1260729"/>
+            <a:chExt cx="590275" cy="2726208"/>
+          </a:xfrm>
+        </p:grpSpPr>
+        <p:grpSp>
+          <p:nvGrpSpPr>
+            <p:cNvPr id="145" name="Groupe 144">
+              <a:extLst>
+                <a:ext uri="{FF2B5EF4-FFF2-40B4-BE49-F238E27FC236}">
+                  <a16:creationId xmlns:a16="http://schemas.microsoft.com/office/drawing/2014/main" id="{CB4B9B21-9E8C-C89B-F661-59D07F8CD1F2}"/>
+                </a:ext>
+              </a:extLst>
+            </p:cNvPr>
+            <p:cNvGrpSpPr/>
+            <p:nvPr/>
+          </p:nvGrpSpPr>
+          <p:grpSpPr>
+            <a:xfrm>
+              <a:off x="7760817" y="1260729"/>
+              <a:ext cx="532157" cy="2058279"/>
+              <a:chOff x="6236899" y="3637139"/>
+              <a:chExt cx="532157" cy="1644669"/>
+            </a:xfrm>
+          </p:grpSpPr>
+          <p:sp>
+            <p:nvSpPr>
+              <p:cNvPr id="144" name="Rectangle : coins arrondis 143">
+                <a:extLst>
+                  <a:ext uri="{FF2B5EF4-FFF2-40B4-BE49-F238E27FC236}">
+                    <a16:creationId xmlns:a16="http://schemas.microsoft.com/office/drawing/2014/main" id="{3C9912D2-7B1D-9758-FBE6-C895C86A8115}"/>
+                  </a:ext>
+                </a:extLst>
+              </p:cNvPr>
+              <p:cNvSpPr/>
+              <p:nvPr/>
+            </p:nvSpPr>
+            <p:spPr>
+              <a:xfrm>
+                <a:off x="6236899" y="3893990"/>
+                <a:ext cx="531047" cy="1387818"/>
+              </a:xfrm>
+              <a:prstGeom prst="roundRect">
+                <a:avLst/>
+              </a:prstGeom>
+            </p:spPr>
+            <p:style>
+              <a:lnRef idx="1">
+                <a:schemeClr val="accent3"/>
+              </a:lnRef>
+              <a:fillRef idx="2">
+                <a:schemeClr val="accent3"/>
+              </a:fillRef>
+              <a:effectRef idx="1">
+                <a:schemeClr val="accent3"/>
+              </a:effectRef>
+              <a:fontRef idx="minor">
+                <a:schemeClr val="dk1"/>
+              </a:fontRef>
+            </p:style>
+            <p:txBody>
+              <a:bodyPr rtlCol="0" anchor="ctr"/>
+              <a:lstStyle/>
+              <a:p>
+                <a:pPr algn="ctr"/>
+                <a:endParaRPr lang="fr-FR">
+                  <a:solidFill>
+                    <a:schemeClr val="dk1"/>
+                  </a:solidFill>
+                </a:endParaRPr>
+              </a:p>
+            </p:txBody>
+          </p:sp>
+          <p:sp>
+            <p:nvSpPr>
+              <p:cNvPr id="143" name="Organigramme : Disque magnétique 142">
+                <a:extLst>
+                  <a:ext uri="{FF2B5EF4-FFF2-40B4-BE49-F238E27FC236}">
+                    <a16:creationId xmlns:a16="http://schemas.microsoft.com/office/drawing/2014/main" id="{4A19AB74-5448-6D5C-07C9-CAA4711FCEF5}"/>
+                  </a:ext>
+                </a:extLst>
+              </p:cNvPr>
+              <p:cNvSpPr/>
+              <p:nvPr/>
+            </p:nvSpPr>
+            <p:spPr>
+              <a:xfrm>
+                <a:off x="6236899" y="3637139"/>
+                <a:ext cx="531047" cy="746055"/>
+              </a:xfrm>
+              <a:prstGeom prst="flowChartMagneticDisk">
+                <a:avLst/>
+              </a:prstGeom>
+            </p:spPr>
+            <p:style>
+              <a:lnRef idx="1">
+                <a:schemeClr val="accent3"/>
+              </a:lnRef>
+              <a:fillRef idx="2">
+                <a:schemeClr val="accent3"/>
+              </a:fillRef>
+              <a:effectRef idx="1">
+                <a:schemeClr val="accent3"/>
+              </a:effectRef>
+              <a:fontRef idx="minor">
+                <a:schemeClr val="dk1"/>
+              </a:fontRef>
+            </p:style>
+            <p:txBody>
+              <a:bodyPr rtlCol="0" anchor="ctr"/>
+              <a:lstStyle/>
+              <a:p>
+                <a:pPr algn="ctr"/>
+                <a:endParaRPr lang="fr-FR"/>
+              </a:p>
+            </p:txBody>
+          </p:sp>
+          <p:sp>
+            <p:nvSpPr>
+              <p:cNvPr id="142" name="ZoneTexte 141">
+                <a:extLst>
+                  <a:ext uri="{FF2B5EF4-FFF2-40B4-BE49-F238E27FC236}">
+                    <a16:creationId xmlns:a16="http://schemas.microsoft.com/office/drawing/2014/main" id="{63E61035-6035-6032-BFE4-440C48199420}"/>
+                  </a:ext>
+                </a:extLst>
+              </p:cNvPr>
+              <p:cNvSpPr txBox="1"/>
+              <p:nvPr/>
+            </p:nvSpPr>
+            <p:spPr>
+              <a:xfrm rot="5400000">
+                <a:off x="5875988" y="4278511"/>
+                <a:ext cx="1268206" cy="517931"/>
+              </a:xfrm>
+              <a:prstGeom prst="rect">
+                <a:avLst/>
+              </a:prstGeom>
+              <a:ln>
+                <a:noFill/>
+              </a:ln>
+            </p:spPr>
+            <p:style>
+              <a:lnRef idx="1">
+                <a:schemeClr val="accent3"/>
+              </a:lnRef>
+              <a:fillRef idx="2">
+                <a:schemeClr val="accent3"/>
+              </a:fillRef>
+              <a:effectRef idx="1">
+                <a:schemeClr val="accent3"/>
+              </a:effectRef>
+              <a:fontRef idx="minor">
+                <a:schemeClr val="dk1"/>
+              </a:fontRef>
+            </p:style>
+            <p:txBody>
+              <a:bodyPr rtlCol="0" anchor="ctr"/>
+              <a:lstStyle>
+                <a:defPPr>
+                  <a:defRPr lang="fr-FR"/>
+                </a:defPPr>
+                <a:lvl1pPr algn="ctr">
+                  <a:defRPr>
+                    <a:solidFill>
+                      <a:schemeClr val="dk1"/>
+                    </a:solidFill>
+                  </a:defRPr>
+                </a:lvl1pPr>
+                <a:lvl2pPr>
+                  <a:defRPr>
+                    <a:solidFill>
+                      <a:schemeClr val="dk1"/>
+                    </a:solidFill>
+                  </a:defRPr>
+                </a:lvl2pPr>
+                <a:lvl3pPr>
+                  <a:defRPr>
+                    <a:solidFill>
+                      <a:schemeClr val="dk1"/>
+                    </a:solidFill>
+                  </a:defRPr>
+                </a:lvl3pPr>
+                <a:lvl4pPr>
+                  <a:defRPr>
+                    <a:solidFill>
+                      <a:schemeClr val="dk1"/>
+                    </a:solidFill>
+                  </a:defRPr>
+                </a:lvl4pPr>
+                <a:lvl5pPr>
+                  <a:defRPr>
+                    <a:solidFill>
+                      <a:schemeClr val="dk1"/>
+                    </a:solidFill>
+                  </a:defRPr>
+                </a:lvl5pPr>
+                <a:lvl6pPr>
+                  <a:defRPr>
+                    <a:solidFill>
+                      <a:schemeClr val="dk1"/>
+                    </a:solidFill>
+                  </a:defRPr>
+                </a:lvl6pPr>
+                <a:lvl7pPr>
+                  <a:defRPr>
+                    <a:solidFill>
+                      <a:schemeClr val="dk1"/>
+                    </a:solidFill>
+                  </a:defRPr>
+                </a:lvl7pPr>
+                <a:lvl8pPr>
+                  <a:defRPr>
+                    <a:solidFill>
+                      <a:schemeClr val="dk1"/>
+                    </a:solidFill>
+                  </a:defRPr>
+                </a:lvl8pPr>
+                <a:lvl9pPr>
+                  <a:defRPr>
+                    <a:solidFill>
+                      <a:schemeClr val="dk1"/>
+                    </a:solidFill>
+                  </a:defRPr>
+                </a:lvl9pPr>
+              </a:lstStyle>
+              <a:p>
+                <a:r>
+                  <a:rPr lang="fr-FR" sz="1000" dirty="0"/>
+                  <a:t>Event bus</a:t>
+                </a:r>
+              </a:p>
+              <a:p>
+                <a:r>
+                  <a:rPr lang="fr-FR" sz="1000" dirty="0" err="1"/>
+                  <a:t>Publish</a:t>
+                </a:r>
+                <a:r>
+                  <a:rPr lang="fr-FR" sz="1000" dirty="0"/>
+                  <a:t> </a:t>
+                </a:r>
+                <a:r>
+                  <a:rPr lang="fr-FR" sz="1000" dirty="0" err="1"/>
+                  <a:t>suscrbibe</a:t>
+                </a:r>
+                <a:r>
+                  <a:rPr lang="fr-FR" sz="1000" dirty="0"/>
+                  <a:t> </a:t>
+                </a:r>
+                <a:r>
+                  <a:rPr lang="fr-FR" sz="1000" dirty="0" err="1"/>
+                  <a:t>channel</a:t>
+                </a:r>
+                <a:endParaRPr lang="fr-FR" sz="1000" dirty="0"/>
+              </a:p>
+            </p:txBody>
+          </p:sp>
+        </p:grpSp>
+        <p:sp>
+          <p:nvSpPr>
+            <p:cNvPr id="165" name="Rectangle 164">
+              <a:extLst>
+                <a:ext uri="{FF2B5EF4-FFF2-40B4-BE49-F238E27FC236}">
+                  <a16:creationId xmlns:a16="http://schemas.microsoft.com/office/drawing/2014/main" id="{593FCF8E-AFF3-1B73-725F-78D56BD4A04B}"/>
+                </a:ext>
+              </a:extLst>
+            </p:cNvPr>
+            <p:cNvSpPr/>
+            <p:nvPr/>
+          </p:nvSpPr>
+          <p:spPr>
+            <a:xfrm>
+              <a:off x="7729068" y="1651197"/>
+              <a:ext cx="87355" cy="93115"/>
+            </a:xfrm>
+            <a:prstGeom prst="rect">
+              <a:avLst/>
+            </a:prstGeom>
+            <a:noFill/>
+            <a:ln>
+              <a:noFill/>
+            </a:ln>
+          </p:spPr>
+          <p:style>
+            <a:lnRef idx="2">
+              <a:schemeClr val="accent1">
+                <a:shade val="50000"/>
+              </a:schemeClr>
+            </a:lnRef>
+            <a:fillRef idx="1">
+              <a:schemeClr val="accent1"/>
+            </a:fillRef>
+            <a:effectRef idx="0">
+              <a:schemeClr val="accent1"/>
+            </a:effectRef>
+            <a:fontRef idx="minor">
+              <a:schemeClr val="lt1"/>
+            </a:fontRef>
+          </p:style>
+          <p:txBody>
+            <a:bodyPr rtlCol="0" anchor="ctr"/>
+            <a:lstStyle/>
+            <a:p>
+              <a:pPr algn="ctr"/>
+              <a:endParaRPr lang="fr-FR"/>
+            </a:p>
+          </p:txBody>
+        </p:sp>
+        <p:sp>
+          <p:nvSpPr>
+            <p:cNvPr id="167" name="Rectangle 166">
+              <a:extLst>
+                <a:ext uri="{FF2B5EF4-FFF2-40B4-BE49-F238E27FC236}">
+                  <a16:creationId xmlns:a16="http://schemas.microsoft.com/office/drawing/2014/main" id="{37A75958-A75A-3627-85FC-987F515791E7}"/>
+                </a:ext>
+              </a:extLst>
+            </p:cNvPr>
+            <p:cNvSpPr/>
+            <p:nvPr/>
+          </p:nvSpPr>
+          <p:spPr>
+            <a:xfrm>
+              <a:off x="7714379" y="2523356"/>
+              <a:ext cx="87355" cy="93115"/>
+            </a:xfrm>
+            <a:prstGeom prst="rect">
+              <a:avLst/>
+            </a:prstGeom>
+            <a:noFill/>
+            <a:ln>
+              <a:noFill/>
+            </a:ln>
+          </p:spPr>
+          <p:style>
+            <a:lnRef idx="2">
+              <a:schemeClr val="accent1">
+                <a:shade val="50000"/>
+              </a:schemeClr>
+            </a:lnRef>
+            <a:fillRef idx="1">
+              <a:schemeClr val="accent1"/>
+            </a:fillRef>
+            <a:effectRef idx="0">
+              <a:schemeClr val="accent1"/>
+            </a:effectRef>
+            <a:fontRef idx="minor">
+              <a:schemeClr val="lt1"/>
+            </a:fontRef>
+          </p:style>
+          <p:txBody>
+            <a:bodyPr rtlCol="0" anchor="ctr"/>
+            <a:lstStyle/>
+            <a:p>
+              <a:pPr algn="ctr"/>
+              <a:endParaRPr lang="fr-FR"/>
+            </a:p>
+          </p:txBody>
+        </p:sp>
+        <p:sp>
+          <p:nvSpPr>
+            <p:cNvPr id="169" name="Rectangle 168">
+              <a:extLst>
+                <a:ext uri="{FF2B5EF4-FFF2-40B4-BE49-F238E27FC236}">
+                  <a16:creationId xmlns:a16="http://schemas.microsoft.com/office/drawing/2014/main" id="{E2C1BD17-941C-92A8-EA0C-0DF6A8A1F892}"/>
+                </a:ext>
+              </a:extLst>
+            </p:cNvPr>
+            <p:cNvSpPr/>
+            <p:nvPr/>
+          </p:nvSpPr>
+          <p:spPr>
+            <a:xfrm>
+              <a:off x="7723697" y="3437315"/>
+              <a:ext cx="87355" cy="93115"/>
+            </a:xfrm>
+            <a:prstGeom prst="rect">
+              <a:avLst/>
+            </a:prstGeom>
+            <a:noFill/>
+            <a:ln>
+              <a:noFill/>
+            </a:ln>
+          </p:spPr>
+          <p:style>
+            <a:lnRef idx="2">
+              <a:schemeClr val="accent1">
+                <a:shade val="50000"/>
+              </a:schemeClr>
+            </a:lnRef>
+            <a:fillRef idx="1">
+              <a:schemeClr val="accent1"/>
+            </a:fillRef>
+            <a:effectRef idx="0">
+              <a:schemeClr val="accent1"/>
+            </a:effectRef>
+            <a:fontRef idx="minor">
+              <a:schemeClr val="lt1"/>
+            </a:fontRef>
+          </p:style>
+          <p:txBody>
+            <a:bodyPr rtlCol="0" anchor="ctr"/>
+            <a:lstStyle/>
+            <a:p>
+              <a:pPr algn="ctr"/>
+              <a:endParaRPr lang="fr-FR"/>
+            </a:p>
+          </p:txBody>
+        </p:sp>
+        <p:pic>
+          <p:nvPicPr>
+            <p:cNvPr id="173" name="Image 172">
+              <a:extLst>
+                <a:ext uri="{FF2B5EF4-FFF2-40B4-BE49-F238E27FC236}">
+                  <a16:creationId xmlns:a16="http://schemas.microsoft.com/office/drawing/2014/main" id="{CB6B97CC-2F9D-62E1-92B4-15092241B039}"/>
+                </a:ext>
+              </a:extLst>
+            </p:cNvPr>
+            <p:cNvPicPr>
+              <a:picLocks noChangeAspect="1"/>
+            </p:cNvPicPr>
+            <p:nvPr/>
+          </p:nvPicPr>
+          <p:blipFill>
+            <a:blip r:embed="rId17">
+              <a:extLst>
+                <a:ext uri="{28A0092B-C50C-407E-A947-70E740481C1C}">
+                  <a14:useLocalDpi xmlns:a14="http://schemas.microsoft.com/office/drawing/2010/main" val="0"/>
+                </a:ext>
+              </a:extLst>
+            </a:blip>
+            <a:stretch>
+              <a:fillRect/>
+            </a:stretch>
+          </p:blipFill>
+          <p:spPr>
+            <a:xfrm>
+              <a:off x="7995091" y="2997751"/>
+              <a:ext cx="309563" cy="309563"/>
+            </a:xfrm>
+            <a:prstGeom prst="rect">
+              <a:avLst/>
+            </a:prstGeom>
+          </p:spPr>
+        </p:pic>
+        <p:sp>
+          <p:nvSpPr>
+            <p:cNvPr id="340" name="Rectangle 339">
+              <a:extLst>
+                <a:ext uri="{FF2B5EF4-FFF2-40B4-BE49-F238E27FC236}">
+                  <a16:creationId xmlns:a16="http://schemas.microsoft.com/office/drawing/2014/main" id="{51DE52AD-4C1D-34FC-9838-53D16D13AE36}"/>
+                </a:ext>
+              </a:extLst>
+            </p:cNvPr>
+            <p:cNvSpPr/>
+            <p:nvPr/>
+          </p:nvSpPr>
+          <p:spPr>
+            <a:xfrm>
+              <a:off x="7720432" y="3893822"/>
+              <a:ext cx="87355" cy="93115"/>
+            </a:xfrm>
+            <a:prstGeom prst="rect">
+              <a:avLst/>
+            </a:prstGeom>
+            <a:noFill/>
+            <a:ln>
+              <a:noFill/>
+            </a:ln>
+          </p:spPr>
+          <p:style>
+            <a:lnRef idx="2">
+              <a:schemeClr val="accent1">
+                <a:shade val="50000"/>
+              </a:schemeClr>
+            </a:lnRef>
+            <a:fillRef idx="1">
+              <a:schemeClr val="accent1"/>
+            </a:fillRef>
+            <a:effectRef idx="0">
+              <a:schemeClr val="accent1"/>
+            </a:effectRef>
+            <a:fontRef idx="minor">
+              <a:schemeClr val="lt1"/>
+            </a:fontRef>
+          </p:style>
+          <p:txBody>
+            <a:bodyPr rtlCol="0" anchor="ctr"/>
+            <a:lstStyle/>
+            <a:p>
+              <a:pPr algn="ctr"/>
+              <a:endParaRPr lang="fr-FR"/>
+            </a:p>
+          </p:txBody>
+        </p:sp>
+      </p:grpSp>
+      <p:cxnSp>
+        <p:nvCxnSpPr>
+          <p:cNvPr id="342" name="Connecteur droit avec flèche 341">
+            <a:extLst>
+              <a:ext uri="{FF2B5EF4-FFF2-40B4-BE49-F238E27FC236}">
+                <a16:creationId xmlns:a16="http://schemas.microsoft.com/office/drawing/2014/main" id="{9E19C973-D12A-E7AF-5A78-9297069E4493}"/>
+              </a:ext>
+            </a:extLst>
+          </p:cNvPr>
+          <p:cNvCxnSpPr>
+            <a:cxnSpLocks/>
+            <a:stCxn id="328" idx="3"/>
+          </p:cNvCxnSpPr>
+          <p:nvPr/>
+        </p:nvCxnSpPr>
+        <p:spPr>
+          <a:xfrm flipV="1">
+            <a:off x="6404920" y="3068382"/>
+            <a:ext cx="284273" cy="679793"/>
+          </a:xfrm>
+          <a:prstGeom prst="straightConnector1">
+            <a:avLst/>
+          </a:prstGeom>
+          <a:ln>
+            <a:solidFill>
+              <a:schemeClr val="bg1">
+                <a:lumMod val="50000"/>
+              </a:schemeClr>
+            </a:solidFill>
+            <a:headEnd type="triangle" w="med" len="med"/>
+            <a:tailEnd type="triangle" w="med" len="med"/>
+          </a:ln>
+        </p:spPr>
+        <p:style>
+          <a:lnRef idx="1">
+            <a:schemeClr val="accent1"/>
+          </a:lnRef>
+          <a:fillRef idx="0">
+            <a:schemeClr val="accent1"/>
+          </a:fillRef>
+          <a:effectRef idx="0">
+            <a:schemeClr val="accent1"/>
+          </a:effectRef>
+          <a:fontRef idx="minor">
+            <a:schemeClr val="tx1"/>
+          </a:fontRef>
+        </p:style>
+      </p:cxnSp>
+      <p:pic>
+        <p:nvPicPr>
+          <p:cNvPr id="344" name="Image 343">
+            <a:extLst>
+              <a:ext uri="{FF2B5EF4-FFF2-40B4-BE49-F238E27FC236}">
+                <a16:creationId xmlns:a16="http://schemas.microsoft.com/office/drawing/2014/main" id="{3F61F194-DF3E-77E3-D91D-686BEDD401CA}"/>
+              </a:ext>
+            </a:extLst>
+          </p:cNvPr>
+          <p:cNvPicPr>
+            <a:picLocks noChangeAspect="1"/>
+          </p:cNvPicPr>
+          <p:nvPr/>
+        </p:nvPicPr>
+        <p:blipFill>
+          <a:blip r:embed="rId8">
+            <a:extLst>
+              <a:ext uri="{28A0092B-C50C-407E-A947-70E740481C1C}">
+                <a14:useLocalDpi xmlns:a14="http://schemas.microsoft.com/office/drawing/2010/main" val="0"/>
+              </a:ext>
+            </a:extLst>
+          </a:blip>
+          <a:stretch>
+            <a:fillRect/>
+          </a:stretch>
+        </p:blipFill>
+        <p:spPr>
+          <a:xfrm>
+            <a:off x="6435830" y="3909827"/>
+            <a:ext cx="243840" cy="243840"/>
+          </a:xfrm>
+          <a:prstGeom prst="rect">
+            <a:avLst/>
+          </a:prstGeom>
+        </p:spPr>
+      </p:pic>
+      <p:grpSp>
+        <p:nvGrpSpPr>
+          <p:cNvPr id="355" name="Groupe 354">
+            <a:extLst>
+              <a:ext uri="{FF2B5EF4-FFF2-40B4-BE49-F238E27FC236}">
+                <a16:creationId xmlns:a16="http://schemas.microsoft.com/office/drawing/2014/main" id="{124BA26E-8394-798A-44DD-F23ECC8B3C0D}"/>
+              </a:ext>
+            </a:extLst>
+          </p:cNvPr>
+          <p:cNvGrpSpPr/>
+          <p:nvPr/>
+        </p:nvGrpSpPr>
+        <p:grpSpPr>
+          <a:xfrm>
+            <a:off x="10012563" y="2438588"/>
+            <a:ext cx="1068596" cy="630674"/>
+            <a:chOff x="10012563" y="2431119"/>
+            <a:chExt cx="1068596" cy="630674"/>
+          </a:xfrm>
+        </p:grpSpPr>
+        <p:sp>
+          <p:nvSpPr>
+            <p:cNvPr id="349" name="Rectangle : coins arrondis 348">
+              <a:extLst>
+                <a:ext uri="{FF2B5EF4-FFF2-40B4-BE49-F238E27FC236}">
+                  <a16:creationId xmlns:a16="http://schemas.microsoft.com/office/drawing/2014/main" id="{C285066E-936F-D472-F427-6D57E211B806}"/>
+                </a:ext>
+              </a:extLst>
+            </p:cNvPr>
+            <p:cNvSpPr/>
+            <p:nvPr/>
+          </p:nvSpPr>
+          <p:spPr>
+            <a:xfrm>
+              <a:off x="10012563" y="2431119"/>
+              <a:ext cx="1063839" cy="630674"/>
+            </a:xfrm>
+            <a:prstGeom prst="roundRect">
+              <a:avLst/>
+            </a:prstGeom>
+            <a:noFill/>
+            <a:ln>
+              <a:solidFill>
+                <a:schemeClr val="bg1">
+                  <a:lumMod val="50000"/>
+                </a:schemeClr>
+              </a:solidFill>
+              <a:prstDash val="dash"/>
+            </a:ln>
+          </p:spPr>
+          <p:style>
+            <a:lnRef idx="2">
+              <a:schemeClr val="accent1">
+                <a:shade val="50000"/>
+              </a:schemeClr>
+            </a:lnRef>
+            <a:fillRef idx="1">
+              <a:schemeClr val="accent1"/>
+            </a:fillRef>
+            <a:effectRef idx="0">
+              <a:schemeClr val="accent1"/>
+            </a:effectRef>
+            <a:fontRef idx="minor">
+              <a:schemeClr val="lt1"/>
+            </a:fontRef>
+          </p:style>
+          <p:txBody>
+            <a:bodyPr rtlCol="0" anchor="ctr"/>
+            <a:lstStyle/>
+            <a:p>
+              <a:pPr algn="ctr"/>
+              <a:endParaRPr lang="fr-FR"/>
+            </a:p>
+          </p:txBody>
+        </p:sp>
+        <p:sp>
+          <p:nvSpPr>
+            <p:cNvPr id="351" name="ZoneTexte 350">
+              <a:extLst>
+                <a:ext uri="{FF2B5EF4-FFF2-40B4-BE49-F238E27FC236}">
+                  <a16:creationId xmlns:a16="http://schemas.microsoft.com/office/drawing/2014/main" id="{1981EEEB-1955-F23F-F8BF-0F1E7E7C2977}"/>
+                </a:ext>
+              </a:extLst>
+            </p:cNvPr>
+            <p:cNvSpPr txBox="1"/>
+            <p:nvPr/>
+          </p:nvSpPr>
+          <p:spPr>
+            <a:xfrm>
+              <a:off x="10017573" y="2635524"/>
+              <a:ext cx="1063586" cy="246221"/>
+            </a:xfrm>
+            <a:prstGeom prst="rect">
+              <a:avLst/>
+            </a:prstGeom>
+            <a:noFill/>
+          </p:spPr>
+          <p:txBody>
+            <a:bodyPr wrap="square" rtlCol="0">
+              <a:spAutoFit/>
+            </a:bodyPr>
+            <a:lstStyle>
+              <a:defPPr>
+                <a:defRPr lang="fr-FR"/>
+              </a:defPPr>
+              <a:lvl1pPr algn="ctr">
+                <a:defRPr sz="1000" b="1">
+                  <a:solidFill>
+                    <a:schemeClr val="bg1">
+                      <a:lumMod val="50000"/>
+                    </a:schemeClr>
+                  </a:solidFill>
+                </a:defRPr>
+              </a:lvl1pPr>
+            </a:lstStyle>
+            <a:p>
+              <a:r>
+                <a:rPr lang="fr-FR" dirty="0" err="1">
+                  <a:solidFill>
+                    <a:schemeClr val="tx1"/>
+                  </a:solidFill>
+                </a:rPr>
+                <a:t>Databases</a:t>
+              </a:r>
+              <a:endParaRPr lang="fr-FR" dirty="0">
+                <a:solidFill>
+                  <a:schemeClr val="tx1"/>
+                </a:solidFill>
+              </a:endParaRPr>
+            </a:p>
+          </p:txBody>
+        </p:sp>
+      </p:grpSp>
+      <p:sp>
+        <p:nvSpPr>
+          <p:cNvPr id="359" name="Rectangle 358">
+            <a:extLst>
+              <a:ext uri="{FF2B5EF4-FFF2-40B4-BE49-F238E27FC236}">
+                <a16:creationId xmlns:a16="http://schemas.microsoft.com/office/drawing/2014/main" id="{DB5C4EB8-0497-4A1E-D48F-80CFB8FC32EA}"/>
+              </a:ext>
+            </a:extLst>
+          </p:cNvPr>
+          <p:cNvSpPr/>
+          <p:nvPr/>
+        </p:nvSpPr>
+        <p:spPr>
+          <a:xfrm>
+            <a:off x="9128189" y="2717793"/>
+            <a:ext cx="87355" cy="93115"/>
+          </a:xfrm>
+          <a:prstGeom prst="rect">
+            <a:avLst/>
+          </a:prstGeom>
+          <a:noFill/>
+          <a:ln>
+            <a:noFill/>
+          </a:ln>
+        </p:spPr>
+        <p:style>
+          <a:lnRef idx="2">
+            <a:schemeClr val="accent1">
+              <a:shade val="50000"/>
+            </a:schemeClr>
+          </a:lnRef>
+          <a:fillRef idx="1">
+            <a:schemeClr val="accent1"/>
+          </a:fillRef>
+          <a:effectRef idx="0">
+            <a:schemeClr val="accent1"/>
+          </a:effectRef>
+          <a:fontRef idx="minor">
+            <a:schemeClr val="lt1"/>
+          </a:fontRef>
+        </p:style>
+        <p:txBody>
+          <a:bodyPr rtlCol="0" anchor="ctr"/>
+          <a:lstStyle/>
+          <a:p>
+            <a:pPr algn="ctr"/>
+            <a:endParaRPr lang="fr-FR"/>
+          </a:p>
+        </p:txBody>
+      </p:sp>
+      <p:cxnSp>
+        <p:nvCxnSpPr>
+          <p:cNvPr id="360" name="Connecteur droit avec flèche 359">
+            <a:extLst>
+              <a:ext uri="{FF2B5EF4-FFF2-40B4-BE49-F238E27FC236}">
+                <a16:creationId xmlns:a16="http://schemas.microsoft.com/office/drawing/2014/main" id="{62E28CF9-7C9A-51E3-E27C-BDAB670ED2EF}"/>
+              </a:ext>
+            </a:extLst>
+          </p:cNvPr>
+          <p:cNvCxnSpPr>
+            <a:cxnSpLocks/>
+            <a:stCxn id="359" idx="3"/>
+            <a:endCxn id="351" idx="1"/>
+          </p:cNvCxnSpPr>
+          <p:nvPr/>
+        </p:nvCxnSpPr>
+        <p:spPr>
+          <a:xfrm>
+            <a:off x="9215544" y="2764351"/>
+            <a:ext cx="802029" cy="1753"/>
+          </a:xfrm>
+          <a:prstGeom prst="straightConnector1">
+            <a:avLst/>
+          </a:prstGeom>
+          <a:ln>
+            <a:solidFill>
+              <a:schemeClr val="bg1">
+                <a:lumMod val="50000"/>
+              </a:schemeClr>
+            </a:solidFill>
+            <a:tailEnd type="triangle"/>
+          </a:ln>
+        </p:spPr>
+        <p:style>
+          <a:lnRef idx="1">
+            <a:schemeClr val="accent1"/>
+          </a:lnRef>
+          <a:fillRef idx="0">
+            <a:schemeClr val="accent1"/>
+          </a:fillRef>
+          <a:effectRef idx="0">
+            <a:schemeClr val="accent1"/>
+          </a:effectRef>
+          <a:fontRef idx="minor">
+            <a:schemeClr val="tx1"/>
+          </a:fontRef>
+        </p:style>
+      </p:cxnSp>
+      <p:cxnSp>
+        <p:nvCxnSpPr>
+          <p:cNvPr id="368" name="Connecteur : en angle 367">
+            <a:extLst>
+              <a:ext uri="{FF2B5EF4-FFF2-40B4-BE49-F238E27FC236}">
+                <a16:creationId xmlns:a16="http://schemas.microsoft.com/office/drawing/2014/main" id="{B47E23CD-2C00-BC8D-087E-B092CBEF6567}"/>
+              </a:ext>
+            </a:extLst>
+          </p:cNvPr>
+          <p:cNvCxnSpPr>
+            <a:stCxn id="124" idx="3"/>
+            <a:endCxn id="351" idx="3"/>
+          </p:cNvCxnSpPr>
+          <p:nvPr/>
+        </p:nvCxnSpPr>
+        <p:spPr>
+          <a:xfrm flipH="1" flipV="1">
+            <a:off x="11081159" y="2766104"/>
+            <a:ext cx="50537" cy="1351372"/>
+          </a:xfrm>
+          <a:prstGeom prst="bentConnector3">
+            <a:avLst>
+              <a:gd name="adj1" fmla="val -452342"/>
+            </a:avLst>
+          </a:prstGeom>
+          <a:ln>
+            <a:solidFill>
+              <a:schemeClr val="bg1">
+                <a:lumMod val="50000"/>
+              </a:schemeClr>
+            </a:solidFill>
+            <a:tailEnd type="triangle"/>
+          </a:ln>
+        </p:spPr>
+        <p:style>
+          <a:lnRef idx="1">
+            <a:schemeClr val="accent1"/>
+          </a:lnRef>
+          <a:fillRef idx="0">
+            <a:schemeClr val="accent1"/>
+          </a:fillRef>
+          <a:effectRef idx="0">
+            <a:schemeClr val="accent1"/>
+          </a:effectRef>
+          <a:fontRef idx="minor">
+            <a:schemeClr val="tx1"/>
+          </a:fontRef>
+        </p:style>
+      </p:cxnSp>
+      <p:sp>
+        <p:nvSpPr>
+          <p:cNvPr id="110" name="Rectangle : coins arrondis 109">
+            <a:extLst>
+              <a:ext uri="{FF2B5EF4-FFF2-40B4-BE49-F238E27FC236}">
+                <a16:creationId xmlns:a16="http://schemas.microsoft.com/office/drawing/2014/main" id="{926BABD7-D099-944A-0439-6CAF27CA53B1}"/>
+              </a:ext>
+            </a:extLst>
+          </p:cNvPr>
+          <p:cNvSpPr/>
+          <p:nvPr/>
+        </p:nvSpPr>
+        <p:spPr>
+          <a:xfrm>
+            <a:off x="4986813" y="1184286"/>
+            <a:ext cx="1368000" cy="604047"/>
+          </a:xfrm>
+          <a:prstGeom prst="roundRect">
+            <a:avLst/>
+          </a:prstGeom>
+          <a:solidFill>
+            <a:schemeClr val="accent3">
+              <a:alpha val="27000"/>
+            </a:schemeClr>
+          </a:solidFill>
+          <a:ln>
+            <a:noFill/>
+          </a:ln>
+        </p:spPr>
+        <p:style>
+          <a:lnRef idx="0">
+            <a:scrgbClr r="0" g="0" b="0"/>
+          </a:lnRef>
+          <a:fillRef idx="0">
+            <a:scrgbClr r="0" g="0" b="0"/>
+          </a:fillRef>
+          <a:effectRef idx="0">
+            <a:scrgbClr r="0" g="0" b="0"/>
+          </a:effectRef>
+          <a:fontRef idx="minor">
+            <a:schemeClr val="lt1"/>
+          </a:fontRef>
+        </p:style>
+        <p:txBody>
+          <a:bodyPr rtlCol="0" anchor="ctr"/>
+          <a:lstStyle/>
+          <a:p>
+            <a:pPr algn="ctr"/>
+            <a:endParaRPr lang="fr-FR"/>
+          </a:p>
+        </p:txBody>
+      </p:sp>
+      <p:sp>
+        <p:nvSpPr>
+          <p:cNvPr id="268" name="Rectangle 267">
+            <a:extLst>
+              <a:ext uri="{FF2B5EF4-FFF2-40B4-BE49-F238E27FC236}">
+                <a16:creationId xmlns:a16="http://schemas.microsoft.com/office/drawing/2014/main" id="{86F79A96-1AB9-4351-AF68-1126A8BFCB00}"/>
+              </a:ext>
+            </a:extLst>
+          </p:cNvPr>
+          <p:cNvSpPr/>
+          <p:nvPr/>
+        </p:nvSpPr>
+        <p:spPr>
+          <a:xfrm>
+            <a:off x="7576901" y="395527"/>
+            <a:ext cx="1470639" cy="6243398"/>
+          </a:xfrm>
+          <a:prstGeom prst="rect">
+            <a:avLst/>
+          </a:prstGeom>
+          <a:noFill/>
+          <a:ln>
+            <a:solidFill>
+              <a:schemeClr val="bg1">
+                <a:lumMod val="50000"/>
+              </a:schemeClr>
+            </a:solidFill>
+            <a:prstDash val="dash"/>
+          </a:ln>
+        </p:spPr>
+        <p:style>
+          <a:lnRef idx="2">
+            <a:schemeClr val="accent1">
+              <a:shade val="50000"/>
+            </a:schemeClr>
+          </a:lnRef>
+          <a:fillRef idx="1">
+            <a:schemeClr val="accent1"/>
+          </a:fillRef>
+          <a:effectRef idx="0">
+            <a:schemeClr val="accent1"/>
+          </a:effectRef>
+          <a:fontRef idx="minor">
+            <a:schemeClr val="lt1"/>
+          </a:fontRef>
+        </p:style>
+        <p:txBody>
+          <a:bodyPr rtlCol="0" anchor="ctr"/>
+          <a:lstStyle/>
+          <a:p>
+            <a:pPr algn="ctr"/>
+            <a:endParaRPr lang="fr-FR"/>
+          </a:p>
+        </p:txBody>
+      </p:sp>
+      <p:sp>
+        <p:nvSpPr>
+          <p:cNvPr id="274" name="ZoneTexte 273">
+            <a:extLst>
+              <a:ext uri="{FF2B5EF4-FFF2-40B4-BE49-F238E27FC236}">
+                <a16:creationId xmlns:a16="http://schemas.microsoft.com/office/drawing/2014/main" id="{02D41BF5-0A65-17A6-CA1F-8D996C770661}"/>
+              </a:ext>
+            </a:extLst>
+          </p:cNvPr>
+          <p:cNvSpPr txBox="1"/>
+          <p:nvPr/>
+        </p:nvSpPr>
+        <p:spPr>
+          <a:xfrm>
+            <a:off x="7152681" y="385382"/>
+            <a:ext cx="1858970" cy="276999"/>
+          </a:xfrm>
+          <a:prstGeom prst="rect">
+            <a:avLst/>
+          </a:prstGeom>
+          <a:noFill/>
+        </p:spPr>
+        <p:txBody>
+          <a:bodyPr wrap="square" rtlCol="0">
+            <a:spAutoFit/>
+          </a:bodyPr>
+          <a:lstStyle/>
+          <a:p>
+            <a:r>
+              <a:rPr lang="fr-FR" sz="1200" b="1" dirty="0"/>
+              <a:t>Backend Infrastructure</a:t>
+            </a:r>
+          </a:p>
+        </p:txBody>
+      </p:sp>
+      <p:grpSp>
+        <p:nvGrpSpPr>
+          <p:cNvPr id="43" name="Groupe 42">
+            <a:extLst>
+              <a:ext uri="{FF2B5EF4-FFF2-40B4-BE49-F238E27FC236}">
+                <a16:creationId xmlns:a16="http://schemas.microsoft.com/office/drawing/2014/main" id="{50EBEA23-4438-C513-76B4-0C04FFDBA49D}"/>
+              </a:ext>
+            </a:extLst>
+          </p:cNvPr>
+          <p:cNvGrpSpPr/>
+          <p:nvPr/>
+        </p:nvGrpSpPr>
+        <p:grpSpPr>
+          <a:xfrm>
+            <a:off x="2937587" y="5680172"/>
+            <a:ext cx="89272" cy="654687"/>
+            <a:chOff x="5315864" y="461772"/>
+            <a:chExt cx="89272" cy="654687"/>
+          </a:xfrm>
+        </p:grpSpPr>
+        <p:grpSp>
+          <p:nvGrpSpPr>
+            <p:cNvPr id="46" name="Groupe 45">
+              <a:extLst>
+                <a:ext uri="{FF2B5EF4-FFF2-40B4-BE49-F238E27FC236}">
+                  <a16:creationId xmlns:a16="http://schemas.microsoft.com/office/drawing/2014/main" id="{6803ED08-C1FE-A73A-5B39-29AE4921A17D}"/>
+                </a:ext>
+              </a:extLst>
+            </p:cNvPr>
+            <p:cNvGrpSpPr/>
+            <p:nvPr/>
+          </p:nvGrpSpPr>
+          <p:grpSpPr>
+            <a:xfrm>
+              <a:off x="5315864" y="461772"/>
+              <a:ext cx="87355" cy="654687"/>
+              <a:chOff x="5198733" y="2052103"/>
+              <a:chExt cx="87355" cy="654687"/>
+            </a:xfrm>
+          </p:grpSpPr>
+          <p:cxnSp>
+            <p:nvCxnSpPr>
+              <p:cNvPr id="50" name="Connecteur droit 49">
+                <a:extLst>
+                  <a:ext uri="{FF2B5EF4-FFF2-40B4-BE49-F238E27FC236}">
+                    <a16:creationId xmlns:a16="http://schemas.microsoft.com/office/drawing/2014/main" id="{3ADCEBEC-E9EE-C6B2-CBF7-2A99F0D37D4B}"/>
+                  </a:ext>
+                </a:extLst>
+              </p:cNvPr>
+              <p:cNvCxnSpPr/>
+              <p:nvPr/>
+            </p:nvCxnSpPr>
+            <p:spPr>
+              <a:xfrm>
+                <a:off x="5244328" y="2052103"/>
+                <a:ext cx="0" cy="654687"/>
+              </a:xfrm>
+              <a:prstGeom prst="line">
+                <a:avLst/>
+              </a:prstGeom>
+              <a:ln w="38100">
+                <a:solidFill>
+                  <a:schemeClr val="tx1"/>
+                </a:solidFill>
+              </a:ln>
+            </p:spPr>
+            <p:style>
+              <a:lnRef idx="1">
+                <a:schemeClr val="accent1"/>
+              </a:lnRef>
+              <a:fillRef idx="0">
+                <a:schemeClr val="accent1"/>
+              </a:fillRef>
+              <a:effectRef idx="0">
+                <a:schemeClr val="accent1"/>
+              </a:effectRef>
+              <a:fontRef idx="minor">
+                <a:schemeClr val="tx1"/>
+              </a:fontRef>
+            </p:style>
+          </p:cxnSp>
+          <p:sp>
+            <p:nvSpPr>
+              <p:cNvPr id="51" name="Rectangle 50">
+                <a:extLst>
+                  <a:ext uri="{FF2B5EF4-FFF2-40B4-BE49-F238E27FC236}">
+                    <a16:creationId xmlns:a16="http://schemas.microsoft.com/office/drawing/2014/main" id="{14B8F4AD-9258-E0A5-1D46-C23E1FFF9FC7}"/>
+                  </a:ext>
+                </a:extLst>
+              </p:cNvPr>
+              <p:cNvSpPr/>
+              <p:nvPr/>
+            </p:nvSpPr>
+            <p:spPr>
+              <a:xfrm>
+                <a:off x="5198733" y="2359626"/>
+                <a:ext cx="87355" cy="93115"/>
+              </a:xfrm>
+              <a:prstGeom prst="rect">
+                <a:avLst/>
+              </a:prstGeom>
+              <a:noFill/>
+              <a:ln>
+                <a:noFill/>
+              </a:ln>
+            </p:spPr>
+            <p:style>
+              <a:lnRef idx="2">
+                <a:schemeClr val="accent1">
+                  <a:shade val="50000"/>
+                </a:schemeClr>
+              </a:lnRef>
+              <a:fillRef idx="1">
+                <a:schemeClr val="accent1"/>
+              </a:fillRef>
+              <a:effectRef idx="0">
+                <a:schemeClr val="accent1"/>
+              </a:effectRef>
+              <a:fontRef idx="minor">
+                <a:schemeClr val="lt1"/>
+              </a:fontRef>
+            </p:style>
+            <p:txBody>
+              <a:bodyPr rtlCol="0" anchor="ctr"/>
+              <a:lstStyle/>
+              <a:p>
+                <a:pPr algn="ctr"/>
+                <a:endParaRPr lang="fr-FR"/>
+              </a:p>
+            </p:txBody>
+          </p:sp>
+        </p:grpSp>
+        <p:sp>
+          <p:nvSpPr>
+            <p:cNvPr id="48" name="Rectangle 47">
+              <a:extLst>
+                <a:ext uri="{FF2B5EF4-FFF2-40B4-BE49-F238E27FC236}">
+                  <a16:creationId xmlns:a16="http://schemas.microsoft.com/office/drawing/2014/main" id="{2AA5D867-B4D8-70E8-C33B-00E73A233EC3}"/>
+                </a:ext>
+              </a:extLst>
+            </p:cNvPr>
+            <p:cNvSpPr/>
+            <p:nvPr/>
+          </p:nvSpPr>
+          <p:spPr>
+            <a:xfrm>
+              <a:off x="5317781" y="594096"/>
+              <a:ext cx="87355" cy="93115"/>
+            </a:xfrm>
+            <a:prstGeom prst="rect">
+              <a:avLst/>
+            </a:prstGeom>
+            <a:noFill/>
+            <a:ln>
+              <a:noFill/>
+            </a:ln>
+          </p:spPr>
+          <p:style>
+            <a:lnRef idx="2">
+              <a:schemeClr val="accent1">
+                <a:shade val="50000"/>
+              </a:schemeClr>
+            </a:lnRef>
+            <a:fillRef idx="1">
+              <a:schemeClr val="accent1"/>
+            </a:fillRef>
+            <a:effectRef idx="0">
+              <a:schemeClr val="accent1"/>
+            </a:effectRef>
+            <a:fontRef idx="minor">
+              <a:schemeClr val="lt1"/>
+            </a:fontRef>
+          </p:style>
+          <p:txBody>
+            <a:bodyPr rtlCol="0" anchor="ctr"/>
+            <a:lstStyle/>
+            <a:p>
+              <a:pPr algn="ctr"/>
+              <a:endParaRPr lang="fr-FR"/>
+            </a:p>
+          </p:txBody>
+        </p:sp>
+        <p:sp>
+          <p:nvSpPr>
+            <p:cNvPr id="49" name="Rectangle 48">
+              <a:extLst>
+                <a:ext uri="{FF2B5EF4-FFF2-40B4-BE49-F238E27FC236}">
+                  <a16:creationId xmlns:a16="http://schemas.microsoft.com/office/drawing/2014/main" id="{5DFB16D3-796D-E250-500B-9D2E12989478}"/>
+                </a:ext>
+              </a:extLst>
+            </p:cNvPr>
+            <p:cNvSpPr/>
+            <p:nvPr/>
+          </p:nvSpPr>
+          <p:spPr>
+            <a:xfrm>
+              <a:off x="5317781" y="1016492"/>
+              <a:ext cx="87355" cy="93115"/>
+            </a:xfrm>
+            <a:prstGeom prst="rect">
+              <a:avLst/>
+            </a:prstGeom>
+            <a:noFill/>
+            <a:ln>
+              <a:noFill/>
+            </a:ln>
+          </p:spPr>
+          <p:style>
+            <a:lnRef idx="2">
+              <a:schemeClr val="accent1">
+                <a:shade val="50000"/>
+              </a:schemeClr>
+            </a:lnRef>
+            <a:fillRef idx="1">
+              <a:schemeClr val="accent1"/>
+            </a:fillRef>
+            <a:effectRef idx="0">
+              <a:schemeClr val="accent1"/>
+            </a:effectRef>
+            <a:fontRef idx="minor">
+              <a:schemeClr val="lt1"/>
+            </a:fontRef>
+          </p:style>
+          <p:txBody>
+            <a:bodyPr rtlCol="0" anchor="ctr"/>
+            <a:lstStyle/>
+            <a:p>
+              <a:pPr algn="ctr"/>
+              <a:endParaRPr lang="fr-FR"/>
+            </a:p>
+          </p:txBody>
+        </p:sp>
+      </p:grpSp>
+      <p:cxnSp>
+        <p:nvCxnSpPr>
+          <p:cNvPr id="53" name="Connecteur droit avec flèche 52">
+            <a:extLst>
+              <a:ext uri="{FF2B5EF4-FFF2-40B4-BE49-F238E27FC236}">
+                <a16:creationId xmlns:a16="http://schemas.microsoft.com/office/drawing/2014/main" id="{A761B464-1C05-1FC5-7A9F-B11A6B168300}"/>
+              </a:ext>
+            </a:extLst>
+          </p:cNvPr>
+          <p:cNvCxnSpPr>
+            <a:cxnSpLocks/>
+            <a:endCxn id="48" idx="1"/>
+          </p:cNvCxnSpPr>
+          <p:nvPr/>
+        </p:nvCxnSpPr>
+        <p:spPr>
+          <a:xfrm>
+            <a:off x="2452987" y="5859054"/>
+            <a:ext cx="486517" cy="0"/>
+          </a:xfrm>
+          <a:prstGeom prst="straightConnector1">
+            <a:avLst/>
+          </a:prstGeom>
+          <a:ln>
+            <a:solidFill>
+              <a:schemeClr val="bg1">
+                <a:lumMod val="50000"/>
+              </a:schemeClr>
+            </a:solidFill>
+            <a:tailEnd type="triangle"/>
+          </a:ln>
+        </p:spPr>
+        <p:style>
+          <a:lnRef idx="1">
+            <a:schemeClr val="accent1"/>
+          </a:lnRef>
+          <a:fillRef idx="0">
+            <a:schemeClr val="accent1"/>
+          </a:fillRef>
+          <a:effectRef idx="0">
+            <a:schemeClr val="accent1"/>
+          </a:effectRef>
+          <a:fontRef idx="minor">
+            <a:schemeClr val="tx1"/>
+          </a:fontRef>
+        </p:style>
+      </p:cxnSp>
+      <p:cxnSp>
+        <p:nvCxnSpPr>
+          <p:cNvPr id="55" name="Connecteur droit avec flèche 54">
+            <a:extLst>
+              <a:ext uri="{FF2B5EF4-FFF2-40B4-BE49-F238E27FC236}">
+                <a16:creationId xmlns:a16="http://schemas.microsoft.com/office/drawing/2014/main" id="{A96A25B5-8145-CD93-E01F-A3B752A6AF71}"/>
+              </a:ext>
+            </a:extLst>
+          </p:cNvPr>
+          <p:cNvCxnSpPr>
+            <a:cxnSpLocks/>
+            <a:endCxn id="49" idx="1"/>
+          </p:cNvCxnSpPr>
+          <p:nvPr/>
+        </p:nvCxnSpPr>
+        <p:spPr>
+          <a:xfrm>
+            <a:off x="2452987" y="6281450"/>
+            <a:ext cx="486517" cy="0"/>
+          </a:xfrm>
+          <a:prstGeom prst="straightConnector1">
+            <a:avLst/>
+          </a:prstGeom>
+          <a:ln>
+            <a:solidFill>
+              <a:schemeClr val="bg1">
+                <a:lumMod val="50000"/>
+              </a:schemeClr>
+            </a:solidFill>
+            <a:tailEnd type="triangle"/>
+          </a:ln>
+        </p:spPr>
+        <p:style>
+          <a:lnRef idx="1">
+            <a:schemeClr val="accent1"/>
+          </a:lnRef>
+          <a:fillRef idx="0">
+            <a:schemeClr val="accent1"/>
+          </a:fillRef>
+          <a:effectRef idx="0">
+            <a:schemeClr val="accent1"/>
+          </a:effectRef>
+          <a:fontRef idx="minor">
+            <a:schemeClr val="tx1"/>
+          </a:fontRef>
+        </p:style>
+      </p:cxnSp>
+      <p:cxnSp>
+        <p:nvCxnSpPr>
+          <p:cNvPr id="58" name="Connecteur droit avec flèche 57">
+            <a:extLst>
+              <a:ext uri="{FF2B5EF4-FFF2-40B4-BE49-F238E27FC236}">
+                <a16:creationId xmlns:a16="http://schemas.microsoft.com/office/drawing/2014/main" id="{73864995-7D13-D945-1A3D-F474D92C2CF1}"/>
+              </a:ext>
+            </a:extLst>
+          </p:cNvPr>
+          <p:cNvCxnSpPr>
+            <a:cxnSpLocks/>
+            <a:stCxn id="51" idx="2"/>
+            <a:endCxn id="263" idx="1"/>
+          </p:cNvCxnSpPr>
+          <p:nvPr/>
+        </p:nvCxnSpPr>
+        <p:spPr>
+          <a:xfrm flipV="1">
+            <a:off x="2981265" y="6079172"/>
+            <a:ext cx="305022" cy="1638"/>
+          </a:xfrm>
+          <a:prstGeom prst="straightConnector1">
+            <a:avLst/>
+          </a:prstGeom>
+          <a:ln>
+            <a:tailEnd type="triangle"/>
+          </a:ln>
+        </p:spPr>
+        <p:style>
+          <a:lnRef idx="1">
+            <a:schemeClr val="accent1"/>
+          </a:lnRef>
+          <a:fillRef idx="0">
+            <a:schemeClr val="accent1"/>
+          </a:fillRef>
+          <a:effectRef idx="0">
+            <a:schemeClr val="accent1"/>
+          </a:effectRef>
+          <a:fontRef idx="minor">
+            <a:schemeClr val="tx1"/>
+          </a:fontRef>
+        </p:style>
+      </p:cxnSp>
+    </p:spTree>
+    <p:extLst>
+      <p:ext uri="{BB962C8B-B14F-4D97-AF65-F5344CB8AC3E}">
+        <p14:creationId xmlns:p14="http://schemas.microsoft.com/office/powerpoint/2010/main" val="3342776252"/>
+      </p:ext>
+    </p:extLst>
+  </p:cSld>
+  <p:clrMapOvr>
+    <a:masterClrMapping/>
+  </p:clrMapOvr>
+</p:sld>
+</file>
+
 <file path=ppt/theme/theme1.xml><?xml version="1.0" encoding="utf-8"?>
 <a:theme xmlns:a="http://schemas.openxmlformats.org/drawingml/2006/main" name="Thème Office">
   <a:themeElements>
